--- a/BortonLabMeeting12.7.pptx
+++ b/BortonLabMeeting12.7.pptx
@@ -5,7 +5,7 @@
     <p:sldMasterId id="2147483648" r:id="rId1"/>
   </p:sldMasterIdLst>
   <p:notesMasterIdLst>
-    <p:notesMasterId r:id="rId17"/>
+    <p:notesMasterId r:id="rId18"/>
   </p:notesMasterIdLst>
   <p:sldIdLst>
     <p:sldId id="256" r:id="rId2"/>
@@ -20,9 +20,10 @@
     <p:sldId id="266" r:id="rId11"/>
     <p:sldId id="270" r:id="rId12"/>
     <p:sldId id="306" r:id="rId13"/>
-    <p:sldId id="295" r:id="rId14"/>
-    <p:sldId id="271" r:id="rId15"/>
-    <p:sldId id="296" r:id="rId16"/>
+    <p:sldId id="307" r:id="rId14"/>
+    <p:sldId id="308" r:id="rId15"/>
+    <p:sldId id="309" r:id="rId16"/>
+    <p:sldId id="295" r:id="rId17"/>
   </p:sldIdLst>
   <p:sldSz cx="12192000" cy="6858000"/>
   <p:notesSz cx="6858000" cy="9144000"/>
@@ -614,6 +615,36 @@
               <a:t>Similar to gambling via anticipation of reward though unsure about what gambling really does</a:t>
             </a:r>
           </a:p>
+          <a:p>
+            <a:r>
+              <a:rPr lang="en-US" dirty="0"/>
+              <a:t>Dopamine selectively </a:t>
+            </a:r>
+            <a:r>
+              <a:rPr lang="en-US" dirty="0" err="1"/>
+              <a:t>recuits</a:t>
+            </a:r>
+            <a:r>
+              <a:rPr lang="en-US" dirty="0"/>
+              <a:t> </a:t>
+            </a:r>
+            <a:r>
+              <a:rPr lang="en-US" dirty="0" err="1"/>
+              <a:t>NaC</a:t>
+            </a:r>
+            <a:r>
+              <a:rPr lang="en-US" dirty="0"/>
+              <a:t> (</a:t>
+            </a:r>
+            <a:r>
+              <a:rPr lang="en-US" dirty="0" err="1"/>
+              <a:t>Kuntson</a:t>
+            </a:r>
+            <a:r>
+              <a:rPr lang="en-US" dirty="0"/>
+              <a:t>, 2001)</a:t>
+            </a:r>
+          </a:p>
         </p:txBody>
       </p:sp>
       <p:sp>
@@ -1152,6 +1183,382 @@
     <p:extLst>
       <p:ext uri="{BB962C8B-B14F-4D97-AF65-F5344CB8AC3E}">
         <p14:creationId xmlns:p14="http://schemas.microsoft.com/office/powerpoint/2010/main" val="3088010145"/>
+      </p:ext>
+    </p:extLst>
+  </p:cSld>
+  <p:clrMapOvr>
+    <a:masterClrMapping/>
+  </p:clrMapOvr>
+</p:notes>
+</file>
+
+<file path=ppt/notesSlides/notesSlide5.xml><?xml version="1.0" encoding="utf-8"?>
+<p:notes xmlns:a="http://schemas.openxmlformats.org/drawingml/2006/main" xmlns:r="http://schemas.openxmlformats.org/officeDocument/2006/relationships" xmlns:p="http://schemas.openxmlformats.org/presentationml/2006/main">
+  <p:cSld>
+    <p:spTree>
+      <p:nvGrpSpPr>
+        <p:cNvPr id="1" name=""/>
+        <p:cNvGrpSpPr/>
+        <p:nvPr/>
+      </p:nvGrpSpPr>
+      <p:grpSpPr>
+        <a:xfrm>
+          <a:off x="0" y="0"/>
+          <a:ext cx="0" cy="0"/>
+          <a:chOff x="0" y="0"/>
+          <a:chExt cx="0" cy="0"/>
+        </a:xfrm>
+      </p:grpSpPr>
+      <p:sp>
+        <p:nvSpPr>
+          <p:cNvPr id="2" name="Slide Image Placeholder 1"/>
+          <p:cNvSpPr>
+            <a:spLocks noGrp="1" noRot="1" noChangeAspect="1"/>
+          </p:cNvSpPr>
+          <p:nvPr>
+            <p:ph type="sldImg"/>
+          </p:nvPr>
+        </p:nvSpPr>
+        <p:spPr/>
+      </p:sp>
+      <p:sp>
+        <p:nvSpPr>
+          <p:cNvPr id="3" name="Notes Placeholder 2"/>
+          <p:cNvSpPr>
+            <a:spLocks noGrp="1"/>
+          </p:cNvSpPr>
+          <p:nvPr>
+            <p:ph type="body" idx="1"/>
+          </p:nvPr>
+        </p:nvSpPr>
+        <p:spPr/>
+        <p:txBody>
+          <a:bodyPr/>
+          <a:lstStyle/>
+          <a:p>
+            <a:pPr marL="228600" indent="-228600">
+              <a:buAutoNum type="arabicParenR"/>
+            </a:pPr>
+            <a:r>
+              <a:rPr lang="en-US" dirty="0"/>
+              <a:t>Ramping task</a:t>
+            </a:r>
+          </a:p>
+          <a:p>
+            <a:pPr marL="228600" indent="-228600">
+              <a:buAutoNum type="arabicParenR"/>
+            </a:pPr>
+            <a:r>
+              <a:rPr lang="en-US" dirty="0"/>
+              <a:t>Increases gambling behavior</a:t>
+            </a:r>
+          </a:p>
+          <a:p>
+            <a:pPr marL="228600" indent="-228600">
+              <a:buAutoNum type="arabicParenR"/>
+            </a:pPr>
+            <a:r>
+              <a:rPr lang="en-US" dirty="0"/>
+              <a:t>Impulsive individuals have different DA networks</a:t>
+            </a:r>
+          </a:p>
+          <a:p>
+            <a:pPr marL="228600" indent="-228600">
+              <a:buAutoNum type="arabicParenR"/>
+            </a:pPr>
+            <a:r>
+              <a:rPr lang="en-US" dirty="0"/>
+              <a:t>Sometimes </a:t>
+            </a:r>
+            <a:r>
+              <a:rPr lang="en-US" dirty="0" err="1"/>
+              <a:t>Parkinsons</a:t>
+            </a:r>
+            <a:r>
+              <a:rPr lang="en-US" dirty="0"/>
+              <a:t> patients have impulse control disorders</a:t>
+            </a:r>
+          </a:p>
+          <a:p>
+            <a:pPr marL="228600" indent="-228600">
+              <a:buAutoNum type="arabicParenR"/>
+            </a:pPr>
+            <a:r>
+              <a:rPr lang="en-US" dirty="0"/>
+              <a:t>Risky choice increased in boosting DA but only relative to wins</a:t>
+            </a:r>
+          </a:p>
+          <a:p>
+            <a:pPr marL="228600" indent="-228600">
+              <a:buAutoNum type="arabicParenR"/>
+            </a:pPr>
+            <a:r>
+              <a:rPr lang="en-US" dirty="0"/>
+              <a:t>Phenotypic and genotypic overlap between OCD and PG</a:t>
+            </a:r>
+          </a:p>
+          <a:p>
+            <a:pPr marL="228600" indent="-228600">
+              <a:buAutoNum type="arabicParenR"/>
+            </a:pPr>
+            <a:endParaRPr lang="en-US" dirty="0"/>
+          </a:p>
+        </p:txBody>
+      </p:sp>
+      <p:sp>
+        <p:nvSpPr>
+          <p:cNvPr id="4" name="Slide Number Placeholder 3"/>
+          <p:cNvSpPr>
+            <a:spLocks noGrp="1"/>
+          </p:cNvSpPr>
+          <p:nvPr>
+            <p:ph type="sldNum" sz="quarter" idx="5"/>
+          </p:nvPr>
+        </p:nvSpPr>
+        <p:spPr/>
+        <p:txBody>
+          <a:bodyPr/>
+          <a:lstStyle/>
+          <a:p>
+            <a:fld id="{46B30BCE-83B5-4D36-8240-34FC3A2779A8}" type="slidenum">
+              <a:rPr lang="en-US" smtClean="0"/>
+              <a:t>12</a:t>
+            </a:fld>
+            <a:endParaRPr lang="en-US"/>
+          </a:p>
+        </p:txBody>
+      </p:sp>
+    </p:spTree>
+    <p:extLst>
+      <p:ext uri="{BB962C8B-B14F-4D97-AF65-F5344CB8AC3E}">
+        <p14:creationId xmlns:p14="http://schemas.microsoft.com/office/powerpoint/2010/main" val="928912061"/>
+      </p:ext>
+    </p:extLst>
+  </p:cSld>
+  <p:clrMapOvr>
+    <a:masterClrMapping/>
+  </p:clrMapOvr>
+</p:notes>
+</file>
+
+<file path=ppt/notesSlides/notesSlide6.xml><?xml version="1.0" encoding="utf-8"?>
+<p:notes xmlns:a="http://schemas.openxmlformats.org/drawingml/2006/main" xmlns:r="http://schemas.openxmlformats.org/officeDocument/2006/relationships" xmlns:p="http://schemas.openxmlformats.org/presentationml/2006/main">
+  <p:cSld>
+    <p:spTree>
+      <p:nvGrpSpPr>
+        <p:cNvPr id="1" name=""/>
+        <p:cNvGrpSpPr/>
+        <p:nvPr/>
+      </p:nvGrpSpPr>
+      <p:grpSpPr>
+        <a:xfrm>
+          <a:off x="0" y="0"/>
+          <a:ext cx="0" cy="0"/>
+          <a:chOff x="0" y="0"/>
+          <a:chExt cx="0" cy="0"/>
+        </a:xfrm>
+      </p:grpSpPr>
+      <p:sp>
+        <p:nvSpPr>
+          <p:cNvPr id="2" name="Slide Image Placeholder 1"/>
+          <p:cNvSpPr>
+            <a:spLocks noGrp="1" noRot="1" noChangeAspect="1"/>
+          </p:cNvSpPr>
+          <p:nvPr>
+            <p:ph type="sldImg"/>
+          </p:nvPr>
+        </p:nvSpPr>
+        <p:spPr/>
+      </p:sp>
+      <p:sp>
+        <p:nvSpPr>
+          <p:cNvPr id="3" name="Notes Placeholder 2"/>
+          <p:cNvSpPr>
+            <a:spLocks noGrp="1"/>
+          </p:cNvSpPr>
+          <p:nvPr>
+            <p:ph type="body" idx="1"/>
+          </p:nvPr>
+        </p:nvSpPr>
+        <p:spPr/>
+        <p:txBody>
+          <a:bodyPr/>
+          <a:lstStyle/>
+          <a:p>
+            <a:pPr marL="0" marR="0" lvl="0" indent="0" algn="l" defTabSz="914400" rtl="0" eaLnBrk="1" fontAlgn="auto" latinLnBrk="0" hangingPunct="1">
+              <a:lnSpc>
+                <a:spcPct val="100000"/>
+              </a:lnSpc>
+              <a:spcBef>
+                <a:spcPts val="0"/>
+              </a:spcBef>
+              <a:spcAft>
+                <a:spcPts val="0"/>
+              </a:spcAft>
+              <a:buClrTx/>
+              <a:buSzTx/>
+              <a:buFontTx/>
+              <a:buNone/>
+              <a:tabLst/>
+              <a:defRPr/>
+            </a:pPr>
+            <a:r>
+              <a:rPr lang="en-US" dirty="0"/>
+              <a:t>Using the tasks, possible to compare OCD </a:t>
+            </a:r>
+            <a:r>
+              <a:rPr lang="en-US" dirty="0" err="1"/>
+              <a:t>NAc</a:t>
+            </a:r>
+            <a:r>
+              <a:rPr lang="en-US" dirty="0"/>
+              <a:t> ON, </a:t>
+            </a:r>
+            <a:r>
+              <a:rPr lang="en-US" dirty="0" err="1"/>
+              <a:t>Nac</a:t>
+            </a:r>
+            <a:r>
+              <a:rPr lang="en-US" dirty="0"/>
+              <a:t> off, OCD no-stim, and HC. Presents a unique opportunity to study how </a:t>
+            </a:r>
+            <a:r>
+              <a:rPr lang="en-US" dirty="0" err="1"/>
+              <a:t>NAc</a:t>
+            </a:r>
+            <a:r>
+              <a:rPr lang="en-US" dirty="0"/>
+              <a:t> stimulation affects these results in a </a:t>
+            </a:r>
+            <a:r>
+              <a:rPr lang="en-US" i="1" dirty="0"/>
+              <a:t>causal </a:t>
+            </a:r>
+            <a:r>
+              <a:rPr lang="en-US" i="0" dirty="0"/>
+              <a:t>way</a:t>
+            </a:r>
+            <a:endParaRPr lang="en-US" dirty="0"/>
+          </a:p>
+          <a:p>
+            <a:endParaRPr lang="en-US" dirty="0"/>
+          </a:p>
+          <a:p>
+            <a:endParaRPr lang="en-US" dirty="0"/>
+          </a:p>
+        </p:txBody>
+      </p:sp>
+      <p:sp>
+        <p:nvSpPr>
+          <p:cNvPr id="4" name="Slide Number Placeholder 3"/>
+          <p:cNvSpPr>
+            <a:spLocks noGrp="1"/>
+          </p:cNvSpPr>
+          <p:nvPr>
+            <p:ph type="sldNum" sz="quarter" idx="5"/>
+          </p:nvPr>
+        </p:nvSpPr>
+        <p:spPr/>
+        <p:txBody>
+          <a:bodyPr/>
+          <a:lstStyle/>
+          <a:p>
+            <a:fld id="{46B30BCE-83B5-4D36-8240-34FC3A2779A8}" type="slidenum">
+              <a:rPr lang="en-US" smtClean="0"/>
+              <a:t>14</a:t>
+            </a:fld>
+            <a:endParaRPr lang="en-US"/>
+          </a:p>
+        </p:txBody>
+      </p:sp>
+    </p:spTree>
+    <p:extLst>
+      <p:ext uri="{BB962C8B-B14F-4D97-AF65-F5344CB8AC3E}">
+        <p14:creationId xmlns:p14="http://schemas.microsoft.com/office/powerpoint/2010/main" val="3866585488"/>
+      </p:ext>
+    </p:extLst>
+  </p:cSld>
+  <p:clrMapOvr>
+    <a:masterClrMapping/>
+  </p:clrMapOvr>
+</p:notes>
+</file>
+
+<file path=ppt/notesSlides/notesSlide7.xml><?xml version="1.0" encoding="utf-8"?>
+<p:notes xmlns:a="http://schemas.openxmlformats.org/drawingml/2006/main" xmlns:r="http://schemas.openxmlformats.org/officeDocument/2006/relationships" xmlns:p="http://schemas.openxmlformats.org/presentationml/2006/main">
+  <p:cSld>
+    <p:spTree>
+      <p:nvGrpSpPr>
+        <p:cNvPr id="1" name=""/>
+        <p:cNvGrpSpPr/>
+        <p:nvPr/>
+      </p:nvGrpSpPr>
+      <p:grpSpPr>
+        <a:xfrm>
+          <a:off x="0" y="0"/>
+          <a:ext cx="0" cy="0"/>
+          <a:chOff x="0" y="0"/>
+          <a:chExt cx="0" cy="0"/>
+        </a:xfrm>
+      </p:grpSpPr>
+      <p:sp>
+        <p:nvSpPr>
+          <p:cNvPr id="2" name="Slide Image Placeholder 1"/>
+          <p:cNvSpPr>
+            <a:spLocks noGrp="1" noRot="1" noChangeAspect="1"/>
+          </p:cNvSpPr>
+          <p:nvPr>
+            <p:ph type="sldImg"/>
+          </p:nvPr>
+        </p:nvSpPr>
+        <p:spPr/>
+      </p:sp>
+      <p:sp>
+        <p:nvSpPr>
+          <p:cNvPr id="3" name="Notes Placeholder 2"/>
+          <p:cNvSpPr>
+            <a:spLocks noGrp="1"/>
+          </p:cNvSpPr>
+          <p:nvPr>
+            <p:ph type="body" idx="1"/>
+          </p:nvPr>
+        </p:nvSpPr>
+        <p:spPr/>
+        <p:txBody>
+          <a:bodyPr/>
+          <a:lstStyle/>
+          <a:p>
+            <a:endParaRPr lang="en-US" dirty="0"/>
+          </a:p>
+        </p:txBody>
+      </p:sp>
+      <p:sp>
+        <p:nvSpPr>
+          <p:cNvPr id="4" name="Slide Number Placeholder 3"/>
+          <p:cNvSpPr>
+            <a:spLocks noGrp="1"/>
+          </p:cNvSpPr>
+          <p:nvPr>
+            <p:ph type="sldNum" sz="quarter" idx="5"/>
+          </p:nvPr>
+        </p:nvSpPr>
+        <p:spPr/>
+        <p:txBody>
+          <a:bodyPr/>
+          <a:lstStyle/>
+          <a:p>
+            <a:fld id="{46B30BCE-83B5-4D36-8240-34FC3A2779A8}" type="slidenum">
+              <a:rPr lang="en-US" smtClean="0"/>
+              <a:t>15</a:t>
+            </a:fld>
+            <a:endParaRPr lang="en-US"/>
+          </a:p>
+        </p:txBody>
+      </p:sp>
+    </p:spTree>
+    <p:extLst>
+      <p:ext uri="{BB962C8B-B14F-4D97-AF65-F5344CB8AC3E}">
+        <p14:creationId xmlns:p14="http://schemas.microsoft.com/office/powerpoint/2010/main" val="3684202221"/>
       </p:ext>
     </p:extLst>
   </p:cSld>
@@ -4426,7 +4833,12 @@
             <p:ph type="subTitle" idx="1"/>
           </p:nvPr>
         </p:nvSpPr>
-        <p:spPr/>
+        <p:spPr>
+          <a:xfrm>
+            <a:off x="1524000" y="3487720"/>
+            <a:ext cx="9144000" cy="1655762"/>
+          </a:xfrm>
+        </p:spPr>
         <p:txBody>
           <a:bodyPr>
             <a:normAutofit lnSpcReduction="10000"/>
@@ -5383,41 +5795,193 @@
           <a:p>
             <a:r>
               <a:rPr lang="en-US" dirty="0"/>
-              <a:t>DA affects </a:t>
-            </a:r>
-            <a:r>
-              <a:rPr lang="en-US"/>
-              <a:t>choice behavior</a:t>
-            </a:r>
-            <a:endParaRPr lang="en-US" dirty="0"/>
-          </a:p>
-        </p:txBody>
-      </p:sp>
-      <p:sp>
-        <p:nvSpPr>
-          <p:cNvPr id="3" name="Content Placeholder 2">
-            <a:extLst>
-              <a:ext uri="{FF2B5EF4-FFF2-40B4-BE49-F238E27FC236}">
-                <a16:creationId xmlns:a16="http://schemas.microsoft.com/office/drawing/2014/main" id="{80804516-CDD1-49C6-8168-F1D3B5A7DE78}"/>
-              </a:ext>
-            </a:extLst>
-          </p:cNvPr>
-          <p:cNvSpPr>
-            <a:spLocks noGrp="1"/>
-          </p:cNvSpPr>
+              <a:t>DA affects choice behavior and potentially impulsivity</a:t>
+            </a:r>
+          </a:p>
+        </p:txBody>
+      </p:sp>
+      <p:pic>
+        <p:nvPicPr>
+          <p:cNvPr id="4" name="Content Placeholder 3">
+            <a:extLst>
+              <a:ext uri="{FF2B5EF4-FFF2-40B4-BE49-F238E27FC236}">
+                <a16:creationId xmlns:a16="http://schemas.microsoft.com/office/drawing/2014/main" id="{E9922009-2B41-40CA-B56D-9B6CB1C92E30}"/>
+              </a:ext>
+            </a:extLst>
+          </p:cNvPr>
+          <p:cNvPicPr>
+            <a:picLocks noGrp="1" noChangeAspect="1"/>
+          </p:cNvPicPr>
           <p:nvPr>
             <p:ph idx="1"/>
           </p:nvPr>
-        </p:nvSpPr>
-        <p:spPr/>
-        <p:txBody>
-          <a:bodyPr/>
-          <a:lstStyle/>
-          <a:p>
-            <a:endParaRPr lang="en-US" dirty="0"/>
-          </a:p>
-        </p:txBody>
-      </p:sp>
+        </p:nvPicPr>
+        <p:blipFill>
+          <a:blip r:embed="rId3"/>
+          <a:stretch>
+            <a:fillRect/>
+          </a:stretch>
+        </p:blipFill>
+        <p:spPr>
+          <a:xfrm>
+            <a:off x="562548" y="4278436"/>
+            <a:ext cx="6229350" cy="676275"/>
+          </a:xfrm>
+          <a:prstGeom prst="rect">
+            <a:avLst/>
+          </a:prstGeom>
+        </p:spPr>
+      </p:pic>
+      <p:pic>
+        <p:nvPicPr>
+          <p:cNvPr id="5" name="Picture 4">
+            <a:extLst>
+              <a:ext uri="{FF2B5EF4-FFF2-40B4-BE49-F238E27FC236}">
+                <a16:creationId xmlns:a16="http://schemas.microsoft.com/office/drawing/2014/main" id="{05C4DD89-7659-4E89-8D2A-579AC7A94B62}"/>
+              </a:ext>
+            </a:extLst>
+          </p:cNvPr>
+          <p:cNvPicPr>
+            <a:picLocks noChangeAspect="1"/>
+          </p:cNvPicPr>
+          <p:nvPr/>
+        </p:nvPicPr>
+        <p:blipFill>
+          <a:blip r:embed="rId4"/>
+          <a:stretch>
+            <a:fillRect/>
+          </a:stretch>
+        </p:blipFill>
+        <p:spPr>
+          <a:xfrm>
+            <a:off x="1057136" y="2187398"/>
+            <a:ext cx="4573572" cy="1448972"/>
+          </a:xfrm>
+          <a:prstGeom prst="rect">
+            <a:avLst/>
+          </a:prstGeom>
+        </p:spPr>
+      </p:pic>
+      <p:pic>
+        <p:nvPicPr>
+          <p:cNvPr id="7" name="Picture 6">
+            <a:extLst>
+              <a:ext uri="{FF2B5EF4-FFF2-40B4-BE49-F238E27FC236}">
+                <a16:creationId xmlns:a16="http://schemas.microsoft.com/office/drawing/2014/main" id="{3745FE6B-7332-4281-9DB4-B9C830249F5E}"/>
+              </a:ext>
+            </a:extLst>
+          </p:cNvPr>
+          <p:cNvPicPr>
+            <a:picLocks noChangeAspect="1"/>
+          </p:cNvPicPr>
+          <p:nvPr/>
+        </p:nvPicPr>
+        <p:blipFill>
+          <a:blip r:embed="rId5"/>
+          <a:stretch>
+            <a:fillRect/>
+          </a:stretch>
+        </p:blipFill>
+        <p:spPr>
+          <a:xfrm>
+            <a:off x="562548" y="5455304"/>
+            <a:ext cx="5905500" cy="723900"/>
+          </a:xfrm>
+          <a:prstGeom prst="rect">
+            <a:avLst/>
+          </a:prstGeom>
+        </p:spPr>
+      </p:pic>
+      <p:pic>
+        <p:nvPicPr>
+          <p:cNvPr id="8" name="Picture 7">
+            <a:extLst>
+              <a:ext uri="{FF2B5EF4-FFF2-40B4-BE49-F238E27FC236}">
+                <a16:creationId xmlns:a16="http://schemas.microsoft.com/office/drawing/2014/main" id="{6356B887-2E51-458C-95FA-045136F34616}"/>
+              </a:ext>
+            </a:extLst>
+          </p:cNvPr>
+          <p:cNvPicPr>
+            <a:picLocks noChangeAspect="1"/>
+          </p:cNvPicPr>
+          <p:nvPr/>
+        </p:nvPicPr>
+        <p:blipFill>
+          <a:blip r:embed="rId6"/>
+          <a:stretch>
+            <a:fillRect/>
+          </a:stretch>
+        </p:blipFill>
+        <p:spPr>
+          <a:xfrm>
+            <a:off x="5335477" y="1655048"/>
+            <a:ext cx="6716975" cy="742546"/>
+          </a:xfrm>
+          <a:prstGeom prst="rect">
+            <a:avLst/>
+          </a:prstGeom>
+        </p:spPr>
+      </p:pic>
+      <p:pic>
+        <p:nvPicPr>
+          <p:cNvPr id="10" name="Picture 9">
+            <a:extLst>
+              <a:ext uri="{FF2B5EF4-FFF2-40B4-BE49-F238E27FC236}">
+                <a16:creationId xmlns:a16="http://schemas.microsoft.com/office/drawing/2014/main" id="{25EB5F48-B82F-4D44-889E-E1B18A17FB45}"/>
+              </a:ext>
+            </a:extLst>
+          </p:cNvPr>
+          <p:cNvPicPr>
+            <a:picLocks noChangeAspect="1"/>
+          </p:cNvPicPr>
+          <p:nvPr/>
+        </p:nvPicPr>
+        <p:blipFill>
+          <a:blip r:embed="rId7"/>
+          <a:stretch>
+            <a:fillRect/>
+          </a:stretch>
+        </p:blipFill>
+        <p:spPr>
+          <a:xfrm>
+            <a:off x="6238043" y="3001835"/>
+            <a:ext cx="5572125" cy="1038225"/>
+          </a:xfrm>
+          <a:prstGeom prst="rect">
+            <a:avLst/>
+          </a:prstGeom>
+        </p:spPr>
+      </p:pic>
+      <p:pic>
+        <p:nvPicPr>
+          <p:cNvPr id="11" name="Picture 10">
+            <a:extLst>
+              <a:ext uri="{FF2B5EF4-FFF2-40B4-BE49-F238E27FC236}">
+                <a16:creationId xmlns:a16="http://schemas.microsoft.com/office/drawing/2014/main" id="{4477A1EB-05D7-40DB-AE6A-C51417D6CDFA}"/>
+              </a:ext>
+            </a:extLst>
+          </p:cNvPr>
+          <p:cNvPicPr>
+            <a:picLocks noChangeAspect="1"/>
+          </p:cNvPicPr>
+          <p:nvPr/>
+        </p:nvPicPr>
+        <p:blipFill>
+          <a:blip r:embed="rId8"/>
+          <a:stretch>
+            <a:fillRect/>
+          </a:stretch>
+        </p:blipFill>
+        <p:spPr>
+          <a:xfrm>
+            <a:off x="6096000" y="5894383"/>
+            <a:ext cx="6029325" cy="733425"/>
+          </a:xfrm>
+          <a:prstGeom prst="rect">
+            <a:avLst/>
+          </a:prstGeom>
+        </p:spPr>
+      </p:pic>
     </p:spTree>
     <p:extLst>
       <p:ext uri="{BB962C8B-B14F-4D97-AF65-F5344CB8AC3E}">
@@ -5428,6 +5992,306 @@
   <p:clrMapOvr>
     <a:masterClrMapping/>
   </p:clrMapOvr>
+  <p:timing>
+    <p:tnLst>
+      <p:par>
+        <p:cTn id="1" dur="indefinite" restart="never" nodeType="tmRoot">
+          <p:childTnLst>
+            <p:seq concurrent="1" nextAc="seek">
+              <p:cTn id="2" dur="indefinite" nodeType="mainSeq">
+                <p:childTnLst>
+                  <p:par>
+                    <p:cTn id="3" fill="hold">
+                      <p:stCondLst>
+                        <p:cond delay="indefinite"/>
+                      </p:stCondLst>
+                      <p:childTnLst>
+                        <p:par>
+                          <p:cTn id="4" fill="hold">
+                            <p:stCondLst>
+                              <p:cond delay="0"/>
+                            </p:stCondLst>
+                            <p:childTnLst>
+                              <p:par>
+                                <p:cTn id="5" presetID="1" presetClass="entr" presetSubtype="0" fill="hold" nodeType="clickEffect">
+                                  <p:stCondLst>
+                                    <p:cond delay="0"/>
+                                  </p:stCondLst>
+                                  <p:childTnLst>
+                                    <p:set>
+                                      <p:cBhvr>
+                                        <p:cTn id="6" dur="1" fill="hold">
+                                          <p:stCondLst>
+                                            <p:cond delay="0"/>
+                                          </p:stCondLst>
+                                        </p:cTn>
+                                        <p:tgtEl>
+                                          <p:spTgt spid="5"/>
+                                        </p:tgtEl>
+                                        <p:attrNameLst>
+                                          <p:attrName>style.visibility</p:attrName>
+                                        </p:attrNameLst>
+                                      </p:cBhvr>
+                                      <p:to>
+                                        <p:strVal val="visible"/>
+                                      </p:to>
+                                    </p:set>
+                                  </p:childTnLst>
+                                </p:cTn>
+                              </p:par>
+                            </p:childTnLst>
+                          </p:cTn>
+                        </p:par>
+                      </p:childTnLst>
+                    </p:cTn>
+                  </p:par>
+                  <p:par>
+                    <p:cTn id="7" fill="hold">
+                      <p:stCondLst>
+                        <p:cond delay="indefinite"/>
+                      </p:stCondLst>
+                      <p:childTnLst>
+                        <p:par>
+                          <p:cTn id="8" fill="hold">
+                            <p:stCondLst>
+                              <p:cond delay="0"/>
+                            </p:stCondLst>
+                            <p:childTnLst>
+                              <p:par>
+                                <p:cTn id="9" presetID="1" presetClass="entr" presetSubtype="0" fill="hold" nodeType="clickEffect">
+                                  <p:stCondLst>
+                                    <p:cond delay="0"/>
+                                  </p:stCondLst>
+                                  <p:childTnLst>
+                                    <p:set>
+                                      <p:cBhvr>
+                                        <p:cTn id="10" dur="1" fill="hold">
+                                          <p:stCondLst>
+                                            <p:cond delay="0"/>
+                                          </p:stCondLst>
+                                        </p:cTn>
+                                        <p:tgtEl>
+                                          <p:spTgt spid="4"/>
+                                        </p:tgtEl>
+                                        <p:attrNameLst>
+                                          <p:attrName>style.visibility</p:attrName>
+                                        </p:attrNameLst>
+                                      </p:cBhvr>
+                                      <p:to>
+                                        <p:strVal val="visible"/>
+                                      </p:to>
+                                    </p:set>
+                                  </p:childTnLst>
+                                </p:cTn>
+                              </p:par>
+                            </p:childTnLst>
+                          </p:cTn>
+                        </p:par>
+                      </p:childTnLst>
+                    </p:cTn>
+                  </p:par>
+                  <p:par>
+                    <p:cTn id="11" fill="hold">
+                      <p:stCondLst>
+                        <p:cond delay="indefinite"/>
+                      </p:stCondLst>
+                      <p:childTnLst>
+                        <p:par>
+                          <p:cTn id="12" fill="hold">
+                            <p:stCondLst>
+                              <p:cond delay="0"/>
+                            </p:stCondLst>
+                            <p:childTnLst>
+                              <p:par>
+                                <p:cTn id="13" presetID="1" presetClass="entr" presetSubtype="0" fill="hold" nodeType="clickEffect">
+                                  <p:stCondLst>
+                                    <p:cond delay="0"/>
+                                  </p:stCondLst>
+                                  <p:childTnLst>
+                                    <p:set>
+                                      <p:cBhvr>
+                                        <p:cTn id="14" dur="1" fill="hold">
+                                          <p:stCondLst>
+                                            <p:cond delay="0"/>
+                                          </p:stCondLst>
+                                        </p:cTn>
+                                        <p:tgtEl>
+                                          <p:spTgt spid="7"/>
+                                        </p:tgtEl>
+                                        <p:attrNameLst>
+                                          <p:attrName>style.visibility</p:attrName>
+                                        </p:attrNameLst>
+                                      </p:cBhvr>
+                                      <p:to>
+                                        <p:strVal val="visible"/>
+                                      </p:to>
+                                    </p:set>
+                                  </p:childTnLst>
+                                </p:cTn>
+                              </p:par>
+                            </p:childTnLst>
+                          </p:cTn>
+                        </p:par>
+                      </p:childTnLst>
+                    </p:cTn>
+                  </p:par>
+                  <p:par>
+                    <p:cTn id="15" fill="hold">
+                      <p:stCondLst>
+                        <p:cond delay="indefinite"/>
+                      </p:stCondLst>
+                      <p:childTnLst>
+                        <p:par>
+                          <p:cTn id="16" fill="hold">
+                            <p:stCondLst>
+                              <p:cond delay="0"/>
+                            </p:stCondLst>
+                            <p:childTnLst>
+                              <p:par>
+                                <p:cTn id="17" presetID="1" presetClass="entr" presetSubtype="0" fill="hold" nodeType="clickEffect">
+                                  <p:stCondLst>
+                                    <p:cond delay="0"/>
+                                  </p:stCondLst>
+                                  <p:childTnLst>
+                                    <p:set>
+                                      <p:cBhvr>
+                                        <p:cTn id="18" dur="1" fill="hold">
+                                          <p:stCondLst>
+                                            <p:cond delay="0"/>
+                                          </p:stCondLst>
+                                        </p:cTn>
+                                        <p:tgtEl>
+                                          <p:spTgt spid="8"/>
+                                        </p:tgtEl>
+                                        <p:attrNameLst>
+                                          <p:attrName>style.visibility</p:attrName>
+                                        </p:attrNameLst>
+                                      </p:cBhvr>
+                                      <p:to>
+                                        <p:strVal val="visible"/>
+                                      </p:to>
+                                    </p:set>
+                                  </p:childTnLst>
+                                </p:cTn>
+                              </p:par>
+                            </p:childTnLst>
+                          </p:cTn>
+                        </p:par>
+                      </p:childTnLst>
+                    </p:cTn>
+                  </p:par>
+                  <p:par>
+                    <p:cTn id="19" fill="hold">
+                      <p:stCondLst>
+                        <p:cond delay="indefinite"/>
+                      </p:stCondLst>
+                      <p:childTnLst>
+                        <p:par>
+                          <p:cTn id="20" fill="hold">
+                            <p:stCondLst>
+                              <p:cond delay="0"/>
+                            </p:stCondLst>
+                            <p:childTnLst>
+                              <p:par>
+                                <p:cTn id="21" presetID="1" presetClass="entr" presetSubtype="0" fill="hold" nodeType="clickEffect">
+                                  <p:stCondLst>
+                                    <p:cond delay="0"/>
+                                  </p:stCondLst>
+                                  <p:childTnLst>
+                                    <p:set>
+                                      <p:cBhvr>
+                                        <p:cTn id="22" dur="1" fill="hold">
+                                          <p:stCondLst>
+                                            <p:cond delay="0"/>
+                                          </p:stCondLst>
+                                        </p:cTn>
+                                        <p:tgtEl>
+                                          <p:spTgt spid="10"/>
+                                        </p:tgtEl>
+                                        <p:attrNameLst>
+                                          <p:attrName>style.visibility</p:attrName>
+                                        </p:attrNameLst>
+                                      </p:cBhvr>
+                                      <p:to>
+                                        <p:strVal val="visible"/>
+                                      </p:to>
+                                    </p:set>
+                                  </p:childTnLst>
+                                </p:cTn>
+                              </p:par>
+                            </p:childTnLst>
+                          </p:cTn>
+                        </p:par>
+                      </p:childTnLst>
+                    </p:cTn>
+                  </p:par>
+                  <p:par>
+                    <p:cTn id="23" fill="hold">
+                      <p:stCondLst>
+                        <p:cond delay="indefinite"/>
+                      </p:stCondLst>
+                      <p:childTnLst>
+                        <p:par>
+                          <p:cTn id="24" fill="hold">
+                            <p:stCondLst>
+                              <p:cond delay="0"/>
+                            </p:stCondLst>
+                            <p:childTnLst>
+                              <p:par>
+                                <p:cTn id="25" presetID="1" presetClass="entr" presetSubtype="0" fill="hold" nodeType="clickEffect">
+                                  <p:stCondLst>
+                                    <p:cond delay="0"/>
+                                  </p:stCondLst>
+                                  <p:childTnLst>
+                                    <p:set>
+                                      <p:cBhvr>
+                                        <p:cTn id="26" dur="1" fill="hold">
+                                          <p:stCondLst>
+                                            <p:cond delay="0"/>
+                                          </p:stCondLst>
+                                        </p:cTn>
+                                        <p:tgtEl>
+                                          <p:spTgt spid="11"/>
+                                        </p:tgtEl>
+                                        <p:attrNameLst>
+                                          <p:attrName>style.visibility</p:attrName>
+                                        </p:attrNameLst>
+                                      </p:cBhvr>
+                                      <p:to>
+                                        <p:strVal val="visible"/>
+                                      </p:to>
+                                    </p:set>
+                                  </p:childTnLst>
+                                </p:cTn>
+                              </p:par>
+                            </p:childTnLst>
+                          </p:cTn>
+                        </p:par>
+                      </p:childTnLst>
+                    </p:cTn>
+                  </p:par>
+                </p:childTnLst>
+              </p:cTn>
+              <p:prevCondLst>
+                <p:cond evt="onPrev" delay="0">
+                  <p:tgtEl>
+                    <p:sldTgt/>
+                  </p:tgtEl>
+                </p:cond>
+              </p:prevCondLst>
+              <p:nextCondLst>
+                <p:cond evt="onNext" delay="0">
+                  <p:tgtEl>
+                    <p:sldTgt/>
+                  </p:tgtEl>
+                </p:cond>
+              </p:nextCondLst>
+            </p:seq>
+          </p:childTnLst>
+        </p:cTn>
+      </p:par>
+    </p:tnLst>
+  </p:timing>
 </p:sld>
 </file>
 
@@ -5453,7 +6317,7 @@
           <p:cNvPr id="2" name="Title 1">
             <a:extLst>
               <a:ext uri="{FF2B5EF4-FFF2-40B4-BE49-F238E27FC236}">
-                <a16:creationId xmlns:a16="http://schemas.microsoft.com/office/drawing/2014/main" id="{6F88A025-60C3-4A36-B744-2B941E167128}"/>
+                <a16:creationId xmlns:a16="http://schemas.microsoft.com/office/drawing/2014/main" id="{D53E2791-2596-4985-9418-080C6C35C497}"/>
               </a:ext>
             </a:extLst>
           </p:cNvPr>
@@ -5466,8 +6330,8 @@
         </p:nvSpPr>
         <p:spPr>
           <a:xfrm>
-            <a:off x="172155" y="173214"/>
-            <a:ext cx="3790244" cy="910519"/>
+            <a:off x="838200" y="365125"/>
+            <a:ext cx="10515600" cy="1325563"/>
           </a:xfrm>
         </p:spPr>
         <p:txBody>
@@ -5475,66 +6339,206 @@
           <a:lstStyle/>
           <a:p>
             <a:r>
-              <a:rPr lang="en-US" sz="3200" dirty="0"/>
-              <a:t>Acknowledgements</a:t>
-            </a:r>
+              <a:rPr lang="en-US" dirty="0"/>
+              <a:t>Increased DA = </a:t>
+            </a:r>
+            <a:r>
+              <a:rPr lang="en-US" dirty="0" err="1"/>
+              <a:t>NAc</a:t>
+            </a:r>
+            <a:r>
+              <a:rPr lang="en-US" dirty="0"/>
+              <a:t> stimulation?</a:t>
+            </a:r>
+          </a:p>
+        </p:txBody>
+      </p:sp>
+      <p:sp>
+        <p:nvSpPr>
+          <p:cNvPr id="3" name="Content Placeholder 2">
+            <a:extLst>
+              <a:ext uri="{FF2B5EF4-FFF2-40B4-BE49-F238E27FC236}">
+                <a16:creationId xmlns:a16="http://schemas.microsoft.com/office/drawing/2014/main" id="{C7498895-431B-4988-8DBB-7FB1294C0DAA}"/>
+              </a:ext>
+            </a:extLst>
+          </p:cNvPr>
+          <p:cNvSpPr>
+            <a:spLocks noGrp="1"/>
+          </p:cNvSpPr>
+          <p:nvPr>
+            <p:ph idx="1"/>
+          </p:nvPr>
+        </p:nvSpPr>
+        <p:spPr>
+          <a:xfrm>
+            <a:off x="838200" y="1825625"/>
+            <a:ext cx="5988728" cy="4351338"/>
+          </a:xfrm>
+        </p:spPr>
+        <p:txBody>
+          <a:bodyPr>
+            <a:normAutofit fontScale="92500"/>
+          </a:bodyPr>
+          <a:lstStyle/>
+          <a:p>
+            <a:r>
+              <a:rPr lang="en-US" dirty="0"/>
+              <a:t>We don’t know</a:t>
+            </a:r>
+          </a:p>
+          <a:p>
             <a:endParaRPr lang="en-US" dirty="0"/>
           </a:p>
-        </p:txBody>
-      </p:sp>
-      <p:pic>
-        <p:nvPicPr>
-          <p:cNvPr id="1028" name="Picture 4" descr="frankLabPhoto_1_resized.png">
-            <a:extLst>
-              <a:ext uri="{FF2B5EF4-FFF2-40B4-BE49-F238E27FC236}">
-                <a16:creationId xmlns:a16="http://schemas.microsoft.com/office/drawing/2014/main" id="{8083C9F3-07D2-49A7-B081-5F9011A24B35}"/>
-              </a:ext>
-            </a:extLst>
-          </p:cNvPr>
-          <p:cNvPicPr>
-            <a:picLocks noChangeAspect="1" noChangeArrowheads="1"/>
-          </p:cNvPicPr>
+          <a:p>
+            <a:r>
+              <a:rPr lang="en-US" dirty="0"/>
+              <a:t>Revisiting the Ventral Striatum (</a:t>
+            </a:r>
+            <a:r>
+              <a:rPr lang="en-US" dirty="0" err="1"/>
+              <a:t>NAc</a:t>
+            </a:r>
+            <a:r>
+              <a:rPr lang="en-US" dirty="0"/>
+              <a:t>)</a:t>
+            </a:r>
+          </a:p>
+          <a:p>
+            <a:pPr lvl="1"/>
+            <a:r>
+              <a:rPr lang="en-US" dirty="0"/>
+              <a:t>95% Medium spiny neurons (D1 and D2 etc.)</a:t>
+            </a:r>
+          </a:p>
+          <a:p>
+            <a:pPr lvl="1"/>
+            <a:r>
+              <a:rPr lang="en-US" dirty="0"/>
+              <a:t>5% Excitatory and inhibitory interneurons</a:t>
+            </a:r>
+          </a:p>
+          <a:p>
+            <a:pPr lvl="1"/>
+            <a:endParaRPr lang="en-US" dirty="0"/>
+          </a:p>
+          <a:p>
+            <a:pPr lvl="1"/>
+            <a:endParaRPr lang="en-US" dirty="0"/>
+          </a:p>
+          <a:p>
+            <a:pPr lvl="1"/>
+            <a:endParaRPr lang="en-US" dirty="0"/>
+          </a:p>
+          <a:p>
+            <a:pPr lvl="1"/>
+            <a:endParaRPr lang="en-US" dirty="0"/>
+          </a:p>
+          <a:p>
+            <a:pPr marL="0" indent="0" algn="ctr">
+              <a:buNone/>
+            </a:pPr>
+            <a:r>
+              <a:rPr lang="en-US" dirty="0"/>
+              <a:t>It’s complex</a:t>
+            </a:r>
+          </a:p>
+        </p:txBody>
+      </p:sp>
+      <p:sp>
+        <p:nvSpPr>
+          <p:cNvPr id="4" name="TextBox 3">
+            <a:extLst>
+              <a:ext uri="{FF2B5EF4-FFF2-40B4-BE49-F238E27FC236}">
+                <a16:creationId xmlns:a16="http://schemas.microsoft.com/office/drawing/2014/main" id="{F9759CAA-EE8B-470E-B2A1-AF248987D23C}"/>
+              </a:ext>
+            </a:extLst>
+          </p:cNvPr>
+          <p:cNvSpPr txBox="1"/>
           <p:nvPr/>
-        </p:nvPicPr>
-        <p:blipFill>
-          <a:blip r:embed="rId2">
-            <a:extLst>
-              <a:ext uri="{28A0092B-C50C-407E-A947-70E740481C1C}">
-                <a14:useLocalDpi xmlns:a14="http://schemas.microsoft.com/office/drawing/2010/main" val="0"/>
-              </a:ext>
-            </a:extLst>
-          </a:blip>
-          <a:srcRect/>
-          <a:stretch>
-            <a:fillRect/>
-          </a:stretch>
-        </p:blipFill>
-        <p:spPr bwMode="auto">
+        </p:nvSpPr>
+        <p:spPr>
           <a:xfrm>
-            <a:off x="2287612" y="1675106"/>
-            <a:ext cx="7115181" cy="4005846"/>
+            <a:off x="8906814" y="4414421"/>
+            <a:ext cx="2923493" cy="369332"/>
           </a:xfrm>
           <a:prstGeom prst="rect">
             <a:avLst/>
           </a:prstGeom>
-          <a:noFill/>
-          <a:extLst>
-            <a:ext uri="{909E8E84-426E-40DD-AFC4-6F175D3DCCD1}">
-              <a14:hiddenFill xmlns:a14="http://schemas.microsoft.com/office/drawing/2010/main">
-                <a:solidFill>
-                  <a:srgbClr val="FFFFFF"/>
-                </a:solidFill>
-              </a14:hiddenFill>
-            </a:ext>
-          </a:extLst>
         </p:spPr>
-      </p:pic>
+        <p:style>
+          <a:lnRef idx="2">
+            <a:schemeClr val="dk1"/>
+          </a:lnRef>
+          <a:fillRef idx="1">
+            <a:schemeClr val="lt1"/>
+          </a:fillRef>
+          <a:effectRef idx="0">
+            <a:schemeClr val="dk1"/>
+          </a:effectRef>
+          <a:fontRef idx="minor">
+            <a:schemeClr val="dk1"/>
+          </a:fontRef>
+        </p:style>
+        <p:txBody>
+          <a:bodyPr wrap="none" rtlCol="0">
+            <a:spAutoFit/>
+          </a:bodyPr>
+          <a:lstStyle/>
+          <a:p>
+            <a:r>
+              <a:rPr lang="en-US" dirty="0"/>
+              <a:t>Ventral Tegmental Area (VTA)</a:t>
+            </a:r>
+          </a:p>
+        </p:txBody>
+      </p:sp>
+      <p:cxnSp>
+        <p:nvCxnSpPr>
+          <p:cNvPr id="5" name="Straight Arrow Connector 4">
+            <a:extLst>
+              <a:ext uri="{FF2B5EF4-FFF2-40B4-BE49-F238E27FC236}">
+                <a16:creationId xmlns:a16="http://schemas.microsoft.com/office/drawing/2014/main" id="{79E59410-F8FB-4BEE-B2AF-4BAE45CC00D9}"/>
+              </a:ext>
+            </a:extLst>
+          </p:cNvPr>
+          <p:cNvCxnSpPr>
+            <a:cxnSpLocks/>
+          </p:cNvCxnSpPr>
+          <p:nvPr/>
+        </p:nvCxnSpPr>
+        <p:spPr>
+          <a:xfrm flipH="1" flipV="1">
+            <a:off x="9212475" y="3640524"/>
+            <a:ext cx="1156085" cy="773897"/>
+          </a:xfrm>
+          <a:prstGeom prst="straightConnector1">
+            <a:avLst/>
+          </a:prstGeom>
+          <a:ln>
+            <a:tailEnd type="triangle"/>
+          </a:ln>
+        </p:spPr>
+        <p:style>
+          <a:lnRef idx="1">
+            <a:schemeClr val="dk1"/>
+          </a:lnRef>
+          <a:fillRef idx="0">
+            <a:schemeClr val="dk1"/>
+          </a:fillRef>
+          <a:effectRef idx="0">
+            <a:schemeClr val="dk1"/>
+          </a:effectRef>
+          <a:fontRef idx="minor">
+            <a:schemeClr val="tx1"/>
+          </a:fontRef>
+        </p:style>
+      </p:cxnSp>
       <p:sp>
         <p:nvSpPr>
           <p:cNvPr id="6" name="TextBox 5">
             <a:extLst>
               <a:ext uri="{FF2B5EF4-FFF2-40B4-BE49-F238E27FC236}">
-                <a16:creationId xmlns:a16="http://schemas.microsoft.com/office/drawing/2014/main" id="{A9A711DF-A7A2-4F08-8CE2-80B063F9CDDC}"/>
+                <a16:creationId xmlns:a16="http://schemas.microsoft.com/office/drawing/2014/main" id="{907EA89B-C49C-4B5A-A0D1-B177B5B76945}"/>
               </a:ext>
             </a:extLst>
           </p:cNvPr>
@@ -5543,8 +6547,76 @@
         </p:nvSpPr>
         <p:spPr>
           <a:xfrm>
-            <a:off x="5320841" y="1177048"/>
-            <a:ext cx="840295" cy="461665"/>
+            <a:off x="8002549" y="3271192"/>
+            <a:ext cx="2289794" cy="369332"/>
+          </a:xfrm>
+          <a:prstGeom prst="rect">
+            <a:avLst/>
+          </a:prstGeom>
+        </p:spPr>
+        <p:style>
+          <a:lnRef idx="2">
+            <a:schemeClr val="dk1"/>
+          </a:lnRef>
+          <a:fillRef idx="1">
+            <a:schemeClr val="lt1"/>
+          </a:fillRef>
+          <a:effectRef idx="0">
+            <a:schemeClr val="dk1"/>
+          </a:effectRef>
+          <a:fontRef idx="minor">
+            <a:schemeClr val="dk1"/>
+          </a:fontRef>
+        </p:style>
+        <p:txBody>
+          <a:bodyPr wrap="none" rtlCol="0">
+            <a:spAutoFit/>
+          </a:bodyPr>
+          <a:lstStyle/>
+          <a:p>
+            <a:r>
+              <a:rPr lang="en-US" dirty="0">
+                <a:solidFill>
+                  <a:srgbClr val="00B050"/>
+                </a:solidFill>
+              </a:rPr>
+              <a:t>Ventral Striatum (</a:t>
+            </a:r>
+            <a:r>
+              <a:rPr lang="en-US" dirty="0" err="1">
+                <a:solidFill>
+                  <a:srgbClr val="00B050"/>
+                </a:solidFill>
+              </a:rPr>
+              <a:t>NAc</a:t>
+            </a:r>
+            <a:r>
+              <a:rPr lang="en-US" dirty="0">
+                <a:solidFill>
+                  <a:srgbClr val="00B050"/>
+                </a:solidFill>
+              </a:rPr>
+              <a:t>)</a:t>
+            </a:r>
+          </a:p>
+        </p:txBody>
+      </p:sp>
+      <p:sp>
+        <p:nvSpPr>
+          <p:cNvPr id="7" name="TextBox 6">
+            <a:extLst>
+              <a:ext uri="{FF2B5EF4-FFF2-40B4-BE49-F238E27FC236}">
+                <a16:creationId xmlns:a16="http://schemas.microsoft.com/office/drawing/2014/main" id="{401AD47E-5235-4B3E-BDED-2C59B033A9F7}"/>
+              </a:ext>
+            </a:extLst>
+          </p:cNvPr>
+          <p:cNvSpPr txBox="1"/>
+          <p:nvPr/>
+        </p:nvSpPr>
+        <p:spPr>
+          <a:xfrm>
+            <a:off x="9790517" y="3825190"/>
+            <a:ext cx="1156086" cy="369332"/>
           </a:xfrm>
           <a:prstGeom prst="rect">
             <a:avLst/>
@@ -5558,19 +6630,59 @@
           <a:lstStyle/>
           <a:p>
             <a:r>
-              <a:rPr lang="en-US" sz="2400" dirty="0"/>
-              <a:t>LNCC</a:t>
-            </a:r>
-            <a:endParaRPr lang="en-US" dirty="0"/>
-          </a:p>
-        </p:txBody>
-      </p:sp>
-      <p:sp>
-        <p:nvSpPr>
-          <p:cNvPr id="8" name="TextBox 7">
-            <a:extLst>
-              <a:ext uri="{FF2B5EF4-FFF2-40B4-BE49-F238E27FC236}">
-                <a16:creationId xmlns:a16="http://schemas.microsoft.com/office/drawing/2014/main" id="{193E16F1-77D1-4D9D-A85E-41F8CCA9D536}"/>
+              <a:rPr lang="en-US" dirty="0"/>
+              <a:t>Dopamine</a:t>
+            </a:r>
+          </a:p>
+        </p:txBody>
+      </p:sp>
+      <p:cxnSp>
+        <p:nvCxnSpPr>
+          <p:cNvPr id="12" name="Straight Arrow Connector 11">
+            <a:extLst>
+              <a:ext uri="{FF2B5EF4-FFF2-40B4-BE49-F238E27FC236}">
+                <a16:creationId xmlns:a16="http://schemas.microsoft.com/office/drawing/2014/main" id="{55272289-7A10-45EE-B330-34FE7B1E0A53}"/>
+              </a:ext>
+            </a:extLst>
+          </p:cNvPr>
+          <p:cNvCxnSpPr>
+            <a:cxnSpLocks/>
+          </p:cNvCxnSpPr>
+          <p:nvPr/>
+        </p:nvCxnSpPr>
+        <p:spPr>
+          <a:xfrm flipH="1" flipV="1">
+            <a:off x="8696288" y="2522753"/>
+            <a:ext cx="9586" cy="756925"/>
+          </a:xfrm>
+          <a:prstGeom prst="straightConnector1">
+            <a:avLst/>
+          </a:prstGeom>
+          <a:ln>
+            <a:tailEnd type="triangle"/>
+          </a:ln>
+        </p:spPr>
+        <p:style>
+          <a:lnRef idx="1">
+            <a:schemeClr val="dk1"/>
+          </a:lnRef>
+          <a:fillRef idx="0">
+            <a:schemeClr val="dk1"/>
+          </a:fillRef>
+          <a:effectRef idx="0">
+            <a:schemeClr val="dk1"/>
+          </a:effectRef>
+          <a:fontRef idx="minor">
+            <a:schemeClr val="tx1"/>
+          </a:fontRef>
+        </p:style>
+      </p:cxnSp>
+      <p:sp>
+        <p:nvSpPr>
+          <p:cNvPr id="14" name="TextBox 13">
+            <a:extLst>
+              <a:ext uri="{FF2B5EF4-FFF2-40B4-BE49-F238E27FC236}">
+                <a16:creationId xmlns:a16="http://schemas.microsoft.com/office/drawing/2014/main" id="{B9DB2064-C4C3-4B67-8B60-1E0815F6092B}"/>
               </a:ext>
             </a:extLst>
           </p:cNvPr>
@@ -5579,8 +6691,8 @@
         </p:nvSpPr>
         <p:spPr>
           <a:xfrm>
-            <a:off x="2496881" y="6238196"/>
-            <a:ext cx="6696641" cy="369332"/>
+            <a:off x="7299774" y="2626666"/>
+            <a:ext cx="1237839" cy="415498"/>
           </a:xfrm>
           <a:prstGeom prst="rect">
             <a:avLst/>
@@ -5594,30 +6706,674 @@
           <a:lstStyle/>
           <a:p>
             <a:r>
+              <a:rPr lang="en-US" sz="1050" dirty="0"/>
+              <a:t>D1 receptor – </a:t>
+            </a:r>
+          </a:p>
+          <a:p>
+            <a:r>
+              <a:rPr lang="en-US" sz="1050" dirty="0"/>
+              <a:t>containing neurons</a:t>
+            </a:r>
+          </a:p>
+        </p:txBody>
+      </p:sp>
+      <p:sp>
+        <p:nvSpPr>
+          <p:cNvPr id="15" name="TextBox 14">
+            <a:extLst>
+              <a:ext uri="{FF2B5EF4-FFF2-40B4-BE49-F238E27FC236}">
+                <a16:creationId xmlns:a16="http://schemas.microsoft.com/office/drawing/2014/main" id="{88EC6C18-8E4D-43F2-A487-5974AF3869B6}"/>
+              </a:ext>
+            </a:extLst>
+          </p:cNvPr>
+          <p:cNvSpPr txBox="1"/>
+          <p:nvPr/>
+        </p:nvSpPr>
+        <p:spPr>
+          <a:xfrm>
+            <a:off x="8114759" y="2144935"/>
+            <a:ext cx="2084545" cy="369332"/>
+          </a:xfrm>
+          <a:prstGeom prst="rect">
+            <a:avLst/>
+          </a:prstGeom>
+        </p:spPr>
+        <p:style>
+          <a:lnRef idx="2">
+            <a:schemeClr val="dk1"/>
+          </a:lnRef>
+          <a:fillRef idx="1">
+            <a:schemeClr val="lt1"/>
+          </a:fillRef>
+          <a:effectRef idx="0">
+            <a:schemeClr val="dk1"/>
+          </a:effectRef>
+          <a:fontRef idx="minor">
+            <a:schemeClr val="dk1"/>
+          </a:fontRef>
+        </p:style>
+        <p:txBody>
+          <a:bodyPr wrap="none" rtlCol="0">
+            <a:spAutoFit/>
+          </a:bodyPr>
+          <a:lstStyle/>
+          <a:p>
+            <a:r>
               <a:rPr lang="en-US" dirty="0"/>
-              <a:t>Special thanks to Andrew, Carolyn, Dan, Andrea, </a:t>
-            </a:r>
-            <a:r>
-              <a:rPr lang="en-US" dirty="0" err="1"/>
-              <a:t>Wasita</a:t>
-            </a:r>
-            <a:r>
-              <a:rPr lang="en-US" dirty="0"/>
-              <a:t>, and Michael </a:t>
-            </a:r>
-          </a:p>
-        </p:txBody>
-      </p:sp>
+              <a:t>Rest of basal ganglia</a:t>
+            </a:r>
+          </a:p>
+        </p:txBody>
+      </p:sp>
+      <p:sp>
+        <p:nvSpPr>
+          <p:cNvPr id="16" name="TextBox 15">
+            <a:extLst>
+              <a:ext uri="{FF2B5EF4-FFF2-40B4-BE49-F238E27FC236}">
+                <a16:creationId xmlns:a16="http://schemas.microsoft.com/office/drawing/2014/main" id="{81388B8B-868E-4A51-BE4F-090698278192}"/>
+              </a:ext>
+            </a:extLst>
+          </p:cNvPr>
+          <p:cNvSpPr txBox="1"/>
+          <p:nvPr/>
+        </p:nvSpPr>
+        <p:spPr>
+          <a:xfrm>
+            <a:off x="9583590" y="2626666"/>
+            <a:ext cx="1237839" cy="415498"/>
+          </a:xfrm>
+          <a:prstGeom prst="rect">
+            <a:avLst/>
+          </a:prstGeom>
+          <a:noFill/>
+        </p:spPr>
+        <p:txBody>
+          <a:bodyPr wrap="none" rtlCol="0">
+            <a:spAutoFit/>
+          </a:bodyPr>
+          <a:lstStyle/>
+          <a:p>
+            <a:r>
+              <a:rPr lang="en-US" sz="1050" dirty="0"/>
+              <a:t>D2 receptor – </a:t>
+            </a:r>
+          </a:p>
+          <a:p>
+            <a:r>
+              <a:rPr lang="en-US" sz="1050" dirty="0"/>
+              <a:t>containing neurons</a:t>
+            </a:r>
+          </a:p>
+        </p:txBody>
+      </p:sp>
+      <p:cxnSp>
+        <p:nvCxnSpPr>
+          <p:cNvPr id="17" name="Straight Arrow Connector 16">
+            <a:extLst>
+              <a:ext uri="{FF2B5EF4-FFF2-40B4-BE49-F238E27FC236}">
+                <a16:creationId xmlns:a16="http://schemas.microsoft.com/office/drawing/2014/main" id="{1DD0008C-B338-4A99-9F1F-A26D632887DC}"/>
+              </a:ext>
+            </a:extLst>
+          </p:cNvPr>
+          <p:cNvCxnSpPr>
+            <a:cxnSpLocks/>
+          </p:cNvCxnSpPr>
+          <p:nvPr/>
+        </p:nvCxnSpPr>
+        <p:spPr>
+          <a:xfrm flipH="1" flipV="1">
+            <a:off x="9505560" y="2522753"/>
+            <a:ext cx="9586" cy="756925"/>
+          </a:xfrm>
+          <a:prstGeom prst="straightConnector1">
+            <a:avLst/>
+          </a:prstGeom>
+          <a:ln>
+            <a:tailEnd type="triangle"/>
+          </a:ln>
+        </p:spPr>
+        <p:style>
+          <a:lnRef idx="1">
+            <a:schemeClr val="dk1"/>
+          </a:lnRef>
+          <a:fillRef idx="0">
+            <a:schemeClr val="dk1"/>
+          </a:fillRef>
+          <a:effectRef idx="0">
+            <a:schemeClr val="dk1"/>
+          </a:effectRef>
+          <a:fontRef idx="minor">
+            <a:schemeClr val="tx1"/>
+          </a:fontRef>
+        </p:style>
+      </p:cxnSp>
     </p:spTree>
     <p:extLst>
       <p:ext uri="{BB962C8B-B14F-4D97-AF65-F5344CB8AC3E}">
-        <p14:creationId xmlns:p14="http://schemas.microsoft.com/office/powerpoint/2010/main" val="3992442831"/>
+        <p14:creationId xmlns:p14="http://schemas.microsoft.com/office/powerpoint/2010/main" val="1068081251"/>
       </p:ext>
     </p:extLst>
   </p:cSld>
   <p:clrMapOvr>
     <a:masterClrMapping/>
   </p:clrMapOvr>
+  <p:timing>
+    <p:tnLst>
+      <p:par>
+        <p:cTn id="1" dur="indefinite" restart="never" nodeType="tmRoot">
+          <p:childTnLst>
+            <p:seq concurrent="1" nextAc="seek">
+              <p:cTn id="2" dur="indefinite" nodeType="mainSeq">
+                <p:childTnLst>
+                  <p:par>
+                    <p:cTn id="3" fill="hold">
+                      <p:stCondLst>
+                        <p:cond delay="indefinite"/>
+                      </p:stCondLst>
+                      <p:childTnLst>
+                        <p:par>
+                          <p:cTn id="4" fill="hold">
+                            <p:stCondLst>
+                              <p:cond delay="0"/>
+                            </p:stCondLst>
+                            <p:childTnLst>
+                              <p:par>
+                                <p:cTn id="5" presetID="1" presetClass="entr" presetSubtype="0" fill="hold" nodeType="clickEffect">
+                                  <p:stCondLst>
+                                    <p:cond delay="0"/>
+                                  </p:stCondLst>
+                                  <p:childTnLst>
+                                    <p:set>
+                                      <p:cBhvr>
+                                        <p:cTn id="6" dur="1" fill="hold">
+                                          <p:stCondLst>
+                                            <p:cond delay="0"/>
+                                          </p:stCondLst>
+                                        </p:cTn>
+                                        <p:tgtEl>
+                                          <p:spTgt spid="3">
+                                            <p:txEl>
+                                              <p:pRg st="0" end="0"/>
+                                            </p:txEl>
+                                          </p:spTgt>
+                                        </p:tgtEl>
+                                        <p:attrNameLst>
+                                          <p:attrName>style.visibility</p:attrName>
+                                        </p:attrNameLst>
+                                      </p:cBhvr>
+                                      <p:to>
+                                        <p:strVal val="visible"/>
+                                      </p:to>
+                                    </p:set>
+                                  </p:childTnLst>
+                                </p:cTn>
+                              </p:par>
+                            </p:childTnLst>
+                          </p:cTn>
+                        </p:par>
+                      </p:childTnLst>
+                    </p:cTn>
+                  </p:par>
+                  <p:par>
+                    <p:cTn id="7" fill="hold">
+                      <p:stCondLst>
+                        <p:cond delay="indefinite"/>
+                      </p:stCondLst>
+                      <p:childTnLst>
+                        <p:par>
+                          <p:cTn id="8" fill="hold">
+                            <p:stCondLst>
+                              <p:cond delay="0"/>
+                            </p:stCondLst>
+                            <p:childTnLst>
+                              <p:par>
+                                <p:cTn id="9" presetID="1" presetClass="entr" presetSubtype="0" fill="hold" nodeType="clickEffect">
+                                  <p:stCondLst>
+                                    <p:cond delay="0"/>
+                                  </p:stCondLst>
+                                  <p:childTnLst>
+                                    <p:set>
+                                      <p:cBhvr>
+                                        <p:cTn id="10" dur="1" fill="hold">
+                                          <p:stCondLst>
+                                            <p:cond delay="0"/>
+                                          </p:stCondLst>
+                                        </p:cTn>
+                                        <p:tgtEl>
+                                          <p:spTgt spid="3">
+                                            <p:txEl>
+                                              <p:pRg st="2" end="2"/>
+                                            </p:txEl>
+                                          </p:spTgt>
+                                        </p:tgtEl>
+                                        <p:attrNameLst>
+                                          <p:attrName>style.visibility</p:attrName>
+                                        </p:attrNameLst>
+                                      </p:cBhvr>
+                                      <p:to>
+                                        <p:strVal val="visible"/>
+                                      </p:to>
+                                    </p:set>
+                                  </p:childTnLst>
+                                </p:cTn>
+                              </p:par>
+                            </p:childTnLst>
+                          </p:cTn>
+                        </p:par>
+                      </p:childTnLst>
+                    </p:cTn>
+                  </p:par>
+                  <p:par>
+                    <p:cTn id="11" fill="hold">
+                      <p:stCondLst>
+                        <p:cond delay="indefinite"/>
+                      </p:stCondLst>
+                      <p:childTnLst>
+                        <p:par>
+                          <p:cTn id="12" fill="hold">
+                            <p:stCondLst>
+                              <p:cond delay="0"/>
+                            </p:stCondLst>
+                            <p:childTnLst>
+                              <p:par>
+                                <p:cTn id="13" presetID="1" presetClass="entr" presetSubtype="0" fill="hold" nodeType="clickEffect">
+                                  <p:stCondLst>
+                                    <p:cond delay="0"/>
+                                  </p:stCondLst>
+                                  <p:childTnLst>
+                                    <p:set>
+                                      <p:cBhvr>
+                                        <p:cTn id="14" dur="1" fill="hold">
+                                          <p:stCondLst>
+                                            <p:cond delay="0"/>
+                                          </p:stCondLst>
+                                        </p:cTn>
+                                        <p:tgtEl>
+                                          <p:spTgt spid="5"/>
+                                        </p:tgtEl>
+                                        <p:attrNameLst>
+                                          <p:attrName>style.visibility</p:attrName>
+                                        </p:attrNameLst>
+                                      </p:cBhvr>
+                                      <p:to>
+                                        <p:strVal val="visible"/>
+                                      </p:to>
+                                    </p:set>
+                                  </p:childTnLst>
+                                </p:cTn>
+                              </p:par>
+                              <p:par>
+                                <p:cTn id="15" presetID="1" presetClass="entr" presetSubtype="0" fill="hold" grpId="0" nodeType="withEffect">
+                                  <p:stCondLst>
+                                    <p:cond delay="0"/>
+                                  </p:stCondLst>
+                                  <p:childTnLst>
+                                    <p:set>
+                                      <p:cBhvr>
+                                        <p:cTn id="16" dur="1" fill="hold">
+                                          <p:stCondLst>
+                                            <p:cond delay="0"/>
+                                          </p:stCondLst>
+                                        </p:cTn>
+                                        <p:tgtEl>
+                                          <p:spTgt spid="6"/>
+                                        </p:tgtEl>
+                                        <p:attrNameLst>
+                                          <p:attrName>style.visibility</p:attrName>
+                                        </p:attrNameLst>
+                                      </p:cBhvr>
+                                      <p:to>
+                                        <p:strVal val="visible"/>
+                                      </p:to>
+                                    </p:set>
+                                  </p:childTnLst>
+                                </p:cTn>
+                              </p:par>
+                              <p:par>
+                                <p:cTn id="17" presetID="1" presetClass="entr" presetSubtype="0" fill="hold" grpId="0" nodeType="withEffect">
+                                  <p:stCondLst>
+                                    <p:cond delay="0"/>
+                                  </p:stCondLst>
+                                  <p:childTnLst>
+                                    <p:set>
+                                      <p:cBhvr>
+                                        <p:cTn id="18" dur="1" fill="hold">
+                                          <p:stCondLst>
+                                            <p:cond delay="0"/>
+                                          </p:stCondLst>
+                                        </p:cTn>
+                                        <p:tgtEl>
+                                          <p:spTgt spid="7"/>
+                                        </p:tgtEl>
+                                        <p:attrNameLst>
+                                          <p:attrName>style.visibility</p:attrName>
+                                        </p:attrNameLst>
+                                      </p:cBhvr>
+                                      <p:to>
+                                        <p:strVal val="visible"/>
+                                      </p:to>
+                                    </p:set>
+                                  </p:childTnLst>
+                                </p:cTn>
+                              </p:par>
+                              <p:par>
+                                <p:cTn id="19" presetID="1" presetClass="entr" presetSubtype="0" fill="hold" nodeType="withEffect">
+                                  <p:stCondLst>
+                                    <p:cond delay="0"/>
+                                  </p:stCondLst>
+                                  <p:childTnLst>
+                                    <p:set>
+                                      <p:cBhvr>
+                                        <p:cTn id="20" dur="1" fill="hold">
+                                          <p:stCondLst>
+                                            <p:cond delay="0"/>
+                                          </p:stCondLst>
+                                        </p:cTn>
+                                        <p:tgtEl>
+                                          <p:spTgt spid="12"/>
+                                        </p:tgtEl>
+                                        <p:attrNameLst>
+                                          <p:attrName>style.visibility</p:attrName>
+                                        </p:attrNameLst>
+                                      </p:cBhvr>
+                                      <p:to>
+                                        <p:strVal val="visible"/>
+                                      </p:to>
+                                    </p:set>
+                                  </p:childTnLst>
+                                </p:cTn>
+                              </p:par>
+                              <p:par>
+                                <p:cTn id="21" presetID="1" presetClass="entr" presetSubtype="0" fill="hold" grpId="0" nodeType="withEffect">
+                                  <p:stCondLst>
+                                    <p:cond delay="0"/>
+                                  </p:stCondLst>
+                                  <p:childTnLst>
+                                    <p:set>
+                                      <p:cBhvr>
+                                        <p:cTn id="22" dur="1" fill="hold">
+                                          <p:stCondLst>
+                                            <p:cond delay="0"/>
+                                          </p:stCondLst>
+                                        </p:cTn>
+                                        <p:tgtEl>
+                                          <p:spTgt spid="15"/>
+                                        </p:tgtEl>
+                                        <p:attrNameLst>
+                                          <p:attrName>style.visibility</p:attrName>
+                                        </p:attrNameLst>
+                                      </p:cBhvr>
+                                      <p:to>
+                                        <p:strVal val="visible"/>
+                                      </p:to>
+                                    </p:set>
+                                  </p:childTnLst>
+                                </p:cTn>
+                              </p:par>
+                              <p:par>
+                                <p:cTn id="23" presetID="1" presetClass="entr" presetSubtype="0" fill="hold" grpId="0" nodeType="withEffect">
+                                  <p:stCondLst>
+                                    <p:cond delay="0"/>
+                                  </p:stCondLst>
+                                  <p:childTnLst>
+                                    <p:set>
+                                      <p:cBhvr>
+                                        <p:cTn id="24" dur="1" fill="hold">
+                                          <p:stCondLst>
+                                            <p:cond delay="0"/>
+                                          </p:stCondLst>
+                                        </p:cTn>
+                                        <p:tgtEl>
+                                          <p:spTgt spid="16"/>
+                                        </p:tgtEl>
+                                        <p:attrNameLst>
+                                          <p:attrName>style.visibility</p:attrName>
+                                        </p:attrNameLst>
+                                      </p:cBhvr>
+                                      <p:to>
+                                        <p:strVal val="visible"/>
+                                      </p:to>
+                                    </p:set>
+                                  </p:childTnLst>
+                                </p:cTn>
+                              </p:par>
+                              <p:par>
+                                <p:cTn id="25" presetID="1" presetClass="entr" presetSubtype="0" fill="hold" nodeType="withEffect">
+                                  <p:stCondLst>
+                                    <p:cond delay="0"/>
+                                  </p:stCondLst>
+                                  <p:childTnLst>
+                                    <p:set>
+                                      <p:cBhvr>
+                                        <p:cTn id="26" dur="1" fill="hold">
+                                          <p:stCondLst>
+                                            <p:cond delay="0"/>
+                                          </p:stCondLst>
+                                        </p:cTn>
+                                        <p:tgtEl>
+                                          <p:spTgt spid="17"/>
+                                        </p:tgtEl>
+                                        <p:attrNameLst>
+                                          <p:attrName>style.visibility</p:attrName>
+                                        </p:attrNameLst>
+                                      </p:cBhvr>
+                                      <p:to>
+                                        <p:strVal val="visible"/>
+                                      </p:to>
+                                    </p:set>
+                                  </p:childTnLst>
+                                </p:cTn>
+                              </p:par>
+                              <p:par>
+                                <p:cTn id="27" presetID="1" presetClass="entr" presetSubtype="0" fill="hold" grpId="0" nodeType="withEffect">
+                                  <p:stCondLst>
+                                    <p:cond delay="0"/>
+                                  </p:stCondLst>
+                                  <p:childTnLst>
+                                    <p:set>
+                                      <p:cBhvr>
+                                        <p:cTn id="28" dur="1" fill="hold">
+                                          <p:stCondLst>
+                                            <p:cond delay="0"/>
+                                          </p:stCondLst>
+                                        </p:cTn>
+                                        <p:tgtEl>
+                                          <p:spTgt spid="14"/>
+                                        </p:tgtEl>
+                                        <p:attrNameLst>
+                                          <p:attrName>style.visibility</p:attrName>
+                                        </p:attrNameLst>
+                                      </p:cBhvr>
+                                      <p:to>
+                                        <p:strVal val="visible"/>
+                                      </p:to>
+                                    </p:set>
+                                  </p:childTnLst>
+                                </p:cTn>
+                              </p:par>
+                            </p:childTnLst>
+                          </p:cTn>
+                        </p:par>
+                      </p:childTnLst>
+                    </p:cTn>
+                  </p:par>
+                  <p:par>
+                    <p:cTn id="29" fill="hold">
+                      <p:stCondLst>
+                        <p:cond delay="indefinite"/>
+                      </p:stCondLst>
+                      <p:childTnLst>
+                        <p:par>
+                          <p:cTn id="30" fill="hold">
+                            <p:stCondLst>
+                              <p:cond delay="0"/>
+                            </p:stCondLst>
+                            <p:childTnLst>
+                              <p:par>
+                                <p:cTn id="31" presetID="1" presetClass="entr" presetSubtype="0" fill="hold" nodeType="clickEffect">
+                                  <p:stCondLst>
+                                    <p:cond delay="0"/>
+                                  </p:stCondLst>
+                                  <p:childTnLst>
+                                    <p:set>
+                                      <p:cBhvr>
+                                        <p:cTn id="32" dur="1" fill="hold">
+                                          <p:stCondLst>
+                                            <p:cond delay="0"/>
+                                          </p:stCondLst>
+                                        </p:cTn>
+                                        <p:tgtEl>
+                                          <p:spTgt spid="3">
+                                            <p:txEl>
+                                              <p:pRg st="3" end="3"/>
+                                            </p:txEl>
+                                          </p:spTgt>
+                                        </p:tgtEl>
+                                        <p:attrNameLst>
+                                          <p:attrName>style.visibility</p:attrName>
+                                        </p:attrNameLst>
+                                      </p:cBhvr>
+                                      <p:to>
+                                        <p:strVal val="visible"/>
+                                      </p:to>
+                                    </p:set>
+                                  </p:childTnLst>
+                                </p:cTn>
+                              </p:par>
+                            </p:childTnLst>
+                          </p:cTn>
+                        </p:par>
+                      </p:childTnLst>
+                    </p:cTn>
+                  </p:par>
+                  <p:par>
+                    <p:cTn id="33" fill="hold">
+                      <p:stCondLst>
+                        <p:cond delay="indefinite"/>
+                      </p:stCondLst>
+                      <p:childTnLst>
+                        <p:par>
+                          <p:cTn id="34" fill="hold">
+                            <p:stCondLst>
+                              <p:cond delay="0"/>
+                            </p:stCondLst>
+                            <p:childTnLst>
+                              <p:par>
+                                <p:cTn id="35" presetID="1" presetClass="entr" presetSubtype="0" fill="hold" nodeType="clickEffect">
+                                  <p:stCondLst>
+                                    <p:cond delay="0"/>
+                                  </p:stCondLst>
+                                  <p:childTnLst>
+                                    <p:set>
+                                      <p:cBhvr>
+                                        <p:cTn id="36" dur="1" fill="hold">
+                                          <p:stCondLst>
+                                            <p:cond delay="0"/>
+                                          </p:stCondLst>
+                                        </p:cTn>
+                                        <p:tgtEl>
+                                          <p:spTgt spid="3">
+                                            <p:txEl>
+                                              <p:pRg st="4" end="4"/>
+                                            </p:txEl>
+                                          </p:spTgt>
+                                        </p:tgtEl>
+                                        <p:attrNameLst>
+                                          <p:attrName>style.visibility</p:attrName>
+                                        </p:attrNameLst>
+                                      </p:cBhvr>
+                                      <p:to>
+                                        <p:strVal val="visible"/>
+                                      </p:to>
+                                    </p:set>
+                                  </p:childTnLst>
+                                </p:cTn>
+                              </p:par>
+                            </p:childTnLst>
+                          </p:cTn>
+                        </p:par>
+                      </p:childTnLst>
+                    </p:cTn>
+                  </p:par>
+                  <p:par>
+                    <p:cTn id="37" fill="hold">
+                      <p:stCondLst>
+                        <p:cond delay="indefinite"/>
+                      </p:stCondLst>
+                      <p:childTnLst>
+                        <p:par>
+                          <p:cTn id="38" fill="hold">
+                            <p:stCondLst>
+                              <p:cond delay="0"/>
+                            </p:stCondLst>
+                            <p:childTnLst>
+                              <p:par>
+                                <p:cTn id="39" presetID="1" presetClass="entr" presetSubtype="0" fill="hold" nodeType="clickEffect">
+                                  <p:stCondLst>
+                                    <p:cond delay="0"/>
+                                  </p:stCondLst>
+                                  <p:childTnLst>
+                                    <p:set>
+                                      <p:cBhvr>
+                                        <p:cTn id="40" dur="1" fill="hold">
+                                          <p:stCondLst>
+                                            <p:cond delay="0"/>
+                                          </p:stCondLst>
+                                        </p:cTn>
+                                        <p:tgtEl>
+                                          <p:spTgt spid="3">
+                                            <p:txEl>
+                                              <p:pRg st="9" end="9"/>
+                                            </p:txEl>
+                                          </p:spTgt>
+                                        </p:tgtEl>
+                                        <p:attrNameLst>
+                                          <p:attrName>style.visibility</p:attrName>
+                                        </p:attrNameLst>
+                                      </p:cBhvr>
+                                      <p:to>
+                                        <p:strVal val="visible"/>
+                                      </p:to>
+                                    </p:set>
+                                  </p:childTnLst>
+                                </p:cTn>
+                              </p:par>
+                            </p:childTnLst>
+                          </p:cTn>
+                        </p:par>
+                      </p:childTnLst>
+                    </p:cTn>
+                  </p:par>
+                </p:childTnLst>
+              </p:cTn>
+              <p:prevCondLst>
+                <p:cond evt="onPrev" delay="0">
+                  <p:tgtEl>
+                    <p:sldTgt/>
+                  </p:tgtEl>
+                </p:cond>
+              </p:prevCondLst>
+              <p:nextCondLst>
+                <p:cond evt="onNext" delay="0">
+                  <p:tgtEl>
+                    <p:sldTgt/>
+                  </p:tgtEl>
+                </p:cond>
+              </p:nextCondLst>
+            </p:seq>
+          </p:childTnLst>
+        </p:cTn>
+      </p:par>
+    </p:tnLst>
+    <p:bldLst>
+      <p:bldP spid="6" grpId="0" animBg="1"/>
+      <p:bldP spid="7" grpId="0"/>
+      <p:bldP spid="14" grpId="0"/>
+      <p:bldP spid="15" grpId="0" animBg="1"/>
+      <p:bldP spid="16" grpId="0"/>
+    </p:bldLst>
+  </p:timing>
 </p:sld>
 </file>
 
@@ -5643,7 +7399,7 @@
           <p:cNvPr id="2" name="Title 1">
             <a:extLst>
               <a:ext uri="{FF2B5EF4-FFF2-40B4-BE49-F238E27FC236}">
-                <a16:creationId xmlns:a16="http://schemas.microsoft.com/office/drawing/2014/main" id="{14784096-A879-4BC2-9E51-9D1C8927841D}"/>
+                <a16:creationId xmlns:a16="http://schemas.microsoft.com/office/drawing/2014/main" id="{F345AC97-4836-42B9-B69E-43E96A1ED737}"/>
               </a:ext>
             </a:extLst>
           </p:cNvPr>
@@ -5654,215 +7410,241 @@
             <p:ph type="title"/>
           </p:nvPr>
         </p:nvSpPr>
+        <p:spPr/>
+        <p:txBody>
+          <a:bodyPr/>
+          <a:lstStyle/>
+          <a:p>
+            <a:r>
+              <a:rPr lang="en-US" dirty="0"/>
+              <a:t>What does </a:t>
+            </a:r>
+            <a:r>
+              <a:rPr lang="en-US" dirty="0" err="1"/>
+              <a:t>NAc</a:t>
+            </a:r>
+            <a:r>
+              <a:rPr lang="en-US" dirty="0"/>
+              <a:t> stimulation do?</a:t>
+            </a:r>
+          </a:p>
+        </p:txBody>
+      </p:sp>
+      <p:sp>
+        <p:nvSpPr>
+          <p:cNvPr id="3" name="Content Placeholder 2">
+            <a:extLst>
+              <a:ext uri="{FF2B5EF4-FFF2-40B4-BE49-F238E27FC236}">
+                <a16:creationId xmlns:a16="http://schemas.microsoft.com/office/drawing/2014/main" id="{EA989895-E859-4EA0-A85A-05210EF21C05}"/>
+              </a:ext>
+            </a:extLst>
+          </p:cNvPr>
+          <p:cNvSpPr>
+            <a:spLocks noGrp="1"/>
+          </p:cNvSpPr>
+          <p:nvPr>
+            <p:ph idx="1"/>
+          </p:nvPr>
+        </p:nvSpPr>
+        <p:spPr/>
+        <p:txBody>
+          <a:bodyPr/>
+          <a:lstStyle/>
+          <a:p>
+            <a:r>
+              <a:rPr lang="en-US" dirty="0"/>
+              <a:t>Increase impulsivity?</a:t>
+            </a:r>
+          </a:p>
+          <a:p>
+            <a:r>
+              <a:rPr lang="en-US" dirty="0"/>
+              <a:t>Increase risky decision making?</a:t>
+            </a:r>
+          </a:p>
+          <a:p>
+            <a:r>
+              <a:rPr lang="en-US" dirty="0"/>
+              <a:t>Decrease compulsive behavior?</a:t>
+            </a:r>
+          </a:p>
+          <a:p>
+            <a:endParaRPr lang="en-US" dirty="0"/>
+          </a:p>
+          <a:p>
+            <a:endParaRPr lang="en-US" dirty="0"/>
+          </a:p>
+          <a:p>
+            <a:r>
+              <a:rPr lang="en-US" dirty="0"/>
+              <a:t>Causal way to investigate </a:t>
+            </a:r>
+            <a:r>
+              <a:rPr lang="en-US" dirty="0" err="1"/>
+              <a:t>NAc</a:t>
+            </a:r>
+            <a:r>
+              <a:rPr lang="en-US" dirty="0"/>
+              <a:t> stimulation on above questions.</a:t>
+            </a:r>
+          </a:p>
+          <a:p>
+            <a:endParaRPr lang="en-US" dirty="0"/>
+          </a:p>
+        </p:txBody>
+      </p:sp>
+      <p:sp>
+        <p:nvSpPr>
+          <p:cNvPr id="4" name="Title 1">
+            <a:extLst>
+              <a:ext uri="{FF2B5EF4-FFF2-40B4-BE49-F238E27FC236}">
+                <a16:creationId xmlns:a16="http://schemas.microsoft.com/office/drawing/2014/main" id="{D539188E-0BB6-455F-A95D-AFD46723CBDA}"/>
+              </a:ext>
+            </a:extLst>
+          </p:cNvPr>
+          <p:cNvSpPr txBox="1">
+            <a:spLocks/>
+          </p:cNvSpPr>
+          <p:nvPr/>
+        </p:nvSpPr>
         <p:spPr>
           <a:xfrm>
-            <a:off x="0" y="-297657"/>
-            <a:ext cx="2717800" cy="1325563"/>
-          </a:xfrm>
-        </p:spPr>
-        <p:txBody>
-          <a:bodyPr>
-            <a:normAutofit/>
-          </a:bodyPr>
-          <a:lstStyle/>
-          <a:p>
-            <a:r>
-              <a:rPr lang="en-US" sz="2400" dirty="0"/>
-              <a:t>Extra Plots</a:t>
-            </a:r>
-          </a:p>
-        </p:txBody>
-      </p:sp>
-      <p:pic>
-        <p:nvPicPr>
-          <p:cNvPr id="4" name="Picture 3">
-            <a:extLst>
-              <a:ext uri="{FF2B5EF4-FFF2-40B4-BE49-F238E27FC236}">
-                <a16:creationId xmlns:a16="http://schemas.microsoft.com/office/drawing/2014/main" id="{7727590C-2FA1-4A8B-AE4A-4255391696FD}"/>
-              </a:ext>
-            </a:extLst>
-          </p:cNvPr>
-          <p:cNvPicPr>
-            <a:picLocks noChangeAspect="1"/>
-          </p:cNvPicPr>
-          <p:nvPr/>
-        </p:nvPicPr>
-        <p:blipFill>
-          <a:blip r:embed="rId2"/>
-          <a:stretch>
-            <a:fillRect/>
-          </a:stretch>
-        </p:blipFill>
-        <p:spPr>
-          <a:xfrm>
-            <a:off x="0" y="2180107"/>
-            <a:ext cx="3720902" cy="1980998"/>
+            <a:off x="838200" y="5167312"/>
+            <a:ext cx="10515600" cy="1325563"/>
           </a:xfrm>
           <a:prstGeom prst="rect">
             <a:avLst/>
           </a:prstGeom>
         </p:spPr>
-      </p:pic>
-      <p:pic>
-        <p:nvPicPr>
-          <p:cNvPr id="5" name="Picture 4">
-            <a:extLst>
-              <a:ext uri="{FF2B5EF4-FFF2-40B4-BE49-F238E27FC236}">
-                <a16:creationId xmlns:a16="http://schemas.microsoft.com/office/drawing/2014/main" id="{9B4809E0-848C-42F8-81C6-B311E22A0423}"/>
-              </a:ext>
-            </a:extLst>
-          </p:cNvPr>
-          <p:cNvPicPr>
-            <a:picLocks noChangeAspect="1"/>
-          </p:cNvPicPr>
-          <p:nvPr/>
-        </p:nvPicPr>
-        <p:blipFill>
-          <a:blip r:embed="rId3"/>
-          <a:stretch>
-            <a:fillRect/>
-          </a:stretch>
-        </p:blipFill>
-        <p:spPr>
-          <a:xfrm>
-            <a:off x="0" y="4511876"/>
-            <a:ext cx="3720902" cy="1980999"/>
-          </a:xfrm>
-          <a:prstGeom prst="rect">
-            <a:avLst/>
-          </a:prstGeom>
-        </p:spPr>
-      </p:pic>
-      <p:pic>
-        <p:nvPicPr>
-          <p:cNvPr id="6" name="Picture 5">
-            <a:extLst>
-              <a:ext uri="{FF2B5EF4-FFF2-40B4-BE49-F238E27FC236}">
-                <a16:creationId xmlns:a16="http://schemas.microsoft.com/office/drawing/2014/main" id="{8D797A22-AFCD-4771-9C47-B21CE1A4F686}"/>
-              </a:ext>
-            </a:extLst>
-          </p:cNvPr>
-          <p:cNvPicPr>
-            <a:picLocks noChangeAspect="1"/>
-          </p:cNvPicPr>
-          <p:nvPr/>
-        </p:nvPicPr>
-        <p:blipFill>
-          <a:blip r:embed="rId4"/>
-          <a:stretch>
-            <a:fillRect/>
-          </a:stretch>
-        </p:blipFill>
-        <p:spPr>
-          <a:xfrm>
-            <a:off x="3720902" y="4511876"/>
-            <a:ext cx="3720902" cy="1980998"/>
-          </a:xfrm>
-          <a:prstGeom prst="rect">
-            <a:avLst/>
-          </a:prstGeom>
-        </p:spPr>
-      </p:pic>
-      <p:pic>
-        <p:nvPicPr>
-          <p:cNvPr id="7" name="Picture 6">
-            <a:extLst>
-              <a:ext uri="{FF2B5EF4-FFF2-40B4-BE49-F238E27FC236}">
-                <a16:creationId xmlns:a16="http://schemas.microsoft.com/office/drawing/2014/main" id="{7534D4A7-C41F-43DA-B360-F577FF85771E}"/>
-              </a:ext>
-            </a:extLst>
-          </p:cNvPr>
-          <p:cNvPicPr>
-            <a:picLocks noChangeAspect="1"/>
-          </p:cNvPicPr>
-          <p:nvPr/>
-        </p:nvPicPr>
-        <p:blipFill>
-          <a:blip r:embed="rId5"/>
-          <a:stretch>
-            <a:fillRect/>
-          </a:stretch>
-        </p:blipFill>
-        <p:spPr>
-          <a:xfrm>
-            <a:off x="3637238" y="2225602"/>
-            <a:ext cx="3720902" cy="1980998"/>
-          </a:xfrm>
-          <a:prstGeom prst="rect">
-            <a:avLst/>
-          </a:prstGeom>
-        </p:spPr>
-      </p:pic>
-      <p:pic>
-        <p:nvPicPr>
-          <p:cNvPr id="8" name="Picture 7">
-            <a:extLst>
-              <a:ext uri="{FF2B5EF4-FFF2-40B4-BE49-F238E27FC236}">
-                <a16:creationId xmlns:a16="http://schemas.microsoft.com/office/drawing/2014/main" id="{F58B2AAA-9BDA-402F-81D5-D305BA2373A2}"/>
-              </a:ext>
-            </a:extLst>
-          </p:cNvPr>
-          <p:cNvPicPr>
-            <a:picLocks noChangeAspect="1"/>
-          </p:cNvPicPr>
-          <p:nvPr/>
-        </p:nvPicPr>
-        <p:blipFill>
-          <a:blip r:embed="rId6"/>
-          <a:stretch>
-            <a:fillRect/>
-          </a:stretch>
-        </p:blipFill>
-        <p:spPr>
-          <a:xfrm>
-            <a:off x="3562858" y="460049"/>
-            <a:ext cx="3436219" cy="1829434"/>
-          </a:xfrm>
-          <a:prstGeom prst="rect">
-            <a:avLst/>
-          </a:prstGeom>
-        </p:spPr>
-      </p:pic>
-      <p:pic>
-        <p:nvPicPr>
-          <p:cNvPr id="9" name="Picture 8">
-            <a:extLst>
-              <a:ext uri="{FF2B5EF4-FFF2-40B4-BE49-F238E27FC236}">
-                <a16:creationId xmlns:a16="http://schemas.microsoft.com/office/drawing/2014/main" id="{1C0678BC-3B58-4840-B12F-76D9F4E76024}"/>
-              </a:ext>
-            </a:extLst>
-          </p:cNvPr>
-          <p:cNvPicPr>
-            <a:picLocks noChangeAspect="1"/>
-          </p:cNvPicPr>
-          <p:nvPr/>
-        </p:nvPicPr>
-        <p:blipFill>
-          <a:blip r:embed="rId7"/>
-          <a:stretch>
-            <a:fillRect/>
-          </a:stretch>
-        </p:blipFill>
-        <p:spPr>
-          <a:xfrm>
-            <a:off x="7432520" y="1027906"/>
-            <a:ext cx="4704233" cy="4924193"/>
-          </a:xfrm>
-          <a:prstGeom prst="rect">
-            <a:avLst/>
-          </a:prstGeom>
-        </p:spPr>
-      </p:pic>
+        <p:txBody>
+          <a:bodyPr vert="horz" lIns="91440" tIns="45720" rIns="91440" bIns="45720" rtlCol="0" anchor="ctr">
+            <a:normAutofit/>
+          </a:bodyPr>
+          <a:lstStyle>
+            <a:lvl1pPr algn="l" defTabSz="914400" rtl="0" eaLnBrk="1" latinLnBrk="0" hangingPunct="1">
+              <a:lnSpc>
+                <a:spcPct val="90000"/>
+              </a:lnSpc>
+              <a:spcBef>
+                <a:spcPct val="0"/>
+              </a:spcBef>
+              <a:buNone/>
+              <a:defRPr sz="4400" kern="1200">
+                <a:solidFill>
+                  <a:schemeClr val="tx1"/>
+                </a:solidFill>
+                <a:latin typeface="+mj-lt"/>
+                <a:ea typeface="+mj-ea"/>
+                <a:cs typeface="+mj-cs"/>
+              </a:defRPr>
+            </a:lvl1pPr>
+          </a:lstStyle>
+          <a:p>
+            <a:pPr algn="ctr"/>
+            <a:r>
+              <a:rPr lang="en-US" sz="3600" dirty="0"/>
+              <a:t>Explore relationship between </a:t>
+            </a:r>
+            <a:r>
+              <a:rPr lang="en-US" sz="3600" dirty="0" err="1"/>
+              <a:t>NAc</a:t>
+            </a:r>
+            <a:r>
+              <a:rPr lang="en-US" sz="3600" dirty="0"/>
+              <a:t>, gambling and OCD?</a:t>
+            </a:r>
+          </a:p>
+        </p:txBody>
+      </p:sp>
     </p:spTree>
     <p:extLst>
       <p:ext uri="{BB962C8B-B14F-4D97-AF65-F5344CB8AC3E}">
-        <p14:creationId xmlns:p14="http://schemas.microsoft.com/office/powerpoint/2010/main" val="2704169296"/>
+        <p14:creationId xmlns:p14="http://schemas.microsoft.com/office/powerpoint/2010/main" val="4280463038"/>
       </p:ext>
     </p:extLst>
   </p:cSld>
   <p:clrMapOvr>
     <a:masterClrMapping/>
   </p:clrMapOvr>
+  <p:timing>
+    <p:tnLst>
+      <p:par>
+        <p:cTn id="1" dur="indefinite" restart="never" nodeType="tmRoot">
+          <p:childTnLst>
+            <p:seq concurrent="1" nextAc="seek">
+              <p:cTn id="2" dur="indefinite" nodeType="mainSeq">
+                <p:childTnLst>
+                  <p:par>
+                    <p:cTn id="3" fill="hold">
+                      <p:stCondLst>
+                        <p:cond delay="indefinite"/>
+                      </p:stCondLst>
+                      <p:childTnLst>
+                        <p:par>
+                          <p:cTn id="4" fill="hold">
+                            <p:stCondLst>
+                              <p:cond delay="0"/>
+                            </p:stCondLst>
+                            <p:childTnLst>
+                              <p:par>
+                                <p:cTn id="5" presetID="1" presetClass="entr" presetSubtype="0" fill="hold" nodeType="clickEffect">
+                                  <p:stCondLst>
+                                    <p:cond delay="0"/>
+                                  </p:stCondLst>
+                                  <p:childTnLst>
+                                    <p:set>
+                                      <p:cBhvr>
+                                        <p:cTn id="6" dur="1" fill="hold">
+                                          <p:stCondLst>
+                                            <p:cond delay="0"/>
+                                          </p:stCondLst>
+                                        </p:cTn>
+                                        <p:tgtEl>
+                                          <p:spTgt spid="4">
+                                            <p:txEl>
+                                              <p:pRg st="0" end="0"/>
+                                            </p:txEl>
+                                          </p:spTgt>
+                                        </p:tgtEl>
+                                        <p:attrNameLst>
+                                          <p:attrName>style.visibility</p:attrName>
+                                        </p:attrNameLst>
+                                      </p:cBhvr>
+                                      <p:to>
+                                        <p:strVal val="visible"/>
+                                      </p:to>
+                                    </p:set>
+                                  </p:childTnLst>
+                                </p:cTn>
+                              </p:par>
+                            </p:childTnLst>
+                          </p:cTn>
+                        </p:par>
+                      </p:childTnLst>
+                    </p:cTn>
+                  </p:par>
+                </p:childTnLst>
+              </p:cTn>
+              <p:prevCondLst>
+                <p:cond evt="onPrev" delay="0">
+                  <p:tgtEl>
+                    <p:sldTgt/>
+                  </p:tgtEl>
+                </p:cond>
+              </p:prevCondLst>
+              <p:nextCondLst>
+                <p:cond evt="onNext" delay="0">
+                  <p:tgtEl>
+                    <p:sldTgt/>
+                  </p:tgtEl>
+                </p:cond>
+              </p:nextCondLst>
+            </p:seq>
+          </p:childTnLst>
+        </p:cTn>
+      </p:par>
+    </p:tnLst>
+  </p:timing>
 </p:sld>
 </file>
 
@@ -5885,10 +7667,313 @@
       </p:grpSpPr>
       <p:sp>
         <p:nvSpPr>
-          <p:cNvPr id="5" name="Title 1">
-            <a:extLst>
-              <a:ext uri="{FF2B5EF4-FFF2-40B4-BE49-F238E27FC236}">
-                <a16:creationId xmlns:a16="http://schemas.microsoft.com/office/drawing/2014/main" id="{8D9E793D-C624-470B-9338-FB9CC5DD29C3}"/>
+          <p:cNvPr id="4" name="TextBox 3">
+            <a:extLst>
+              <a:ext uri="{FF2B5EF4-FFF2-40B4-BE49-F238E27FC236}">
+                <a16:creationId xmlns:a16="http://schemas.microsoft.com/office/drawing/2014/main" id="{C3E7AFBB-1A73-44D4-94CB-913940225787}"/>
+              </a:ext>
+            </a:extLst>
+          </p:cNvPr>
+          <p:cNvSpPr txBox="1"/>
+          <p:nvPr/>
+        </p:nvSpPr>
+        <p:spPr>
+          <a:xfrm>
+            <a:off x="3461941" y="2206953"/>
+            <a:ext cx="740908" cy="461665"/>
+          </a:xfrm>
+          <a:prstGeom prst="rect">
+            <a:avLst/>
+          </a:prstGeom>
+          <a:noFill/>
+        </p:spPr>
+        <p:txBody>
+          <a:bodyPr wrap="none" rtlCol="0">
+            <a:spAutoFit/>
+          </a:bodyPr>
+          <a:lstStyle/>
+          <a:p>
+            <a:r>
+              <a:rPr lang="en-US" sz="2400" dirty="0"/>
+              <a:t>OCD</a:t>
+            </a:r>
+          </a:p>
+        </p:txBody>
+      </p:sp>
+      <p:sp>
+        <p:nvSpPr>
+          <p:cNvPr id="5" name="TextBox 4">
+            <a:extLst>
+              <a:ext uri="{FF2B5EF4-FFF2-40B4-BE49-F238E27FC236}">
+                <a16:creationId xmlns:a16="http://schemas.microsoft.com/office/drawing/2014/main" id="{A07B029A-D33B-4DAC-8891-F52839A9D827}"/>
+              </a:ext>
+            </a:extLst>
+          </p:cNvPr>
+          <p:cNvSpPr txBox="1"/>
+          <p:nvPr/>
+        </p:nvSpPr>
+        <p:spPr>
+          <a:xfrm>
+            <a:off x="6715094" y="2206953"/>
+            <a:ext cx="1380506" cy="461665"/>
+          </a:xfrm>
+          <a:prstGeom prst="rect">
+            <a:avLst/>
+          </a:prstGeom>
+          <a:noFill/>
+        </p:spPr>
+        <p:txBody>
+          <a:bodyPr wrap="none" rtlCol="0">
+            <a:spAutoFit/>
+          </a:bodyPr>
+          <a:lstStyle/>
+          <a:p>
+            <a:r>
+              <a:rPr lang="en-US" sz="2400" dirty="0"/>
+              <a:t>Gambling</a:t>
+            </a:r>
+          </a:p>
+        </p:txBody>
+      </p:sp>
+      <p:sp>
+        <p:nvSpPr>
+          <p:cNvPr id="6" name="TextBox 5">
+            <a:extLst>
+              <a:ext uri="{FF2B5EF4-FFF2-40B4-BE49-F238E27FC236}">
+                <a16:creationId xmlns:a16="http://schemas.microsoft.com/office/drawing/2014/main" id="{EDE63C00-5F5B-4041-A9B2-1C4842BE86DE}"/>
+              </a:ext>
+            </a:extLst>
+          </p:cNvPr>
+          <p:cNvSpPr txBox="1"/>
+          <p:nvPr/>
+        </p:nvSpPr>
+        <p:spPr>
+          <a:xfrm>
+            <a:off x="4210764" y="3727718"/>
+            <a:ext cx="2803844" cy="461665"/>
+          </a:xfrm>
+          <a:prstGeom prst="rect">
+            <a:avLst/>
+          </a:prstGeom>
+          <a:noFill/>
+        </p:spPr>
+        <p:txBody>
+          <a:bodyPr wrap="none" rtlCol="0">
+            <a:spAutoFit/>
+          </a:bodyPr>
+          <a:lstStyle/>
+          <a:p>
+            <a:r>
+              <a:rPr lang="en-US" sz="2400" dirty="0"/>
+              <a:t>Compulsive Behavior</a:t>
+            </a:r>
+          </a:p>
+        </p:txBody>
+      </p:sp>
+      <p:cxnSp>
+        <p:nvCxnSpPr>
+          <p:cNvPr id="13" name="Straight Arrow Connector 12">
+            <a:extLst>
+              <a:ext uri="{FF2B5EF4-FFF2-40B4-BE49-F238E27FC236}">
+                <a16:creationId xmlns:a16="http://schemas.microsoft.com/office/drawing/2014/main" id="{D6AB1400-5709-4E21-B0E7-8E233B0D3967}"/>
+              </a:ext>
+            </a:extLst>
+          </p:cNvPr>
+          <p:cNvCxnSpPr>
+            <a:cxnSpLocks/>
+            <a:stCxn id="6" idx="0"/>
+            <a:endCxn id="5" idx="2"/>
+          </p:cNvCxnSpPr>
+          <p:nvPr/>
+        </p:nvCxnSpPr>
+        <p:spPr>
+          <a:xfrm flipV="1">
+            <a:off x="5612686" y="2668618"/>
+            <a:ext cx="1792661" cy="1059100"/>
+          </a:xfrm>
+          <a:prstGeom prst="straightConnector1">
+            <a:avLst/>
+          </a:prstGeom>
+          <a:ln>
+            <a:headEnd type="triangle"/>
+            <a:tailEnd type="triangle"/>
+          </a:ln>
+        </p:spPr>
+        <p:style>
+          <a:lnRef idx="1">
+            <a:schemeClr val="dk1"/>
+          </a:lnRef>
+          <a:fillRef idx="0">
+            <a:schemeClr val="dk1"/>
+          </a:fillRef>
+          <a:effectRef idx="0">
+            <a:schemeClr val="dk1"/>
+          </a:effectRef>
+          <a:fontRef idx="minor">
+            <a:schemeClr val="tx1"/>
+          </a:fontRef>
+        </p:style>
+      </p:cxnSp>
+      <p:cxnSp>
+        <p:nvCxnSpPr>
+          <p:cNvPr id="17" name="Straight Arrow Connector 16">
+            <a:extLst>
+              <a:ext uri="{FF2B5EF4-FFF2-40B4-BE49-F238E27FC236}">
+                <a16:creationId xmlns:a16="http://schemas.microsoft.com/office/drawing/2014/main" id="{8D73497D-5C89-4234-9C76-56FA44F437A8}"/>
+              </a:ext>
+            </a:extLst>
+          </p:cNvPr>
+          <p:cNvCxnSpPr>
+            <a:cxnSpLocks/>
+          </p:cNvCxnSpPr>
+          <p:nvPr/>
+        </p:nvCxnSpPr>
+        <p:spPr>
+          <a:xfrm flipH="1">
+            <a:off x="4453627" y="2437785"/>
+            <a:ext cx="1952132" cy="0"/>
+          </a:xfrm>
+          <a:prstGeom prst="straightConnector1">
+            <a:avLst/>
+          </a:prstGeom>
+          <a:ln>
+            <a:headEnd type="triangle"/>
+            <a:tailEnd type="triangle"/>
+          </a:ln>
+        </p:spPr>
+        <p:style>
+          <a:lnRef idx="1">
+            <a:schemeClr val="dk1"/>
+          </a:lnRef>
+          <a:fillRef idx="0">
+            <a:schemeClr val="dk1"/>
+          </a:fillRef>
+          <a:effectRef idx="0">
+            <a:schemeClr val="dk1"/>
+          </a:effectRef>
+          <a:fontRef idx="minor">
+            <a:schemeClr val="tx1"/>
+          </a:fontRef>
+        </p:style>
+      </p:cxnSp>
+      <p:sp>
+        <p:nvSpPr>
+          <p:cNvPr id="26" name="TextBox 25">
+            <a:extLst>
+              <a:ext uri="{FF2B5EF4-FFF2-40B4-BE49-F238E27FC236}">
+                <a16:creationId xmlns:a16="http://schemas.microsoft.com/office/drawing/2014/main" id="{614AB941-62BC-43FF-8B75-F2799B777967}"/>
+              </a:ext>
+            </a:extLst>
+          </p:cNvPr>
+          <p:cNvSpPr txBox="1"/>
+          <p:nvPr/>
+        </p:nvSpPr>
+        <p:spPr>
+          <a:xfrm>
+            <a:off x="4417661" y="2004149"/>
+            <a:ext cx="2082621" cy="369332"/>
+          </a:xfrm>
+          <a:prstGeom prst="rect">
+            <a:avLst/>
+          </a:prstGeom>
+          <a:noFill/>
+        </p:spPr>
+        <p:txBody>
+          <a:bodyPr wrap="none" rtlCol="0">
+            <a:spAutoFit/>
+          </a:bodyPr>
+          <a:lstStyle/>
+          <a:p>
+            <a:r>
+              <a:rPr lang="en-US" dirty="0" err="1"/>
+              <a:t>NAc</a:t>
+            </a:r>
+            <a:r>
+              <a:rPr lang="en-US" dirty="0"/>
+              <a:t> and dopamine?</a:t>
+            </a:r>
+          </a:p>
+        </p:txBody>
+      </p:sp>
+      <p:cxnSp>
+        <p:nvCxnSpPr>
+          <p:cNvPr id="28" name="Straight Arrow Connector 27">
+            <a:extLst>
+              <a:ext uri="{FF2B5EF4-FFF2-40B4-BE49-F238E27FC236}">
+                <a16:creationId xmlns:a16="http://schemas.microsoft.com/office/drawing/2014/main" id="{1E5DA2EF-128E-4709-93E7-58BC0537B92F}"/>
+              </a:ext>
+            </a:extLst>
+          </p:cNvPr>
+          <p:cNvCxnSpPr>
+            <a:cxnSpLocks/>
+            <a:stCxn id="6" idx="0"/>
+          </p:cNvCxnSpPr>
+          <p:nvPr/>
+        </p:nvCxnSpPr>
+        <p:spPr>
+          <a:xfrm flipH="1" flipV="1">
+            <a:off x="3922718" y="2650480"/>
+            <a:ext cx="1689968" cy="1077238"/>
+          </a:xfrm>
+          <a:prstGeom prst="straightConnector1">
+            <a:avLst/>
+          </a:prstGeom>
+          <a:ln>
+            <a:headEnd type="triangle"/>
+            <a:tailEnd type="triangle"/>
+          </a:ln>
+        </p:spPr>
+        <p:style>
+          <a:lnRef idx="1">
+            <a:schemeClr val="dk1"/>
+          </a:lnRef>
+          <a:fillRef idx="0">
+            <a:schemeClr val="dk1"/>
+          </a:fillRef>
+          <a:effectRef idx="0">
+            <a:schemeClr val="dk1"/>
+          </a:effectRef>
+          <a:fontRef idx="minor">
+            <a:schemeClr val="tx1"/>
+          </a:fontRef>
+        </p:style>
+      </p:cxnSp>
+    </p:spTree>
+    <p:extLst>
+      <p:ext uri="{BB962C8B-B14F-4D97-AF65-F5344CB8AC3E}">
+        <p14:creationId xmlns:p14="http://schemas.microsoft.com/office/powerpoint/2010/main" val="310629980"/>
+      </p:ext>
+    </p:extLst>
+  </p:cSld>
+  <p:clrMapOvr>
+    <a:masterClrMapping/>
+  </p:clrMapOvr>
+</p:sld>
+</file>
+
+<file path=ppt/slides/slide16.xml><?xml version="1.0" encoding="utf-8"?>
+<p:sld xmlns:a="http://schemas.openxmlformats.org/drawingml/2006/main" xmlns:r="http://schemas.openxmlformats.org/officeDocument/2006/relationships" xmlns:p="http://schemas.openxmlformats.org/presentationml/2006/main">
+  <p:cSld>
+    <p:spTree>
+      <p:nvGrpSpPr>
+        <p:cNvPr id="1" name=""/>
+        <p:cNvGrpSpPr/>
+        <p:nvPr/>
+      </p:nvGrpSpPr>
+      <p:grpSpPr>
+        <a:xfrm>
+          <a:off x="0" y="0"/>
+          <a:ext cx="0" cy="0"/>
+          <a:chOff x="0" y="0"/>
+          <a:chExt cx="0" cy="0"/>
+        </a:xfrm>
+      </p:grpSpPr>
+      <p:sp>
+        <p:nvSpPr>
+          <p:cNvPr id="2" name="Title 1">
+            <a:extLst>
+              <a:ext uri="{FF2B5EF4-FFF2-40B4-BE49-F238E27FC236}">
+                <a16:creationId xmlns:a16="http://schemas.microsoft.com/office/drawing/2014/main" id="{6F88A025-60C3-4A36-B744-2B941E167128}"/>
               </a:ext>
             </a:extLst>
           </p:cNvPr>
@@ -5901,177 +7986,152 @@
         </p:nvSpPr>
         <p:spPr>
           <a:xfrm>
-            <a:off x="109728" y="-126969"/>
-            <a:ext cx="2717800" cy="1325563"/>
+            <a:off x="172155" y="173214"/>
+            <a:ext cx="3790244" cy="910519"/>
           </a:xfrm>
         </p:spPr>
         <p:txBody>
-          <a:bodyPr>
-            <a:normAutofit/>
-          </a:bodyPr>
+          <a:bodyPr/>
           <a:lstStyle/>
           <a:p>
             <a:r>
-              <a:rPr lang="en-US" sz="2400" dirty="0"/>
-              <a:t>ACF constants for each participant</a:t>
-            </a:r>
+              <a:rPr lang="en-US" sz="3200" dirty="0"/>
+              <a:t>Acknowledgements</a:t>
+            </a:r>
+            <a:endParaRPr lang="en-US" dirty="0"/>
           </a:p>
         </p:txBody>
       </p:sp>
       <p:pic>
         <p:nvPicPr>
-          <p:cNvPr id="6" name="Picture 5">
-            <a:extLst>
-              <a:ext uri="{FF2B5EF4-FFF2-40B4-BE49-F238E27FC236}">
-                <a16:creationId xmlns:a16="http://schemas.microsoft.com/office/drawing/2014/main" id="{F0D18526-D151-4CE7-BF97-67DCF5607260}"/>
+          <p:cNvPr id="1028" name="Picture 4" descr="frankLabPhoto_1_resized.png">
+            <a:extLst>
+              <a:ext uri="{FF2B5EF4-FFF2-40B4-BE49-F238E27FC236}">
+                <a16:creationId xmlns:a16="http://schemas.microsoft.com/office/drawing/2014/main" id="{8083C9F3-07D2-49A7-B081-5F9011A24B35}"/>
               </a:ext>
             </a:extLst>
           </p:cNvPr>
           <p:cNvPicPr>
-            <a:picLocks noChangeAspect="1"/>
+            <a:picLocks noChangeAspect="1" noChangeArrowheads="1"/>
           </p:cNvPicPr>
           <p:nvPr/>
         </p:nvPicPr>
         <p:blipFill>
-          <a:blip r:embed="rId2"/>
+          <a:blip r:embed="rId2">
+            <a:extLst>
+              <a:ext uri="{28A0092B-C50C-407E-A947-70E740481C1C}">
+                <a14:useLocalDpi xmlns:a14="http://schemas.microsoft.com/office/drawing/2010/main" val="0"/>
+              </a:ext>
+            </a:extLst>
+          </a:blip>
+          <a:srcRect/>
           <a:stretch>
             <a:fillRect/>
           </a:stretch>
         </p:blipFill>
-        <p:spPr>
+        <p:spPr bwMode="auto">
           <a:xfrm>
-            <a:off x="7683818" y="3672023"/>
-            <a:ext cx="3942410" cy="2887458"/>
+            <a:off x="2287610" y="1935531"/>
+            <a:ext cx="7115181" cy="4005846"/>
           </a:xfrm>
           <a:prstGeom prst="rect">
             <a:avLst/>
           </a:prstGeom>
+          <a:noFill/>
+          <a:extLst>
+            <a:ext uri="{909E8E84-426E-40DD-AFC4-6F175D3DCCD1}">
+              <a14:hiddenFill xmlns:a14="http://schemas.microsoft.com/office/drawing/2010/main">
+                <a:solidFill>
+                  <a:srgbClr val="FFFFFF"/>
+                </a:solidFill>
+              </a14:hiddenFill>
+            </a:ext>
+          </a:extLst>
         </p:spPr>
       </p:pic>
-      <p:pic>
-        <p:nvPicPr>
-          <p:cNvPr id="7" name="Picture 6">
-            <a:extLst>
-              <a:ext uri="{FF2B5EF4-FFF2-40B4-BE49-F238E27FC236}">
-                <a16:creationId xmlns:a16="http://schemas.microsoft.com/office/drawing/2014/main" id="{A494C709-1064-49B8-8663-1A90F080B1ED}"/>
-              </a:ext>
-            </a:extLst>
-          </p:cNvPr>
-          <p:cNvPicPr>
-            <a:picLocks noChangeAspect="1"/>
-          </p:cNvPicPr>
+      <p:sp>
+        <p:nvSpPr>
+          <p:cNvPr id="6" name="TextBox 5">
+            <a:extLst>
+              <a:ext uri="{FF2B5EF4-FFF2-40B4-BE49-F238E27FC236}">
+                <a16:creationId xmlns:a16="http://schemas.microsoft.com/office/drawing/2014/main" id="{A9A711DF-A7A2-4F08-8CE2-80B063F9CDDC}"/>
+              </a:ext>
+            </a:extLst>
+          </p:cNvPr>
+          <p:cNvSpPr txBox="1"/>
           <p:nvPr/>
-        </p:nvPicPr>
-        <p:blipFill>
-          <a:blip r:embed="rId3"/>
-          <a:stretch>
-            <a:fillRect/>
-          </a:stretch>
-        </p:blipFill>
+        </p:nvSpPr>
         <p:spPr>
           <a:xfrm>
-            <a:off x="3978107" y="3926797"/>
-            <a:ext cx="3506082" cy="2567887"/>
+            <a:off x="5320841" y="1325456"/>
+            <a:ext cx="840295" cy="461665"/>
           </a:xfrm>
           <a:prstGeom prst="rect">
             <a:avLst/>
           </a:prstGeom>
+          <a:noFill/>
         </p:spPr>
-      </p:pic>
-      <p:pic>
-        <p:nvPicPr>
-          <p:cNvPr id="8" name="Picture 7">
-            <a:extLst>
-              <a:ext uri="{FF2B5EF4-FFF2-40B4-BE49-F238E27FC236}">
-                <a16:creationId xmlns:a16="http://schemas.microsoft.com/office/drawing/2014/main" id="{61D128D0-CC50-415F-90D7-9E1B09529FF2}"/>
-              </a:ext>
-            </a:extLst>
-          </p:cNvPr>
-          <p:cNvPicPr>
-            <a:picLocks noChangeAspect="1"/>
-          </p:cNvPicPr>
+        <p:txBody>
+          <a:bodyPr wrap="none" rtlCol="0">
+            <a:spAutoFit/>
+          </a:bodyPr>
+          <a:lstStyle/>
+          <a:p>
+            <a:r>
+              <a:rPr lang="en-US" sz="2400" dirty="0"/>
+              <a:t>LNCC</a:t>
+            </a:r>
+            <a:endParaRPr lang="en-US" dirty="0"/>
+          </a:p>
+        </p:txBody>
+      </p:sp>
+      <p:sp>
+        <p:nvSpPr>
+          <p:cNvPr id="8" name="TextBox 7">
+            <a:extLst>
+              <a:ext uri="{FF2B5EF4-FFF2-40B4-BE49-F238E27FC236}">
+                <a16:creationId xmlns:a16="http://schemas.microsoft.com/office/drawing/2014/main" id="{193E16F1-77D1-4D9D-A85E-41F8CCA9D536}"/>
+              </a:ext>
+            </a:extLst>
+          </p:cNvPr>
+          <p:cNvSpPr txBox="1"/>
           <p:nvPr/>
-        </p:nvPicPr>
-        <p:blipFill>
-          <a:blip r:embed="rId4"/>
-          <a:stretch>
-            <a:fillRect/>
-          </a:stretch>
-        </p:blipFill>
+        </p:nvSpPr>
         <p:spPr>
           <a:xfrm>
-            <a:off x="154620" y="3862001"/>
-            <a:ext cx="3683022" cy="2697480"/>
+            <a:off x="2496881" y="6238196"/>
+            <a:ext cx="6696641" cy="369332"/>
           </a:xfrm>
           <a:prstGeom prst="rect">
             <a:avLst/>
           </a:prstGeom>
+          <a:noFill/>
         </p:spPr>
-      </p:pic>
-      <p:pic>
-        <p:nvPicPr>
-          <p:cNvPr id="9" name="Picture 8">
-            <a:extLst>
-              <a:ext uri="{FF2B5EF4-FFF2-40B4-BE49-F238E27FC236}">
-                <a16:creationId xmlns:a16="http://schemas.microsoft.com/office/drawing/2014/main" id="{CF26346A-4172-471A-ABA0-B5728A73B82E}"/>
-              </a:ext>
-            </a:extLst>
-          </p:cNvPr>
-          <p:cNvPicPr>
-            <a:picLocks noChangeAspect="1"/>
-          </p:cNvPicPr>
-          <p:nvPr/>
-        </p:nvPicPr>
-        <p:blipFill>
-          <a:blip r:embed="rId5"/>
-          <a:stretch>
-            <a:fillRect/>
-          </a:stretch>
-        </p:blipFill>
-        <p:spPr>
-          <a:xfrm>
-            <a:off x="5878748" y="784564"/>
-            <a:ext cx="3942410" cy="2887459"/>
-          </a:xfrm>
-          <a:prstGeom prst="rect">
-            <a:avLst/>
-          </a:prstGeom>
-        </p:spPr>
-      </p:pic>
-      <p:pic>
-        <p:nvPicPr>
-          <p:cNvPr id="10" name="Picture 9">
-            <a:extLst>
-              <a:ext uri="{FF2B5EF4-FFF2-40B4-BE49-F238E27FC236}">
-                <a16:creationId xmlns:a16="http://schemas.microsoft.com/office/drawing/2014/main" id="{1E5FB52E-A074-4A8E-8F07-48F6D718871E}"/>
-              </a:ext>
-            </a:extLst>
-          </p:cNvPr>
-          <p:cNvPicPr>
-            <a:picLocks noChangeAspect="1"/>
-          </p:cNvPicPr>
-          <p:nvPr/>
-        </p:nvPicPr>
-        <p:blipFill>
-          <a:blip r:embed="rId6"/>
-          <a:stretch>
-            <a:fillRect/>
-          </a:stretch>
-        </p:blipFill>
-        <p:spPr>
-          <a:xfrm>
-            <a:off x="1027144" y="832058"/>
-            <a:ext cx="3812718" cy="2792470"/>
-          </a:xfrm>
-          <a:prstGeom prst="rect">
-            <a:avLst/>
-          </a:prstGeom>
-        </p:spPr>
-      </p:pic>
+        <p:txBody>
+          <a:bodyPr wrap="none" rtlCol="0">
+            <a:spAutoFit/>
+          </a:bodyPr>
+          <a:lstStyle/>
+          <a:p>
+            <a:r>
+              <a:rPr lang="en-US" dirty="0"/>
+              <a:t>Special thanks to Andrew, Carolyn, Dan, Andrea, </a:t>
+            </a:r>
+            <a:r>
+              <a:rPr lang="en-US" dirty="0" err="1"/>
+              <a:t>Wasita</a:t>
+            </a:r>
+            <a:r>
+              <a:rPr lang="en-US" dirty="0"/>
+              <a:t>, and Michael </a:t>
+            </a:r>
+          </a:p>
+        </p:txBody>
+      </p:sp>
     </p:spTree>
     <p:extLst>
       <p:ext uri="{BB962C8B-B14F-4D97-AF65-F5344CB8AC3E}">
-        <p14:creationId xmlns:p14="http://schemas.microsoft.com/office/powerpoint/2010/main" val="4020130970"/>
+        <p14:creationId xmlns:p14="http://schemas.microsoft.com/office/powerpoint/2010/main" val="3992442831"/>
       </p:ext>
     </p:extLst>
   </p:cSld>
@@ -6128,7 +8188,7 @@
           <a:p>
             <a:r>
               <a:rPr lang="en-US" sz="3600" dirty="0"/>
-              <a:t>What is dopamine?</a:t>
+              <a:t>What is dopamine (DA)?</a:t>
             </a:r>
           </a:p>
         </p:txBody>
@@ -6327,7 +8387,7 @@
         <p:spPr>
           <a:xfrm>
             <a:off x="940974" y="6217629"/>
-            <a:ext cx="3570208" cy="246221"/>
+            <a:ext cx="3570208" cy="215444"/>
           </a:xfrm>
           <a:prstGeom prst="rect">
             <a:avLst/>
@@ -6340,34 +8400,25 @@
           <a:lstStyle/>
           <a:p>
             <a:r>
-              <a:rPr lang="en-US" sz="1000" b="1" dirty="0" err="1">
+              <a:rPr lang="en-US" sz="800" b="1" dirty="0">
                 <a:solidFill>
                   <a:srgbClr val="545454"/>
                 </a:solidFill>
                 <a:latin typeface="arial" panose="020B0604020202020204" pitchFamily="34" charset="0"/>
               </a:rPr>
-              <a:t>Credit:</a:t>
-            </a:r>
-            <a:r>
-              <a:rPr lang="en-US" sz="1000" dirty="0" err="1">
+              <a:t>Credit: </a:t>
+            </a:r>
+            <a:r>
+              <a:rPr lang="en-US" sz="800" dirty="0">
                 <a:solidFill>
                   <a:srgbClr val="545454"/>
                 </a:solidFill>
                 <a:latin typeface="arial" panose="020B0604020202020204" pitchFamily="34" charset="0"/>
               </a:rPr>
-              <a:t>Getty</a:t>
-            </a:r>
-            <a:r>
-              <a:rPr lang="en-US" sz="1000" dirty="0">
-                <a:solidFill>
-                  <a:srgbClr val="545454"/>
-                </a:solidFill>
-                <a:latin typeface="arial" panose="020B0604020202020204" pitchFamily="34" charset="0"/>
-              </a:rPr>
-              <a:t> Images/</a:t>
-            </a:r>
-            <a:r>
-              <a:rPr lang="en-US" sz="1000" dirty="0" err="1">
+              <a:t>Getty Images/</a:t>
+            </a:r>
+            <a:r>
+              <a:rPr lang="en-US" sz="800" dirty="0" err="1">
                 <a:solidFill>
                   <a:srgbClr val="545454"/>
                 </a:solidFill>
@@ -6375,7 +8426,7 @@
               </a:rPr>
               <a:t>iStockphoto</a:t>
             </a:r>
-            <a:endParaRPr lang="en-US" sz="1000" dirty="0"/>
+            <a:endParaRPr lang="en-US" sz="800" dirty="0"/>
           </a:p>
         </p:txBody>
       </p:sp>
@@ -6396,8 +8447,8 @@
         </p:nvCxnSpPr>
         <p:spPr>
           <a:xfrm flipH="1" flipV="1">
-            <a:off x="7409909" y="4942282"/>
-            <a:ext cx="1588410" cy="619476"/>
+            <a:off x="7408306" y="4942282"/>
+            <a:ext cx="1590014" cy="619476"/>
           </a:xfrm>
           <a:prstGeom prst="straightConnector1">
             <a:avLst/>
@@ -6478,7 +8529,7 @@
         <p:spPr>
           <a:xfrm>
             <a:off x="6263409" y="4572950"/>
-            <a:ext cx="2293000" cy="369332"/>
+            <a:ext cx="2289794" cy="369332"/>
           </a:xfrm>
           <a:prstGeom prst="rect">
             <a:avLst/>
@@ -6505,15 +8556,27 @@
           <a:lstStyle/>
           <a:p>
             <a:r>
-              <a:rPr lang="en-US" dirty="0"/>
+              <a:rPr lang="en-US" dirty="0">
+                <a:solidFill>
+                  <a:srgbClr val="00B050"/>
+                </a:solidFill>
+              </a:rPr>
               <a:t>Ventral Striatum (</a:t>
             </a:r>
             <a:r>
-              <a:rPr lang="en-US" dirty="0" err="1"/>
-              <a:t>NaC</a:t>
-            </a:r>
-            <a:r>
-              <a:rPr lang="en-US" dirty="0"/>
+              <a:rPr lang="en-US" dirty="0" err="1">
+                <a:solidFill>
+                  <a:srgbClr val="00B050"/>
+                </a:solidFill>
+              </a:rPr>
+              <a:t>NAc</a:t>
+            </a:r>
+            <a:r>
+              <a:rPr lang="en-US" dirty="0">
+                <a:solidFill>
+                  <a:srgbClr val="00B050"/>
+                </a:solidFill>
+              </a:rPr>
               <a:t>)</a:t>
             </a:r>
           </a:p>
@@ -6868,6 +8931,535 @@
   <p:clrMapOvr>
     <a:masterClrMapping/>
   </p:clrMapOvr>
+  <p:timing>
+    <p:tnLst>
+      <p:par>
+        <p:cTn id="1" dur="indefinite" restart="never" nodeType="tmRoot">
+          <p:childTnLst>
+            <p:seq concurrent="1" nextAc="seek">
+              <p:cTn id="2" dur="indefinite" nodeType="mainSeq">
+                <p:childTnLst>
+                  <p:par>
+                    <p:cTn id="3" fill="hold">
+                      <p:stCondLst>
+                        <p:cond delay="indefinite"/>
+                      </p:stCondLst>
+                      <p:childTnLst>
+                        <p:par>
+                          <p:cTn id="4" fill="hold">
+                            <p:stCondLst>
+                              <p:cond delay="0"/>
+                            </p:stCondLst>
+                            <p:childTnLst>
+                              <p:par>
+                                <p:cTn id="5" presetID="1" presetClass="entr" presetSubtype="0" fill="hold" grpId="0" nodeType="clickEffect">
+                                  <p:stCondLst>
+                                    <p:cond delay="0"/>
+                                  </p:stCondLst>
+                                  <p:childTnLst>
+                                    <p:set>
+                                      <p:cBhvr>
+                                        <p:cTn id="6" dur="1" fill="hold">
+                                          <p:stCondLst>
+                                            <p:cond delay="0"/>
+                                          </p:stCondLst>
+                                        </p:cTn>
+                                        <p:tgtEl>
+                                          <p:spTgt spid="13"/>
+                                        </p:tgtEl>
+                                        <p:attrNameLst>
+                                          <p:attrName>style.visibility</p:attrName>
+                                        </p:attrNameLst>
+                                      </p:cBhvr>
+                                      <p:to>
+                                        <p:strVal val="visible"/>
+                                      </p:to>
+                                    </p:set>
+                                  </p:childTnLst>
+                                </p:cTn>
+                              </p:par>
+                            </p:childTnLst>
+                          </p:cTn>
+                        </p:par>
+                      </p:childTnLst>
+                    </p:cTn>
+                  </p:par>
+                  <p:par>
+                    <p:cTn id="7" fill="hold">
+                      <p:stCondLst>
+                        <p:cond delay="indefinite"/>
+                      </p:stCondLst>
+                      <p:childTnLst>
+                        <p:par>
+                          <p:cTn id="8" fill="hold">
+                            <p:stCondLst>
+                              <p:cond delay="0"/>
+                            </p:stCondLst>
+                            <p:childTnLst>
+                              <p:par>
+                                <p:cTn id="9" presetID="1" presetClass="entr" presetSubtype="0" fill="hold" nodeType="clickEffect">
+                                  <p:stCondLst>
+                                    <p:cond delay="0"/>
+                                  </p:stCondLst>
+                                  <p:childTnLst>
+                                    <p:set>
+                                      <p:cBhvr>
+                                        <p:cTn id="10" dur="1" fill="hold">
+                                          <p:stCondLst>
+                                            <p:cond delay="0"/>
+                                          </p:stCondLst>
+                                        </p:cTn>
+                                        <p:tgtEl>
+                                          <p:spTgt spid="1026"/>
+                                        </p:tgtEl>
+                                        <p:attrNameLst>
+                                          <p:attrName>style.visibility</p:attrName>
+                                        </p:attrNameLst>
+                                      </p:cBhvr>
+                                      <p:to>
+                                        <p:strVal val="visible"/>
+                                      </p:to>
+                                    </p:set>
+                                  </p:childTnLst>
+                                </p:cTn>
+                              </p:par>
+                              <p:par>
+                                <p:cTn id="11" presetID="1" presetClass="entr" presetSubtype="0" fill="hold" grpId="0" nodeType="withEffect">
+                                  <p:stCondLst>
+                                    <p:cond delay="0"/>
+                                  </p:stCondLst>
+                                  <p:childTnLst>
+                                    <p:set>
+                                      <p:cBhvr>
+                                        <p:cTn id="12" dur="1" fill="hold">
+                                          <p:stCondLst>
+                                            <p:cond delay="0"/>
+                                          </p:stCondLst>
+                                        </p:cTn>
+                                        <p:tgtEl>
+                                          <p:spTgt spid="20"/>
+                                        </p:tgtEl>
+                                        <p:attrNameLst>
+                                          <p:attrName>style.visibility</p:attrName>
+                                        </p:attrNameLst>
+                                      </p:cBhvr>
+                                      <p:to>
+                                        <p:strVal val="visible"/>
+                                      </p:to>
+                                    </p:set>
+                                  </p:childTnLst>
+                                </p:cTn>
+                              </p:par>
+                            </p:childTnLst>
+                          </p:cTn>
+                        </p:par>
+                      </p:childTnLst>
+                    </p:cTn>
+                  </p:par>
+                  <p:par>
+                    <p:cTn id="13" fill="hold">
+                      <p:stCondLst>
+                        <p:cond delay="indefinite"/>
+                      </p:stCondLst>
+                      <p:childTnLst>
+                        <p:par>
+                          <p:cTn id="14" fill="hold">
+                            <p:stCondLst>
+                              <p:cond delay="0"/>
+                            </p:stCondLst>
+                            <p:childTnLst>
+                              <p:par>
+                                <p:cTn id="15" presetID="1" presetClass="entr" presetSubtype="0" fill="hold" grpId="0" nodeType="clickEffect">
+                                  <p:stCondLst>
+                                    <p:cond delay="0"/>
+                                  </p:stCondLst>
+                                  <p:childTnLst>
+                                    <p:set>
+                                      <p:cBhvr>
+                                        <p:cTn id="16" dur="1" fill="hold">
+                                          <p:stCondLst>
+                                            <p:cond delay="0"/>
+                                          </p:stCondLst>
+                                        </p:cTn>
+                                        <p:tgtEl>
+                                          <p:spTgt spid="16"/>
+                                        </p:tgtEl>
+                                        <p:attrNameLst>
+                                          <p:attrName>style.visibility</p:attrName>
+                                        </p:attrNameLst>
+                                      </p:cBhvr>
+                                      <p:to>
+                                        <p:strVal val="visible"/>
+                                      </p:to>
+                                    </p:set>
+                                  </p:childTnLst>
+                                </p:cTn>
+                              </p:par>
+                              <p:par>
+                                <p:cTn id="17" presetID="1" presetClass="entr" presetSubtype="0" fill="hold" grpId="0" nodeType="withEffect">
+                                  <p:stCondLst>
+                                    <p:cond delay="0"/>
+                                  </p:stCondLst>
+                                  <p:childTnLst>
+                                    <p:set>
+                                      <p:cBhvr>
+                                        <p:cTn id="18" dur="1" fill="hold">
+                                          <p:stCondLst>
+                                            <p:cond delay="0"/>
+                                          </p:stCondLst>
+                                        </p:cTn>
+                                        <p:tgtEl>
+                                          <p:spTgt spid="22"/>
+                                        </p:tgtEl>
+                                        <p:attrNameLst>
+                                          <p:attrName>style.visibility</p:attrName>
+                                        </p:attrNameLst>
+                                      </p:cBhvr>
+                                      <p:to>
+                                        <p:strVal val="visible"/>
+                                      </p:to>
+                                    </p:set>
+                                  </p:childTnLst>
+                                </p:cTn>
+                              </p:par>
+                              <p:par>
+                                <p:cTn id="19" presetID="1" presetClass="entr" presetSubtype="0" fill="hold" nodeType="withEffect">
+                                  <p:stCondLst>
+                                    <p:cond delay="0"/>
+                                  </p:stCondLst>
+                                  <p:childTnLst>
+                                    <p:set>
+                                      <p:cBhvr>
+                                        <p:cTn id="20" dur="1" fill="hold">
+                                          <p:stCondLst>
+                                            <p:cond delay="0"/>
+                                          </p:stCondLst>
+                                        </p:cTn>
+                                        <p:tgtEl>
+                                          <p:spTgt spid="26"/>
+                                        </p:tgtEl>
+                                        <p:attrNameLst>
+                                          <p:attrName>style.visibility</p:attrName>
+                                        </p:attrNameLst>
+                                      </p:cBhvr>
+                                      <p:to>
+                                        <p:strVal val="visible"/>
+                                      </p:to>
+                                    </p:set>
+                                  </p:childTnLst>
+                                </p:cTn>
+                              </p:par>
+                              <p:par>
+                                <p:cTn id="21" presetID="1" presetClass="entr" presetSubtype="0" fill="hold" nodeType="withEffect">
+                                  <p:stCondLst>
+                                    <p:cond delay="0"/>
+                                  </p:stCondLst>
+                                  <p:childTnLst>
+                                    <p:set>
+                                      <p:cBhvr>
+                                        <p:cTn id="22" dur="1" fill="hold">
+                                          <p:stCondLst>
+                                            <p:cond delay="0"/>
+                                          </p:stCondLst>
+                                        </p:cTn>
+                                        <p:tgtEl>
+                                          <p:spTgt spid="29"/>
+                                        </p:tgtEl>
+                                        <p:attrNameLst>
+                                          <p:attrName>style.visibility</p:attrName>
+                                        </p:attrNameLst>
+                                      </p:cBhvr>
+                                      <p:to>
+                                        <p:strVal val="visible"/>
+                                      </p:to>
+                                    </p:set>
+                                  </p:childTnLst>
+                                </p:cTn>
+                              </p:par>
+                              <p:par>
+                                <p:cTn id="23" presetID="1" presetClass="entr" presetSubtype="0" fill="hold" grpId="0" nodeType="withEffect">
+                                  <p:stCondLst>
+                                    <p:cond delay="0"/>
+                                  </p:stCondLst>
+                                  <p:childTnLst>
+                                    <p:set>
+                                      <p:cBhvr>
+                                        <p:cTn id="24" dur="1" fill="hold">
+                                          <p:stCondLst>
+                                            <p:cond delay="0"/>
+                                          </p:stCondLst>
+                                        </p:cTn>
+                                        <p:tgtEl>
+                                          <p:spTgt spid="30"/>
+                                        </p:tgtEl>
+                                        <p:attrNameLst>
+                                          <p:attrName>style.visibility</p:attrName>
+                                        </p:attrNameLst>
+                                      </p:cBhvr>
+                                      <p:to>
+                                        <p:strVal val="visible"/>
+                                      </p:to>
+                                    </p:set>
+                                  </p:childTnLst>
+                                </p:cTn>
+                              </p:par>
+                              <p:par>
+                                <p:cTn id="25" presetID="1" presetClass="entr" presetSubtype="0" fill="hold" grpId="0" nodeType="withEffect">
+                                  <p:stCondLst>
+                                    <p:cond delay="0"/>
+                                  </p:stCondLst>
+                                  <p:childTnLst>
+                                    <p:set>
+                                      <p:cBhvr>
+                                        <p:cTn id="26" dur="1" fill="hold">
+                                          <p:stCondLst>
+                                            <p:cond delay="0"/>
+                                          </p:stCondLst>
+                                        </p:cTn>
+                                        <p:tgtEl>
+                                          <p:spTgt spid="31"/>
+                                        </p:tgtEl>
+                                        <p:attrNameLst>
+                                          <p:attrName>style.visibility</p:attrName>
+                                        </p:attrNameLst>
+                                      </p:cBhvr>
+                                      <p:to>
+                                        <p:strVal val="visible"/>
+                                      </p:to>
+                                    </p:set>
+                                  </p:childTnLst>
+                                </p:cTn>
+                              </p:par>
+                              <p:par>
+                                <p:cTn id="27" presetID="1" presetClass="entr" presetSubtype="0" fill="hold" grpId="0" nodeType="withEffect">
+                                  <p:stCondLst>
+                                    <p:cond delay="0"/>
+                                  </p:stCondLst>
+                                  <p:childTnLst>
+                                    <p:set>
+                                      <p:cBhvr>
+                                        <p:cTn id="28" dur="1" fill="hold">
+                                          <p:stCondLst>
+                                            <p:cond delay="0"/>
+                                          </p:stCondLst>
+                                        </p:cTn>
+                                        <p:tgtEl>
+                                          <p:spTgt spid="1030"/>
+                                        </p:tgtEl>
+                                        <p:attrNameLst>
+                                          <p:attrName>style.visibility</p:attrName>
+                                        </p:attrNameLst>
+                                      </p:cBhvr>
+                                      <p:to>
+                                        <p:strVal val="visible"/>
+                                      </p:to>
+                                    </p:set>
+                                  </p:childTnLst>
+                                </p:cTn>
+                              </p:par>
+                              <p:par>
+                                <p:cTn id="29" presetID="1" presetClass="entr" presetSubtype="0" fill="hold" grpId="0" nodeType="withEffect">
+                                  <p:stCondLst>
+                                    <p:cond delay="0"/>
+                                  </p:stCondLst>
+                                  <p:childTnLst>
+                                    <p:set>
+                                      <p:cBhvr>
+                                        <p:cTn id="30" dur="1" fill="hold">
+                                          <p:stCondLst>
+                                            <p:cond delay="0"/>
+                                          </p:stCondLst>
+                                        </p:cTn>
+                                        <p:tgtEl>
+                                          <p:spTgt spid="39"/>
+                                        </p:tgtEl>
+                                        <p:attrNameLst>
+                                          <p:attrName>style.visibility</p:attrName>
+                                        </p:attrNameLst>
+                                      </p:cBhvr>
+                                      <p:to>
+                                        <p:strVal val="visible"/>
+                                      </p:to>
+                                    </p:set>
+                                  </p:childTnLst>
+                                </p:cTn>
+                              </p:par>
+                              <p:par>
+                                <p:cTn id="31" presetID="1" presetClass="entr" presetSubtype="0" fill="hold" grpId="0" nodeType="withEffect">
+                                  <p:stCondLst>
+                                    <p:cond delay="0"/>
+                                  </p:stCondLst>
+                                  <p:childTnLst>
+                                    <p:set>
+                                      <p:cBhvr>
+                                        <p:cTn id="32" dur="1" fill="hold">
+                                          <p:stCondLst>
+                                            <p:cond delay="0"/>
+                                          </p:stCondLst>
+                                        </p:cTn>
+                                        <p:tgtEl>
+                                          <p:spTgt spid="1031"/>
+                                        </p:tgtEl>
+                                        <p:attrNameLst>
+                                          <p:attrName>style.visibility</p:attrName>
+                                        </p:attrNameLst>
+                                      </p:cBhvr>
+                                      <p:to>
+                                        <p:strVal val="visible"/>
+                                      </p:to>
+                                    </p:set>
+                                  </p:childTnLst>
+                                </p:cTn>
+                              </p:par>
+                              <p:par>
+                                <p:cTn id="33" presetID="1" presetClass="entr" presetSubtype="0" fill="hold" grpId="0" nodeType="withEffect">
+                                  <p:stCondLst>
+                                    <p:cond delay="0"/>
+                                  </p:stCondLst>
+                                  <p:childTnLst>
+                                    <p:set>
+                                      <p:cBhvr>
+                                        <p:cTn id="34" dur="1" fill="hold">
+                                          <p:stCondLst>
+                                            <p:cond delay="0"/>
+                                          </p:stCondLst>
+                                        </p:cTn>
+                                        <p:tgtEl>
+                                          <p:spTgt spid="1032"/>
+                                        </p:tgtEl>
+                                        <p:attrNameLst>
+                                          <p:attrName>style.visibility</p:attrName>
+                                        </p:attrNameLst>
+                                      </p:cBhvr>
+                                      <p:to>
+                                        <p:strVal val="visible"/>
+                                      </p:to>
+                                    </p:set>
+                                  </p:childTnLst>
+                                </p:cTn>
+                              </p:par>
+                              <p:par>
+                                <p:cTn id="35" presetID="1" presetClass="entr" presetSubtype="0" fill="hold" nodeType="withEffect">
+                                  <p:stCondLst>
+                                    <p:cond delay="0"/>
+                                  </p:stCondLst>
+                                  <p:childTnLst>
+                                    <p:set>
+                                      <p:cBhvr>
+                                        <p:cTn id="36" dur="1" fill="hold">
+                                          <p:stCondLst>
+                                            <p:cond delay="0"/>
+                                          </p:stCondLst>
+                                        </p:cTn>
+                                        <p:tgtEl>
+                                          <p:spTgt spid="1034"/>
+                                        </p:tgtEl>
+                                        <p:attrNameLst>
+                                          <p:attrName>style.visibility</p:attrName>
+                                        </p:attrNameLst>
+                                      </p:cBhvr>
+                                      <p:to>
+                                        <p:strVal val="visible"/>
+                                      </p:to>
+                                    </p:set>
+                                  </p:childTnLst>
+                                </p:cTn>
+                              </p:par>
+                              <p:par>
+                                <p:cTn id="37" presetID="1" presetClass="entr" presetSubtype="0" fill="hold" grpId="0" nodeType="withEffect">
+                                  <p:stCondLst>
+                                    <p:cond delay="0"/>
+                                  </p:stCondLst>
+                                  <p:childTnLst>
+                                    <p:set>
+                                      <p:cBhvr>
+                                        <p:cTn id="38" dur="1" fill="hold">
+                                          <p:stCondLst>
+                                            <p:cond delay="0"/>
+                                          </p:stCondLst>
+                                        </p:cTn>
+                                        <p:tgtEl>
+                                          <p:spTgt spid="45"/>
+                                        </p:tgtEl>
+                                        <p:attrNameLst>
+                                          <p:attrName>style.visibility</p:attrName>
+                                        </p:attrNameLst>
+                                      </p:cBhvr>
+                                      <p:to>
+                                        <p:strVal val="visible"/>
+                                      </p:to>
+                                    </p:set>
+                                  </p:childTnLst>
+                                </p:cTn>
+                              </p:par>
+                              <p:par>
+                                <p:cTn id="39" presetID="1" presetClass="entr" presetSubtype="0" fill="hold" nodeType="withEffect">
+                                  <p:stCondLst>
+                                    <p:cond delay="0"/>
+                                  </p:stCondLst>
+                                  <p:childTnLst>
+                                    <p:set>
+                                      <p:cBhvr>
+                                        <p:cTn id="40" dur="1" fill="hold">
+                                          <p:stCondLst>
+                                            <p:cond delay="0"/>
+                                          </p:stCondLst>
+                                        </p:cTn>
+                                        <p:tgtEl>
+                                          <p:spTgt spid="46"/>
+                                        </p:tgtEl>
+                                        <p:attrNameLst>
+                                          <p:attrName>style.visibility</p:attrName>
+                                        </p:attrNameLst>
+                                      </p:cBhvr>
+                                      <p:to>
+                                        <p:strVal val="visible"/>
+                                      </p:to>
+                                    </p:set>
+                                  </p:childTnLst>
+                                </p:cTn>
+                              </p:par>
+                            </p:childTnLst>
+                          </p:cTn>
+                        </p:par>
+                      </p:childTnLst>
+                    </p:cTn>
+                  </p:par>
+                </p:childTnLst>
+              </p:cTn>
+              <p:prevCondLst>
+                <p:cond evt="onPrev" delay="0">
+                  <p:tgtEl>
+                    <p:sldTgt/>
+                  </p:tgtEl>
+                </p:cond>
+              </p:prevCondLst>
+              <p:nextCondLst>
+                <p:cond evt="onNext" delay="0">
+                  <p:tgtEl>
+                    <p:sldTgt/>
+                  </p:tgtEl>
+                </p:cond>
+              </p:nextCondLst>
+            </p:seq>
+          </p:childTnLst>
+        </p:cTn>
+      </p:par>
+    </p:tnLst>
+    <p:bldLst>
+      <p:bldP spid="13" grpId="0"/>
+      <p:bldP spid="16" grpId="0" animBg="1"/>
+      <p:bldP spid="22" grpId="0" animBg="1"/>
+      <p:bldP spid="20" grpId="0"/>
+      <p:bldP spid="30" grpId="0" animBg="1"/>
+      <p:bldP spid="31" grpId="0" animBg="1"/>
+      <p:bldP spid="1030" grpId="0"/>
+      <p:bldP spid="39" grpId="0"/>
+      <p:bldP spid="1031" grpId="0" animBg="1"/>
+      <p:bldP spid="1032" grpId="0"/>
+      <p:bldP spid="45" grpId="0" animBg="1"/>
+    </p:bldLst>
+  </p:timing>
 </p:sld>
 </file>
 
@@ -6933,7 +9525,7 @@
         <p:spPr>
           <a:xfrm>
             <a:off x="107597" y="6469726"/>
-            <a:ext cx="3570208" cy="246221"/>
+            <a:ext cx="3570208" cy="215444"/>
           </a:xfrm>
           <a:prstGeom prst="rect">
             <a:avLst/>
@@ -6946,33 +9538,24 @@
           <a:lstStyle/>
           <a:p>
             <a:r>
-              <a:rPr lang="en-US" sz="1000" b="1" dirty="0" err="1">
+              <a:rPr lang="en-US" sz="800" b="1" dirty="0">
                 <a:solidFill>
                   <a:srgbClr val="545454"/>
                 </a:solidFill>
                 <a:latin typeface="arial" panose="020B0604020202020204" pitchFamily="34" charset="0"/>
               </a:rPr>
-              <a:t>Credit:</a:t>
-            </a:r>
-            <a:r>
-              <a:rPr lang="en-US" sz="1000" dirty="0" err="1">
+              <a:t>Credit: </a:t>
+            </a:r>
+            <a:r>
+              <a:rPr lang="en-US" sz="800" dirty="0">
                 <a:solidFill>
                   <a:srgbClr val="545454"/>
                 </a:solidFill>
                 <a:latin typeface="arial" panose="020B0604020202020204" pitchFamily="34" charset="0"/>
               </a:rPr>
-              <a:t>Michael</a:t>
-            </a:r>
-            <a:r>
-              <a:rPr lang="en-US" sz="1000" dirty="0">
-                <a:solidFill>
-                  <a:srgbClr val="545454"/>
-                </a:solidFill>
-                <a:latin typeface="arial" panose="020B0604020202020204" pitchFamily="34" charset="0"/>
-              </a:rPr>
-              <a:t> Frank</a:t>
-            </a:r>
-            <a:endParaRPr lang="en-US" sz="1000" dirty="0"/>
+              <a:t>Michael Frank</a:t>
+            </a:r>
+            <a:endParaRPr lang="en-US" sz="800" dirty="0"/>
           </a:p>
         </p:txBody>
       </p:sp>
@@ -7748,7 +10331,7 @@
         </p:nvSpPr>
         <p:spPr>
           <a:xfrm>
-            <a:off x="7129130" y="3200401"/>
+            <a:off x="7129130" y="3117964"/>
             <a:ext cx="4019106" cy="923330"/>
           </a:xfrm>
           <a:prstGeom prst="rect">
@@ -9875,9 +12458,12 @@
           <a:bodyPr/>
           <a:lstStyle/>
           <a:p>
+            <a:pPr marL="0" indent="0">
+              <a:buNone/>
+            </a:pPr>
             <a:r>
               <a:rPr lang="en-US" dirty="0"/>
-              <a:t>Designed to elicit DA ramping in humans online via </a:t>
+              <a:t>	Designed to elicit DA ramping in humans online via </a:t>
             </a:r>
             <a:r>
               <a:rPr lang="en-US" dirty="0" err="1"/>

--- a/BortonLabMeeting12.7.pptx
+++ b/BortonLabMeeting12.7.pptx
@@ -5,7 +5,7 @@
     <p:sldMasterId id="2147483648" r:id="rId1"/>
   </p:sldMasterIdLst>
   <p:notesMasterIdLst>
-    <p:notesMasterId r:id="rId18"/>
+    <p:notesMasterId r:id="rId17"/>
   </p:notesMasterIdLst>
   <p:sldIdLst>
     <p:sldId id="256" r:id="rId2"/>
@@ -15,15 +15,14 @@
     <p:sldId id="300" r:id="rId6"/>
     <p:sldId id="304" r:id="rId7"/>
     <p:sldId id="261" r:id="rId8"/>
-    <p:sldId id="305" r:id="rId9"/>
-    <p:sldId id="263" r:id="rId10"/>
-    <p:sldId id="266" r:id="rId11"/>
-    <p:sldId id="270" r:id="rId12"/>
-    <p:sldId id="306" r:id="rId13"/>
-    <p:sldId id="307" r:id="rId14"/>
-    <p:sldId id="308" r:id="rId15"/>
-    <p:sldId id="309" r:id="rId16"/>
-    <p:sldId id="295" r:id="rId17"/>
+    <p:sldId id="263" r:id="rId9"/>
+    <p:sldId id="305" r:id="rId10"/>
+    <p:sldId id="270" r:id="rId11"/>
+    <p:sldId id="306" r:id="rId12"/>
+    <p:sldId id="307" r:id="rId13"/>
+    <p:sldId id="308" r:id="rId14"/>
+    <p:sldId id="309" r:id="rId15"/>
+    <p:sldId id="295" r:id="rId16"/>
   </p:sldIdLst>
   <p:sldSz cx="12192000" cy="6858000"/>
   <p:notesSz cx="6858000" cy="9144000"/>
@@ -212,7 +211,7 @@
           <a:p>
             <a:fld id="{E534A8AF-726B-4E5B-8C1C-EBADF88DE912}" type="datetimeFigureOut">
               <a:rPr lang="en-US" smtClean="0"/>
-              <a:t>12/6/2018</a:t>
+              <a:t>12/7/2018</a:t>
             </a:fld>
             <a:endParaRPr lang="en-US"/>
           </a:p>
@@ -735,7 +734,7 @@
           <a:p>
             <a:r>
               <a:rPr lang="en-US" dirty="0"/>
-              <a:t>Gambling: </a:t>
+              <a:t>Amphetamines: DA agonist </a:t>
             </a:r>
           </a:p>
         </p:txBody>
@@ -1236,71 +1235,6 @@
           <a:bodyPr/>
           <a:lstStyle/>
           <a:p>
-            <a:pPr marL="228600" indent="-228600">
-              <a:buAutoNum type="arabicParenR"/>
-            </a:pPr>
-            <a:r>
-              <a:rPr lang="en-US" dirty="0"/>
-              <a:t>Ramping task</a:t>
-            </a:r>
-          </a:p>
-          <a:p>
-            <a:pPr marL="228600" indent="-228600">
-              <a:buAutoNum type="arabicParenR"/>
-            </a:pPr>
-            <a:r>
-              <a:rPr lang="en-US" dirty="0"/>
-              <a:t>Increases gambling behavior</a:t>
-            </a:r>
-          </a:p>
-          <a:p>
-            <a:pPr marL="228600" indent="-228600">
-              <a:buAutoNum type="arabicParenR"/>
-            </a:pPr>
-            <a:r>
-              <a:rPr lang="en-US" dirty="0"/>
-              <a:t>Impulsive individuals have different DA networks</a:t>
-            </a:r>
-          </a:p>
-          <a:p>
-            <a:pPr marL="228600" indent="-228600">
-              <a:buAutoNum type="arabicParenR"/>
-            </a:pPr>
-            <a:r>
-              <a:rPr lang="en-US" dirty="0"/>
-              <a:t>Sometimes </a:t>
-            </a:r>
-            <a:r>
-              <a:rPr lang="en-US" dirty="0" err="1"/>
-              <a:t>Parkinsons</a:t>
-            </a:r>
-            <a:r>
-              <a:rPr lang="en-US" dirty="0"/>
-              <a:t> patients have impulse control disorders</a:t>
-            </a:r>
-          </a:p>
-          <a:p>
-            <a:pPr marL="228600" indent="-228600">
-              <a:buAutoNum type="arabicParenR"/>
-            </a:pPr>
-            <a:r>
-              <a:rPr lang="en-US" dirty="0"/>
-              <a:t>Risky choice increased in boosting DA but only relative to wins</a:t>
-            </a:r>
-          </a:p>
-          <a:p>
-            <a:pPr marL="228600" indent="-228600">
-              <a:buAutoNum type="arabicParenR"/>
-            </a:pPr>
-            <a:r>
-              <a:rPr lang="en-US" dirty="0"/>
-              <a:t>Phenotypic and genotypic overlap between OCD and PG</a:t>
-            </a:r>
-          </a:p>
-          <a:p>
-            <a:pPr marL="228600" indent="-228600">
-              <a:buAutoNum type="arabicParenR"/>
-            </a:pPr>
             <a:endParaRPr lang="en-US" dirty="0"/>
           </a:p>
         </p:txBody>
@@ -1322,7 +1256,7 @@
           <a:p>
             <a:fld id="{46B30BCE-83B5-4D36-8240-34FC3A2779A8}" type="slidenum">
               <a:rPr lang="en-US" smtClean="0"/>
-              <a:t>12</a:t>
+              <a:t>9</a:t>
             </a:fld>
             <a:endParaRPr lang="en-US"/>
           </a:p>
@@ -1331,7 +1265,7 @@
     </p:spTree>
     <p:extLst>
       <p:ext uri="{BB962C8B-B14F-4D97-AF65-F5344CB8AC3E}">
-        <p14:creationId xmlns:p14="http://schemas.microsoft.com/office/powerpoint/2010/main" val="928912061"/>
+        <p14:creationId xmlns:p14="http://schemas.microsoft.com/office/powerpoint/2010/main" val="2320262277"/>
       </p:ext>
     </p:extLst>
   </p:cSld>
@@ -1385,65 +1319,71 @@
           <a:bodyPr/>
           <a:lstStyle/>
           <a:p>
-            <a:pPr marL="0" marR="0" lvl="0" indent="0" algn="l" defTabSz="914400" rtl="0" eaLnBrk="1" fontAlgn="auto" latinLnBrk="0" hangingPunct="1">
-              <a:lnSpc>
-                <a:spcPct val="100000"/>
-              </a:lnSpc>
-              <a:spcBef>
-                <a:spcPts val="0"/>
-              </a:spcBef>
-              <a:spcAft>
-                <a:spcPts val="0"/>
-              </a:spcAft>
-              <a:buClrTx/>
-              <a:buSzTx/>
-              <a:buFontTx/>
-              <a:buNone/>
-              <a:tabLst/>
-              <a:defRPr/>
+            <a:pPr marL="228600" indent="-228600">
+              <a:buAutoNum type="arabicParenR"/>
             </a:pPr>
             <a:r>
               <a:rPr lang="en-US" dirty="0"/>
-              <a:t>Using the tasks, possible to compare OCD </a:t>
+              <a:t>Ramping task</a:t>
+            </a:r>
+          </a:p>
+          <a:p>
+            <a:pPr marL="228600" indent="-228600">
+              <a:buAutoNum type="arabicParenR"/>
+            </a:pPr>
+            <a:r>
+              <a:rPr lang="en-US" dirty="0"/>
+              <a:t>Increases gambling behavior</a:t>
+            </a:r>
+          </a:p>
+          <a:p>
+            <a:pPr marL="228600" indent="-228600">
+              <a:buAutoNum type="arabicParenR"/>
+            </a:pPr>
+            <a:r>
+              <a:rPr lang="en-US" dirty="0"/>
+              <a:t>Impulsive individuals have different DA networks</a:t>
+            </a:r>
+          </a:p>
+          <a:p>
+            <a:pPr marL="228600" indent="-228600">
+              <a:buAutoNum type="arabicParenR"/>
+            </a:pPr>
+            <a:r>
+              <a:rPr lang="en-US" dirty="0"/>
+              <a:t>Sometimes </a:t>
             </a:r>
             <a:r>
               <a:rPr lang="en-US" dirty="0" err="1"/>
-              <a:t>NAc</a:t>
+              <a:t>Parkinsons</a:t>
             </a:r>
             <a:r>
               <a:rPr lang="en-US" dirty="0"/>
-              <a:t> ON, </a:t>
-            </a:r>
-            <a:r>
-              <a:rPr lang="en-US" dirty="0" err="1"/>
-              <a:t>Nac</a:t>
-            </a:r>
+              <a:t> patients have impulse control disorders</a:t>
+            </a:r>
+          </a:p>
+          <a:p>
+            <a:pPr marL="228600" indent="-228600">
+              <a:buAutoNum type="arabicParenR"/>
+            </a:pPr>
             <a:r>
               <a:rPr lang="en-US" dirty="0"/>
-              <a:t> off, OCD no-stim, and HC. Presents a unique opportunity to study how </a:t>
-            </a:r>
-            <a:r>
-              <a:rPr lang="en-US" dirty="0" err="1"/>
-              <a:t>NAc</a:t>
-            </a:r>
+              <a:t>Risky choice increased in boosting DA but only relative to wins</a:t>
+            </a:r>
+          </a:p>
+          <a:p>
+            <a:pPr marL="228600" indent="-228600">
+              <a:buAutoNum type="arabicParenR"/>
+            </a:pPr>
             <a:r>
               <a:rPr lang="en-US" dirty="0"/>
-              <a:t> stimulation affects these results in a </a:t>
-            </a:r>
-            <a:r>
-              <a:rPr lang="en-US" i="1" dirty="0"/>
-              <a:t>causal </a:t>
-            </a:r>
-            <a:r>
-              <a:rPr lang="en-US" i="0" dirty="0"/>
-              <a:t>way</a:t>
-            </a:r>
-            <a:endParaRPr lang="en-US" dirty="0"/>
-          </a:p>
-          <a:p>
-            <a:endParaRPr lang="en-US" dirty="0"/>
-          </a:p>
-          <a:p>
+              <a:t>Phenotypic and genotypic overlap between OCD and PG</a:t>
+            </a:r>
+          </a:p>
+          <a:p>
+            <a:pPr marL="228600" indent="-228600">
+              <a:buAutoNum type="arabicParenR"/>
+            </a:pPr>
             <a:endParaRPr lang="en-US" dirty="0"/>
           </a:p>
         </p:txBody>
@@ -1465,7 +1405,7 @@
           <a:p>
             <a:fld id="{46B30BCE-83B5-4D36-8240-34FC3A2779A8}" type="slidenum">
               <a:rPr lang="en-US" smtClean="0"/>
-              <a:t>14</a:t>
+              <a:t>11</a:t>
             </a:fld>
             <a:endParaRPr lang="en-US"/>
           </a:p>
@@ -1474,7 +1414,7 @@
     </p:spTree>
     <p:extLst>
       <p:ext uri="{BB962C8B-B14F-4D97-AF65-F5344CB8AC3E}">
-        <p14:creationId xmlns:p14="http://schemas.microsoft.com/office/powerpoint/2010/main" val="3866585488"/>
+        <p14:creationId xmlns:p14="http://schemas.microsoft.com/office/powerpoint/2010/main" val="928912061"/>
       </p:ext>
     </p:extLst>
   </p:cSld>
@@ -1528,7 +1468,10 @@
           <a:bodyPr/>
           <a:lstStyle/>
           <a:p>
-            <a:endParaRPr lang="en-US" dirty="0"/>
+            <a:r>
+              <a:rPr lang="en-US" dirty="0"/>
+              <a:t>Unsure what general NAc stimulation is doing</a:t>
+            </a:r>
           </a:p>
         </p:txBody>
       </p:sp>
@@ -1549,7 +1492,210 @@
           <a:p>
             <a:fld id="{46B30BCE-83B5-4D36-8240-34FC3A2779A8}" type="slidenum">
               <a:rPr lang="en-US" smtClean="0"/>
-              <a:t>15</a:t>
+              <a:t>12</a:t>
+            </a:fld>
+            <a:endParaRPr lang="en-US"/>
+          </a:p>
+        </p:txBody>
+      </p:sp>
+    </p:spTree>
+    <p:extLst>
+      <p:ext uri="{BB962C8B-B14F-4D97-AF65-F5344CB8AC3E}">
+        <p14:creationId xmlns:p14="http://schemas.microsoft.com/office/powerpoint/2010/main" val="1934967718"/>
+      </p:ext>
+    </p:extLst>
+  </p:cSld>
+  <p:clrMapOvr>
+    <a:masterClrMapping/>
+  </p:clrMapOvr>
+</p:notes>
+</file>
+
+<file path=ppt/notesSlides/notesSlide8.xml><?xml version="1.0" encoding="utf-8"?>
+<p:notes xmlns:a="http://schemas.openxmlformats.org/drawingml/2006/main" xmlns:r="http://schemas.openxmlformats.org/officeDocument/2006/relationships" xmlns:p="http://schemas.openxmlformats.org/presentationml/2006/main">
+  <p:cSld>
+    <p:spTree>
+      <p:nvGrpSpPr>
+        <p:cNvPr id="1" name=""/>
+        <p:cNvGrpSpPr/>
+        <p:nvPr/>
+      </p:nvGrpSpPr>
+      <p:grpSpPr>
+        <a:xfrm>
+          <a:off x="0" y="0"/>
+          <a:ext cx="0" cy="0"/>
+          <a:chOff x="0" y="0"/>
+          <a:chExt cx="0" cy="0"/>
+        </a:xfrm>
+      </p:grpSpPr>
+      <p:sp>
+        <p:nvSpPr>
+          <p:cNvPr id="2" name="Slide Image Placeholder 1"/>
+          <p:cNvSpPr>
+            <a:spLocks noGrp="1" noRot="1" noChangeAspect="1"/>
+          </p:cNvSpPr>
+          <p:nvPr>
+            <p:ph type="sldImg"/>
+          </p:nvPr>
+        </p:nvSpPr>
+        <p:spPr/>
+      </p:sp>
+      <p:sp>
+        <p:nvSpPr>
+          <p:cNvPr id="3" name="Notes Placeholder 2"/>
+          <p:cNvSpPr>
+            <a:spLocks noGrp="1"/>
+          </p:cNvSpPr>
+          <p:nvPr>
+            <p:ph type="body" idx="1"/>
+          </p:nvPr>
+        </p:nvSpPr>
+        <p:spPr/>
+        <p:txBody>
+          <a:bodyPr/>
+          <a:lstStyle/>
+          <a:p>
+            <a:pPr marL="0" marR="0" lvl="0" indent="0" algn="l" defTabSz="914400" rtl="0" eaLnBrk="1" fontAlgn="auto" latinLnBrk="0" hangingPunct="1">
+              <a:lnSpc>
+                <a:spcPct val="100000"/>
+              </a:lnSpc>
+              <a:spcBef>
+                <a:spcPts val="0"/>
+              </a:spcBef>
+              <a:spcAft>
+                <a:spcPts val="0"/>
+              </a:spcAft>
+              <a:buClrTx/>
+              <a:buSzTx/>
+              <a:buFontTx/>
+              <a:buNone/>
+              <a:tabLst/>
+              <a:defRPr/>
+            </a:pPr>
+            <a:r>
+              <a:rPr lang="en-US" dirty="0"/>
+              <a:t>I hope to answer this question. Using the tasks, possible to compare OCD NAc ON, NAc off, OCD no-stim, and HC. Presents a unique opportunity to study how NAc stimulation affects these results in a </a:t>
+            </a:r>
+            <a:r>
+              <a:rPr lang="en-US" i="1" dirty="0"/>
+              <a:t>causal </a:t>
+            </a:r>
+            <a:r>
+              <a:rPr lang="en-US" i="0" dirty="0"/>
+              <a:t>way</a:t>
+            </a:r>
+            <a:endParaRPr lang="en-US" dirty="0"/>
+          </a:p>
+          <a:p>
+            <a:endParaRPr lang="en-US" dirty="0"/>
+          </a:p>
+          <a:p>
+            <a:endParaRPr lang="en-US" dirty="0"/>
+          </a:p>
+        </p:txBody>
+      </p:sp>
+      <p:sp>
+        <p:nvSpPr>
+          <p:cNvPr id="4" name="Slide Number Placeholder 3"/>
+          <p:cNvSpPr>
+            <a:spLocks noGrp="1"/>
+          </p:cNvSpPr>
+          <p:nvPr>
+            <p:ph type="sldNum" sz="quarter" idx="5"/>
+          </p:nvPr>
+        </p:nvSpPr>
+        <p:spPr/>
+        <p:txBody>
+          <a:bodyPr/>
+          <a:lstStyle/>
+          <a:p>
+            <a:fld id="{46B30BCE-83B5-4D36-8240-34FC3A2779A8}" type="slidenum">
+              <a:rPr lang="en-US" smtClean="0"/>
+              <a:t>13</a:t>
+            </a:fld>
+            <a:endParaRPr lang="en-US"/>
+          </a:p>
+        </p:txBody>
+      </p:sp>
+    </p:spTree>
+    <p:extLst>
+      <p:ext uri="{BB962C8B-B14F-4D97-AF65-F5344CB8AC3E}">
+        <p14:creationId xmlns:p14="http://schemas.microsoft.com/office/powerpoint/2010/main" val="3866585488"/>
+      </p:ext>
+    </p:extLst>
+  </p:cSld>
+  <p:clrMapOvr>
+    <a:masterClrMapping/>
+  </p:clrMapOvr>
+</p:notes>
+</file>
+
+<file path=ppt/notesSlides/notesSlide9.xml><?xml version="1.0" encoding="utf-8"?>
+<p:notes xmlns:a="http://schemas.openxmlformats.org/drawingml/2006/main" xmlns:r="http://schemas.openxmlformats.org/officeDocument/2006/relationships" xmlns:p="http://schemas.openxmlformats.org/presentationml/2006/main">
+  <p:cSld>
+    <p:spTree>
+      <p:nvGrpSpPr>
+        <p:cNvPr id="1" name=""/>
+        <p:cNvGrpSpPr/>
+        <p:nvPr/>
+      </p:nvGrpSpPr>
+      <p:grpSpPr>
+        <a:xfrm>
+          <a:off x="0" y="0"/>
+          <a:ext cx="0" cy="0"/>
+          <a:chOff x="0" y="0"/>
+          <a:chExt cx="0" cy="0"/>
+        </a:xfrm>
+      </p:grpSpPr>
+      <p:sp>
+        <p:nvSpPr>
+          <p:cNvPr id="2" name="Slide Image Placeholder 1"/>
+          <p:cNvSpPr>
+            <a:spLocks noGrp="1" noRot="1" noChangeAspect="1"/>
+          </p:cNvSpPr>
+          <p:nvPr>
+            <p:ph type="sldImg"/>
+          </p:nvPr>
+        </p:nvSpPr>
+        <p:spPr/>
+      </p:sp>
+      <p:sp>
+        <p:nvSpPr>
+          <p:cNvPr id="3" name="Notes Placeholder 2"/>
+          <p:cNvSpPr>
+            <a:spLocks noGrp="1"/>
+          </p:cNvSpPr>
+          <p:nvPr>
+            <p:ph type="body" idx="1"/>
+          </p:nvPr>
+        </p:nvSpPr>
+        <p:spPr/>
+        <p:txBody>
+          <a:bodyPr/>
+          <a:lstStyle/>
+          <a:p>
+            <a:endParaRPr lang="en-US" dirty="0"/>
+          </a:p>
+        </p:txBody>
+      </p:sp>
+      <p:sp>
+        <p:nvSpPr>
+          <p:cNvPr id="4" name="Slide Number Placeholder 3"/>
+          <p:cNvSpPr>
+            <a:spLocks noGrp="1"/>
+          </p:cNvSpPr>
+          <p:nvPr>
+            <p:ph type="sldNum" sz="quarter" idx="5"/>
+          </p:nvPr>
+        </p:nvSpPr>
+        <p:spPr/>
+        <p:txBody>
+          <a:bodyPr/>
+          <a:lstStyle/>
+          <a:p>
+            <a:fld id="{46B30BCE-83B5-4D36-8240-34FC3A2779A8}" type="slidenum">
+              <a:rPr lang="en-US" smtClean="0"/>
+              <a:t>14</a:t>
             </a:fld>
             <a:endParaRPr lang="en-US"/>
           </a:p>
@@ -1715,7 +1861,7 @@
           <a:p>
             <a:fld id="{DBC524C0-7FB7-4DC8-A982-E6468AA02D2A}" type="datetimeFigureOut">
               <a:rPr lang="en-US" smtClean="0"/>
-              <a:t>12/6/2018</a:t>
+              <a:t>12/7/2018</a:t>
             </a:fld>
             <a:endParaRPr lang="en-US"/>
           </a:p>
@@ -1913,7 +2059,7 @@
           <a:p>
             <a:fld id="{DBC524C0-7FB7-4DC8-A982-E6468AA02D2A}" type="datetimeFigureOut">
               <a:rPr lang="en-US" smtClean="0"/>
-              <a:t>12/6/2018</a:t>
+              <a:t>12/7/2018</a:t>
             </a:fld>
             <a:endParaRPr lang="en-US"/>
           </a:p>
@@ -2121,7 +2267,7 @@
           <a:p>
             <a:fld id="{DBC524C0-7FB7-4DC8-A982-E6468AA02D2A}" type="datetimeFigureOut">
               <a:rPr lang="en-US" smtClean="0"/>
-              <a:t>12/6/2018</a:t>
+              <a:t>12/7/2018</a:t>
             </a:fld>
             <a:endParaRPr lang="en-US"/>
           </a:p>
@@ -2319,7 +2465,7 @@
           <a:p>
             <a:fld id="{DBC524C0-7FB7-4DC8-A982-E6468AA02D2A}" type="datetimeFigureOut">
               <a:rPr lang="en-US" smtClean="0"/>
-              <a:t>12/6/2018</a:t>
+              <a:t>12/7/2018</a:t>
             </a:fld>
             <a:endParaRPr lang="en-US"/>
           </a:p>
@@ -2594,7 +2740,7 @@
           <a:p>
             <a:fld id="{DBC524C0-7FB7-4DC8-A982-E6468AA02D2A}" type="datetimeFigureOut">
               <a:rPr lang="en-US" smtClean="0"/>
-              <a:t>12/6/2018</a:t>
+              <a:t>12/7/2018</a:t>
             </a:fld>
             <a:endParaRPr lang="en-US"/>
           </a:p>
@@ -2859,7 +3005,7 @@
           <a:p>
             <a:fld id="{DBC524C0-7FB7-4DC8-A982-E6468AA02D2A}" type="datetimeFigureOut">
               <a:rPr lang="en-US" smtClean="0"/>
-              <a:t>12/6/2018</a:t>
+              <a:t>12/7/2018</a:t>
             </a:fld>
             <a:endParaRPr lang="en-US"/>
           </a:p>
@@ -3271,7 +3417,7 @@
           <a:p>
             <a:fld id="{DBC524C0-7FB7-4DC8-A982-E6468AA02D2A}" type="datetimeFigureOut">
               <a:rPr lang="en-US" smtClean="0"/>
-              <a:t>12/6/2018</a:t>
+              <a:t>12/7/2018</a:t>
             </a:fld>
             <a:endParaRPr lang="en-US"/>
           </a:p>
@@ -3412,7 +3558,7 @@
           <a:p>
             <a:fld id="{DBC524C0-7FB7-4DC8-A982-E6468AA02D2A}" type="datetimeFigureOut">
               <a:rPr lang="en-US" smtClean="0"/>
-              <a:t>12/6/2018</a:t>
+              <a:t>12/7/2018</a:t>
             </a:fld>
             <a:endParaRPr lang="en-US"/>
           </a:p>
@@ -3525,7 +3671,7 @@
           <a:p>
             <a:fld id="{DBC524C0-7FB7-4DC8-A982-E6468AA02D2A}" type="datetimeFigureOut">
               <a:rPr lang="en-US" smtClean="0"/>
-              <a:t>12/6/2018</a:t>
+              <a:t>12/7/2018</a:t>
             </a:fld>
             <a:endParaRPr lang="en-US"/>
           </a:p>
@@ -3836,7 +3982,7 @@
           <a:p>
             <a:fld id="{DBC524C0-7FB7-4DC8-A982-E6468AA02D2A}" type="datetimeFigureOut">
               <a:rPr lang="en-US" smtClean="0"/>
-              <a:t>12/6/2018</a:t>
+              <a:t>12/7/2018</a:t>
             </a:fld>
             <a:endParaRPr lang="en-US"/>
           </a:p>
@@ -4124,7 +4270,7 @@
           <a:p>
             <a:fld id="{DBC524C0-7FB7-4DC8-A982-E6468AA02D2A}" type="datetimeFigureOut">
               <a:rPr lang="en-US" smtClean="0"/>
-              <a:t>12/6/2018</a:t>
+              <a:t>12/7/2018</a:t>
             </a:fld>
             <a:endParaRPr lang="en-US"/>
           </a:p>
@@ -4365,7 +4511,7 @@
           <a:p>
             <a:fld id="{DBC524C0-7FB7-4DC8-A982-E6468AA02D2A}" type="datetimeFigureOut">
               <a:rPr lang="en-US" smtClean="0"/>
-              <a:t>12/6/2018</a:t>
+              <a:t>12/7/2018</a:t>
             </a:fld>
             <a:endParaRPr lang="en-US"/>
           </a:p>
@@ -4835,47 +4981,53 @@
         </p:nvSpPr>
         <p:spPr>
           <a:xfrm>
-            <a:off x="1524000" y="3487720"/>
-            <a:ext cx="9144000" cy="1655762"/>
+            <a:off x="1524000" y="3487719"/>
+            <a:ext cx="9144000" cy="2921959"/>
           </a:xfrm>
         </p:spPr>
         <p:txBody>
           <a:bodyPr>
-            <a:normAutofit lnSpcReduction="10000"/>
+            <a:normAutofit/>
           </a:bodyPr>
           <a:lstStyle/>
           <a:p>
             <a:r>
-              <a:rPr lang="en-US" dirty="0"/>
-              <a:t>Exploring the dynamics of dopamine and ventral striatal activity</a:t>
-            </a:r>
-          </a:p>
-          <a:p>
-            <a:endParaRPr lang="en-US" dirty="0"/>
-          </a:p>
-          <a:p>
-            <a:r>
-              <a:rPr lang="en-US" dirty="0" err="1"/>
+              <a:rPr lang="en-US" sz="1800" dirty="0"/>
+              <a:t>Exploring the dynamics of dopamine, compulsions, and ventral striatal activity</a:t>
+            </a:r>
+          </a:p>
+          <a:p>
+            <a:endParaRPr lang="en-US" sz="1800" dirty="0"/>
+          </a:p>
+          <a:p>
+            <a:r>
+              <a:rPr lang="en-US" sz="1800" dirty="0"/>
+              <a:t>Guillaume </a:t>
+            </a:r>
+            <a:r>
+              <a:rPr lang="en-US" sz="1800" dirty="0" err="1"/>
+              <a:t>Pagnier</a:t>
+            </a:r>
+            <a:endParaRPr lang="en-US" sz="1800" dirty="0"/>
+          </a:p>
+          <a:p>
+            <a:endParaRPr lang="en-US" sz="1800" dirty="0"/>
+          </a:p>
+          <a:p>
+            <a:r>
+              <a:rPr lang="en-US" sz="1800" dirty="0" err="1"/>
               <a:t>Borton</a:t>
             </a:r>
             <a:r>
-              <a:rPr lang="en-US" dirty="0"/>
+              <a:rPr lang="en-US" sz="1800" dirty="0"/>
               <a:t> lab meeting 12.7.18</a:t>
             </a:r>
           </a:p>
           <a:p>
-            <a:r>
-              <a:rPr lang="en-US" dirty="0"/>
-              <a:t>Guillaume </a:t>
-            </a:r>
-            <a:r>
-              <a:rPr lang="en-US" dirty="0" err="1"/>
-              <a:t>Pagnier</a:t>
-            </a:r>
-            <a:endParaRPr lang="en-US" dirty="0"/>
-          </a:p>
-          <a:p>
-            <a:endParaRPr lang="en-US" dirty="0"/>
+            <a:endParaRPr lang="en-US" sz="1800" dirty="0"/>
+          </a:p>
+          <a:p>
+            <a:endParaRPr lang="en-US" sz="1800" dirty="0"/>
           </a:p>
         </p:txBody>
       </p:sp>
@@ -4893,659 +5045,6 @@
 </file>
 
 <file path=ppt/slides/slide10.xml><?xml version="1.0" encoding="utf-8"?>
-<p:sld xmlns:a="http://schemas.openxmlformats.org/drawingml/2006/main" xmlns:r="http://schemas.openxmlformats.org/officeDocument/2006/relationships" xmlns:p="http://schemas.openxmlformats.org/presentationml/2006/main">
-  <p:cSld>
-    <p:spTree>
-      <p:nvGrpSpPr>
-        <p:cNvPr id="1" name=""/>
-        <p:cNvGrpSpPr/>
-        <p:nvPr/>
-      </p:nvGrpSpPr>
-      <p:grpSpPr>
-        <a:xfrm>
-          <a:off x="0" y="0"/>
-          <a:ext cx="0" cy="0"/>
-          <a:chOff x="0" y="0"/>
-          <a:chExt cx="0" cy="0"/>
-        </a:xfrm>
-      </p:grpSpPr>
-      <p:pic>
-        <p:nvPicPr>
-          <p:cNvPr id="4" name="Picture 3">
-            <a:extLst>
-              <a:ext uri="{FF2B5EF4-FFF2-40B4-BE49-F238E27FC236}">
-                <a16:creationId xmlns:a16="http://schemas.microsoft.com/office/drawing/2014/main" id="{71EF581C-4566-495D-8EEC-C933850382E1}"/>
-              </a:ext>
-            </a:extLst>
-          </p:cNvPr>
-          <p:cNvPicPr>
-            <a:picLocks noChangeAspect="1"/>
-          </p:cNvPicPr>
-          <p:nvPr/>
-        </p:nvPicPr>
-        <p:blipFill rotWithShape="1">
-          <a:blip r:embed="rId2"/>
-          <a:srcRect l="11933" t="20109" r="18637" b="17964"/>
-          <a:stretch/>
-        </p:blipFill>
-        <p:spPr>
-          <a:xfrm>
-            <a:off x="172598" y="124969"/>
-            <a:ext cx="2449139" cy="1394083"/>
-          </a:xfrm>
-          <a:prstGeom prst="rect">
-            <a:avLst/>
-          </a:prstGeom>
-        </p:spPr>
-      </p:pic>
-      <p:grpSp>
-        <p:nvGrpSpPr>
-          <p:cNvPr id="5" name="Group 4">
-            <a:extLst>
-              <a:ext uri="{FF2B5EF4-FFF2-40B4-BE49-F238E27FC236}">
-                <a16:creationId xmlns:a16="http://schemas.microsoft.com/office/drawing/2014/main" id="{6A2033DA-CEC5-4995-8767-3057B239162A}"/>
-              </a:ext>
-            </a:extLst>
-          </p:cNvPr>
-          <p:cNvGrpSpPr/>
-          <p:nvPr/>
-        </p:nvGrpSpPr>
-        <p:grpSpPr>
-          <a:xfrm>
-            <a:off x="2184761" y="1300744"/>
-            <a:ext cx="2485405" cy="1745175"/>
-            <a:chOff x="819618" y="3498113"/>
-            <a:chExt cx="1501629" cy="1054398"/>
-          </a:xfrm>
-        </p:grpSpPr>
-        <p:pic>
-          <p:nvPicPr>
-            <p:cNvPr id="6" name="Picture 5">
-              <a:extLst>
-                <a:ext uri="{FF2B5EF4-FFF2-40B4-BE49-F238E27FC236}">
-                  <a16:creationId xmlns:a16="http://schemas.microsoft.com/office/drawing/2014/main" id="{91F100B3-24C4-480C-8D86-35CF496448B7}"/>
-                </a:ext>
-              </a:extLst>
-            </p:cNvPr>
-            <p:cNvPicPr>
-              <a:picLocks noChangeAspect="1"/>
-            </p:cNvPicPr>
-            <p:nvPr/>
-          </p:nvPicPr>
-          <p:blipFill>
-            <a:blip r:embed="rId3"/>
-            <a:stretch>
-              <a:fillRect/>
-            </a:stretch>
-          </p:blipFill>
-          <p:spPr>
-            <a:xfrm>
-              <a:off x="904810" y="3584332"/>
-              <a:ext cx="1331246" cy="968179"/>
-            </a:xfrm>
-            <a:prstGeom prst="rect">
-              <a:avLst/>
-            </a:prstGeom>
-          </p:spPr>
-        </p:pic>
-        <p:sp>
-          <p:nvSpPr>
-            <p:cNvPr id="7" name="Rectangle 6">
-              <a:extLst>
-                <a:ext uri="{FF2B5EF4-FFF2-40B4-BE49-F238E27FC236}">
-                  <a16:creationId xmlns:a16="http://schemas.microsoft.com/office/drawing/2014/main" id="{FE60FD2D-8DDB-41E0-A393-2D9845593B42}"/>
-                </a:ext>
-              </a:extLst>
-            </p:cNvPr>
-            <p:cNvSpPr/>
-            <p:nvPr/>
-          </p:nvSpPr>
-          <p:spPr>
-            <a:xfrm>
-              <a:off x="819618" y="3498113"/>
-              <a:ext cx="1501629" cy="968179"/>
-            </a:xfrm>
-            <a:prstGeom prst="rect">
-              <a:avLst/>
-            </a:prstGeom>
-            <a:noFill/>
-          </p:spPr>
-          <p:style>
-            <a:lnRef idx="2">
-              <a:schemeClr val="dk1"/>
-            </a:lnRef>
-            <a:fillRef idx="1">
-              <a:schemeClr val="lt1"/>
-            </a:fillRef>
-            <a:effectRef idx="0">
-              <a:schemeClr val="dk1"/>
-            </a:effectRef>
-            <a:fontRef idx="minor">
-              <a:schemeClr val="dk1"/>
-            </a:fontRef>
-          </p:style>
-          <p:txBody>
-            <a:bodyPr rtlCol="0" anchor="ctr"/>
-            <a:lstStyle/>
-            <a:p>
-              <a:pPr algn="ctr"/>
-              <a:endParaRPr lang="en-US"/>
-            </a:p>
-          </p:txBody>
-        </p:sp>
-      </p:grpSp>
-      <p:grpSp>
-        <p:nvGrpSpPr>
-          <p:cNvPr id="8" name="Group 7">
-            <a:extLst>
-              <a:ext uri="{FF2B5EF4-FFF2-40B4-BE49-F238E27FC236}">
-                <a16:creationId xmlns:a16="http://schemas.microsoft.com/office/drawing/2014/main" id="{62349A2D-C820-48FE-BD66-066E87F930E4}"/>
-              </a:ext>
-            </a:extLst>
-          </p:cNvPr>
-          <p:cNvGrpSpPr/>
-          <p:nvPr/>
-        </p:nvGrpSpPr>
-        <p:grpSpPr>
-          <a:xfrm>
-            <a:off x="7233630" y="2371943"/>
-            <a:ext cx="4574549" cy="3031361"/>
-            <a:chOff x="6844536" y="5592929"/>
-            <a:chExt cx="1951362" cy="1418391"/>
-          </a:xfrm>
-        </p:grpSpPr>
-        <p:pic>
-          <p:nvPicPr>
-            <p:cNvPr id="9" name="Picture 8">
-              <a:extLst>
-                <a:ext uri="{FF2B5EF4-FFF2-40B4-BE49-F238E27FC236}">
-                  <a16:creationId xmlns:a16="http://schemas.microsoft.com/office/drawing/2014/main" id="{9E7AAE95-471C-40FC-B86C-B83D8BF58F35}"/>
-                </a:ext>
-              </a:extLst>
-            </p:cNvPr>
-            <p:cNvPicPr>
-              <a:picLocks noChangeAspect="1"/>
-            </p:cNvPicPr>
-            <p:nvPr/>
-          </p:nvPicPr>
-          <p:blipFill>
-            <a:blip r:embed="rId4"/>
-            <a:stretch>
-              <a:fillRect/>
-            </a:stretch>
-          </p:blipFill>
-          <p:spPr>
-            <a:xfrm>
-              <a:off x="6844536" y="5592929"/>
-              <a:ext cx="1951362" cy="1418391"/>
-            </a:xfrm>
-            <a:prstGeom prst="rect">
-              <a:avLst/>
-            </a:prstGeom>
-          </p:spPr>
-        </p:pic>
-        <p:sp>
-          <p:nvSpPr>
-            <p:cNvPr id="10" name="Rectangle 9">
-              <a:extLst>
-                <a:ext uri="{FF2B5EF4-FFF2-40B4-BE49-F238E27FC236}">
-                  <a16:creationId xmlns:a16="http://schemas.microsoft.com/office/drawing/2014/main" id="{9E0DDC9E-0B67-432D-B34E-4F48EFFB2B3B}"/>
-                </a:ext>
-              </a:extLst>
-            </p:cNvPr>
-            <p:cNvSpPr/>
-            <p:nvPr/>
-          </p:nvSpPr>
-          <p:spPr>
-            <a:xfrm>
-              <a:off x="7069403" y="5604993"/>
-              <a:ext cx="1501629" cy="1015779"/>
-            </a:xfrm>
-            <a:prstGeom prst="rect">
-              <a:avLst/>
-            </a:prstGeom>
-            <a:noFill/>
-          </p:spPr>
-          <p:style>
-            <a:lnRef idx="2">
-              <a:schemeClr val="dk1"/>
-            </a:lnRef>
-            <a:fillRef idx="1">
-              <a:schemeClr val="lt1"/>
-            </a:fillRef>
-            <a:effectRef idx="0">
-              <a:schemeClr val="dk1"/>
-            </a:effectRef>
-            <a:fontRef idx="minor">
-              <a:schemeClr val="dk1"/>
-            </a:fontRef>
-          </p:style>
-          <p:txBody>
-            <a:bodyPr rtlCol="0" anchor="ctr"/>
-            <a:lstStyle/>
-            <a:p>
-              <a:pPr algn="ctr"/>
-              <a:endParaRPr lang="en-US"/>
-            </a:p>
-          </p:txBody>
-        </p:sp>
-      </p:grpSp>
-      <p:grpSp>
-        <p:nvGrpSpPr>
-          <p:cNvPr id="11" name="Group 10">
-            <a:extLst>
-              <a:ext uri="{FF2B5EF4-FFF2-40B4-BE49-F238E27FC236}">
-                <a16:creationId xmlns:a16="http://schemas.microsoft.com/office/drawing/2014/main" id="{94555B0D-FA7B-41A1-BE1F-4406D53FCFEC}"/>
-              </a:ext>
-            </a:extLst>
-          </p:cNvPr>
-          <p:cNvGrpSpPr/>
-          <p:nvPr/>
-        </p:nvGrpSpPr>
-        <p:grpSpPr>
-          <a:xfrm>
-            <a:off x="4131383" y="2371943"/>
-            <a:ext cx="3407025" cy="2196688"/>
-            <a:chOff x="5193079" y="4397282"/>
-            <a:chExt cx="1501629" cy="968179"/>
-          </a:xfrm>
-        </p:grpSpPr>
-        <p:pic>
-          <p:nvPicPr>
-            <p:cNvPr id="12" name="Picture 11">
-              <a:extLst>
-                <a:ext uri="{FF2B5EF4-FFF2-40B4-BE49-F238E27FC236}">
-                  <a16:creationId xmlns:a16="http://schemas.microsoft.com/office/drawing/2014/main" id="{E000A334-3EBC-4D4E-9373-C626D392F43F}"/>
-                </a:ext>
-              </a:extLst>
-            </p:cNvPr>
-            <p:cNvPicPr>
-              <a:picLocks noChangeAspect="1"/>
-            </p:cNvPicPr>
-            <p:nvPr/>
-          </p:nvPicPr>
-          <p:blipFill>
-            <a:blip r:embed="rId5"/>
-            <a:stretch>
-              <a:fillRect/>
-            </a:stretch>
-          </p:blipFill>
-          <p:spPr>
-            <a:xfrm>
-              <a:off x="5334423" y="4498019"/>
-              <a:ext cx="1280686" cy="798001"/>
-            </a:xfrm>
-            <a:prstGeom prst="rect">
-              <a:avLst/>
-            </a:prstGeom>
-          </p:spPr>
-        </p:pic>
-        <p:sp>
-          <p:nvSpPr>
-            <p:cNvPr id="13" name="Rectangle 12">
-              <a:extLst>
-                <a:ext uri="{FF2B5EF4-FFF2-40B4-BE49-F238E27FC236}">
-                  <a16:creationId xmlns:a16="http://schemas.microsoft.com/office/drawing/2014/main" id="{4C2F73A7-E3FF-4A1D-9FB7-EE3938E9DDE7}"/>
-                </a:ext>
-              </a:extLst>
-            </p:cNvPr>
-            <p:cNvSpPr/>
-            <p:nvPr/>
-          </p:nvSpPr>
-          <p:spPr>
-            <a:xfrm>
-              <a:off x="5193079" y="4397282"/>
-              <a:ext cx="1501629" cy="968179"/>
-            </a:xfrm>
-            <a:prstGeom prst="rect">
-              <a:avLst/>
-            </a:prstGeom>
-            <a:noFill/>
-          </p:spPr>
-          <p:style>
-            <a:lnRef idx="2">
-              <a:schemeClr val="dk1"/>
-            </a:lnRef>
-            <a:fillRef idx="1">
-              <a:schemeClr val="lt1"/>
-            </a:fillRef>
-            <a:effectRef idx="0">
-              <a:schemeClr val="dk1"/>
-            </a:effectRef>
-            <a:fontRef idx="minor">
-              <a:schemeClr val="dk1"/>
-            </a:fontRef>
-          </p:style>
-          <p:txBody>
-            <a:bodyPr rtlCol="0" anchor="ctr"/>
-            <a:lstStyle/>
-            <a:p>
-              <a:pPr algn="ctr"/>
-              <a:endParaRPr lang="en-US"/>
-            </a:p>
-          </p:txBody>
-        </p:sp>
-      </p:grpSp>
-      <p:grpSp>
-        <p:nvGrpSpPr>
-          <p:cNvPr id="14" name="Group 13">
-            <a:extLst>
-              <a:ext uri="{FF2B5EF4-FFF2-40B4-BE49-F238E27FC236}">
-                <a16:creationId xmlns:a16="http://schemas.microsoft.com/office/drawing/2014/main" id="{2481C5C6-CF84-499E-90FE-8FD8680821E6}"/>
-              </a:ext>
-            </a:extLst>
-          </p:cNvPr>
-          <p:cNvGrpSpPr/>
-          <p:nvPr/>
-        </p:nvGrpSpPr>
-        <p:grpSpPr>
-          <a:xfrm>
-            <a:off x="4131383" y="4661312"/>
-            <a:ext cx="3823086" cy="2196688"/>
-            <a:chOff x="3284310" y="5592929"/>
-            <a:chExt cx="1684588" cy="1112522"/>
-          </a:xfrm>
-        </p:grpSpPr>
-        <p:pic>
-          <p:nvPicPr>
-            <p:cNvPr id="15" name="Picture 14">
-              <a:extLst>
-                <a:ext uri="{FF2B5EF4-FFF2-40B4-BE49-F238E27FC236}">
-                  <a16:creationId xmlns:a16="http://schemas.microsoft.com/office/drawing/2014/main" id="{EC587743-6035-41FE-87EF-A83ED5D976C1}"/>
-                </a:ext>
-              </a:extLst>
-            </p:cNvPr>
-            <p:cNvPicPr>
-              <a:picLocks noChangeAspect="1"/>
-            </p:cNvPicPr>
-            <p:nvPr/>
-          </p:nvPicPr>
-          <p:blipFill>
-            <a:blip r:embed="rId6"/>
-            <a:stretch>
-              <a:fillRect/>
-            </a:stretch>
-          </p:blipFill>
-          <p:spPr>
-            <a:xfrm>
-              <a:off x="3355580" y="5677239"/>
-              <a:ext cx="1613318" cy="1028212"/>
-            </a:xfrm>
-            <a:prstGeom prst="rect">
-              <a:avLst/>
-            </a:prstGeom>
-          </p:spPr>
-        </p:pic>
-        <p:sp>
-          <p:nvSpPr>
-            <p:cNvPr id="16" name="Rectangle 15">
-              <a:extLst>
-                <a:ext uri="{FF2B5EF4-FFF2-40B4-BE49-F238E27FC236}">
-                  <a16:creationId xmlns:a16="http://schemas.microsoft.com/office/drawing/2014/main" id="{1F5A28E4-929F-4737-A0F9-25A16D7C80B9}"/>
-                </a:ext>
-              </a:extLst>
-            </p:cNvPr>
-            <p:cNvSpPr/>
-            <p:nvPr/>
-          </p:nvSpPr>
-          <p:spPr>
-            <a:xfrm>
-              <a:off x="3284310" y="5592929"/>
-              <a:ext cx="1501629" cy="968179"/>
-            </a:xfrm>
-            <a:prstGeom prst="rect">
-              <a:avLst/>
-            </a:prstGeom>
-            <a:noFill/>
-          </p:spPr>
-          <p:style>
-            <a:lnRef idx="2">
-              <a:schemeClr val="dk1"/>
-            </a:lnRef>
-            <a:fillRef idx="1">
-              <a:schemeClr val="lt1"/>
-            </a:fillRef>
-            <a:effectRef idx="0">
-              <a:schemeClr val="dk1"/>
-            </a:effectRef>
-            <a:fontRef idx="minor">
-              <a:schemeClr val="dk1"/>
-            </a:fontRef>
-          </p:style>
-          <p:txBody>
-            <a:bodyPr rtlCol="0" anchor="ctr"/>
-            <a:lstStyle/>
-            <a:p>
-              <a:pPr algn="ctr"/>
-              <a:endParaRPr lang="en-US"/>
-            </a:p>
-          </p:txBody>
-        </p:sp>
-      </p:grpSp>
-    </p:spTree>
-    <p:extLst>
-      <p:ext uri="{BB962C8B-B14F-4D97-AF65-F5344CB8AC3E}">
-        <p14:creationId xmlns:p14="http://schemas.microsoft.com/office/powerpoint/2010/main" val="3983292162"/>
-      </p:ext>
-    </p:extLst>
-  </p:cSld>
-  <p:clrMapOvr>
-    <a:masterClrMapping/>
-  </p:clrMapOvr>
-  <p:timing>
-    <p:tnLst>
-      <p:par>
-        <p:cTn id="1" dur="indefinite" restart="never" nodeType="tmRoot">
-          <p:childTnLst>
-            <p:seq concurrent="1" nextAc="seek">
-              <p:cTn id="2" dur="indefinite" nodeType="mainSeq">
-                <p:childTnLst>
-                  <p:par>
-                    <p:cTn id="3" fill="hold">
-                      <p:stCondLst>
-                        <p:cond delay="indefinite"/>
-                      </p:stCondLst>
-                      <p:childTnLst>
-                        <p:par>
-                          <p:cTn id="4" fill="hold">
-                            <p:stCondLst>
-                              <p:cond delay="0"/>
-                            </p:stCondLst>
-                            <p:childTnLst>
-                              <p:par>
-                                <p:cTn id="5" presetID="1" presetClass="entr" presetSubtype="0" fill="hold" nodeType="clickEffect">
-                                  <p:stCondLst>
-                                    <p:cond delay="0"/>
-                                  </p:stCondLst>
-                                  <p:childTnLst>
-                                    <p:set>
-                                      <p:cBhvr>
-                                        <p:cTn id="6" dur="1" fill="hold">
-                                          <p:stCondLst>
-                                            <p:cond delay="0"/>
-                                          </p:stCondLst>
-                                        </p:cTn>
-                                        <p:tgtEl>
-                                          <p:spTgt spid="5"/>
-                                        </p:tgtEl>
-                                        <p:attrNameLst>
-                                          <p:attrName>style.visibility</p:attrName>
-                                        </p:attrNameLst>
-                                      </p:cBhvr>
-                                      <p:to>
-                                        <p:strVal val="visible"/>
-                                      </p:to>
-                                    </p:set>
-                                  </p:childTnLst>
-                                </p:cTn>
-                              </p:par>
-                            </p:childTnLst>
-                          </p:cTn>
-                        </p:par>
-                      </p:childTnLst>
-                    </p:cTn>
-                  </p:par>
-                  <p:par>
-                    <p:cTn id="7" fill="hold">
-                      <p:stCondLst>
-                        <p:cond delay="indefinite"/>
-                      </p:stCondLst>
-                      <p:childTnLst>
-                        <p:par>
-                          <p:cTn id="8" fill="hold">
-                            <p:stCondLst>
-                              <p:cond delay="0"/>
-                            </p:stCondLst>
-                            <p:childTnLst>
-                              <p:par>
-                                <p:cTn id="9" presetID="1" presetClass="entr" presetSubtype="0" fill="hold" nodeType="clickEffect">
-                                  <p:stCondLst>
-                                    <p:cond delay="0"/>
-                                  </p:stCondLst>
-                                  <p:childTnLst>
-                                    <p:set>
-                                      <p:cBhvr>
-                                        <p:cTn id="10" dur="1" fill="hold">
-                                          <p:stCondLst>
-                                            <p:cond delay="0"/>
-                                          </p:stCondLst>
-                                        </p:cTn>
-                                        <p:tgtEl>
-                                          <p:spTgt spid="11"/>
-                                        </p:tgtEl>
-                                        <p:attrNameLst>
-                                          <p:attrName>style.visibility</p:attrName>
-                                        </p:attrNameLst>
-                                      </p:cBhvr>
-                                      <p:to>
-                                        <p:strVal val="visible"/>
-                                      </p:to>
-                                    </p:set>
-                                  </p:childTnLst>
-                                </p:cTn>
-                              </p:par>
-                            </p:childTnLst>
-                          </p:cTn>
-                        </p:par>
-                      </p:childTnLst>
-                    </p:cTn>
-                  </p:par>
-                  <p:par>
-                    <p:cTn id="11" fill="hold">
-                      <p:stCondLst>
-                        <p:cond delay="indefinite"/>
-                      </p:stCondLst>
-                      <p:childTnLst>
-                        <p:par>
-                          <p:cTn id="12" fill="hold">
-                            <p:stCondLst>
-                              <p:cond delay="0"/>
-                            </p:stCondLst>
-                            <p:childTnLst>
-                              <p:par>
-                                <p:cTn id="13" presetID="1" presetClass="entr" presetSubtype="0" fill="hold" nodeType="clickEffect">
-                                  <p:stCondLst>
-                                    <p:cond delay="0"/>
-                                  </p:stCondLst>
-                                  <p:childTnLst>
-                                    <p:set>
-                                      <p:cBhvr>
-                                        <p:cTn id="14" dur="1" fill="hold">
-                                          <p:stCondLst>
-                                            <p:cond delay="0"/>
-                                          </p:stCondLst>
-                                        </p:cTn>
-                                        <p:tgtEl>
-                                          <p:spTgt spid="14"/>
-                                        </p:tgtEl>
-                                        <p:attrNameLst>
-                                          <p:attrName>style.visibility</p:attrName>
-                                        </p:attrNameLst>
-                                      </p:cBhvr>
-                                      <p:to>
-                                        <p:strVal val="visible"/>
-                                      </p:to>
-                                    </p:set>
-                                  </p:childTnLst>
-                                </p:cTn>
-                              </p:par>
-                            </p:childTnLst>
-                          </p:cTn>
-                        </p:par>
-                      </p:childTnLst>
-                    </p:cTn>
-                  </p:par>
-                  <p:par>
-                    <p:cTn id="15" fill="hold">
-                      <p:stCondLst>
-                        <p:cond delay="indefinite"/>
-                      </p:stCondLst>
-                      <p:childTnLst>
-                        <p:par>
-                          <p:cTn id="16" fill="hold">
-                            <p:stCondLst>
-                              <p:cond delay="0"/>
-                            </p:stCondLst>
-                            <p:childTnLst>
-                              <p:par>
-                                <p:cTn id="17" presetID="1" presetClass="entr" presetSubtype="0" fill="hold" nodeType="clickEffect">
-                                  <p:stCondLst>
-                                    <p:cond delay="0"/>
-                                  </p:stCondLst>
-                                  <p:childTnLst>
-                                    <p:set>
-                                      <p:cBhvr>
-                                        <p:cTn id="18" dur="1" fill="hold">
-                                          <p:stCondLst>
-                                            <p:cond delay="0"/>
-                                          </p:stCondLst>
-                                        </p:cTn>
-                                        <p:tgtEl>
-                                          <p:spTgt spid="8"/>
-                                        </p:tgtEl>
-                                        <p:attrNameLst>
-                                          <p:attrName>style.visibility</p:attrName>
-                                        </p:attrNameLst>
-                                      </p:cBhvr>
-                                      <p:to>
-                                        <p:strVal val="visible"/>
-                                      </p:to>
-                                    </p:set>
-                                  </p:childTnLst>
-                                </p:cTn>
-                              </p:par>
-                            </p:childTnLst>
-                          </p:cTn>
-                        </p:par>
-                      </p:childTnLst>
-                    </p:cTn>
-                  </p:par>
-                </p:childTnLst>
-              </p:cTn>
-              <p:prevCondLst>
-                <p:cond evt="onPrev" delay="0">
-                  <p:tgtEl>
-                    <p:sldTgt/>
-                  </p:tgtEl>
-                </p:cond>
-              </p:prevCondLst>
-              <p:nextCondLst>
-                <p:cond evt="onNext" delay="0">
-                  <p:tgtEl>
-                    <p:sldTgt/>
-                  </p:tgtEl>
-                </p:cond>
-              </p:nextCondLst>
-            </p:seq>
-          </p:childTnLst>
-        </p:cTn>
-      </p:par>
-    </p:tnLst>
-  </p:timing>
-</p:sld>
-</file>
-
-<file path=ppt/slides/slide11.xml><?xml version="1.0" encoding="utf-8"?>
 <p:sld xmlns:a="http://schemas.openxmlformats.org/drawingml/2006/main" xmlns:r="http://schemas.openxmlformats.org/officeDocument/2006/relationships" xmlns:p="http://schemas.openxmlformats.org/presentationml/2006/main">
   <p:cSld>
     <p:spTree>
@@ -5755,7 +5254,7 @@
 </p:sld>
 </file>
 
-<file path=ppt/slides/slide12.xml><?xml version="1.0" encoding="utf-8"?>
+<file path=ppt/slides/slide11.xml><?xml version="1.0" encoding="utf-8"?>
 <p:sld xmlns:a="http://schemas.openxmlformats.org/drawingml/2006/main" xmlns:r="http://schemas.openxmlformats.org/officeDocument/2006/relationships" xmlns:p="http://schemas.openxmlformats.org/presentationml/2006/main">
   <p:cSld>
     <p:spTree>
@@ -5854,7 +5353,7 @@
         </p:blipFill>
         <p:spPr>
           <a:xfrm>
-            <a:off x="1057136" y="2187398"/>
+            <a:off x="562548" y="2122558"/>
             <a:ext cx="4573572" cy="1448972"/>
           </a:xfrm>
           <a:prstGeom prst="rect">
@@ -6295,7 +5794,7 @@
 </p:sld>
 </file>
 
-<file path=ppt/slides/slide13.xml><?xml version="1.0" encoding="utf-8"?>
+<file path=ppt/slides/slide12.xml><?xml version="1.0" encoding="utf-8"?>
 <p:sld xmlns:a="http://schemas.openxmlformats.org/drawingml/2006/main" xmlns:r="http://schemas.openxmlformats.org/officeDocument/2006/relationships" xmlns:p="http://schemas.openxmlformats.org/presentationml/2006/main">
   <p:cSld>
     <p:spTree>
@@ -6340,15 +5839,7 @@
           <a:p>
             <a:r>
               <a:rPr lang="en-US" dirty="0"/>
-              <a:t>Increased DA = </a:t>
-            </a:r>
-            <a:r>
-              <a:rPr lang="en-US" dirty="0" err="1"/>
-              <a:t>NAc</a:t>
-            </a:r>
-            <a:r>
-              <a:rPr lang="en-US" dirty="0"/>
-              <a:t> stimulation?</a:t>
+              <a:t>Increased DA = NAc stimulation?</a:t>
             </a:r>
           </a:p>
         </p:txBody>
@@ -6392,15 +5883,7 @@
           <a:p>
             <a:r>
               <a:rPr lang="en-US" dirty="0"/>
-              <a:t>Revisiting the Ventral Striatum (</a:t>
-            </a:r>
-            <a:r>
-              <a:rPr lang="en-US" dirty="0" err="1"/>
-              <a:t>NAc</a:t>
-            </a:r>
-            <a:r>
-              <a:rPr lang="en-US" dirty="0"/>
-              <a:t>)</a:t>
+              <a:t>Revisiting the Ventral Striatum (NAc)</a:t>
             </a:r>
           </a:p>
           <a:p>
@@ -6580,23 +6063,7 @@
                   <a:srgbClr val="00B050"/>
                 </a:solidFill>
               </a:rPr>
-              <a:t>Ventral Striatum (</a:t>
-            </a:r>
-            <a:r>
-              <a:rPr lang="en-US" dirty="0" err="1">
-                <a:solidFill>
-                  <a:srgbClr val="00B050"/>
-                </a:solidFill>
-              </a:rPr>
-              <a:t>NAc</a:t>
-            </a:r>
-            <a:r>
-              <a:rPr lang="en-US" dirty="0">
-                <a:solidFill>
-                  <a:srgbClr val="00B050"/>
-                </a:solidFill>
-              </a:rPr>
-              <a:t>)</a:t>
+              <a:t>Ventral Striatum (NAc)</a:t>
             </a:r>
           </a:p>
         </p:txBody>
@@ -6977,7 +6444,7 @@
                             </p:stCondLst>
                             <p:childTnLst>
                               <p:par>
-                                <p:cTn id="13" presetID="1" presetClass="entr" presetSubtype="0" fill="hold" nodeType="clickEffect">
+                                <p:cTn id="13" presetID="1" presetClass="entr" presetSubtype="0" fill="hold" grpId="0" nodeType="clickEffect">
                                   <p:stCondLst>
                                     <p:cond delay="0"/>
                                   </p:stCondLst>
@@ -6990,7 +6457,7 @@
                                           </p:stCondLst>
                                         </p:cTn>
                                         <p:tgtEl>
-                                          <p:spTgt spid="5"/>
+                                          <p:spTgt spid="4"/>
                                         </p:tgtEl>
                                         <p:attrNameLst>
                                           <p:attrName>style.visibility</p:attrName>
@@ -7004,7 +6471,7 @@
                                 </p:cTn>
                               </p:par>
                               <p:par>
-                                <p:cTn id="15" presetID="1" presetClass="entr" presetSubtype="0" fill="hold" grpId="0" nodeType="withEffect">
+                                <p:cTn id="15" presetID="1" presetClass="entr" presetSubtype="0" fill="hold" nodeType="withEffect">
                                   <p:stCondLst>
                                     <p:cond delay="0"/>
                                   </p:stCondLst>
@@ -7017,7 +6484,7 @@
                                           </p:stCondLst>
                                         </p:cTn>
                                         <p:tgtEl>
-                                          <p:spTgt spid="6"/>
+                                          <p:spTgt spid="5"/>
                                         </p:tgtEl>
                                         <p:attrNameLst>
                                           <p:attrName>style.visibility</p:attrName>
@@ -7044,6 +6511,33 @@
                                           </p:stCondLst>
                                         </p:cTn>
                                         <p:tgtEl>
+                                          <p:spTgt spid="6"/>
+                                        </p:tgtEl>
+                                        <p:attrNameLst>
+                                          <p:attrName>style.visibility</p:attrName>
+                                        </p:attrNameLst>
+                                      </p:cBhvr>
+                                      <p:to>
+                                        <p:strVal val="visible"/>
+                                      </p:to>
+                                    </p:set>
+                                  </p:childTnLst>
+                                </p:cTn>
+                              </p:par>
+                              <p:par>
+                                <p:cTn id="19" presetID="1" presetClass="entr" presetSubtype="0" fill="hold" grpId="0" nodeType="withEffect">
+                                  <p:stCondLst>
+                                    <p:cond delay="0"/>
+                                  </p:stCondLst>
+                                  <p:childTnLst>
+                                    <p:set>
+                                      <p:cBhvr>
+                                        <p:cTn id="20" dur="1" fill="hold">
+                                          <p:stCondLst>
+                                            <p:cond delay="0"/>
+                                          </p:stCondLst>
+                                        </p:cTn>
+                                        <p:tgtEl>
                                           <p:spTgt spid="7"/>
                                         </p:tgtEl>
                                         <p:attrNameLst>
@@ -7058,34 +6552,7 @@
                                 </p:cTn>
                               </p:par>
                               <p:par>
-                                <p:cTn id="19" presetID="1" presetClass="entr" presetSubtype="0" fill="hold" nodeType="withEffect">
-                                  <p:stCondLst>
-                                    <p:cond delay="0"/>
-                                  </p:stCondLst>
-                                  <p:childTnLst>
-                                    <p:set>
-                                      <p:cBhvr>
-                                        <p:cTn id="20" dur="1" fill="hold">
-                                          <p:stCondLst>
-                                            <p:cond delay="0"/>
-                                          </p:stCondLst>
-                                        </p:cTn>
-                                        <p:tgtEl>
-                                          <p:spTgt spid="12"/>
-                                        </p:tgtEl>
-                                        <p:attrNameLst>
-                                          <p:attrName>style.visibility</p:attrName>
-                                        </p:attrNameLst>
-                                      </p:cBhvr>
-                                      <p:to>
-                                        <p:strVal val="visible"/>
-                                      </p:to>
-                                    </p:set>
-                                  </p:childTnLst>
-                                </p:cTn>
-                              </p:par>
-                              <p:par>
-                                <p:cTn id="21" presetID="1" presetClass="entr" presetSubtype="0" fill="hold" grpId="0" nodeType="withEffect">
+                                <p:cTn id="21" presetID="1" presetClass="entr" presetSubtype="0" fill="hold" nodeType="withEffect">
                                   <p:stCondLst>
                                     <p:cond delay="0"/>
                                   </p:stCondLst>
@@ -7098,7 +6565,7 @@
                                           </p:stCondLst>
                                         </p:cTn>
                                         <p:tgtEl>
-                                          <p:spTgt spid="15"/>
+                                          <p:spTgt spid="12"/>
                                         </p:tgtEl>
                                         <p:attrNameLst>
                                           <p:attrName>style.visibility</p:attrName>
@@ -7125,7 +6592,7 @@
                                           </p:stCondLst>
                                         </p:cTn>
                                         <p:tgtEl>
-                                          <p:spTgt spid="16"/>
+                                          <p:spTgt spid="14"/>
                                         </p:tgtEl>
                                         <p:attrNameLst>
                                           <p:attrName>style.visibility</p:attrName>
@@ -7139,7 +6606,7 @@
                                 </p:cTn>
                               </p:par>
                               <p:par>
-                                <p:cTn id="25" presetID="1" presetClass="entr" presetSubtype="0" fill="hold" nodeType="withEffect">
+                                <p:cTn id="25" presetID="1" presetClass="entr" presetSubtype="0" fill="hold" grpId="0" nodeType="withEffect">
                                   <p:stCondLst>
                                     <p:cond delay="0"/>
                                   </p:stCondLst>
@@ -7152,7 +6619,7 @@
                                           </p:stCondLst>
                                         </p:cTn>
                                         <p:tgtEl>
-                                          <p:spTgt spid="17"/>
+                                          <p:spTgt spid="15"/>
                                         </p:tgtEl>
                                         <p:attrNameLst>
                                           <p:attrName>style.visibility</p:attrName>
@@ -7179,7 +6646,34 @@
                                           </p:stCondLst>
                                         </p:cTn>
                                         <p:tgtEl>
-                                          <p:spTgt spid="14"/>
+                                          <p:spTgt spid="16"/>
+                                        </p:tgtEl>
+                                        <p:attrNameLst>
+                                          <p:attrName>style.visibility</p:attrName>
+                                        </p:attrNameLst>
+                                      </p:cBhvr>
+                                      <p:to>
+                                        <p:strVal val="visible"/>
+                                      </p:to>
+                                    </p:set>
+                                  </p:childTnLst>
+                                </p:cTn>
+                              </p:par>
+                              <p:par>
+                                <p:cTn id="29" presetID="1" presetClass="entr" presetSubtype="0" fill="hold" nodeType="withEffect">
+                                  <p:stCondLst>
+                                    <p:cond delay="0"/>
+                                  </p:stCondLst>
+                                  <p:childTnLst>
+                                    <p:set>
+                                      <p:cBhvr>
+                                        <p:cTn id="30" dur="1" fill="hold">
+                                          <p:stCondLst>
+                                            <p:cond delay="0"/>
+                                          </p:stCondLst>
+                                        </p:cTn>
+                                        <p:tgtEl>
+                                          <p:spTgt spid="17"/>
                                         </p:tgtEl>
                                         <p:attrNameLst>
                                           <p:attrName>style.visibility</p:attrName>
@@ -7199,26 +6693,26 @@
                     </p:cTn>
                   </p:par>
                   <p:par>
-                    <p:cTn id="29" fill="hold">
+                    <p:cTn id="31" fill="hold">
                       <p:stCondLst>
                         <p:cond delay="indefinite"/>
                       </p:stCondLst>
                       <p:childTnLst>
                         <p:par>
-                          <p:cTn id="30" fill="hold">
+                          <p:cTn id="32" fill="hold">
                             <p:stCondLst>
                               <p:cond delay="0"/>
                             </p:stCondLst>
                             <p:childTnLst>
                               <p:par>
-                                <p:cTn id="31" presetID="1" presetClass="entr" presetSubtype="0" fill="hold" nodeType="clickEffect">
+                                <p:cTn id="33" presetID="1" presetClass="entr" presetSubtype="0" fill="hold" nodeType="clickEffect">
                                   <p:stCondLst>
                                     <p:cond delay="0"/>
                                   </p:stCondLst>
                                   <p:childTnLst>
                                     <p:set>
                                       <p:cBhvr>
-                                        <p:cTn id="32" dur="1" fill="hold">
+                                        <p:cTn id="34" dur="1" fill="hold">
                                           <p:stCondLst>
                                             <p:cond delay="0"/>
                                           </p:stCondLst>
@@ -7248,26 +6742,26 @@
                     </p:cTn>
                   </p:par>
                   <p:par>
-                    <p:cTn id="33" fill="hold">
+                    <p:cTn id="35" fill="hold">
                       <p:stCondLst>
                         <p:cond delay="indefinite"/>
                       </p:stCondLst>
                       <p:childTnLst>
                         <p:par>
-                          <p:cTn id="34" fill="hold">
+                          <p:cTn id="36" fill="hold">
                             <p:stCondLst>
                               <p:cond delay="0"/>
                             </p:stCondLst>
                             <p:childTnLst>
                               <p:par>
-                                <p:cTn id="35" presetID="1" presetClass="entr" presetSubtype="0" fill="hold" nodeType="clickEffect">
+                                <p:cTn id="37" presetID="1" presetClass="entr" presetSubtype="0" fill="hold" nodeType="clickEffect">
                                   <p:stCondLst>
                                     <p:cond delay="0"/>
                                   </p:stCondLst>
                                   <p:childTnLst>
                                     <p:set>
                                       <p:cBhvr>
-                                        <p:cTn id="36" dur="1" fill="hold">
+                                        <p:cTn id="38" dur="1" fill="hold">
                                           <p:stCondLst>
                                             <p:cond delay="0"/>
                                           </p:stCondLst>
@@ -7297,26 +6791,26 @@
                     </p:cTn>
                   </p:par>
                   <p:par>
-                    <p:cTn id="37" fill="hold">
+                    <p:cTn id="39" fill="hold">
                       <p:stCondLst>
                         <p:cond delay="indefinite"/>
                       </p:stCondLst>
                       <p:childTnLst>
                         <p:par>
-                          <p:cTn id="38" fill="hold">
+                          <p:cTn id="40" fill="hold">
                             <p:stCondLst>
                               <p:cond delay="0"/>
                             </p:stCondLst>
                             <p:childTnLst>
                               <p:par>
-                                <p:cTn id="39" presetID="1" presetClass="entr" presetSubtype="0" fill="hold" nodeType="clickEffect">
+                                <p:cTn id="41" presetID="1" presetClass="entr" presetSubtype="0" fill="hold" nodeType="clickEffect">
                                   <p:stCondLst>
                                     <p:cond delay="0"/>
                                   </p:stCondLst>
                                   <p:childTnLst>
                                     <p:set>
                                       <p:cBhvr>
-                                        <p:cTn id="40" dur="1" fill="hold">
+                                        <p:cTn id="42" dur="1" fill="hold">
                                           <p:stCondLst>
                                             <p:cond delay="0"/>
                                           </p:stCondLst>
@@ -7367,6 +6861,7 @@
       </p:par>
     </p:tnLst>
     <p:bldLst>
+      <p:bldP spid="4" grpId="0" animBg="1"/>
       <p:bldP spid="6" grpId="0" animBg="1"/>
       <p:bldP spid="7" grpId="0"/>
       <p:bldP spid="14" grpId="0"/>
@@ -7377,7 +6872,7 @@
 </p:sld>
 </file>
 
-<file path=ppt/slides/slide14.xml><?xml version="1.0" encoding="utf-8"?>
+<file path=ppt/slides/slide13.xml><?xml version="1.0" encoding="utf-8"?>
 <p:sld xmlns:a="http://schemas.openxmlformats.org/drawingml/2006/main" xmlns:r="http://schemas.openxmlformats.org/officeDocument/2006/relationships" xmlns:p="http://schemas.openxmlformats.org/presentationml/2006/main">
   <p:cSld>
     <p:spTree>
@@ -7417,15 +6912,7 @@
           <a:p>
             <a:r>
               <a:rPr lang="en-US" dirty="0"/>
-              <a:t>What does </a:t>
-            </a:r>
-            <a:r>
-              <a:rPr lang="en-US" dirty="0" err="1"/>
-              <a:t>NAc</a:t>
-            </a:r>
-            <a:r>
-              <a:rPr lang="en-US" dirty="0"/>
-              <a:t> stimulation do?</a:t>
+              <a:t>What does NAc stimulation do?</a:t>
             </a:r>
           </a:p>
         </p:txBody>
@@ -7477,15 +6964,7 @@
           <a:p>
             <a:r>
               <a:rPr lang="en-US" dirty="0"/>
-              <a:t>Causal way to investigate </a:t>
-            </a:r>
-            <a:r>
-              <a:rPr lang="en-US" dirty="0" err="1"/>
-              <a:t>NAc</a:t>
-            </a:r>
-            <a:r>
-              <a:rPr lang="en-US" dirty="0"/>
-              <a:t> stimulation on above questions.</a:t>
+              <a:t>Causal way to investigate NAc stimulation on above questions.</a:t>
             </a:r>
           </a:p>
           <a:p>
@@ -7543,15 +7022,7 @@
             <a:pPr algn="ctr"/>
             <a:r>
               <a:rPr lang="en-US" sz="3600" dirty="0"/>
-              <a:t>Explore relationship between </a:t>
-            </a:r>
-            <a:r>
-              <a:rPr lang="en-US" sz="3600" dirty="0" err="1"/>
-              <a:t>NAc</a:t>
-            </a:r>
-            <a:r>
-              <a:rPr lang="en-US" sz="3600" dirty="0"/>
-              <a:t>, gambling and OCD?</a:t>
+              <a:t>Explore relationship between NAc, gambling and OCD?</a:t>
             </a:r>
           </a:p>
         </p:txBody>
@@ -7648,7 +7119,7 @@
 </p:sld>
 </file>
 
-<file path=ppt/slides/slide15.xml><?xml version="1.0" encoding="utf-8"?>
+<file path=ppt/slides/slide14.xml><?xml version="1.0" encoding="utf-8"?>
 <p:sld xmlns:a="http://schemas.openxmlformats.org/drawingml/2006/main" xmlns:r="http://schemas.openxmlformats.org/officeDocument/2006/relationships" xmlns:p="http://schemas.openxmlformats.org/presentationml/2006/main">
   <p:cSld>
     <p:spTree>
@@ -7885,12 +7356,8 @@
           <a:lstStyle/>
           <a:p>
             <a:r>
-              <a:rPr lang="en-US" dirty="0" err="1"/>
-              <a:t>NAc</a:t>
-            </a:r>
-            <a:r>
               <a:rPr lang="en-US" dirty="0"/>
-              <a:t> and dopamine?</a:t>
+              <a:t>NAc and dopamine?</a:t>
             </a:r>
           </a:p>
         </p:txBody>
@@ -7951,7 +7418,7 @@
 </p:sld>
 </file>
 
-<file path=ppt/slides/slide16.xml><?xml version="1.0" encoding="utf-8"?>
+<file path=ppt/slides/slide15.xml><?xml version="1.0" encoding="utf-8"?>
 <p:sld xmlns:a="http://schemas.openxmlformats.org/drawingml/2006/main" xmlns:r="http://schemas.openxmlformats.org/officeDocument/2006/relationships" xmlns:p="http://schemas.openxmlformats.org/presentationml/2006/main">
   <p:cSld>
     <p:spTree>
@@ -8561,23 +8028,7 @@
                   <a:srgbClr val="00B050"/>
                 </a:solidFill>
               </a:rPr>
-              <a:t>Ventral Striatum (</a:t>
-            </a:r>
-            <a:r>
-              <a:rPr lang="en-US" dirty="0" err="1">
-                <a:solidFill>
-                  <a:srgbClr val="00B050"/>
-                </a:solidFill>
-              </a:rPr>
-              <a:t>NAc</a:t>
-            </a:r>
-            <a:r>
-              <a:rPr lang="en-US" dirty="0">
-                <a:solidFill>
-                  <a:srgbClr val="00B050"/>
-                </a:solidFill>
-              </a:rPr>
-              <a:t>)</a:t>
+              <a:t>Ventral Striatum (NAc)</a:t>
             </a:r>
           </a:p>
         </p:txBody>
@@ -10353,7 +9804,7 @@
           <a:p>
             <a:r>
               <a:rPr lang="en-US" dirty="0"/>
-              <a:t>RPEs guide learning</a:t>
+              <a:t>Reward Prediction Errors guide learning</a:t>
             </a:r>
           </a:p>
         </p:txBody>
@@ -10533,7 +9984,7 @@
                             </p:stCondLst>
                             <p:childTnLst>
                               <p:par>
-                                <p:cTn id="9" presetID="1" presetClass="entr" presetSubtype="0" fill="hold" nodeType="clickEffect">
+                                <p:cTn id="9" presetID="1" presetClass="entr" presetSubtype="0" fill="hold" grpId="0" nodeType="clickEffect">
                                   <p:stCondLst>
                                     <p:cond delay="0"/>
                                   </p:stCondLst>
@@ -10546,11 +9997,7 @@
                                           </p:stCondLst>
                                         </p:cTn>
                                         <p:tgtEl>
-                                          <p:spTgt spid="5">
-                                            <p:txEl>
-                                              <p:pRg st="0" end="0"/>
-                                            </p:txEl>
-                                          </p:spTgt>
+                                          <p:spTgt spid="5"/>
                                         </p:tgtEl>
                                         <p:attrNameLst>
                                           <p:attrName>style.visibility</p:attrName>
@@ -10563,33 +10010,15 @@
                                   </p:childTnLst>
                                 </p:cTn>
                               </p:par>
-                            </p:childTnLst>
-                          </p:cTn>
-                        </p:par>
-                      </p:childTnLst>
-                    </p:cTn>
-                  </p:par>
-                  <p:par>
-                    <p:cTn id="11" fill="hold">
-                      <p:stCondLst>
-                        <p:cond delay="indefinite"/>
-                      </p:stCondLst>
-                      <p:childTnLst>
-                        <p:par>
-                          <p:cTn id="12" fill="hold">
-                            <p:stCondLst>
-                              <p:cond delay="0"/>
-                            </p:stCondLst>
-                            <p:childTnLst>
                               <p:par>
-                                <p:cTn id="13" presetID="1" presetClass="entr" presetSubtype="0" fill="hold" grpId="0" nodeType="clickEffect">
+                                <p:cTn id="11" presetID="1" presetClass="entr" presetSubtype="0" fill="hold" grpId="0" nodeType="withEffect">
                                   <p:stCondLst>
                                     <p:cond delay="0"/>
                                   </p:stCondLst>
                                   <p:childTnLst>
                                     <p:set>
                                       <p:cBhvr>
-                                        <p:cTn id="14" dur="1" fill="hold">
+                                        <p:cTn id="12" dur="1" fill="hold">
                                           <p:stCondLst>
                                             <p:cond delay="0"/>
                                           </p:stCondLst>
@@ -10615,26 +10044,26 @@
                     </p:cTn>
                   </p:par>
                   <p:par>
-                    <p:cTn id="15" fill="hold">
+                    <p:cTn id="13" fill="hold">
                       <p:stCondLst>
                         <p:cond delay="indefinite"/>
                       </p:stCondLst>
                       <p:childTnLst>
                         <p:par>
-                          <p:cTn id="16" fill="hold">
+                          <p:cTn id="14" fill="hold">
                             <p:stCondLst>
                               <p:cond delay="0"/>
                             </p:stCondLst>
                             <p:childTnLst>
                               <p:par>
-                                <p:cTn id="17" presetID="1" presetClass="entr" presetSubtype="0" fill="hold" grpId="0" nodeType="clickEffect">
+                                <p:cTn id="15" presetID="1" presetClass="entr" presetSubtype="0" fill="hold" grpId="0" nodeType="clickEffect">
                                   <p:stCondLst>
                                     <p:cond delay="0"/>
                                   </p:stCondLst>
                                   <p:childTnLst>
                                     <p:set>
                                       <p:cBhvr>
-                                        <p:cTn id="18" dur="1" fill="hold">
+                                        <p:cTn id="16" dur="1" fill="hold">
                                           <p:stCondLst>
                                             <p:cond delay="0"/>
                                           </p:stCondLst>
@@ -10653,33 +10082,15 @@
                                   </p:childTnLst>
                                 </p:cTn>
                               </p:par>
-                            </p:childTnLst>
-                          </p:cTn>
-                        </p:par>
-                      </p:childTnLst>
-                    </p:cTn>
-                  </p:par>
-                  <p:par>
-                    <p:cTn id="19" fill="hold">
-                      <p:stCondLst>
-                        <p:cond delay="indefinite"/>
-                      </p:stCondLst>
-                      <p:childTnLst>
-                        <p:par>
-                          <p:cTn id="20" fill="hold">
-                            <p:stCondLst>
-                              <p:cond delay="0"/>
-                            </p:stCondLst>
-                            <p:childTnLst>
                               <p:par>
-                                <p:cTn id="21" presetID="1" presetClass="entr" presetSubtype="0" fill="hold" grpId="0" nodeType="clickEffect">
+                                <p:cTn id="17" presetID="1" presetClass="entr" presetSubtype="0" fill="hold" grpId="0" nodeType="withEffect">
                                   <p:stCondLst>
                                     <p:cond delay="0"/>
                                   </p:stCondLst>
                                   <p:childTnLst>
                                     <p:set>
                                       <p:cBhvr>
-                                        <p:cTn id="22" dur="1" fill="hold">
+                                        <p:cTn id="18" dur="1" fill="hold">
                                           <p:stCondLst>
                                             <p:cond delay="0"/>
                                           </p:stCondLst>
@@ -10699,14 +10110,14 @@
                                 </p:cTn>
                               </p:par>
                               <p:par>
-                                <p:cTn id="23" presetID="1" presetClass="entr" presetSubtype="0" fill="hold" nodeType="withEffect">
+                                <p:cTn id="19" presetID="1" presetClass="entr" presetSubtype="0" fill="hold" nodeType="withEffect">
                                   <p:stCondLst>
                                     <p:cond delay="0"/>
                                   </p:stCondLst>
                                   <p:childTnLst>
                                     <p:set>
                                       <p:cBhvr>
-                                        <p:cTn id="24" dur="1" fill="hold">
+                                        <p:cTn id="20" dur="1" fill="hold">
                                           <p:stCondLst>
                                             <p:cond delay="0"/>
                                           </p:stCondLst>
@@ -10726,14 +10137,14 @@
                                 </p:cTn>
                               </p:par>
                               <p:par>
-                                <p:cTn id="25" presetID="1" presetClass="entr" presetSubtype="0" fill="hold" nodeType="withEffect">
+                                <p:cTn id="21" presetID="1" presetClass="entr" presetSubtype="0" fill="hold" nodeType="withEffect">
                                   <p:stCondLst>
                                     <p:cond delay="0"/>
                                   </p:stCondLst>
                                   <p:childTnLst>
                                     <p:set>
                                       <p:cBhvr>
-                                        <p:cTn id="26" dur="1" fill="hold">
+                                        <p:cTn id="22" dur="1" fill="hold">
                                           <p:stCondLst>
                                             <p:cond delay="0"/>
                                           </p:stCondLst>
@@ -10780,6 +10191,7 @@
       </p:par>
     </p:tnLst>
     <p:bldLst>
+      <p:bldP spid="5" grpId="0"/>
       <p:bldP spid="6" grpId="0"/>
       <p:bldP spid="7" grpId="0"/>
       <p:bldP spid="8" grpId="0"/>
@@ -10966,7 +10378,7 @@
                             </p:stCondLst>
                             <p:childTnLst>
                               <p:par>
-                                <p:cTn id="5" presetID="1" presetClass="entr" presetSubtype="0" fill="hold" nodeType="clickEffect">
+                                <p:cTn id="5" presetID="10" presetClass="entr" presetSubtype="0" fill="hold" nodeType="clickEffect">
                                   <p:stCondLst>
                                     <p:cond delay="0"/>
                                   </p:stCondLst>
@@ -10974,55 +10386,6 @@
                                     <p:set>
                                       <p:cBhvr>
                                         <p:cTn id="6" dur="1" fill="hold">
-                                          <p:stCondLst>
-                                            <p:cond delay="0"/>
-                                          </p:stCondLst>
-                                        </p:cTn>
-                                        <p:tgtEl>
-                                          <p:spTgt spid="6">
-                                            <p:txEl>
-                                              <p:pRg st="0" end="0"/>
-                                            </p:txEl>
-                                          </p:spTgt>
-                                        </p:tgtEl>
-                                        <p:attrNameLst>
-                                          <p:attrName>style.visibility</p:attrName>
-                                        </p:attrNameLst>
-                                      </p:cBhvr>
-                                      <p:to>
-                                        <p:strVal val="visible"/>
-                                      </p:to>
-                                    </p:set>
-                                  </p:childTnLst>
-                                </p:cTn>
-                              </p:par>
-                            </p:childTnLst>
-                          </p:cTn>
-                        </p:par>
-                      </p:childTnLst>
-                    </p:cTn>
-                  </p:par>
-                  <p:par>
-                    <p:cTn id="7" fill="hold">
-                      <p:stCondLst>
-                        <p:cond delay="indefinite"/>
-                      </p:stCondLst>
-                      <p:childTnLst>
-                        <p:par>
-                          <p:cTn id="8" fill="hold">
-                            <p:stCondLst>
-                              <p:cond delay="0"/>
-                            </p:stCondLst>
-                            <p:childTnLst>
-                              <p:par>
-                                <p:cTn id="9" presetID="10" presetClass="entr" presetSubtype="0" fill="hold" nodeType="clickEffect">
-                                  <p:stCondLst>
-                                    <p:cond delay="0"/>
-                                  </p:stCondLst>
-                                  <p:childTnLst>
-                                    <p:set>
-                                      <p:cBhvr>
-                                        <p:cTn id="10" dur="1" fill="hold">
                                           <p:stCondLst>
                                             <p:cond delay="0"/>
                                           </p:stCondLst>
@@ -11044,7 +10407,7 @@
                                     </p:set>
                                     <p:animEffect transition="in" filter="fade">
                                       <p:cBhvr>
-                                        <p:cTn id="11" dur="500"/>
+                                        <p:cTn id="7" dur="500"/>
                                         <p:tgtEl>
                                           <p:spTgt spid="3">
                                             <p:txEl>
@@ -11064,26 +10427,26 @@
                     </p:cTn>
                   </p:par>
                   <p:par>
-                    <p:cTn id="12" fill="hold">
+                    <p:cTn id="8" fill="hold">
                       <p:stCondLst>
                         <p:cond delay="indefinite"/>
                       </p:stCondLst>
                       <p:childTnLst>
                         <p:par>
-                          <p:cTn id="13" fill="hold">
+                          <p:cTn id="9" fill="hold">
                             <p:stCondLst>
                               <p:cond delay="0"/>
                             </p:stCondLst>
                             <p:childTnLst>
                               <p:par>
-                                <p:cTn id="14" presetID="1" presetClass="entr" presetSubtype="0" fill="hold" nodeType="clickEffect">
+                                <p:cTn id="10" presetID="1" presetClass="entr" presetSubtype="0" fill="hold" nodeType="clickEffect">
                                   <p:stCondLst>
                                     <p:cond delay="0"/>
                                   </p:stCondLst>
                                   <p:childTnLst>
                                     <p:set>
                                       <p:cBhvr>
-                                        <p:cTn id="15" dur="1" fill="hold">
+                                        <p:cTn id="11" dur="1" fill="hold">
                                           <p:stCondLst>
                                             <p:cond delay="0"/>
                                           </p:stCondLst>
@@ -11356,7 +10719,7 @@
                             </p:stCondLst>
                             <p:childTnLst>
                               <p:par>
-                                <p:cTn id="5" presetID="1" presetClass="entr" presetSubtype="0" fill="hold" grpId="0" nodeType="clickEffect">
+                                <p:cTn id="5" presetID="1" presetClass="entr" presetSubtype="0" fill="hold" nodeType="clickEffect">
                                   <p:stCondLst>
                                     <p:cond delay="0"/>
                                   </p:stCondLst>
@@ -11364,78 +10727,6 @@
                                     <p:set>
                                       <p:cBhvr>
                                         <p:cTn id="6" dur="1" fill="hold">
-                                          <p:stCondLst>
-                                            <p:cond delay="0"/>
-                                          </p:stCondLst>
-                                        </p:cTn>
-                                        <p:tgtEl>
-                                          <p:spTgt spid="9"/>
-                                        </p:tgtEl>
-                                        <p:attrNameLst>
-                                          <p:attrName>style.visibility</p:attrName>
-                                        </p:attrNameLst>
-                                      </p:cBhvr>
-                                      <p:to>
-                                        <p:strVal val="visible"/>
-                                      </p:to>
-                                    </p:set>
-                                  </p:childTnLst>
-                                </p:cTn>
-                              </p:par>
-                              <p:par>
-                                <p:cTn id="7" presetID="1" presetClass="entr" presetSubtype="0" fill="hold" nodeType="withEffect">
-                                  <p:stCondLst>
-                                    <p:cond delay="0"/>
-                                  </p:stCondLst>
-                                  <p:childTnLst>
-                                    <p:set>
-                                      <p:cBhvr>
-                                        <p:cTn id="8" dur="1" fill="hold">
-                                          <p:stCondLst>
-                                            <p:cond delay="0"/>
-                                          </p:stCondLst>
-                                        </p:cTn>
-                                        <p:tgtEl>
-                                          <p:spTgt spid="4"/>
-                                        </p:tgtEl>
-                                        <p:attrNameLst>
-                                          <p:attrName>style.visibility</p:attrName>
-                                        </p:attrNameLst>
-                                      </p:cBhvr>
-                                      <p:to>
-                                        <p:strVal val="visible"/>
-                                      </p:to>
-                                    </p:set>
-                                  </p:childTnLst>
-                                </p:cTn>
-                              </p:par>
-                            </p:childTnLst>
-                          </p:cTn>
-                        </p:par>
-                      </p:childTnLst>
-                    </p:cTn>
-                  </p:par>
-                  <p:par>
-                    <p:cTn id="9" fill="hold">
-                      <p:stCondLst>
-                        <p:cond delay="indefinite"/>
-                      </p:stCondLst>
-                      <p:childTnLst>
-                        <p:par>
-                          <p:cTn id="10" fill="hold">
-                            <p:stCondLst>
-                              <p:cond delay="0"/>
-                            </p:stCondLst>
-                            <p:childTnLst>
-                              <p:par>
-                                <p:cTn id="11" presetID="1" presetClass="entr" presetSubtype="0" fill="hold" nodeType="clickEffect">
-                                  <p:stCondLst>
-                                    <p:cond delay="0"/>
-                                  </p:stCondLst>
-                                  <p:childTnLst>
-                                    <p:set>
-                                      <p:cBhvr>
-                                        <p:cTn id="12" dur="1" fill="hold">
                                           <p:stCondLst>
                                             <p:cond delay="0"/>
                                           </p:stCondLst>
@@ -11485,9 +10776,6 @@
         </p:cTn>
       </p:par>
     </p:tnLst>
-    <p:bldLst>
-      <p:bldP spid="9" grpId="0"/>
-    </p:bldLst>
   </p:timing>
 </p:sld>
 </file>
@@ -11509,12 +10797,82 @@
           <a:chExt cx="0" cy="0"/>
         </a:xfrm>
       </p:grpSpPr>
+      <p:sp>
+        <p:nvSpPr>
+          <p:cNvPr id="2" name="Title 1">
+            <a:extLst>
+              <a:ext uri="{FF2B5EF4-FFF2-40B4-BE49-F238E27FC236}">
+                <a16:creationId xmlns:a16="http://schemas.microsoft.com/office/drawing/2014/main" id="{4EB5AE67-871C-4FA0-8792-45D6D97ED37F}"/>
+              </a:ext>
+            </a:extLst>
+          </p:cNvPr>
+          <p:cNvSpPr>
+            <a:spLocks noGrp="1"/>
+          </p:cNvSpPr>
+          <p:nvPr>
+            <p:ph type="title"/>
+          </p:nvPr>
+        </p:nvSpPr>
+        <p:spPr>
+          <a:xfrm>
+            <a:off x="127000" y="169333"/>
+            <a:ext cx="3203222" cy="983638"/>
+          </a:xfrm>
+        </p:spPr>
+        <p:txBody>
+          <a:bodyPr/>
+          <a:lstStyle/>
+          <a:p>
+            <a:r>
+              <a:rPr lang="en-US" sz="3200" dirty="0"/>
+              <a:t>Task</a:t>
+            </a:r>
+            <a:endParaRPr lang="en-US" dirty="0"/>
+          </a:p>
+        </p:txBody>
+      </p:sp>
+      <p:sp>
+        <p:nvSpPr>
+          <p:cNvPr id="3" name="Content Placeholder 2">
+            <a:extLst>
+              <a:ext uri="{FF2B5EF4-FFF2-40B4-BE49-F238E27FC236}">
+                <a16:creationId xmlns:a16="http://schemas.microsoft.com/office/drawing/2014/main" id="{D57E6630-FEBA-4E1F-ADAF-CD633387F42F}"/>
+              </a:ext>
+            </a:extLst>
+          </p:cNvPr>
+          <p:cNvSpPr>
+            <a:spLocks noGrp="1"/>
+          </p:cNvSpPr>
+          <p:nvPr>
+            <p:ph idx="1"/>
+          </p:nvPr>
+        </p:nvSpPr>
+        <p:spPr/>
+        <p:txBody>
+          <a:bodyPr/>
+          <a:lstStyle/>
+          <a:p>
+            <a:pPr marL="0" indent="0">
+              <a:buNone/>
+            </a:pPr>
+            <a:r>
+              <a:rPr lang="en-US" dirty="0"/>
+              <a:t>	Designed to elicit DA ramping in humans online via </a:t>
+            </a:r>
+            <a:r>
+              <a:rPr lang="en-US" dirty="0" err="1"/>
+              <a:t>mTurk</a:t>
+            </a:r>
+            <a:endParaRPr lang="en-US" dirty="0"/>
+          </a:p>
+        </p:txBody>
+      </p:sp>
       <p:pic>
         <p:nvPicPr>
-          <p:cNvPr id="7" name="Picture 6">
-            <a:extLst>
-              <a:ext uri="{FF2B5EF4-FFF2-40B4-BE49-F238E27FC236}">
-                <a16:creationId xmlns:a16="http://schemas.microsoft.com/office/drawing/2014/main" id="{0AE3F8CF-2488-4F3E-9699-B1033E6D99A0}"/>
+          <p:cNvPr id="4" name="Picture 3">
+            <a:extLst>
+              <a:ext uri="{FF2B5EF4-FFF2-40B4-BE49-F238E27FC236}">
+                <a16:creationId xmlns:a16="http://schemas.microsoft.com/office/drawing/2014/main" id="{14C32B9D-8149-425F-B829-E44FE1B0FE05}"/>
               </a:ext>
             </a:extLst>
           </p:cNvPr>
@@ -11525,6 +10883,285 @@
         </p:nvPicPr>
         <p:blipFill>
           <a:blip r:embed="rId2"/>
+          <a:stretch>
+            <a:fillRect/>
+          </a:stretch>
+        </p:blipFill>
+        <p:spPr>
+          <a:xfrm>
+            <a:off x="1725670" y="2415504"/>
+            <a:ext cx="8112811" cy="4077371"/>
+          </a:xfrm>
+          <a:prstGeom prst="rect">
+            <a:avLst/>
+          </a:prstGeom>
+        </p:spPr>
+      </p:pic>
+      <p:cxnSp>
+        <p:nvCxnSpPr>
+          <p:cNvPr id="6" name="Straight Connector 5">
+            <a:extLst>
+              <a:ext uri="{FF2B5EF4-FFF2-40B4-BE49-F238E27FC236}">
+                <a16:creationId xmlns:a16="http://schemas.microsoft.com/office/drawing/2014/main" id="{32FF3485-624E-4326-B27E-D751C83D853A}"/>
+              </a:ext>
+            </a:extLst>
+          </p:cNvPr>
+          <p:cNvCxnSpPr>
+            <a:cxnSpLocks/>
+          </p:cNvCxnSpPr>
+          <p:nvPr/>
+        </p:nvCxnSpPr>
+        <p:spPr>
+          <a:xfrm flipH="1">
+            <a:off x="4120587" y="3648096"/>
+            <a:ext cx="19114" cy="1456339"/>
+          </a:xfrm>
+          <a:prstGeom prst="line">
+            <a:avLst/>
+          </a:prstGeom>
+        </p:spPr>
+        <p:style>
+          <a:lnRef idx="3">
+            <a:schemeClr val="dk1"/>
+          </a:lnRef>
+          <a:fillRef idx="0">
+            <a:schemeClr val="dk1"/>
+          </a:fillRef>
+          <a:effectRef idx="2">
+            <a:schemeClr val="dk1"/>
+          </a:effectRef>
+          <a:fontRef idx="minor">
+            <a:schemeClr val="tx1"/>
+          </a:fontRef>
+        </p:style>
+      </p:cxnSp>
+      <p:cxnSp>
+        <p:nvCxnSpPr>
+          <p:cNvPr id="7" name="Straight Connector 6">
+            <a:extLst>
+              <a:ext uri="{FF2B5EF4-FFF2-40B4-BE49-F238E27FC236}">
+                <a16:creationId xmlns:a16="http://schemas.microsoft.com/office/drawing/2014/main" id="{D85C8466-4972-47E4-A533-05B8563B55EF}"/>
+              </a:ext>
+            </a:extLst>
+          </p:cNvPr>
+          <p:cNvCxnSpPr>
+            <a:cxnSpLocks/>
+          </p:cNvCxnSpPr>
+          <p:nvPr/>
+        </p:nvCxnSpPr>
+        <p:spPr>
+          <a:xfrm>
+            <a:off x="5142232" y="3648096"/>
+            <a:ext cx="0" cy="1021717"/>
+          </a:xfrm>
+          <a:prstGeom prst="line">
+            <a:avLst/>
+          </a:prstGeom>
+        </p:spPr>
+        <p:style>
+          <a:lnRef idx="3">
+            <a:schemeClr val="dk1"/>
+          </a:lnRef>
+          <a:fillRef idx="0">
+            <a:schemeClr val="dk1"/>
+          </a:fillRef>
+          <a:effectRef idx="2">
+            <a:schemeClr val="dk1"/>
+          </a:effectRef>
+          <a:fontRef idx="minor">
+            <a:schemeClr val="tx1"/>
+          </a:fontRef>
+        </p:style>
+      </p:cxnSp>
+      <p:cxnSp>
+        <p:nvCxnSpPr>
+          <p:cNvPr id="9" name="Straight Connector 8">
+            <a:extLst>
+              <a:ext uri="{FF2B5EF4-FFF2-40B4-BE49-F238E27FC236}">
+                <a16:creationId xmlns:a16="http://schemas.microsoft.com/office/drawing/2014/main" id="{20427E3F-BFFD-4DF7-8B0F-16719BBA7EF1}"/>
+              </a:ext>
+            </a:extLst>
+          </p:cNvPr>
+          <p:cNvCxnSpPr>
+            <a:cxnSpLocks/>
+          </p:cNvCxnSpPr>
+          <p:nvPr/>
+        </p:nvCxnSpPr>
+        <p:spPr>
+          <a:xfrm>
+            <a:off x="6073565" y="3648096"/>
+            <a:ext cx="1" cy="530650"/>
+          </a:xfrm>
+          <a:prstGeom prst="line">
+            <a:avLst/>
+          </a:prstGeom>
+        </p:spPr>
+        <p:style>
+          <a:lnRef idx="3">
+            <a:schemeClr val="dk1"/>
+          </a:lnRef>
+          <a:fillRef idx="0">
+            <a:schemeClr val="dk1"/>
+          </a:fillRef>
+          <a:effectRef idx="2">
+            <a:schemeClr val="dk1"/>
+          </a:effectRef>
+          <a:fontRef idx="minor">
+            <a:schemeClr val="tx1"/>
+          </a:fontRef>
+        </p:style>
+      </p:cxnSp>
+      <p:sp>
+        <p:nvSpPr>
+          <p:cNvPr id="12" name="TextBox 11">
+            <a:extLst>
+              <a:ext uri="{FF2B5EF4-FFF2-40B4-BE49-F238E27FC236}">
+                <a16:creationId xmlns:a16="http://schemas.microsoft.com/office/drawing/2014/main" id="{09F72F10-7F9E-48A5-8FF1-2B6298279E8C}"/>
+              </a:ext>
+            </a:extLst>
+          </p:cNvPr>
+          <p:cNvSpPr txBox="1"/>
+          <p:nvPr/>
+        </p:nvSpPr>
+        <p:spPr>
+          <a:xfrm>
+            <a:off x="5614815" y="3340319"/>
+            <a:ext cx="837089" cy="307777"/>
+          </a:xfrm>
+          <a:prstGeom prst="rect">
+            <a:avLst/>
+          </a:prstGeom>
+          <a:noFill/>
+        </p:spPr>
+        <p:txBody>
+          <a:bodyPr wrap="none" rtlCol="0">
+            <a:spAutoFit/>
+          </a:bodyPr>
+          <a:lstStyle/>
+          <a:p>
+            <a:r>
+              <a:rPr lang="en-US" sz="1400" dirty="0"/>
+              <a:t>Gamble?</a:t>
+            </a:r>
+          </a:p>
+        </p:txBody>
+      </p:sp>
+      <p:sp>
+        <p:nvSpPr>
+          <p:cNvPr id="13" name="TextBox 12">
+            <a:extLst>
+              <a:ext uri="{FF2B5EF4-FFF2-40B4-BE49-F238E27FC236}">
+                <a16:creationId xmlns:a16="http://schemas.microsoft.com/office/drawing/2014/main" id="{A6F0FC90-4AA1-4C77-BEC4-5316E74ACFB4}"/>
+              </a:ext>
+            </a:extLst>
+          </p:cNvPr>
+          <p:cNvSpPr txBox="1"/>
+          <p:nvPr/>
+        </p:nvSpPr>
+        <p:spPr>
+          <a:xfrm>
+            <a:off x="4727345" y="3342106"/>
+            <a:ext cx="837089" cy="307777"/>
+          </a:xfrm>
+          <a:prstGeom prst="rect">
+            <a:avLst/>
+          </a:prstGeom>
+          <a:noFill/>
+        </p:spPr>
+        <p:txBody>
+          <a:bodyPr wrap="none" rtlCol="0">
+            <a:spAutoFit/>
+          </a:bodyPr>
+          <a:lstStyle/>
+          <a:p>
+            <a:r>
+              <a:rPr lang="en-US" sz="1400" dirty="0"/>
+              <a:t>Gamble?</a:t>
+            </a:r>
+          </a:p>
+        </p:txBody>
+      </p:sp>
+      <p:sp>
+        <p:nvSpPr>
+          <p:cNvPr id="14" name="TextBox 13">
+            <a:extLst>
+              <a:ext uri="{FF2B5EF4-FFF2-40B4-BE49-F238E27FC236}">
+                <a16:creationId xmlns:a16="http://schemas.microsoft.com/office/drawing/2014/main" id="{FB3CA80E-FB23-423C-97C7-B335375AC4F1}"/>
+              </a:ext>
+            </a:extLst>
+          </p:cNvPr>
+          <p:cNvSpPr txBox="1"/>
+          <p:nvPr/>
+        </p:nvSpPr>
+        <p:spPr>
+          <a:xfrm>
+            <a:off x="3721157" y="3340320"/>
+            <a:ext cx="837089" cy="307777"/>
+          </a:xfrm>
+          <a:prstGeom prst="rect">
+            <a:avLst/>
+          </a:prstGeom>
+          <a:noFill/>
+        </p:spPr>
+        <p:txBody>
+          <a:bodyPr wrap="none" rtlCol="0">
+            <a:spAutoFit/>
+          </a:bodyPr>
+          <a:lstStyle/>
+          <a:p>
+            <a:r>
+              <a:rPr lang="en-US" sz="1400" dirty="0"/>
+              <a:t>Gamble?</a:t>
+            </a:r>
+          </a:p>
+        </p:txBody>
+      </p:sp>
+    </p:spTree>
+    <p:extLst>
+      <p:ext uri="{BB962C8B-B14F-4D97-AF65-F5344CB8AC3E}">
+        <p14:creationId xmlns:p14="http://schemas.microsoft.com/office/powerpoint/2010/main" val="409443691"/>
+      </p:ext>
+    </p:extLst>
+  </p:cSld>
+  <p:clrMapOvr>
+    <a:masterClrMapping/>
+  </p:clrMapOvr>
+</p:sld>
+</file>
+
+<file path=ppt/slides/slide9.xml><?xml version="1.0" encoding="utf-8"?>
+<p:sld xmlns:a="http://schemas.openxmlformats.org/drawingml/2006/main" xmlns:r="http://schemas.openxmlformats.org/officeDocument/2006/relationships" xmlns:p="http://schemas.openxmlformats.org/presentationml/2006/main">
+  <p:cSld>
+    <p:spTree>
+      <p:nvGrpSpPr>
+        <p:cNvPr id="1" name=""/>
+        <p:cNvGrpSpPr/>
+        <p:nvPr/>
+      </p:nvGrpSpPr>
+      <p:grpSpPr>
+        <a:xfrm>
+          <a:off x="0" y="0"/>
+          <a:ext cx="0" cy="0"/>
+          <a:chOff x="0" y="0"/>
+          <a:chExt cx="0" cy="0"/>
+        </a:xfrm>
+      </p:grpSpPr>
+      <p:pic>
+        <p:nvPicPr>
+          <p:cNvPr id="7" name="Picture 6">
+            <a:extLst>
+              <a:ext uri="{FF2B5EF4-FFF2-40B4-BE49-F238E27FC236}">
+                <a16:creationId xmlns:a16="http://schemas.microsoft.com/office/drawing/2014/main" id="{0AE3F8CF-2488-4F3E-9699-B1033E6D99A0}"/>
+              </a:ext>
+            </a:extLst>
+          </p:cNvPr>
+          <p:cNvPicPr>
+            <a:picLocks noChangeAspect="1"/>
+          </p:cNvPicPr>
+          <p:nvPr/>
+        </p:nvPicPr>
+        <p:blipFill>
+          <a:blip r:embed="rId3"/>
           <a:stretch>
             <a:fillRect/>
           </a:stretch>
@@ -11574,7 +11211,7 @@
             <p:nvPr/>
           </p:nvPicPr>
           <p:blipFill>
-            <a:blip r:embed="rId3"/>
+            <a:blip r:embed="rId4"/>
             <a:stretch>
               <a:fillRect/>
             </a:stretch>
@@ -11729,7 +11366,7 @@
             <p:nvPr/>
           </p:nvPicPr>
           <p:blipFill>
-            <a:blip r:embed="rId4"/>
+            <a:blip r:embed="rId5"/>
             <a:stretch>
               <a:fillRect/>
             </a:stretch>
@@ -11825,7 +11462,7 @@
             <p:nvPr/>
           </p:nvPicPr>
           <p:blipFill>
-            <a:blip r:embed="rId5"/>
+            <a:blip r:embed="rId6"/>
             <a:stretch>
               <a:fillRect/>
             </a:stretch>
@@ -11900,7 +11537,7 @@
         </p:nvGrpSpPr>
         <p:grpSpPr>
           <a:xfrm>
-            <a:off x="4542954" y="3926281"/>
+            <a:off x="4542954" y="3917403"/>
             <a:ext cx="3106091" cy="1943786"/>
             <a:chOff x="5193079" y="4397282"/>
             <a:chExt cx="1501629" cy="968179"/>
@@ -11921,7 +11558,7 @@
             <p:nvPr/>
           </p:nvPicPr>
           <p:blipFill>
-            <a:blip r:embed="rId6"/>
+            <a:blip r:embed="rId7"/>
             <a:stretch>
               <a:fillRect/>
             </a:stretch>
@@ -12068,664 +11705,6 @@
     <p:extLst>
       <p:ext uri="{BB962C8B-B14F-4D97-AF65-F5344CB8AC3E}">
         <p14:creationId xmlns:p14="http://schemas.microsoft.com/office/powerpoint/2010/main" val="1414735072"/>
-      </p:ext>
-    </p:extLst>
-  </p:cSld>
-  <p:clrMapOvr>
-    <a:masterClrMapping/>
-  </p:clrMapOvr>
-  <p:timing>
-    <p:tnLst>
-      <p:par>
-        <p:cTn id="1" dur="indefinite" restart="never" nodeType="tmRoot">
-          <p:childTnLst>
-            <p:seq concurrent="1" nextAc="seek">
-              <p:cTn id="2" dur="indefinite" nodeType="mainSeq">
-                <p:childTnLst>
-                  <p:par>
-                    <p:cTn id="3" fill="hold">
-                      <p:stCondLst>
-                        <p:cond delay="indefinite"/>
-                      </p:stCondLst>
-                      <p:childTnLst>
-                        <p:par>
-                          <p:cTn id="4" fill="hold">
-                            <p:stCondLst>
-                              <p:cond delay="0"/>
-                            </p:stCondLst>
-                            <p:childTnLst>
-                              <p:par>
-                                <p:cTn id="5" presetID="1" presetClass="entr" presetSubtype="0" fill="hold" nodeType="clickEffect">
-                                  <p:stCondLst>
-                                    <p:cond delay="0"/>
-                                  </p:stCondLst>
-                                  <p:childTnLst>
-                                    <p:set>
-                                      <p:cBhvr>
-                                        <p:cTn id="6" dur="1" fill="hold">
-                                          <p:stCondLst>
-                                            <p:cond delay="0"/>
-                                          </p:stCondLst>
-                                        </p:cTn>
-                                        <p:tgtEl>
-                                          <p:spTgt spid="7"/>
-                                        </p:tgtEl>
-                                        <p:attrNameLst>
-                                          <p:attrName>style.visibility</p:attrName>
-                                        </p:attrNameLst>
-                                      </p:cBhvr>
-                                      <p:to>
-                                        <p:strVal val="visible"/>
-                                      </p:to>
-                                    </p:set>
-                                  </p:childTnLst>
-                                </p:cTn>
-                              </p:par>
-                            </p:childTnLst>
-                          </p:cTn>
-                        </p:par>
-                      </p:childTnLst>
-                    </p:cTn>
-                  </p:par>
-                  <p:par>
-                    <p:cTn id="7" fill="hold">
-                      <p:stCondLst>
-                        <p:cond delay="indefinite"/>
-                      </p:stCondLst>
-                      <p:childTnLst>
-                        <p:par>
-                          <p:cTn id="8" fill="hold">
-                            <p:stCondLst>
-                              <p:cond delay="0"/>
-                            </p:stCondLst>
-                            <p:childTnLst>
-                              <p:par>
-                                <p:cTn id="9" presetID="1" presetClass="entr" presetSubtype="0" fill="hold" nodeType="clickEffect">
-                                  <p:stCondLst>
-                                    <p:cond delay="0"/>
-                                  </p:stCondLst>
-                                  <p:childTnLst>
-                                    <p:set>
-                                      <p:cBhvr>
-                                        <p:cTn id="10" dur="1" fill="hold">
-                                          <p:stCondLst>
-                                            <p:cond delay="0"/>
-                                          </p:stCondLst>
-                                        </p:cTn>
-                                        <p:tgtEl>
-                                          <p:spTgt spid="8"/>
-                                        </p:tgtEl>
-                                        <p:attrNameLst>
-                                          <p:attrName>style.visibility</p:attrName>
-                                        </p:attrNameLst>
-                                      </p:cBhvr>
-                                      <p:to>
-                                        <p:strVal val="visible"/>
-                                      </p:to>
-                                    </p:set>
-                                  </p:childTnLst>
-                                </p:cTn>
-                              </p:par>
-                            </p:childTnLst>
-                          </p:cTn>
-                        </p:par>
-                      </p:childTnLst>
-                    </p:cTn>
-                  </p:par>
-                  <p:par>
-                    <p:cTn id="11" fill="hold">
-                      <p:stCondLst>
-                        <p:cond delay="indefinite"/>
-                      </p:stCondLst>
-                      <p:childTnLst>
-                        <p:par>
-                          <p:cTn id="12" fill="hold">
-                            <p:stCondLst>
-                              <p:cond delay="0"/>
-                            </p:stCondLst>
-                            <p:childTnLst>
-                              <p:par>
-                                <p:cTn id="13" presetID="1" presetClass="entr" presetSubtype="0" fill="hold" nodeType="clickEffect">
-                                  <p:stCondLst>
-                                    <p:cond delay="0"/>
-                                  </p:stCondLst>
-                                  <p:childTnLst>
-                                    <p:set>
-                                      <p:cBhvr>
-                                        <p:cTn id="14" dur="1" fill="hold">
-                                          <p:stCondLst>
-                                            <p:cond delay="0"/>
-                                          </p:stCondLst>
-                                        </p:cTn>
-                                        <p:tgtEl>
-                                          <p:spTgt spid="18"/>
-                                        </p:tgtEl>
-                                        <p:attrNameLst>
-                                          <p:attrName>style.visibility</p:attrName>
-                                        </p:attrNameLst>
-                                      </p:cBhvr>
-                                      <p:to>
-                                        <p:strVal val="visible"/>
-                                      </p:to>
-                                    </p:set>
-                                  </p:childTnLst>
-                                </p:cTn>
-                              </p:par>
-                              <p:par>
-                                <p:cTn id="15" presetID="1" presetClass="entr" presetSubtype="0" fill="hold" nodeType="withEffect">
-                                  <p:stCondLst>
-                                    <p:cond delay="0"/>
-                                  </p:stCondLst>
-                                  <p:childTnLst>
-                                    <p:set>
-                                      <p:cBhvr>
-                                        <p:cTn id="16" dur="1" fill="hold">
-                                          <p:stCondLst>
-                                            <p:cond delay="0"/>
-                                          </p:stCondLst>
-                                        </p:cTn>
-                                        <p:tgtEl>
-                                          <p:spTgt spid="11"/>
-                                        </p:tgtEl>
-                                        <p:attrNameLst>
-                                          <p:attrName>style.visibility</p:attrName>
-                                        </p:attrNameLst>
-                                      </p:cBhvr>
-                                      <p:to>
-                                        <p:strVal val="visible"/>
-                                      </p:to>
-                                    </p:set>
-                                  </p:childTnLst>
-                                </p:cTn>
-                              </p:par>
-                            </p:childTnLst>
-                          </p:cTn>
-                        </p:par>
-                      </p:childTnLst>
-                    </p:cTn>
-                  </p:par>
-                  <p:par>
-                    <p:cTn id="17" fill="hold">
-                      <p:stCondLst>
-                        <p:cond delay="indefinite"/>
-                      </p:stCondLst>
-                      <p:childTnLst>
-                        <p:par>
-                          <p:cTn id="18" fill="hold">
-                            <p:stCondLst>
-                              <p:cond delay="0"/>
-                            </p:stCondLst>
-                            <p:childTnLst>
-                              <p:par>
-                                <p:cTn id="19" presetID="1" presetClass="entr" presetSubtype="0" fill="hold" nodeType="clickEffect">
-                                  <p:stCondLst>
-                                    <p:cond delay="0"/>
-                                  </p:stCondLst>
-                                  <p:childTnLst>
-                                    <p:set>
-                                      <p:cBhvr>
-                                        <p:cTn id="20" dur="1" fill="hold">
-                                          <p:stCondLst>
-                                            <p:cond delay="0"/>
-                                          </p:stCondLst>
-                                        </p:cTn>
-                                        <p:tgtEl>
-                                          <p:spTgt spid="17"/>
-                                        </p:tgtEl>
-                                        <p:attrNameLst>
-                                          <p:attrName>style.visibility</p:attrName>
-                                        </p:attrNameLst>
-                                      </p:cBhvr>
-                                      <p:to>
-                                        <p:strVal val="visible"/>
-                                      </p:to>
-                                    </p:set>
-                                  </p:childTnLst>
-                                </p:cTn>
-                              </p:par>
-                              <p:par>
-                                <p:cTn id="21" presetID="1" presetClass="entr" presetSubtype="0" fill="hold" nodeType="withEffect">
-                                  <p:stCondLst>
-                                    <p:cond delay="0"/>
-                                  </p:stCondLst>
-                                  <p:childTnLst>
-                                    <p:set>
-                                      <p:cBhvr>
-                                        <p:cTn id="22" dur="1" fill="hold">
-                                          <p:stCondLst>
-                                            <p:cond delay="0"/>
-                                          </p:stCondLst>
-                                        </p:cTn>
-                                        <p:tgtEl>
-                                          <p:spTgt spid="14"/>
-                                        </p:tgtEl>
-                                        <p:attrNameLst>
-                                          <p:attrName>style.visibility</p:attrName>
-                                        </p:attrNameLst>
-                                      </p:cBhvr>
-                                      <p:to>
-                                        <p:strVal val="visible"/>
-                                      </p:to>
-                                    </p:set>
-                                  </p:childTnLst>
-                                </p:cTn>
-                              </p:par>
-                            </p:childTnLst>
-                          </p:cTn>
-                        </p:par>
-                      </p:childTnLst>
-                    </p:cTn>
-                  </p:par>
-                  <p:par>
-                    <p:cTn id="23" fill="hold">
-                      <p:stCondLst>
-                        <p:cond delay="indefinite"/>
-                      </p:stCondLst>
-                      <p:childTnLst>
-                        <p:par>
-                          <p:cTn id="24" fill="hold">
-                            <p:stCondLst>
-                              <p:cond delay="0"/>
-                            </p:stCondLst>
-                            <p:childTnLst>
-                              <p:par>
-                                <p:cTn id="25" presetID="1" presetClass="entr" presetSubtype="0" fill="hold" nodeType="clickEffect">
-                                  <p:stCondLst>
-                                    <p:cond delay="0"/>
-                                  </p:stCondLst>
-                                  <p:childTnLst>
-                                    <p:set>
-                                      <p:cBhvr>
-                                        <p:cTn id="26" dur="1" fill="hold">
-                                          <p:stCondLst>
-                                            <p:cond delay="0"/>
-                                          </p:stCondLst>
-                                        </p:cTn>
-                                        <p:tgtEl>
-                                          <p:spTgt spid="24"/>
-                                        </p:tgtEl>
-                                        <p:attrNameLst>
-                                          <p:attrName>style.visibility</p:attrName>
-                                        </p:attrNameLst>
-                                      </p:cBhvr>
-                                      <p:to>
-                                        <p:strVal val="visible"/>
-                                      </p:to>
-                                    </p:set>
-                                  </p:childTnLst>
-                                </p:cTn>
-                              </p:par>
-                            </p:childTnLst>
-                          </p:cTn>
-                        </p:par>
-                      </p:childTnLst>
-                    </p:cTn>
-                  </p:par>
-                </p:childTnLst>
-              </p:cTn>
-              <p:prevCondLst>
-                <p:cond evt="onPrev" delay="0">
-                  <p:tgtEl>
-                    <p:sldTgt/>
-                  </p:tgtEl>
-                </p:cond>
-              </p:prevCondLst>
-              <p:nextCondLst>
-                <p:cond evt="onNext" delay="0">
-                  <p:tgtEl>
-                    <p:sldTgt/>
-                  </p:tgtEl>
-                </p:cond>
-              </p:nextCondLst>
-            </p:seq>
-          </p:childTnLst>
-        </p:cTn>
-      </p:par>
-    </p:tnLst>
-  </p:timing>
-</p:sld>
-</file>
-
-<file path=ppt/slides/slide9.xml><?xml version="1.0" encoding="utf-8"?>
-<p:sld xmlns:a="http://schemas.openxmlformats.org/drawingml/2006/main" xmlns:r="http://schemas.openxmlformats.org/officeDocument/2006/relationships" xmlns:p="http://schemas.openxmlformats.org/presentationml/2006/main">
-  <p:cSld>
-    <p:spTree>
-      <p:nvGrpSpPr>
-        <p:cNvPr id="1" name=""/>
-        <p:cNvGrpSpPr/>
-        <p:nvPr/>
-      </p:nvGrpSpPr>
-      <p:grpSpPr>
-        <a:xfrm>
-          <a:off x="0" y="0"/>
-          <a:ext cx="0" cy="0"/>
-          <a:chOff x="0" y="0"/>
-          <a:chExt cx="0" cy="0"/>
-        </a:xfrm>
-      </p:grpSpPr>
-      <p:sp>
-        <p:nvSpPr>
-          <p:cNvPr id="2" name="Title 1">
-            <a:extLst>
-              <a:ext uri="{FF2B5EF4-FFF2-40B4-BE49-F238E27FC236}">
-                <a16:creationId xmlns:a16="http://schemas.microsoft.com/office/drawing/2014/main" id="{4EB5AE67-871C-4FA0-8792-45D6D97ED37F}"/>
-              </a:ext>
-            </a:extLst>
-          </p:cNvPr>
-          <p:cNvSpPr>
-            <a:spLocks noGrp="1"/>
-          </p:cNvSpPr>
-          <p:nvPr>
-            <p:ph type="title"/>
-          </p:nvPr>
-        </p:nvSpPr>
-        <p:spPr>
-          <a:xfrm>
-            <a:off x="127000" y="169333"/>
-            <a:ext cx="3203222" cy="983638"/>
-          </a:xfrm>
-        </p:spPr>
-        <p:txBody>
-          <a:bodyPr/>
-          <a:lstStyle/>
-          <a:p>
-            <a:r>
-              <a:rPr lang="en-US" sz="3200" dirty="0"/>
-              <a:t>Task</a:t>
-            </a:r>
-            <a:endParaRPr lang="en-US" dirty="0"/>
-          </a:p>
-        </p:txBody>
-      </p:sp>
-      <p:sp>
-        <p:nvSpPr>
-          <p:cNvPr id="3" name="Content Placeholder 2">
-            <a:extLst>
-              <a:ext uri="{FF2B5EF4-FFF2-40B4-BE49-F238E27FC236}">
-                <a16:creationId xmlns:a16="http://schemas.microsoft.com/office/drawing/2014/main" id="{D57E6630-FEBA-4E1F-ADAF-CD633387F42F}"/>
-              </a:ext>
-            </a:extLst>
-          </p:cNvPr>
-          <p:cNvSpPr>
-            <a:spLocks noGrp="1"/>
-          </p:cNvSpPr>
-          <p:nvPr>
-            <p:ph idx="1"/>
-          </p:nvPr>
-        </p:nvSpPr>
-        <p:spPr/>
-        <p:txBody>
-          <a:bodyPr/>
-          <a:lstStyle/>
-          <a:p>
-            <a:pPr marL="0" indent="0">
-              <a:buNone/>
-            </a:pPr>
-            <a:r>
-              <a:rPr lang="en-US" dirty="0"/>
-              <a:t>	Designed to elicit DA ramping in humans online via </a:t>
-            </a:r>
-            <a:r>
-              <a:rPr lang="en-US" dirty="0" err="1"/>
-              <a:t>mTurk</a:t>
-            </a:r>
-            <a:endParaRPr lang="en-US" dirty="0"/>
-          </a:p>
-        </p:txBody>
-      </p:sp>
-      <p:pic>
-        <p:nvPicPr>
-          <p:cNvPr id="4" name="Picture 3">
-            <a:extLst>
-              <a:ext uri="{FF2B5EF4-FFF2-40B4-BE49-F238E27FC236}">
-                <a16:creationId xmlns:a16="http://schemas.microsoft.com/office/drawing/2014/main" id="{14C32B9D-8149-425F-B829-E44FE1B0FE05}"/>
-              </a:ext>
-            </a:extLst>
-          </p:cNvPr>
-          <p:cNvPicPr>
-            <a:picLocks noChangeAspect="1"/>
-          </p:cNvPicPr>
-          <p:nvPr/>
-        </p:nvPicPr>
-        <p:blipFill>
-          <a:blip r:embed="rId2"/>
-          <a:stretch>
-            <a:fillRect/>
-          </a:stretch>
-        </p:blipFill>
-        <p:spPr>
-          <a:xfrm>
-            <a:off x="1725670" y="2415504"/>
-            <a:ext cx="8112811" cy="4077371"/>
-          </a:xfrm>
-          <a:prstGeom prst="rect">
-            <a:avLst/>
-          </a:prstGeom>
-        </p:spPr>
-      </p:pic>
-      <p:cxnSp>
-        <p:nvCxnSpPr>
-          <p:cNvPr id="6" name="Straight Connector 5">
-            <a:extLst>
-              <a:ext uri="{FF2B5EF4-FFF2-40B4-BE49-F238E27FC236}">
-                <a16:creationId xmlns:a16="http://schemas.microsoft.com/office/drawing/2014/main" id="{32FF3485-624E-4326-B27E-D751C83D853A}"/>
-              </a:ext>
-            </a:extLst>
-          </p:cNvPr>
-          <p:cNvCxnSpPr>
-            <a:cxnSpLocks/>
-          </p:cNvCxnSpPr>
-          <p:nvPr/>
-        </p:nvCxnSpPr>
-        <p:spPr>
-          <a:xfrm flipH="1">
-            <a:off x="4120587" y="3648096"/>
-            <a:ext cx="19114" cy="1456339"/>
-          </a:xfrm>
-          <a:prstGeom prst="line">
-            <a:avLst/>
-          </a:prstGeom>
-        </p:spPr>
-        <p:style>
-          <a:lnRef idx="3">
-            <a:schemeClr val="dk1"/>
-          </a:lnRef>
-          <a:fillRef idx="0">
-            <a:schemeClr val="dk1"/>
-          </a:fillRef>
-          <a:effectRef idx="2">
-            <a:schemeClr val="dk1"/>
-          </a:effectRef>
-          <a:fontRef idx="minor">
-            <a:schemeClr val="tx1"/>
-          </a:fontRef>
-        </p:style>
-      </p:cxnSp>
-      <p:cxnSp>
-        <p:nvCxnSpPr>
-          <p:cNvPr id="7" name="Straight Connector 6">
-            <a:extLst>
-              <a:ext uri="{FF2B5EF4-FFF2-40B4-BE49-F238E27FC236}">
-                <a16:creationId xmlns:a16="http://schemas.microsoft.com/office/drawing/2014/main" id="{D85C8466-4972-47E4-A533-05B8563B55EF}"/>
-              </a:ext>
-            </a:extLst>
-          </p:cNvPr>
-          <p:cNvCxnSpPr>
-            <a:cxnSpLocks/>
-          </p:cNvCxnSpPr>
-          <p:nvPr/>
-        </p:nvCxnSpPr>
-        <p:spPr>
-          <a:xfrm>
-            <a:off x="5142232" y="3648096"/>
-            <a:ext cx="0" cy="1021717"/>
-          </a:xfrm>
-          <a:prstGeom prst="line">
-            <a:avLst/>
-          </a:prstGeom>
-        </p:spPr>
-        <p:style>
-          <a:lnRef idx="3">
-            <a:schemeClr val="dk1"/>
-          </a:lnRef>
-          <a:fillRef idx="0">
-            <a:schemeClr val="dk1"/>
-          </a:fillRef>
-          <a:effectRef idx="2">
-            <a:schemeClr val="dk1"/>
-          </a:effectRef>
-          <a:fontRef idx="minor">
-            <a:schemeClr val="tx1"/>
-          </a:fontRef>
-        </p:style>
-      </p:cxnSp>
-      <p:cxnSp>
-        <p:nvCxnSpPr>
-          <p:cNvPr id="9" name="Straight Connector 8">
-            <a:extLst>
-              <a:ext uri="{FF2B5EF4-FFF2-40B4-BE49-F238E27FC236}">
-                <a16:creationId xmlns:a16="http://schemas.microsoft.com/office/drawing/2014/main" id="{20427E3F-BFFD-4DF7-8B0F-16719BBA7EF1}"/>
-              </a:ext>
-            </a:extLst>
-          </p:cNvPr>
-          <p:cNvCxnSpPr>
-            <a:cxnSpLocks/>
-          </p:cNvCxnSpPr>
-          <p:nvPr/>
-        </p:nvCxnSpPr>
-        <p:spPr>
-          <a:xfrm>
-            <a:off x="6073565" y="3648096"/>
-            <a:ext cx="1" cy="530650"/>
-          </a:xfrm>
-          <a:prstGeom prst="line">
-            <a:avLst/>
-          </a:prstGeom>
-        </p:spPr>
-        <p:style>
-          <a:lnRef idx="3">
-            <a:schemeClr val="dk1"/>
-          </a:lnRef>
-          <a:fillRef idx="0">
-            <a:schemeClr val="dk1"/>
-          </a:fillRef>
-          <a:effectRef idx="2">
-            <a:schemeClr val="dk1"/>
-          </a:effectRef>
-          <a:fontRef idx="minor">
-            <a:schemeClr val="tx1"/>
-          </a:fontRef>
-        </p:style>
-      </p:cxnSp>
-      <p:sp>
-        <p:nvSpPr>
-          <p:cNvPr id="12" name="TextBox 11">
-            <a:extLst>
-              <a:ext uri="{FF2B5EF4-FFF2-40B4-BE49-F238E27FC236}">
-                <a16:creationId xmlns:a16="http://schemas.microsoft.com/office/drawing/2014/main" id="{09F72F10-7F9E-48A5-8FF1-2B6298279E8C}"/>
-              </a:ext>
-            </a:extLst>
-          </p:cNvPr>
-          <p:cNvSpPr txBox="1"/>
-          <p:nvPr/>
-        </p:nvSpPr>
-        <p:spPr>
-          <a:xfrm>
-            <a:off x="5614815" y="3340319"/>
-            <a:ext cx="837089" cy="307777"/>
-          </a:xfrm>
-          <a:prstGeom prst="rect">
-            <a:avLst/>
-          </a:prstGeom>
-          <a:noFill/>
-        </p:spPr>
-        <p:txBody>
-          <a:bodyPr wrap="none" rtlCol="0">
-            <a:spAutoFit/>
-          </a:bodyPr>
-          <a:lstStyle/>
-          <a:p>
-            <a:r>
-              <a:rPr lang="en-US" sz="1400" dirty="0"/>
-              <a:t>Gamble?</a:t>
-            </a:r>
-          </a:p>
-        </p:txBody>
-      </p:sp>
-      <p:sp>
-        <p:nvSpPr>
-          <p:cNvPr id="13" name="TextBox 12">
-            <a:extLst>
-              <a:ext uri="{FF2B5EF4-FFF2-40B4-BE49-F238E27FC236}">
-                <a16:creationId xmlns:a16="http://schemas.microsoft.com/office/drawing/2014/main" id="{A6F0FC90-4AA1-4C77-BEC4-5316E74ACFB4}"/>
-              </a:ext>
-            </a:extLst>
-          </p:cNvPr>
-          <p:cNvSpPr txBox="1"/>
-          <p:nvPr/>
-        </p:nvSpPr>
-        <p:spPr>
-          <a:xfrm>
-            <a:off x="4727345" y="3342106"/>
-            <a:ext cx="837089" cy="307777"/>
-          </a:xfrm>
-          <a:prstGeom prst="rect">
-            <a:avLst/>
-          </a:prstGeom>
-          <a:noFill/>
-        </p:spPr>
-        <p:txBody>
-          <a:bodyPr wrap="none" rtlCol="0">
-            <a:spAutoFit/>
-          </a:bodyPr>
-          <a:lstStyle/>
-          <a:p>
-            <a:r>
-              <a:rPr lang="en-US" sz="1400" dirty="0"/>
-              <a:t>Gamble?</a:t>
-            </a:r>
-          </a:p>
-        </p:txBody>
-      </p:sp>
-      <p:sp>
-        <p:nvSpPr>
-          <p:cNvPr id="14" name="TextBox 13">
-            <a:extLst>
-              <a:ext uri="{FF2B5EF4-FFF2-40B4-BE49-F238E27FC236}">
-                <a16:creationId xmlns:a16="http://schemas.microsoft.com/office/drawing/2014/main" id="{FB3CA80E-FB23-423C-97C7-B335375AC4F1}"/>
-              </a:ext>
-            </a:extLst>
-          </p:cNvPr>
-          <p:cNvSpPr txBox="1"/>
-          <p:nvPr/>
-        </p:nvSpPr>
-        <p:spPr>
-          <a:xfrm>
-            <a:off x="3721157" y="3340320"/>
-            <a:ext cx="837089" cy="307777"/>
-          </a:xfrm>
-          <a:prstGeom prst="rect">
-            <a:avLst/>
-          </a:prstGeom>
-          <a:noFill/>
-        </p:spPr>
-        <p:txBody>
-          <a:bodyPr wrap="none" rtlCol="0">
-            <a:spAutoFit/>
-          </a:bodyPr>
-          <a:lstStyle/>
-          <a:p>
-            <a:r>
-              <a:rPr lang="en-US" sz="1400" dirty="0"/>
-              <a:t>Gamble?</a:t>
-            </a:r>
-          </a:p>
-        </p:txBody>
-      </p:sp>
-    </p:spTree>
-    <p:extLst>
-      <p:ext uri="{BB962C8B-B14F-4D97-AF65-F5344CB8AC3E}">
-        <p14:creationId xmlns:p14="http://schemas.microsoft.com/office/powerpoint/2010/main" val="409443691"/>
       </p:ext>
     </p:extLst>
   </p:cSld>

--- a/BortonLabMeeting12.7.pptx
+++ b/BortonLabMeeting12.7.pptx
@@ -19,9 +19,9 @@
     <p:sldId id="305" r:id="rId10"/>
     <p:sldId id="270" r:id="rId11"/>
     <p:sldId id="306" r:id="rId12"/>
-    <p:sldId id="307" r:id="rId13"/>
-    <p:sldId id="308" r:id="rId14"/>
-    <p:sldId id="309" r:id="rId15"/>
+    <p:sldId id="310" r:id="rId13"/>
+    <p:sldId id="307" r:id="rId14"/>
+    <p:sldId id="308" r:id="rId15"/>
     <p:sldId id="295" r:id="rId16"/>
   </p:sldIdLst>
   <p:sldSz cx="12192000" cy="6858000"/>
@@ -523,9 +523,10 @@
           <a:lstStyle/>
           <a:p>
             <a:r>
-              <a:rPr lang="en-US" dirty="0"/>
-              <a:t>DA-</a:t>
-            </a:r>
+              <a:rPr lang="en-US" dirty="0" err="1"/>
+              <a:t>Parkinsons</a:t>
+            </a:r>
+            <a:endParaRPr lang="en-US" dirty="0"/>
           </a:p>
         </p:txBody>
       </p:sp>
@@ -1470,7 +1471,7 @@
           <a:p>
             <a:r>
               <a:rPr lang="en-US" dirty="0"/>
-              <a:t>Unsure what general NAc stimulation is doing</a:t>
+              <a:t>Unsure what general NAc stimulation is doing. Possible for increased ICD behavior</a:t>
             </a:r>
           </a:p>
         </p:txBody>
@@ -1492,7 +1493,7 @@
           <a:p>
             <a:fld id="{46B30BCE-83B5-4D36-8240-34FC3A2779A8}" type="slidenum">
               <a:rPr lang="en-US" smtClean="0"/>
-              <a:t>12</a:t>
+              <a:t>13</a:t>
             </a:fld>
             <a:endParaRPr lang="en-US"/>
           </a:p>
@@ -1611,7 +1612,7 @@
           <a:p>
             <a:fld id="{46B30BCE-83B5-4D36-8240-34FC3A2779A8}" type="slidenum">
               <a:rPr lang="en-US" smtClean="0"/>
-              <a:t>13</a:t>
+              <a:t>14</a:t>
             </a:fld>
             <a:endParaRPr lang="en-US"/>
           </a:p>
@@ -1621,90 +1622,6 @@
     <p:extLst>
       <p:ext uri="{BB962C8B-B14F-4D97-AF65-F5344CB8AC3E}">
         <p14:creationId xmlns:p14="http://schemas.microsoft.com/office/powerpoint/2010/main" val="3866585488"/>
-      </p:ext>
-    </p:extLst>
-  </p:cSld>
-  <p:clrMapOvr>
-    <a:masterClrMapping/>
-  </p:clrMapOvr>
-</p:notes>
-</file>
-
-<file path=ppt/notesSlides/notesSlide9.xml><?xml version="1.0" encoding="utf-8"?>
-<p:notes xmlns:a="http://schemas.openxmlformats.org/drawingml/2006/main" xmlns:r="http://schemas.openxmlformats.org/officeDocument/2006/relationships" xmlns:p="http://schemas.openxmlformats.org/presentationml/2006/main">
-  <p:cSld>
-    <p:spTree>
-      <p:nvGrpSpPr>
-        <p:cNvPr id="1" name=""/>
-        <p:cNvGrpSpPr/>
-        <p:nvPr/>
-      </p:nvGrpSpPr>
-      <p:grpSpPr>
-        <a:xfrm>
-          <a:off x="0" y="0"/>
-          <a:ext cx="0" cy="0"/>
-          <a:chOff x="0" y="0"/>
-          <a:chExt cx="0" cy="0"/>
-        </a:xfrm>
-      </p:grpSpPr>
-      <p:sp>
-        <p:nvSpPr>
-          <p:cNvPr id="2" name="Slide Image Placeholder 1"/>
-          <p:cNvSpPr>
-            <a:spLocks noGrp="1" noRot="1" noChangeAspect="1"/>
-          </p:cNvSpPr>
-          <p:nvPr>
-            <p:ph type="sldImg"/>
-          </p:nvPr>
-        </p:nvSpPr>
-        <p:spPr/>
-      </p:sp>
-      <p:sp>
-        <p:nvSpPr>
-          <p:cNvPr id="3" name="Notes Placeholder 2"/>
-          <p:cNvSpPr>
-            <a:spLocks noGrp="1"/>
-          </p:cNvSpPr>
-          <p:nvPr>
-            <p:ph type="body" idx="1"/>
-          </p:nvPr>
-        </p:nvSpPr>
-        <p:spPr/>
-        <p:txBody>
-          <a:bodyPr/>
-          <a:lstStyle/>
-          <a:p>
-            <a:endParaRPr lang="en-US" dirty="0"/>
-          </a:p>
-        </p:txBody>
-      </p:sp>
-      <p:sp>
-        <p:nvSpPr>
-          <p:cNvPr id="4" name="Slide Number Placeholder 3"/>
-          <p:cNvSpPr>
-            <a:spLocks noGrp="1"/>
-          </p:cNvSpPr>
-          <p:nvPr>
-            <p:ph type="sldNum" sz="quarter" idx="5"/>
-          </p:nvPr>
-        </p:nvSpPr>
-        <p:spPr/>
-        <p:txBody>
-          <a:bodyPr/>
-          <a:lstStyle/>
-          <a:p>
-            <a:fld id="{46B30BCE-83B5-4D36-8240-34FC3A2779A8}" type="slidenum">
-              <a:rPr lang="en-US" smtClean="0"/>
-              <a:t>14</a:t>
-            </a:fld>
-            <a:endParaRPr lang="en-US"/>
-          </a:p>
-        </p:txBody>
-      </p:sp>
-    </p:spTree>
-    <p:extLst>
-      <p:ext uri="{BB962C8B-B14F-4D97-AF65-F5344CB8AC3E}">
-        <p14:creationId xmlns:p14="http://schemas.microsoft.com/office/powerpoint/2010/main" val="3684202221"/>
       </p:ext>
     </p:extLst>
   </p:cSld>
@@ -4946,7 +4863,7 @@
         </p:nvSpPr>
         <p:spPr>
           <a:xfrm>
-            <a:off x="1524000" y="587022"/>
+            <a:off x="1524000" y="620889"/>
             <a:ext cx="9144000" cy="1955378"/>
           </a:xfrm>
         </p:spPr>
@@ -5323,7 +5240,7 @@
         </p:blipFill>
         <p:spPr>
           <a:xfrm>
-            <a:off x="562548" y="4278436"/>
+            <a:off x="156148" y="3943230"/>
             <a:ext cx="6229350" cy="676275"/>
           </a:xfrm>
           <a:prstGeom prst="rect">
@@ -5353,7 +5270,7 @@
         </p:blipFill>
         <p:spPr>
           <a:xfrm>
-            <a:off x="562548" y="2122558"/>
+            <a:off x="78765" y="2015604"/>
             <a:ext cx="4573572" cy="1448972"/>
           </a:xfrm>
           <a:prstGeom prst="rect">
@@ -5383,7 +5300,7 @@
         </p:blipFill>
         <p:spPr>
           <a:xfrm>
-            <a:off x="562548" y="5455304"/>
+            <a:off x="156148" y="5207714"/>
             <a:ext cx="5905500" cy="723900"/>
           </a:xfrm>
           <a:prstGeom prst="rect">
@@ -5443,7 +5360,7 @@
         </p:blipFill>
         <p:spPr>
           <a:xfrm>
-            <a:off x="6238043" y="3001835"/>
+            <a:off x="6061648" y="2740090"/>
             <a:ext cx="5572125" cy="1038225"/>
           </a:xfrm>
           <a:prstGeom prst="rect">
@@ -5473,8 +5390,38 @@
         </p:blipFill>
         <p:spPr>
           <a:xfrm>
-            <a:off x="6096000" y="5894383"/>
+            <a:off x="6096000" y="4460407"/>
             <a:ext cx="6029325" cy="733425"/>
+          </a:xfrm>
+          <a:prstGeom prst="rect">
+            <a:avLst/>
+          </a:prstGeom>
+        </p:spPr>
+      </p:pic>
+      <p:pic>
+        <p:nvPicPr>
+          <p:cNvPr id="3" name="Picture 2">
+            <a:extLst>
+              <a:ext uri="{FF2B5EF4-FFF2-40B4-BE49-F238E27FC236}">
+                <a16:creationId xmlns:a16="http://schemas.microsoft.com/office/drawing/2014/main" id="{996C5E11-2A0A-4AFC-9855-20D5EBB0A021}"/>
+              </a:ext>
+            </a:extLst>
+          </p:cNvPr>
+          <p:cNvPicPr>
+            <a:picLocks noChangeAspect="1"/>
+          </p:cNvPicPr>
+          <p:nvPr/>
+        </p:nvPicPr>
+        <p:blipFill>
+          <a:blip r:embed="rId9"/>
+          <a:stretch>
+            <a:fillRect/>
+          </a:stretch>
+        </p:blipFill>
+        <p:spPr>
+          <a:xfrm>
+            <a:off x="6443505" y="5554425"/>
+            <a:ext cx="5619750" cy="1143000"/>
           </a:xfrm>
           <a:prstGeom prst="rect">
             <a:avLst/>
@@ -5769,6 +5716,51 @@
                       </p:childTnLst>
                     </p:cTn>
                   </p:par>
+                  <p:par>
+                    <p:cTn id="27" fill="hold">
+                      <p:stCondLst>
+                        <p:cond delay="indefinite"/>
+                      </p:stCondLst>
+                      <p:childTnLst>
+                        <p:par>
+                          <p:cTn id="28" fill="hold">
+                            <p:stCondLst>
+                              <p:cond delay="0"/>
+                            </p:stCondLst>
+                            <p:childTnLst>
+                              <p:par>
+                                <p:cTn id="29" presetID="1" presetClass="entr" presetSubtype="0" fill="hold" nodeType="clickEffect">
+                                  <p:stCondLst>
+                                    <p:cond delay="0"/>
+                                  </p:stCondLst>
+                                  <p:childTnLst>
+                                    <p:set>
+                                      <p:cBhvr>
+                                        <p:cTn id="30" dur="1" fill="hold">
+                                          <p:stCondLst>
+                                            <p:cond delay="0"/>
+                                          </p:stCondLst>
+                                        </p:cTn>
+                                        <p:tgtEl>
+                                          <p:spTgt spid="3"/>
+                                        </p:tgtEl>
+                                        <p:attrNameLst>
+                                          <p:attrName>style.visibility</p:attrName>
+                                        </p:attrNameLst>
+                                      </p:cBhvr>
+                                      <p:to>
+                                        <p:strVal val="visible"/>
+                                      </p:to>
+                                    </p:set>
+                                  </p:childTnLst>
+                                </p:cTn>
+                              </p:par>
+                            </p:childTnLst>
+                          </p:cTn>
+                        </p:par>
+                      </p:childTnLst>
+                    </p:cTn>
+                  </p:par>
                 </p:childTnLst>
               </p:cTn>
               <p:prevCondLst>
@@ -5816,7 +5808,7 @@
           <p:cNvPr id="2" name="Title 1">
             <a:extLst>
               <a:ext uri="{FF2B5EF4-FFF2-40B4-BE49-F238E27FC236}">
-                <a16:creationId xmlns:a16="http://schemas.microsoft.com/office/drawing/2014/main" id="{D53E2791-2596-4985-9418-080C6C35C497}"/>
+                <a16:creationId xmlns:a16="http://schemas.microsoft.com/office/drawing/2014/main" id="{E036E84D-5D17-4737-BC4B-7FC2337F7BF1}"/>
               </a:ext>
             </a:extLst>
           </p:cNvPr>
@@ -5827,6 +5819,555 @@
             <p:ph type="title"/>
           </p:nvPr>
         </p:nvSpPr>
+        <p:spPr/>
+        <p:txBody>
+          <a:bodyPr/>
+          <a:lstStyle/>
+          <a:p>
+            <a:r>
+              <a:rPr lang="en-US" dirty="0"/>
+              <a:t>Impulsivity and compulsivity</a:t>
+            </a:r>
+          </a:p>
+        </p:txBody>
+      </p:sp>
+      <p:sp>
+        <p:nvSpPr>
+          <p:cNvPr id="3" name="Content Placeholder 2">
+            <a:extLst>
+              <a:ext uri="{FF2B5EF4-FFF2-40B4-BE49-F238E27FC236}">
+                <a16:creationId xmlns:a16="http://schemas.microsoft.com/office/drawing/2014/main" id="{40D3C551-444B-41A6-9505-5F25555D4CDB}"/>
+              </a:ext>
+            </a:extLst>
+          </p:cNvPr>
+          <p:cNvSpPr>
+            <a:spLocks noGrp="1"/>
+          </p:cNvSpPr>
+          <p:nvPr>
+            <p:ph idx="1"/>
+          </p:nvPr>
+        </p:nvSpPr>
+        <p:spPr/>
+        <p:txBody>
+          <a:bodyPr/>
+          <a:lstStyle/>
+          <a:p>
+            <a:pPr marL="0" indent="0">
+              <a:buNone/>
+            </a:pPr>
+            <a:r>
+              <a:rPr lang="en-US" dirty="0"/>
+              <a:t>2 types of gamblers orthogonal </a:t>
+            </a:r>
+          </a:p>
+          <a:p>
+            <a:pPr marL="0" indent="0">
+              <a:buNone/>
+            </a:pPr>
+            <a:r>
+              <a:rPr lang="en-US" dirty="0"/>
+              <a:t>	impulsive – more related to my task – DA</a:t>
+            </a:r>
+          </a:p>
+          <a:p>
+            <a:pPr marL="0" indent="0">
+              <a:buNone/>
+            </a:pPr>
+            <a:r>
+              <a:rPr lang="en-US" dirty="0"/>
+              <a:t>	compulsive – more similar to </a:t>
+            </a:r>
+            <a:r>
+              <a:rPr lang="en-US" dirty="0" err="1"/>
+              <a:t>ocd</a:t>
+            </a:r>
+            <a:endParaRPr lang="en-US" dirty="0"/>
+          </a:p>
+          <a:p>
+            <a:pPr marL="0" indent="0">
+              <a:buNone/>
+            </a:pPr>
+            <a:endParaRPr lang="en-US" dirty="0"/>
+          </a:p>
+          <a:p>
+            <a:pPr marL="0" indent="0">
+              <a:buNone/>
+            </a:pPr>
+            <a:endParaRPr lang="en-US" dirty="0"/>
+          </a:p>
+          <a:p>
+            <a:pPr marL="0" indent="0">
+              <a:buNone/>
+            </a:pPr>
+            <a:endParaRPr lang="en-US" dirty="0"/>
+          </a:p>
+          <a:p>
+            <a:pPr marL="0" indent="0">
+              <a:buNone/>
+            </a:pPr>
+            <a:endParaRPr lang="en-US" dirty="0"/>
+          </a:p>
+          <a:p>
+            <a:pPr marL="0" indent="0">
+              <a:buNone/>
+            </a:pPr>
+            <a:r>
+              <a:rPr lang="en-US" dirty="0"/>
+              <a:t>ICD side effect of </a:t>
+            </a:r>
+            <a:r>
+              <a:rPr lang="en-US" dirty="0" err="1"/>
+              <a:t>parkinsons</a:t>
+            </a:r>
+            <a:r>
+              <a:rPr lang="en-US" dirty="0"/>
+              <a:t>, though its more impulsive</a:t>
+            </a:r>
+          </a:p>
+          <a:p>
+            <a:pPr marL="0" indent="0">
+              <a:buNone/>
+            </a:pPr>
+            <a:endParaRPr lang="en-US" dirty="0"/>
+          </a:p>
+        </p:txBody>
+      </p:sp>
+      <p:sp>
+        <p:nvSpPr>
+          <p:cNvPr id="4" name="TextBox 3">
+            <a:extLst>
+              <a:ext uri="{FF2B5EF4-FFF2-40B4-BE49-F238E27FC236}">
+                <a16:creationId xmlns:a16="http://schemas.microsoft.com/office/drawing/2014/main" id="{F6BC378A-3114-4C60-B552-460991965A6C}"/>
+              </a:ext>
+            </a:extLst>
+          </p:cNvPr>
+          <p:cNvSpPr txBox="1"/>
+          <p:nvPr/>
+        </p:nvSpPr>
+        <p:spPr>
+          <a:xfrm>
+            <a:off x="7774296" y="2872997"/>
+            <a:ext cx="740908" cy="461665"/>
+          </a:xfrm>
+          <a:prstGeom prst="rect">
+            <a:avLst/>
+          </a:prstGeom>
+          <a:noFill/>
+        </p:spPr>
+        <p:txBody>
+          <a:bodyPr wrap="none" rtlCol="0">
+            <a:spAutoFit/>
+          </a:bodyPr>
+          <a:lstStyle/>
+          <a:p>
+            <a:r>
+              <a:rPr lang="en-US" sz="2400" dirty="0"/>
+              <a:t>OCD</a:t>
+            </a:r>
+          </a:p>
+        </p:txBody>
+      </p:sp>
+      <p:sp>
+        <p:nvSpPr>
+          <p:cNvPr id="5" name="TextBox 4">
+            <a:extLst>
+              <a:ext uri="{FF2B5EF4-FFF2-40B4-BE49-F238E27FC236}">
+                <a16:creationId xmlns:a16="http://schemas.microsoft.com/office/drawing/2014/main" id="{93C01E74-127B-48A2-9C77-10E119194147}"/>
+              </a:ext>
+            </a:extLst>
+          </p:cNvPr>
+          <p:cNvSpPr txBox="1"/>
+          <p:nvPr/>
+        </p:nvSpPr>
+        <p:spPr>
+          <a:xfrm>
+            <a:off x="11027449" y="2872997"/>
+            <a:ext cx="1380506" cy="461665"/>
+          </a:xfrm>
+          <a:prstGeom prst="rect">
+            <a:avLst/>
+          </a:prstGeom>
+          <a:noFill/>
+        </p:spPr>
+        <p:txBody>
+          <a:bodyPr wrap="none" rtlCol="0">
+            <a:spAutoFit/>
+          </a:bodyPr>
+          <a:lstStyle/>
+          <a:p>
+            <a:r>
+              <a:rPr lang="en-US" sz="2400" dirty="0"/>
+              <a:t>Gambling</a:t>
+            </a:r>
+          </a:p>
+        </p:txBody>
+      </p:sp>
+      <p:sp>
+        <p:nvSpPr>
+          <p:cNvPr id="6" name="TextBox 5">
+            <a:extLst>
+              <a:ext uri="{FF2B5EF4-FFF2-40B4-BE49-F238E27FC236}">
+                <a16:creationId xmlns:a16="http://schemas.microsoft.com/office/drawing/2014/main" id="{65BF9975-3E63-4084-AFAB-6DC5770AD654}"/>
+              </a:ext>
+            </a:extLst>
+          </p:cNvPr>
+          <p:cNvSpPr txBox="1"/>
+          <p:nvPr/>
+        </p:nvSpPr>
+        <p:spPr>
+          <a:xfrm>
+            <a:off x="8523119" y="4393762"/>
+            <a:ext cx="2803844" cy="461665"/>
+          </a:xfrm>
+          <a:prstGeom prst="rect">
+            <a:avLst/>
+          </a:prstGeom>
+          <a:noFill/>
+        </p:spPr>
+        <p:txBody>
+          <a:bodyPr wrap="none" rtlCol="0">
+            <a:spAutoFit/>
+          </a:bodyPr>
+          <a:lstStyle/>
+          <a:p>
+            <a:r>
+              <a:rPr lang="en-US" sz="2400" dirty="0"/>
+              <a:t>Compulsive Behavior</a:t>
+            </a:r>
+          </a:p>
+        </p:txBody>
+      </p:sp>
+      <p:cxnSp>
+        <p:nvCxnSpPr>
+          <p:cNvPr id="7" name="Straight Arrow Connector 6">
+            <a:extLst>
+              <a:ext uri="{FF2B5EF4-FFF2-40B4-BE49-F238E27FC236}">
+                <a16:creationId xmlns:a16="http://schemas.microsoft.com/office/drawing/2014/main" id="{86455C68-251B-462B-B759-8899D9B98010}"/>
+              </a:ext>
+            </a:extLst>
+          </p:cNvPr>
+          <p:cNvCxnSpPr>
+            <a:cxnSpLocks/>
+            <a:stCxn id="6" idx="0"/>
+            <a:endCxn id="5" idx="2"/>
+          </p:cNvCxnSpPr>
+          <p:nvPr/>
+        </p:nvCxnSpPr>
+        <p:spPr>
+          <a:xfrm flipV="1">
+            <a:off x="9925041" y="3334662"/>
+            <a:ext cx="1792661" cy="1059100"/>
+          </a:xfrm>
+          <a:prstGeom prst="straightConnector1">
+            <a:avLst/>
+          </a:prstGeom>
+          <a:ln>
+            <a:headEnd type="triangle"/>
+            <a:tailEnd type="triangle"/>
+          </a:ln>
+        </p:spPr>
+        <p:style>
+          <a:lnRef idx="1">
+            <a:schemeClr val="dk1"/>
+          </a:lnRef>
+          <a:fillRef idx="0">
+            <a:schemeClr val="dk1"/>
+          </a:fillRef>
+          <a:effectRef idx="0">
+            <a:schemeClr val="dk1"/>
+          </a:effectRef>
+          <a:fontRef idx="minor">
+            <a:schemeClr val="tx1"/>
+          </a:fontRef>
+        </p:style>
+      </p:cxnSp>
+      <p:cxnSp>
+        <p:nvCxnSpPr>
+          <p:cNvPr id="8" name="Straight Arrow Connector 7">
+            <a:extLst>
+              <a:ext uri="{FF2B5EF4-FFF2-40B4-BE49-F238E27FC236}">
+                <a16:creationId xmlns:a16="http://schemas.microsoft.com/office/drawing/2014/main" id="{F6B4C63B-D9B9-4193-819C-29C703DE49F4}"/>
+              </a:ext>
+            </a:extLst>
+          </p:cNvPr>
+          <p:cNvCxnSpPr>
+            <a:cxnSpLocks/>
+          </p:cNvCxnSpPr>
+          <p:nvPr/>
+        </p:nvCxnSpPr>
+        <p:spPr>
+          <a:xfrm flipH="1">
+            <a:off x="8765982" y="3103829"/>
+            <a:ext cx="1952132" cy="0"/>
+          </a:xfrm>
+          <a:prstGeom prst="straightConnector1">
+            <a:avLst/>
+          </a:prstGeom>
+          <a:ln>
+            <a:headEnd type="triangle"/>
+            <a:tailEnd type="triangle"/>
+          </a:ln>
+        </p:spPr>
+        <p:style>
+          <a:lnRef idx="1">
+            <a:schemeClr val="dk1"/>
+          </a:lnRef>
+          <a:fillRef idx="0">
+            <a:schemeClr val="dk1"/>
+          </a:fillRef>
+          <a:effectRef idx="0">
+            <a:schemeClr val="dk1"/>
+          </a:effectRef>
+          <a:fontRef idx="minor">
+            <a:schemeClr val="tx1"/>
+          </a:fontRef>
+        </p:style>
+      </p:cxnSp>
+      <p:sp>
+        <p:nvSpPr>
+          <p:cNvPr id="9" name="TextBox 8">
+            <a:extLst>
+              <a:ext uri="{FF2B5EF4-FFF2-40B4-BE49-F238E27FC236}">
+                <a16:creationId xmlns:a16="http://schemas.microsoft.com/office/drawing/2014/main" id="{79824C17-5F2E-45B7-BAE7-BBBCD6B6C51D}"/>
+              </a:ext>
+            </a:extLst>
+          </p:cNvPr>
+          <p:cNvSpPr txBox="1"/>
+          <p:nvPr/>
+        </p:nvSpPr>
+        <p:spPr>
+          <a:xfrm>
+            <a:off x="8730016" y="2670193"/>
+            <a:ext cx="2082621" cy="369332"/>
+          </a:xfrm>
+          <a:prstGeom prst="rect">
+            <a:avLst/>
+          </a:prstGeom>
+          <a:noFill/>
+        </p:spPr>
+        <p:txBody>
+          <a:bodyPr wrap="none" rtlCol="0">
+            <a:spAutoFit/>
+          </a:bodyPr>
+          <a:lstStyle/>
+          <a:p>
+            <a:r>
+              <a:rPr lang="en-US" dirty="0"/>
+              <a:t>NAc and dopamine?</a:t>
+            </a:r>
+          </a:p>
+        </p:txBody>
+      </p:sp>
+      <p:cxnSp>
+        <p:nvCxnSpPr>
+          <p:cNvPr id="10" name="Straight Arrow Connector 9">
+            <a:extLst>
+              <a:ext uri="{FF2B5EF4-FFF2-40B4-BE49-F238E27FC236}">
+                <a16:creationId xmlns:a16="http://schemas.microsoft.com/office/drawing/2014/main" id="{80EC4419-B308-4F73-A34F-AA1260CC1394}"/>
+              </a:ext>
+            </a:extLst>
+          </p:cNvPr>
+          <p:cNvCxnSpPr>
+            <a:cxnSpLocks/>
+            <a:stCxn id="6" idx="0"/>
+          </p:cNvCxnSpPr>
+          <p:nvPr/>
+        </p:nvCxnSpPr>
+        <p:spPr>
+          <a:xfrm flipH="1" flipV="1">
+            <a:off x="8235073" y="3316524"/>
+            <a:ext cx="1689968" cy="1077238"/>
+          </a:xfrm>
+          <a:prstGeom prst="straightConnector1">
+            <a:avLst/>
+          </a:prstGeom>
+          <a:ln>
+            <a:headEnd type="triangle"/>
+            <a:tailEnd type="triangle"/>
+          </a:ln>
+        </p:spPr>
+        <p:style>
+          <a:lnRef idx="1">
+            <a:schemeClr val="dk1"/>
+          </a:lnRef>
+          <a:fillRef idx="0">
+            <a:schemeClr val="dk1"/>
+          </a:fillRef>
+          <a:effectRef idx="0">
+            <a:schemeClr val="dk1"/>
+          </a:effectRef>
+          <a:fontRef idx="minor">
+            <a:schemeClr val="tx1"/>
+          </a:fontRef>
+        </p:style>
+      </p:cxnSp>
+      <p:cxnSp>
+        <p:nvCxnSpPr>
+          <p:cNvPr id="11" name="Straight Arrow Connector 10">
+            <a:extLst>
+              <a:ext uri="{FF2B5EF4-FFF2-40B4-BE49-F238E27FC236}">
+                <a16:creationId xmlns:a16="http://schemas.microsoft.com/office/drawing/2014/main" id="{608036BC-E447-4E30-9F6A-465F7E866899}"/>
+              </a:ext>
+            </a:extLst>
+          </p:cNvPr>
+          <p:cNvCxnSpPr>
+            <a:cxnSpLocks/>
+            <a:stCxn id="13" idx="2"/>
+          </p:cNvCxnSpPr>
+          <p:nvPr/>
+        </p:nvCxnSpPr>
+        <p:spPr>
+          <a:xfrm flipH="1">
+            <a:off x="8112345" y="2068239"/>
+            <a:ext cx="1688464" cy="871414"/>
+          </a:xfrm>
+          <a:prstGeom prst="straightConnector1">
+            <a:avLst/>
+          </a:prstGeom>
+          <a:ln>
+            <a:headEnd type="triangle"/>
+            <a:tailEnd type="triangle"/>
+          </a:ln>
+        </p:spPr>
+        <p:style>
+          <a:lnRef idx="1">
+            <a:schemeClr val="dk1"/>
+          </a:lnRef>
+          <a:fillRef idx="0">
+            <a:schemeClr val="dk1"/>
+          </a:fillRef>
+          <a:effectRef idx="0">
+            <a:schemeClr val="dk1"/>
+          </a:effectRef>
+          <a:fontRef idx="minor">
+            <a:schemeClr val="tx1"/>
+          </a:fontRef>
+        </p:style>
+      </p:cxnSp>
+      <p:cxnSp>
+        <p:nvCxnSpPr>
+          <p:cNvPr id="12" name="Straight Arrow Connector 11">
+            <a:extLst>
+              <a:ext uri="{FF2B5EF4-FFF2-40B4-BE49-F238E27FC236}">
+                <a16:creationId xmlns:a16="http://schemas.microsoft.com/office/drawing/2014/main" id="{8C288192-E606-4836-9411-8762BC755F7F}"/>
+              </a:ext>
+            </a:extLst>
+          </p:cNvPr>
+          <p:cNvCxnSpPr>
+            <a:cxnSpLocks/>
+            <a:endCxn id="13" idx="2"/>
+          </p:cNvCxnSpPr>
+          <p:nvPr/>
+        </p:nvCxnSpPr>
+        <p:spPr>
+          <a:xfrm flipH="1" flipV="1">
+            <a:off x="9800809" y="2068239"/>
+            <a:ext cx="1921642" cy="831424"/>
+          </a:xfrm>
+          <a:prstGeom prst="straightConnector1">
+            <a:avLst/>
+          </a:prstGeom>
+          <a:ln>
+            <a:headEnd type="triangle"/>
+            <a:tailEnd type="triangle"/>
+          </a:ln>
+        </p:spPr>
+        <p:style>
+          <a:lnRef idx="1">
+            <a:schemeClr val="dk1"/>
+          </a:lnRef>
+          <a:fillRef idx="0">
+            <a:schemeClr val="dk1"/>
+          </a:fillRef>
+          <a:effectRef idx="0">
+            <a:schemeClr val="dk1"/>
+          </a:effectRef>
+          <a:fontRef idx="minor">
+            <a:schemeClr val="tx1"/>
+          </a:fontRef>
+        </p:style>
+      </p:cxnSp>
+      <p:sp>
+        <p:nvSpPr>
+          <p:cNvPr id="13" name="TextBox 12">
+            <a:extLst>
+              <a:ext uri="{FF2B5EF4-FFF2-40B4-BE49-F238E27FC236}">
+                <a16:creationId xmlns:a16="http://schemas.microsoft.com/office/drawing/2014/main" id="{DA67BA13-ED3A-42A8-9341-2EFD847BD293}"/>
+              </a:ext>
+            </a:extLst>
+          </p:cNvPr>
+          <p:cNvSpPr txBox="1"/>
+          <p:nvPr/>
+        </p:nvSpPr>
+        <p:spPr>
+          <a:xfrm>
+            <a:off x="8523119" y="1606574"/>
+            <a:ext cx="2555380" cy="461665"/>
+          </a:xfrm>
+          <a:prstGeom prst="rect">
+            <a:avLst/>
+          </a:prstGeom>
+          <a:noFill/>
+        </p:spPr>
+        <p:txBody>
+          <a:bodyPr wrap="none" rtlCol="0">
+            <a:spAutoFit/>
+          </a:bodyPr>
+          <a:lstStyle/>
+          <a:p>
+            <a:r>
+              <a:rPr lang="en-US" sz="2400" dirty="0"/>
+              <a:t>Impulsive Behavior</a:t>
+            </a:r>
+          </a:p>
+        </p:txBody>
+      </p:sp>
+    </p:spTree>
+    <p:extLst>
+      <p:ext uri="{BB962C8B-B14F-4D97-AF65-F5344CB8AC3E}">
+        <p14:creationId xmlns:p14="http://schemas.microsoft.com/office/powerpoint/2010/main" val="670878771"/>
+      </p:ext>
+    </p:extLst>
+  </p:cSld>
+  <p:clrMapOvr>
+    <a:masterClrMapping/>
+  </p:clrMapOvr>
+</p:sld>
+</file>
+
+<file path=ppt/slides/slide13.xml><?xml version="1.0" encoding="utf-8"?>
+<p:sld xmlns:a="http://schemas.openxmlformats.org/drawingml/2006/main" xmlns:r="http://schemas.openxmlformats.org/officeDocument/2006/relationships" xmlns:p="http://schemas.openxmlformats.org/presentationml/2006/main">
+  <p:cSld>
+    <p:spTree>
+      <p:nvGrpSpPr>
+        <p:cNvPr id="1" name=""/>
+        <p:cNvGrpSpPr/>
+        <p:nvPr/>
+      </p:nvGrpSpPr>
+      <p:grpSpPr>
+        <a:xfrm>
+          <a:off x="0" y="0"/>
+          <a:ext cx="0" cy="0"/>
+          <a:chOff x="0" y="0"/>
+          <a:chExt cx="0" cy="0"/>
+        </a:xfrm>
+      </p:grpSpPr>
+      <p:sp>
+        <p:nvSpPr>
+          <p:cNvPr id="2" name="Title 1">
+            <a:extLst>
+              <a:ext uri="{FF2B5EF4-FFF2-40B4-BE49-F238E27FC236}">
+                <a16:creationId xmlns:a16="http://schemas.microsoft.com/office/drawing/2014/main" id="{D53E2791-2596-4985-9418-080C6C35C497}"/>
+              </a:ext>
+            </a:extLst>
+          </p:cNvPr>
+          <p:cNvSpPr>
+            <a:spLocks noGrp="1"/>
+          </p:cNvSpPr>
+          <p:nvPr>
+            <p:ph type="title"/>
+          </p:nvPr>
+        </p:nvSpPr>
         <p:spPr>
           <a:xfrm>
             <a:off x="838200" y="365125"/>
@@ -5839,7 +6380,7 @@
           <a:p>
             <a:r>
               <a:rPr lang="en-US" dirty="0"/>
-              <a:t>Increased DA = NAc stimulation?</a:t>
+              <a:t>Increased dopamine = NAc stimulation?</a:t>
             </a:r>
           </a:p>
         </p:txBody>
@@ -6872,253 +7413,6 @@
 </p:sld>
 </file>
 
-<file path=ppt/slides/slide13.xml><?xml version="1.0" encoding="utf-8"?>
-<p:sld xmlns:a="http://schemas.openxmlformats.org/drawingml/2006/main" xmlns:r="http://schemas.openxmlformats.org/officeDocument/2006/relationships" xmlns:p="http://schemas.openxmlformats.org/presentationml/2006/main">
-  <p:cSld>
-    <p:spTree>
-      <p:nvGrpSpPr>
-        <p:cNvPr id="1" name=""/>
-        <p:cNvGrpSpPr/>
-        <p:nvPr/>
-      </p:nvGrpSpPr>
-      <p:grpSpPr>
-        <a:xfrm>
-          <a:off x="0" y="0"/>
-          <a:ext cx="0" cy="0"/>
-          <a:chOff x="0" y="0"/>
-          <a:chExt cx="0" cy="0"/>
-        </a:xfrm>
-      </p:grpSpPr>
-      <p:sp>
-        <p:nvSpPr>
-          <p:cNvPr id="2" name="Title 1">
-            <a:extLst>
-              <a:ext uri="{FF2B5EF4-FFF2-40B4-BE49-F238E27FC236}">
-                <a16:creationId xmlns:a16="http://schemas.microsoft.com/office/drawing/2014/main" id="{F345AC97-4836-42B9-B69E-43E96A1ED737}"/>
-              </a:ext>
-            </a:extLst>
-          </p:cNvPr>
-          <p:cNvSpPr>
-            <a:spLocks noGrp="1"/>
-          </p:cNvSpPr>
-          <p:nvPr>
-            <p:ph type="title"/>
-          </p:nvPr>
-        </p:nvSpPr>
-        <p:spPr/>
-        <p:txBody>
-          <a:bodyPr/>
-          <a:lstStyle/>
-          <a:p>
-            <a:r>
-              <a:rPr lang="en-US" dirty="0"/>
-              <a:t>What does NAc stimulation do?</a:t>
-            </a:r>
-          </a:p>
-        </p:txBody>
-      </p:sp>
-      <p:sp>
-        <p:nvSpPr>
-          <p:cNvPr id="3" name="Content Placeholder 2">
-            <a:extLst>
-              <a:ext uri="{FF2B5EF4-FFF2-40B4-BE49-F238E27FC236}">
-                <a16:creationId xmlns:a16="http://schemas.microsoft.com/office/drawing/2014/main" id="{EA989895-E859-4EA0-A85A-05210EF21C05}"/>
-              </a:ext>
-            </a:extLst>
-          </p:cNvPr>
-          <p:cNvSpPr>
-            <a:spLocks noGrp="1"/>
-          </p:cNvSpPr>
-          <p:nvPr>
-            <p:ph idx="1"/>
-          </p:nvPr>
-        </p:nvSpPr>
-        <p:spPr/>
-        <p:txBody>
-          <a:bodyPr/>
-          <a:lstStyle/>
-          <a:p>
-            <a:r>
-              <a:rPr lang="en-US" dirty="0"/>
-              <a:t>Increase impulsivity?</a:t>
-            </a:r>
-          </a:p>
-          <a:p>
-            <a:r>
-              <a:rPr lang="en-US" dirty="0"/>
-              <a:t>Increase risky decision making?</a:t>
-            </a:r>
-          </a:p>
-          <a:p>
-            <a:r>
-              <a:rPr lang="en-US" dirty="0"/>
-              <a:t>Decrease compulsive behavior?</a:t>
-            </a:r>
-          </a:p>
-          <a:p>
-            <a:endParaRPr lang="en-US" dirty="0"/>
-          </a:p>
-          <a:p>
-            <a:endParaRPr lang="en-US" dirty="0"/>
-          </a:p>
-          <a:p>
-            <a:r>
-              <a:rPr lang="en-US" dirty="0"/>
-              <a:t>Causal way to investigate NAc stimulation on above questions.</a:t>
-            </a:r>
-          </a:p>
-          <a:p>
-            <a:endParaRPr lang="en-US" dirty="0"/>
-          </a:p>
-        </p:txBody>
-      </p:sp>
-      <p:sp>
-        <p:nvSpPr>
-          <p:cNvPr id="4" name="Title 1">
-            <a:extLst>
-              <a:ext uri="{FF2B5EF4-FFF2-40B4-BE49-F238E27FC236}">
-                <a16:creationId xmlns:a16="http://schemas.microsoft.com/office/drawing/2014/main" id="{D539188E-0BB6-455F-A95D-AFD46723CBDA}"/>
-              </a:ext>
-            </a:extLst>
-          </p:cNvPr>
-          <p:cNvSpPr txBox="1">
-            <a:spLocks/>
-          </p:cNvSpPr>
-          <p:nvPr/>
-        </p:nvSpPr>
-        <p:spPr>
-          <a:xfrm>
-            <a:off x="838200" y="5167312"/>
-            <a:ext cx="10515600" cy="1325563"/>
-          </a:xfrm>
-          <a:prstGeom prst="rect">
-            <a:avLst/>
-          </a:prstGeom>
-        </p:spPr>
-        <p:txBody>
-          <a:bodyPr vert="horz" lIns="91440" tIns="45720" rIns="91440" bIns="45720" rtlCol="0" anchor="ctr">
-            <a:normAutofit/>
-          </a:bodyPr>
-          <a:lstStyle>
-            <a:lvl1pPr algn="l" defTabSz="914400" rtl="0" eaLnBrk="1" latinLnBrk="0" hangingPunct="1">
-              <a:lnSpc>
-                <a:spcPct val="90000"/>
-              </a:lnSpc>
-              <a:spcBef>
-                <a:spcPct val="0"/>
-              </a:spcBef>
-              <a:buNone/>
-              <a:defRPr sz="4400" kern="1200">
-                <a:solidFill>
-                  <a:schemeClr val="tx1"/>
-                </a:solidFill>
-                <a:latin typeface="+mj-lt"/>
-                <a:ea typeface="+mj-ea"/>
-                <a:cs typeface="+mj-cs"/>
-              </a:defRPr>
-            </a:lvl1pPr>
-          </a:lstStyle>
-          <a:p>
-            <a:pPr algn="ctr"/>
-            <a:r>
-              <a:rPr lang="en-US" sz="3600" dirty="0"/>
-              <a:t>Explore relationship between NAc, gambling and OCD?</a:t>
-            </a:r>
-          </a:p>
-        </p:txBody>
-      </p:sp>
-    </p:spTree>
-    <p:extLst>
-      <p:ext uri="{BB962C8B-B14F-4D97-AF65-F5344CB8AC3E}">
-        <p14:creationId xmlns:p14="http://schemas.microsoft.com/office/powerpoint/2010/main" val="4280463038"/>
-      </p:ext>
-    </p:extLst>
-  </p:cSld>
-  <p:clrMapOvr>
-    <a:masterClrMapping/>
-  </p:clrMapOvr>
-  <p:timing>
-    <p:tnLst>
-      <p:par>
-        <p:cTn id="1" dur="indefinite" restart="never" nodeType="tmRoot">
-          <p:childTnLst>
-            <p:seq concurrent="1" nextAc="seek">
-              <p:cTn id="2" dur="indefinite" nodeType="mainSeq">
-                <p:childTnLst>
-                  <p:par>
-                    <p:cTn id="3" fill="hold">
-                      <p:stCondLst>
-                        <p:cond delay="indefinite"/>
-                      </p:stCondLst>
-                      <p:childTnLst>
-                        <p:par>
-                          <p:cTn id="4" fill="hold">
-                            <p:stCondLst>
-                              <p:cond delay="0"/>
-                            </p:stCondLst>
-                            <p:childTnLst>
-                              <p:par>
-                                <p:cTn id="5" presetID="1" presetClass="entr" presetSubtype="0" fill="hold" nodeType="clickEffect">
-                                  <p:stCondLst>
-                                    <p:cond delay="0"/>
-                                  </p:stCondLst>
-                                  <p:childTnLst>
-                                    <p:set>
-                                      <p:cBhvr>
-                                        <p:cTn id="6" dur="1" fill="hold">
-                                          <p:stCondLst>
-                                            <p:cond delay="0"/>
-                                          </p:stCondLst>
-                                        </p:cTn>
-                                        <p:tgtEl>
-                                          <p:spTgt spid="4">
-                                            <p:txEl>
-                                              <p:pRg st="0" end="0"/>
-                                            </p:txEl>
-                                          </p:spTgt>
-                                        </p:tgtEl>
-                                        <p:attrNameLst>
-                                          <p:attrName>style.visibility</p:attrName>
-                                        </p:attrNameLst>
-                                      </p:cBhvr>
-                                      <p:to>
-                                        <p:strVal val="visible"/>
-                                      </p:to>
-                                    </p:set>
-                                  </p:childTnLst>
-                                </p:cTn>
-                              </p:par>
-                            </p:childTnLst>
-                          </p:cTn>
-                        </p:par>
-                      </p:childTnLst>
-                    </p:cTn>
-                  </p:par>
-                </p:childTnLst>
-              </p:cTn>
-              <p:prevCondLst>
-                <p:cond evt="onPrev" delay="0">
-                  <p:tgtEl>
-                    <p:sldTgt/>
-                  </p:tgtEl>
-                </p:cond>
-              </p:prevCondLst>
-              <p:nextCondLst>
-                <p:cond evt="onNext" delay="0">
-                  <p:tgtEl>
-                    <p:sldTgt/>
-                  </p:tgtEl>
-                </p:cond>
-              </p:nextCondLst>
-            </p:seq>
-          </p:childTnLst>
-        </p:cTn>
-      </p:par>
-    </p:tnLst>
-  </p:timing>
-</p:sld>
-</file>
-
 <file path=ppt/slides/slide14.xml><?xml version="1.0" encoding="utf-8"?>
 <p:sld xmlns:a="http://schemas.openxmlformats.org/drawingml/2006/main" xmlns:r="http://schemas.openxmlformats.org/officeDocument/2006/relationships" xmlns:p="http://schemas.openxmlformats.org/presentationml/2006/main">
   <p:cSld>
@@ -7138,10 +7432,103 @@
       </p:grpSpPr>
       <p:sp>
         <p:nvSpPr>
-          <p:cNvPr id="4" name="TextBox 3">
-            <a:extLst>
-              <a:ext uri="{FF2B5EF4-FFF2-40B4-BE49-F238E27FC236}">
-                <a16:creationId xmlns:a16="http://schemas.microsoft.com/office/drawing/2014/main" id="{C3E7AFBB-1A73-44D4-94CB-913940225787}"/>
+          <p:cNvPr id="2" name="Title 1">
+            <a:extLst>
+              <a:ext uri="{FF2B5EF4-FFF2-40B4-BE49-F238E27FC236}">
+                <a16:creationId xmlns:a16="http://schemas.microsoft.com/office/drawing/2014/main" id="{F345AC97-4836-42B9-B69E-43E96A1ED737}"/>
+              </a:ext>
+            </a:extLst>
+          </p:cNvPr>
+          <p:cNvSpPr>
+            <a:spLocks noGrp="1"/>
+          </p:cNvSpPr>
+          <p:nvPr>
+            <p:ph type="title"/>
+          </p:nvPr>
+        </p:nvSpPr>
+        <p:spPr/>
+        <p:txBody>
+          <a:bodyPr/>
+          <a:lstStyle/>
+          <a:p>
+            <a:r>
+              <a:rPr lang="en-US" dirty="0"/>
+              <a:t>What does </a:t>
+            </a:r>
+            <a:r>
+              <a:rPr lang="en-US" dirty="0" err="1"/>
+              <a:t>NAc</a:t>
+            </a:r>
+            <a:r>
+              <a:rPr lang="en-US" dirty="0"/>
+              <a:t> stimulation do?</a:t>
+            </a:r>
+          </a:p>
+        </p:txBody>
+      </p:sp>
+      <p:sp>
+        <p:nvSpPr>
+          <p:cNvPr id="3" name="Content Placeholder 2">
+            <a:extLst>
+              <a:ext uri="{FF2B5EF4-FFF2-40B4-BE49-F238E27FC236}">
+                <a16:creationId xmlns:a16="http://schemas.microsoft.com/office/drawing/2014/main" id="{EA989895-E859-4EA0-A85A-05210EF21C05}"/>
+              </a:ext>
+            </a:extLst>
+          </p:cNvPr>
+          <p:cNvSpPr>
+            <a:spLocks noGrp="1"/>
+          </p:cNvSpPr>
+          <p:nvPr>
+            <p:ph idx="1"/>
+          </p:nvPr>
+        </p:nvSpPr>
+        <p:spPr>
+          <a:xfrm>
+            <a:off x="838200" y="1825625"/>
+            <a:ext cx="10515600" cy="3586772"/>
+          </a:xfrm>
+        </p:spPr>
+        <p:txBody>
+          <a:bodyPr/>
+          <a:lstStyle/>
+          <a:p>
+            <a:r>
+              <a:rPr lang="en-US" dirty="0"/>
+              <a:t>Affect impulsivity?</a:t>
+            </a:r>
+          </a:p>
+          <a:p>
+            <a:r>
+              <a:rPr lang="en-US" dirty="0"/>
+              <a:t>Affect compulsive behavior?</a:t>
+            </a:r>
+          </a:p>
+          <a:p>
+            <a:endParaRPr lang="en-US" dirty="0"/>
+          </a:p>
+          <a:p>
+            <a:r>
+              <a:rPr lang="en-US" dirty="0"/>
+              <a:t>Affect risky decision making?</a:t>
+            </a:r>
+          </a:p>
+          <a:p>
+            <a:endParaRPr lang="en-US" dirty="0"/>
+          </a:p>
+          <a:p>
+            <a:pPr marL="0" indent="0">
+              <a:buNone/>
+            </a:pPr>
+            <a:endParaRPr lang="en-US" dirty="0"/>
+          </a:p>
+        </p:txBody>
+      </p:sp>
+      <p:sp>
+        <p:nvSpPr>
+          <p:cNvPr id="18" name="TextBox 17">
+            <a:extLst>
+              <a:ext uri="{FF2B5EF4-FFF2-40B4-BE49-F238E27FC236}">
+                <a16:creationId xmlns:a16="http://schemas.microsoft.com/office/drawing/2014/main" id="{AE1C864B-3755-4A05-AA36-EC02D39BC8CF}"/>
               </a:ext>
             </a:extLst>
           </p:cNvPr>
@@ -7150,14 +7537,27 @@
         </p:nvSpPr>
         <p:spPr>
           <a:xfrm>
-            <a:off x="3461941" y="2206953"/>
-            <a:ext cx="740908" cy="461665"/>
+            <a:off x="2467035" y="5231684"/>
+            <a:ext cx="1261371" cy="369332"/>
           </a:xfrm>
           <a:prstGeom prst="rect">
             <a:avLst/>
           </a:prstGeom>
-          <a:noFill/>
         </p:spPr>
+        <p:style>
+          <a:lnRef idx="2">
+            <a:schemeClr val="dk1"/>
+          </a:lnRef>
+          <a:fillRef idx="1">
+            <a:schemeClr val="lt1"/>
+          </a:fillRef>
+          <a:effectRef idx="0">
+            <a:schemeClr val="dk1"/>
+          </a:effectRef>
+          <a:fontRef idx="minor">
+            <a:schemeClr val="dk1"/>
+          </a:fontRef>
+        </p:style>
         <p:txBody>
           <a:bodyPr wrap="none" rtlCol="0">
             <a:spAutoFit/>
@@ -7165,18 +7565,18 @@
           <a:lstStyle/>
           <a:p>
             <a:r>
-              <a:rPr lang="en-US" sz="2400" dirty="0"/>
-              <a:t>OCD</a:t>
-            </a:r>
-          </a:p>
-        </p:txBody>
-      </p:sp>
-      <p:sp>
-        <p:nvSpPr>
-          <p:cNvPr id="5" name="TextBox 4">
-            <a:extLst>
-              <a:ext uri="{FF2B5EF4-FFF2-40B4-BE49-F238E27FC236}">
-                <a16:creationId xmlns:a16="http://schemas.microsoft.com/office/drawing/2014/main" id="{A07B029A-D33B-4DAC-8891-F52839A9D827}"/>
+              <a:rPr lang="en-US" dirty="0"/>
+              <a:t>Stimulation</a:t>
+            </a:r>
+          </a:p>
+        </p:txBody>
+      </p:sp>
+      <p:sp>
+        <p:nvSpPr>
+          <p:cNvPr id="20" name="TextBox 19">
+            <a:extLst>
+              <a:ext uri="{FF2B5EF4-FFF2-40B4-BE49-F238E27FC236}">
+                <a16:creationId xmlns:a16="http://schemas.microsoft.com/office/drawing/2014/main" id="{FD6E270B-1B62-4BE9-87A0-8355987AD8D0}"/>
               </a:ext>
             </a:extLst>
           </p:cNvPr>
@@ -7185,14 +7585,27 @@
         </p:nvSpPr>
         <p:spPr>
           <a:xfrm>
-            <a:off x="6715094" y="2206953"/>
-            <a:ext cx="1380506" cy="461665"/>
+            <a:off x="4717752" y="5227731"/>
+            <a:ext cx="883575" cy="369332"/>
           </a:xfrm>
           <a:prstGeom prst="rect">
             <a:avLst/>
           </a:prstGeom>
-          <a:noFill/>
         </p:spPr>
+        <p:style>
+          <a:lnRef idx="2">
+            <a:schemeClr val="dk1"/>
+          </a:lnRef>
+          <a:fillRef idx="1">
+            <a:schemeClr val="lt1"/>
+          </a:fillRef>
+          <a:effectRef idx="0">
+            <a:schemeClr val="dk1"/>
+          </a:effectRef>
+          <a:fontRef idx="minor">
+            <a:schemeClr val="dk1"/>
+          </a:fontRef>
+        </p:style>
         <p:txBody>
           <a:bodyPr wrap="none" rtlCol="0">
             <a:spAutoFit/>
@@ -7200,73 +7613,124 @@
           <a:lstStyle/>
           <a:p>
             <a:r>
-              <a:rPr lang="en-US" sz="2400" dirty="0"/>
-              <a:t>Gambling</a:t>
-            </a:r>
-          </a:p>
-        </p:txBody>
-      </p:sp>
-      <p:sp>
-        <p:nvSpPr>
-          <p:cNvPr id="6" name="TextBox 5">
-            <a:extLst>
-              <a:ext uri="{FF2B5EF4-FFF2-40B4-BE49-F238E27FC236}">
-                <a16:creationId xmlns:a16="http://schemas.microsoft.com/office/drawing/2014/main" id="{EDE63C00-5F5B-4041-A9B2-1C4842BE86DE}"/>
-              </a:ext>
-            </a:extLst>
-          </p:cNvPr>
-          <p:cNvSpPr txBox="1"/>
-          <p:nvPr/>
-        </p:nvSpPr>
-        <p:spPr>
-          <a:xfrm>
-            <a:off x="4210764" y="3727718"/>
-            <a:ext cx="2803844" cy="461665"/>
-          </a:xfrm>
-          <a:prstGeom prst="rect">
-            <a:avLst/>
-          </a:prstGeom>
-          <a:noFill/>
-        </p:spPr>
-        <p:txBody>
-          <a:bodyPr wrap="none" rtlCol="0">
-            <a:spAutoFit/>
-          </a:bodyPr>
-          <a:lstStyle/>
-          <a:p>
-            <a:r>
-              <a:rPr lang="en-US" sz="2400" dirty="0"/>
-              <a:t>Compulsive Behavior</a:t>
+              <a:rPr lang="en-US" dirty="0"/>
+              <a:t>Activity</a:t>
             </a:r>
           </a:p>
         </p:txBody>
       </p:sp>
       <p:cxnSp>
         <p:nvCxnSpPr>
-          <p:cNvPr id="13" name="Straight Arrow Connector 12">
-            <a:extLst>
-              <a:ext uri="{FF2B5EF4-FFF2-40B4-BE49-F238E27FC236}">
-                <a16:creationId xmlns:a16="http://schemas.microsoft.com/office/drawing/2014/main" id="{D6AB1400-5709-4E21-B0E7-8E233B0D3967}"/>
+          <p:cNvPr id="21" name="Straight Arrow Connector 20">
+            <a:extLst>
+              <a:ext uri="{FF2B5EF4-FFF2-40B4-BE49-F238E27FC236}">
+                <a16:creationId xmlns:a16="http://schemas.microsoft.com/office/drawing/2014/main" id="{F1F591FE-8E2D-48E7-AA2D-3404564F2270}"/>
               </a:ext>
             </a:extLst>
           </p:cNvPr>
           <p:cNvCxnSpPr>
             <a:cxnSpLocks/>
-            <a:stCxn id="6" idx="0"/>
-            <a:endCxn id="5" idx="2"/>
           </p:cNvCxnSpPr>
           <p:nvPr/>
         </p:nvCxnSpPr>
         <p:spPr>
-          <a:xfrm flipV="1">
-            <a:off x="5612686" y="2668618"/>
-            <a:ext cx="1792661" cy="1059100"/>
+          <a:xfrm>
+            <a:off x="5601327" y="5409262"/>
+            <a:ext cx="989346" cy="3135"/>
           </a:xfrm>
           <a:prstGeom prst="straightConnector1">
             <a:avLst/>
           </a:prstGeom>
           <a:ln>
-            <a:headEnd type="triangle"/>
+            <a:tailEnd type="triangle"/>
+          </a:ln>
+        </p:spPr>
+        <p:style>
+          <a:lnRef idx="1">
+            <a:schemeClr val="dk1"/>
+          </a:lnRef>
+          <a:fillRef idx="0">
+            <a:schemeClr val="dk1"/>
+          </a:fillRef>
+          <a:effectRef idx="0">
+            <a:schemeClr val="dk1"/>
+          </a:effectRef>
+          <a:fontRef idx="minor">
+            <a:schemeClr val="tx1"/>
+          </a:fontRef>
+        </p:style>
+      </p:cxnSp>
+      <p:sp>
+        <p:nvSpPr>
+          <p:cNvPr id="22" name="TextBox 21">
+            <a:extLst>
+              <a:ext uri="{FF2B5EF4-FFF2-40B4-BE49-F238E27FC236}">
+                <a16:creationId xmlns:a16="http://schemas.microsoft.com/office/drawing/2014/main" id="{86D5FC5F-D93A-4429-8254-6EFA0B4928AA}"/>
+              </a:ext>
+            </a:extLst>
+          </p:cNvPr>
+          <p:cNvSpPr txBox="1"/>
+          <p:nvPr/>
+        </p:nvSpPr>
+        <p:spPr>
+          <a:xfrm>
+            <a:off x="6590673" y="5209263"/>
+            <a:ext cx="3479799" cy="369332"/>
+          </a:xfrm>
+          <a:prstGeom prst="rect">
+            <a:avLst/>
+          </a:prstGeom>
+        </p:spPr>
+        <p:style>
+          <a:lnRef idx="2">
+            <a:schemeClr val="dk1"/>
+          </a:lnRef>
+          <a:fillRef idx="1">
+            <a:schemeClr val="lt1"/>
+          </a:fillRef>
+          <a:effectRef idx="0">
+            <a:schemeClr val="dk1"/>
+          </a:effectRef>
+          <a:fontRef idx="minor">
+            <a:schemeClr val="dk1"/>
+          </a:fontRef>
+        </p:style>
+        <p:txBody>
+          <a:bodyPr wrap="none" rtlCol="0">
+            <a:spAutoFit/>
+          </a:bodyPr>
+          <a:lstStyle/>
+          <a:p>
+            <a:r>
+              <a:rPr lang="en-US" dirty="0"/>
+              <a:t>Impulsive and compulsive behavior</a:t>
+            </a:r>
+          </a:p>
+        </p:txBody>
+      </p:sp>
+      <p:cxnSp>
+        <p:nvCxnSpPr>
+          <p:cNvPr id="23" name="Straight Arrow Connector 22">
+            <a:extLst>
+              <a:ext uri="{FF2B5EF4-FFF2-40B4-BE49-F238E27FC236}">
+                <a16:creationId xmlns:a16="http://schemas.microsoft.com/office/drawing/2014/main" id="{4003A057-28CD-42CC-8164-85A93FB4AD1D}"/>
+              </a:ext>
+            </a:extLst>
+          </p:cNvPr>
+          <p:cNvCxnSpPr>
+            <a:cxnSpLocks/>
+          </p:cNvCxnSpPr>
+          <p:nvPr/>
+        </p:nvCxnSpPr>
+        <p:spPr>
+          <a:xfrm>
+            <a:off x="3728406" y="5414783"/>
+            <a:ext cx="989346" cy="3135"/>
+          </a:xfrm>
+          <a:prstGeom prst="straightConnector1">
+            <a:avLst/>
+          </a:prstGeom>
+          <a:ln>
             <a:tailEnd type="triangle"/>
           </a:ln>
         </p:spPr>
@@ -7287,28 +7751,30 @@
       </p:cxnSp>
       <p:cxnSp>
         <p:nvCxnSpPr>
-          <p:cNvPr id="17" name="Straight Arrow Connector 16">
-            <a:extLst>
-              <a:ext uri="{FF2B5EF4-FFF2-40B4-BE49-F238E27FC236}">
-                <a16:creationId xmlns:a16="http://schemas.microsoft.com/office/drawing/2014/main" id="{8D73497D-5C89-4234-9C76-56FA44F437A8}"/>
+          <p:cNvPr id="29" name="Connector: Curved 28">
+            <a:extLst>
+              <a:ext uri="{FF2B5EF4-FFF2-40B4-BE49-F238E27FC236}">
+                <a16:creationId xmlns:a16="http://schemas.microsoft.com/office/drawing/2014/main" id="{A8CE7C5E-0302-48EF-937D-0D76F41DA99F}"/>
               </a:ext>
             </a:extLst>
           </p:cNvPr>
           <p:cNvCxnSpPr>
-            <a:cxnSpLocks/>
+            <a:stCxn id="22" idx="0"/>
+            <a:endCxn id="18" idx="0"/>
           </p:cNvCxnSpPr>
           <p:nvPr/>
         </p:nvCxnSpPr>
         <p:spPr>
-          <a:xfrm flipH="1">
-            <a:off x="4453627" y="2437785"/>
-            <a:ext cx="1952132" cy="0"/>
+          <a:xfrm rot="16200000" flipH="1" flipV="1">
+            <a:off x="5702936" y="2604047"/>
+            <a:ext cx="22421" cy="5232852"/>
           </a:xfrm>
-          <a:prstGeom prst="straightConnector1">
-            <a:avLst/>
+          <a:prstGeom prst="curvedConnector3">
+            <a:avLst>
+              <a:gd name="adj1" fmla="val -1019580"/>
+            </a:avLst>
           </a:prstGeom>
           <a:ln>
-            <a:headEnd type="triangle"/>
             <a:tailEnd type="triangle"/>
           </a:ln>
         </p:spPr>
@@ -7329,10 +7795,10 @@
       </p:cxnSp>
       <p:sp>
         <p:nvSpPr>
-          <p:cNvPr id="26" name="TextBox 25">
-            <a:extLst>
-              <a:ext uri="{FF2B5EF4-FFF2-40B4-BE49-F238E27FC236}">
-                <a16:creationId xmlns:a16="http://schemas.microsoft.com/office/drawing/2014/main" id="{614AB941-62BC-43FF-8B75-F2799B777967}"/>
+          <p:cNvPr id="30" name="TextBox 29">
+            <a:extLst>
+              <a:ext uri="{FF2B5EF4-FFF2-40B4-BE49-F238E27FC236}">
+                <a16:creationId xmlns:a16="http://schemas.microsoft.com/office/drawing/2014/main" id="{6CAB6A6C-AA21-424C-8034-822C20C28610}"/>
               </a:ext>
             </a:extLst>
           </p:cNvPr>
@@ -7341,8 +7807,8 @@
         </p:nvSpPr>
         <p:spPr>
           <a:xfrm>
-            <a:off x="4417661" y="2004149"/>
-            <a:ext cx="2082621" cy="369332"/>
+            <a:off x="5480126" y="4646030"/>
+            <a:ext cx="615874" cy="369332"/>
           </a:xfrm>
           <a:prstGeom prst="rect">
             <a:avLst/>
@@ -7357,58 +7823,15 @@
           <a:p>
             <a:r>
               <a:rPr lang="en-US" dirty="0"/>
-              <a:t>NAc and dopamine?</a:t>
-            </a:r>
-          </a:p>
-        </p:txBody>
-      </p:sp>
-      <p:cxnSp>
-        <p:nvCxnSpPr>
-          <p:cNvPr id="28" name="Straight Arrow Connector 27">
-            <a:extLst>
-              <a:ext uri="{FF2B5EF4-FFF2-40B4-BE49-F238E27FC236}">
-                <a16:creationId xmlns:a16="http://schemas.microsoft.com/office/drawing/2014/main" id="{1E5DA2EF-128E-4709-93E7-58BC0537B92F}"/>
-              </a:ext>
-            </a:extLst>
-          </p:cNvPr>
-          <p:cNvCxnSpPr>
-            <a:cxnSpLocks/>
-            <a:stCxn id="6" idx="0"/>
-          </p:cNvCxnSpPr>
-          <p:nvPr/>
-        </p:nvCxnSpPr>
-        <p:spPr>
-          <a:xfrm flipH="1" flipV="1">
-            <a:off x="3922718" y="2650480"/>
-            <a:ext cx="1689968" cy="1077238"/>
-          </a:xfrm>
-          <a:prstGeom prst="straightConnector1">
-            <a:avLst/>
-          </a:prstGeom>
-          <a:ln>
-            <a:headEnd type="triangle"/>
-            <a:tailEnd type="triangle"/>
-          </a:ln>
-        </p:spPr>
-        <p:style>
-          <a:lnRef idx="1">
-            <a:schemeClr val="dk1"/>
-          </a:lnRef>
-          <a:fillRef idx="0">
-            <a:schemeClr val="dk1"/>
-          </a:fillRef>
-          <a:effectRef idx="0">
-            <a:schemeClr val="dk1"/>
-          </a:effectRef>
-          <a:fontRef idx="minor">
-            <a:schemeClr val="tx1"/>
-          </a:fontRef>
-        </p:style>
-      </p:cxnSp>
+              <a:t>Goal</a:t>
+            </a:r>
+          </a:p>
+        </p:txBody>
+      </p:sp>
     </p:spTree>
     <p:extLst>
       <p:ext uri="{BB962C8B-B14F-4D97-AF65-F5344CB8AC3E}">
-        <p14:creationId xmlns:p14="http://schemas.microsoft.com/office/powerpoint/2010/main" val="310629980"/>
+        <p14:creationId xmlns:p14="http://schemas.microsoft.com/office/powerpoint/2010/main" val="4280463038"/>
       </p:ext>
     </p:extLst>
   </p:cSld>

--- a/BortonLabMeeting12.7.pptx
+++ b/BortonLabMeeting12.7.pptx
@@ -5847,17 +5847,24 @@
             <p:ph idx="1"/>
           </p:nvPr>
         </p:nvSpPr>
-        <p:spPr/>
-        <p:txBody>
-          <a:bodyPr/>
+        <p:spPr>
+          <a:xfrm>
+            <a:off x="968226" y="1486958"/>
+            <a:ext cx="7838662" cy="4351338"/>
+          </a:xfrm>
+        </p:spPr>
+        <p:txBody>
+          <a:bodyPr>
+            <a:normAutofit/>
+          </a:bodyPr>
           <a:lstStyle/>
           <a:p>
             <a:pPr marL="0" indent="0">
               <a:buNone/>
             </a:pPr>
             <a:r>
-              <a:rPr lang="en-US" dirty="0"/>
-              <a:t>2 types of gamblers orthogonal </a:t>
+              <a:rPr lang="en-US" sz="2000" dirty="0"/>
+              <a:t>2 types of gamblers</a:t>
             </a:r>
           </a:p>
           <a:p>
@@ -5865,8 +5872,8 @@
               <a:buNone/>
             </a:pPr>
             <a:r>
-              <a:rPr lang="en-US" dirty="0"/>
-              <a:t>	impulsive – more related to my task – DA</a:t>
+              <a:rPr lang="en-US" sz="2000" dirty="0"/>
+              <a:t>	Impulsive –higher sensation seekers/DA mediated</a:t>
             </a:r>
           </a:p>
           <a:p>
@@ -5874,61 +5881,33 @@
               <a:buNone/>
             </a:pPr>
             <a:r>
-              <a:rPr lang="en-US" dirty="0"/>
-              <a:t>	compulsive – more similar to </a:t>
-            </a:r>
-            <a:r>
-              <a:rPr lang="en-US" dirty="0" err="1"/>
-              <a:t>ocd</a:t>
-            </a:r>
-            <a:endParaRPr lang="en-US" dirty="0"/>
+              <a:rPr lang="en-US" sz="2000" dirty="0"/>
+              <a:t>	Compulsive- Time on Device players, more related to OCD</a:t>
+            </a:r>
           </a:p>
           <a:p>
             <a:pPr marL="0" indent="0">
               <a:buNone/>
             </a:pPr>
-            <a:endParaRPr lang="en-US" dirty="0"/>
+            <a:endParaRPr lang="en-US" sz="2000" dirty="0"/>
           </a:p>
           <a:p>
             <a:pPr marL="0" indent="0">
               <a:buNone/>
             </a:pPr>
-            <a:endParaRPr lang="en-US" dirty="0"/>
+            <a:endParaRPr lang="en-US" sz="2000" dirty="0"/>
           </a:p>
           <a:p>
             <a:pPr marL="0" indent="0">
               <a:buNone/>
             </a:pPr>
-            <a:endParaRPr lang="en-US" dirty="0"/>
+            <a:endParaRPr lang="en-US" sz="2000" dirty="0"/>
           </a:p>
           <a:p>
             <a:pPr marL="0" indent="0">
               <a:buNone/>
             </a:pPr>
-            <a:endParaRPr lang="en-US" dirty="0"/>
-          </a:p>
-          <a:p>
-            <a:pPr marL="0" indent="0">
-              <a:buNone/>
-            </a:pPr>
-            <a:r>
-              <a:rPr lang="en-US" dirty="0"/>
-              <a:t>ICD side effect of </a:t>
-            </a:r>
-            <a:r>
-              <a:rPr lang="en-US" dirty="0" err="1"/>
-              <a:t>parkinsons</a:t>
-            </a:r>
-            <a:r>
-              <a:rPr lang="en-US" dirty="0"/>
-              <a:t>, though its more impulsive</a:t>
-            </a:r>
-          </a:p>
-          <a:p>
-            <a:pPr marL="0" indent="0">
-              <a:buNone/>
-            </a:pPr>
-            <a:endParaRPr lang="en-US" dirty="0"/>
+            <a:endParaRPr lang="en-US" sz="2000" dirty="0"/>
           </a:p>
         </p:txBody>
       </p:sp>
@@ -5946,7 +5925,7 @@
         </p:nvSpPr>
         <p:spPr>
           <a:xfrm>
-            <a:off x="7774296" y="2872997"/>
+            <a:off x="3341966" y="4253226"/>
             <a:ext cx="740908" cy="461665"/>
           </a:xfrm>
           <a:prstGeom prst="rect">
@@ -5981,7 +5960,7 @@
         </p:nvSpPr>
         <p:spPr>
           <a:xfrm>
-            <a:off x="11027449" y="2872997"/>
+            <a:off x="6913881" y="4317531"/>
             <a:ext cx="1380506" cy="461665"/>
           </a:xfrm>
           <a:prstGeom prst="rect">
@@ -6016,7 +5995,7 @@
         </p:nvSpPr>
         <p:spPr>
           <a:xfrm>
-            <a:off x="8523119" y="4393762"/>
+            <a:off x="4409551" y="5838296"/>
             <a:ext cx="2803844" cy="461665"/>
           </a:xfrm>
           <a:prstGeom prst="rect">
@@ -6055,7 +6034,7 @@
         </p:nvCxnSpPr>
         <p:spPr>
           <a:xfrm flipV="1">
-            <a:off x="9925041" y="3334662"/>
+            <a:off x="5811473" y="4779196"/>
             <a:ext cx="1792661" cy="1059100"/>
           </a:xfrm>
           <a:prstGeom prst="straightConnector1">
@@ -6097,7 +6076,7 @@
         </p:nvCxnSpPr>
         <p:spPr>
           <a:xfrm flipH="1">
-            <a:off x="8765982" y="3103829"/>
+            <a:off x="4616448" y="4548363"/>
             <a:ext cx="1952132" cy="0"/>
           </a:xfrm>
           <a:prstGeom prst="straightConnector1">
@@ -6137,7 +6116,7 @@
         </p:nvSpPr>
         <p:spPr>
           <a:xfrm>
-            <a:off x="8730016" y="2670193"/>
+            <a:off x="4551203" y="4157615"/>
             <a:ext cx="2082621" cy="369332"/>
           </a:xfrm>
           <a:prstGeom prst="rect">
@@ -6170,13 +6149,14 @@
           <p:cNvCxnSpPr>
             <a:cxnSpLocks/>
             <a:stCxn id="6" idx="0"/>
+            <a:endCxn id="4" idx="2"/>
           </p:cNvCxnSpPr>
           <p:nvPr/>
         </p:nvCxnSpPr>
         <p:spPr>
           <a:xfrm flipH="1" flipV="1">
-            <a:off x="8235073" y="3316524"/>
-            <a:ext cx="1689968" cy="1077238"/>
+            <a:off x="3712420" y="4714891"/>
+            <a:ext cx="2099053" cy="1123405"/>
           </a:xfrm>
           <a:prstGeom prst="straightConnector1">
             <a:avLst/>
@@ -6213,13 +6193,14 @@
           <p:cNvCxnSpPr>
             <a:cxnSpLocks/>
             <a:stCxn id="13" idx="2"/>
+            <a:endCxn id="4" idx="0"/>
           </p:cNvCxnSpPr>
           <p:nvPr/>
         </p:nvCxnSpPr>
         <p:spPr>
           <a:xfrm flipH="1">
-            <a:off x="8112345" y="2068239"/>
-            <a:ext cx="1688464" cy="871414"/>
+            <a:off x="3712420" y="3512773"/>
+            <a:ext cx="1974821" cy="740453"/>
           </a:xfrm>
           <a:prstGeom prst="straightConnector1">
             <a:avLst/>
@@ -6261,7 +6242,7 @@
         </p:nvCxnSpPr>
         <p:spPr>
           <a:xfrm flipH="1" flipV="1">
-            <a:off x="9800809" y="2068239"/>
+            <a:off x="5687241" y="3512773"/>
             <a:ext cx="1921642" cy="831424"/>
           </a:xfrm>
           <a:prstGeom prst="straightConnector1">
@@ -6301,7 +6282,7 @@
         </p:nvSpPr>
         <p:spPr>
           <a:xfrm>
-            <a:off x="8523119" y="1606574"/>
+            <a:off x="4409551" y="3051108"/>
             <a:ext cx="2555380" cy="461665"/>
           </a:xfrm>
           <a:prstGeom prst="rect">
@@ -6332,6 +6313,331 @@
   <p:clrMapOvr>
     <a:masterClrMapping/>
   </p:clrMapOvr>
+  <p:timing>
+    <p:tnLst>
+      <p:par>
+        <p:cTn id="1" dur="indefinite" restart="never" nodeType="tmRoot">
+          <p:childTnLst>
+            <p:seq concurrent="1" nextAc="seek">
+              <p:cTn id="2" dur="indefinite" nodeType="mainSeq">
+                <p:childTnLst>
+                  <p:par>
+                    <p:cTn id="3" fill="hold">
+                      <p:stCondLst>
+                        <p:cond delay="indefinite"/>
+                      </p:stCondLst>
+                      <p:childTnLst>
+                        <p:par>
+                          <p:cTn id="4" fill="hold">
+                            <p:stCondLst>
+                              <p:cond delay="0"/>
+                            </p:stCondLst>
+                            <p:childTnLst>
+                              <p:par>
+                                <p:cTn id="5" presetID="1" presetClass="entr" presetSubtype="0" fill="hold" grpId="0" nodeType="clickEffect">
+                                  <p:stCondLst>
+                                    <p:cond delay="0"/>
+                                  </p:stCondLst>
+                                  <p:childTnLst>
+                                    <p:set>
+                                      <p:cBhvr>
+                                        <p:cTn id="6" dur="1" fill="hold">
+                                          <p:stCondLst>
+                                            <p:cond delay="0"/>
+                                          </p:stCondLst>
+                                        </p:cTn>
+                                        <p:tgtEl>
+                                          <p:spTgt spid="4"/>
+                                        </p:tgtEl>
+                                        <p:attrNameLst>
+                                          <p:attrName>style.visibility</p:attrName>
+                                        </p:attrNameLst>
+                                      </p:cBhvr>
+                                      <p:to>
+                                        <p:strVal val="visible"/>
+                                      </p:to>
+                                    </p:set>
+                                  </p:childTnLst>
+                                </p:cTn>
+                              </p:par>
+                              <p:par>
+                                <p:cTn id="7" presetID="1" presetClass="entr" presetSubtype="0" fill="hold" grpId="0" nodeType="withEffect">
+                                  <p:stCondLst>
+                                    <p:cond delay="0"/>
+                                  </p:stCondLst>
+                                  <p:childTnLst>
+                                    <p:set>
+                                      <p:cBhvr>
+                                        <p:cTn id="8" dur="1" fill="hold">
+                                          <p:stCondLst>
+                                            <p:cond delay="0"/>
+                                          </p:stCondLst>
+                                        </p:cTn>
+                                        <p:tgtEl>
+                                          <p:spTgt spid="5"/>
+                                        </p:tgtEl>
+                                        <p:attrNameLst>
+                                          <p:attrName>style.visibility</p:attrName>
+                                        </p:attrNameLst>
+                                      </p:cBhvr>
+                                      <p:to>
+                                        <p:strVal val="visible"/>
+                                      </p:to>
+                                    </p:set>
+                                  </p:childTnLst>
+                                </p:cTn>
+                              </p:par>
+                              <p:par>
+                                <p:cTn id="9" presetID="1" presetClass="entr" presetSubtype="0" fill="hold" grpId="0" nodeType="withEffect">
+                                  <p:stCondLst>
+                                    <p:cond delay="0"/>
+                                  </p:stCondLst>
+                                  <p:childTnLst>
+                                    <p:set>
+                                      <p:cBhvr>
+                                        <p:cTn id="10" dur="1" fill="hold">
+                                          <p:stCondLst>
+                                            <p:cond delay="0"/>
+                                          </p:stCondLst>
+                                        </p:cTn>
+                                        <p:tgtEl>
+                                          <p:spTgt spid="6"/>
+                                        </p:tgtEl>
+                                        <p:attrNameLst>
+                                          <p:attrName>style.visibility</p:attrName>
+                                        </p:attrNameLst>
+                                      </p:cBhvr>
+                                      <p:to>
+                                        <p:strVal val="visible"/>
+                                      </p:to>
+                                    </p:set>
+                                  </p:childTnLst>
+                                </p:cTn>
+                              </p:par>
+                              <p:par>
+                                <p:cTn id="11" presetID="1" presetClass="entr" presetSubtype="0" fill="hold" nodeType="withEffect">
+                                  <p:stCondLst>
+                                    <p:cond delay="0"/>
+                                  </p:stCondLst>
+                                  <p:childTnLst>
+                                    <p:set>
+                                      <p:cBhvr>
+                                        <p:cTn id="12" dur="1" fill="hold">
+                                          <p:stCondLst>
+                                            <p:cond delay="0"/>
+                                          </p:stCondLst>
+                                        </p:cTn>
+                                        <p:tgtEl>
+                                          <p:spTgt spid="7"/>
+                                        </p:tgtEl>
+                                        <p:attrNameLst>
+                                          <p:attrName>style.visibility</p:attrName>
+                                        </p:attrNameLst>
+                                      </p:cBhvr>
+                                      <p:to>
+                                        <p:strVal val="visible"/>
+                                      </p:to>
+                                    </p:set>
+                                  </p:childTnLst>
+                                </p:cTn>
+                              </p:par>
+                              <p:par>
+                                <p:cTn id="13" presetID="1" presetClass="entr" presetSubtype="0" fill="hold" nodeType="withEffect">
+                                  <p:stCondLst>
+                                    <p:cond delay="0"/>
+                                  </p:stCondLst>
+                                  <p:childTnLst>
+                                    <p:set>
+                                      <p:cBhvr>
+                                        <p:cTn id="14" dur="1" fill="hold">
+                                          <p:stCondLst>
+                                            <p:cond delay="0"/>
+                                          </p:stCondLst>
+                                        </p:cTn>
+                                        <p:tgtEl>
+                                          <p:spTgt spid="8"/>
+                                        </p:tgtEl>
+                                        <p:attrNameLst>
+                                          <p:attrName>style.visibility</p:attrName>
+                                        </p:attrNameLst>
+                                      </p:cBhvr>
+                                      <p:to>
+                                        <p:strVal val="visible"/>
+                                      </p:to>
+                                    </p:set>
+                                  </p:childTnLst>
+                                </p:cTn>
+                              </p:par>
+                              <p:par>
+                                <p:cTn id="15" presetID="1" presetClass="entr" presetSubtype="0" fill="hold" grpId="0" nodeType="withEffect">
+                                  <p:stCondLst>
+                                    <p:cond delay="0"/>
+                                  </p:stCondLst>
+                                  <p:childTnLst>
+                                    <p:set>
+                                      <p:cBhvr>
+                                        <p:cTn id="16" dur="1" fill="hold">
+                                          <p:stCondLst>
+                                            <p:cond delay="0"/>
+                                          </p:stCondLst>
+                                        </p:cTn>
+                                        <p:tgtEl>
+                                          <p:spTgt spid="9"/>
+                                        </p:tgtEl>
+                                        <p:attrNameLst>
+                                          <p:attrName>style.visibility</p:attrName>
+                                        </p:attrNameLst>
+                                      </p:cBhvr>
+                                      <p:to>
+                                        <p:strVal val="visible"/>
+                                      </p:to>
+                                    </p:set>
+                                  </p:childTnLst>
+                                </p:cTn>
+                              </p:par>
+                              <p:par>
+                                <p:cTn id="17" presetID="1" presetClass="entr" presetSubtype="0" fill="hold" nodeType="withEffect">
+                                  <p:stCondLst>
+                                    <p:cond delay="0"/>
+                                  </p:stCondLst>
+                                  <p:childTnLst>
+                                    <p:set>
+                                      <p:cBhvr>
+                                        <p:cTn id="18" dur="1" fill="hold">
+                                          <p:stCondLst>
+                                            <p:cond delay="0"/>
+                                          </p:stCondLst>
+                                        </p:cTn>
+                                        <p:tgtEl>
+                                          <p:spTgt spid="10"/>
+                                        </p:tgtEl>
+                                        <p:attrNameLst>
+                                          <p:attrName>style.visibility</p:attrName>
+                                        </p:attrNameLst>
+                                      </p:cBhvr>
+                                      <p:to>
+                                        <p:strVal val="visible"/>
+                                      </p:to>
+                                    </p:set>
+                                  </p:childTnLst>
+                                </p:cTn>
+                              </p:par>
+                              <p:par>
+                                <p:cTn id="19" presetID="1" presetClass="entr" presetSubtype="0" fill="hold" nodeType="withEffect">
+                                  <p:stCondLst>
+                                    <p:cond delay="0"/>
+                                  </p:stCondLst>
+                                  <p:childTnLst>
+                                    <p:set>
+                                      <p:cBhvr>
+                                        <p:cTn id="20" dur="1" fill="hold">
+                                          <p:stCondLst>
+                                            <p:cond delay="0"/>
+                                          </p:stCondLst>
+                                        </p:cTn>
+                                        <p:tgtEl>
+                                          <p:spTgt spid="11"/>
+                                        </p:tgtEl>
+                                        <p:attrNameLst>
+                                          <p:attrName>style.visibility</p:attrName>
+                                        </p:attrNameLst>
+                                      </p:cBhvr>
+                                      <p:to>
+                                        <p:strVal val="visible"/>
+                                      </p:to>
+                                    </p:set>
+                                  </p:childTnLst>
+                                </p:cTn>
+                              </p:par>
+                              <p:par>
+                                <p:cTn id="21" presetID="1" presetClass="entr" presetSubtype="0" fill="hold" nodeType="withEffect">
+                                  <p:stCondLst>
+                                    <p:cond delay="0"/>
+                                  </p:stCondLst>
+                                  <p:childTnLst>
+                                    <p:set>
+                                      <p:cBhvr>
+                                        <p:cTn id="22" dur="1" fill="hold">
+                                          <p:stCondLst>
+                                            <p:cond delay="0"/>
+                                          </p:stCondLst>
+                                        </p:cTn>
+                                        <p:tgtEl>
+                                          <p:spTgt spid="12"/>
+                                        </p:tgtEl>
+                                        <p:attrNameLst>
+                                          <p:attrName>style.visibility</p:attrName>
+                                        </p:attrNameLst>
+                                      </p:cBhvr>
+                                      <p:to>
+                                        <p:strVal val="visible"/>
+                                      </p:to>
+                                    </p:set>
+                                  </p:childTnLst>
+                                </p:cTn>
+                              </p:par>
+                              <p:par>
+                                <p:cTn id="23" presetID="1" presetClass="entr" presetSubtype="0" fill="hold" grpId="0" nodeType="withEffect">
+                                  <p:stCondLst>
+                                    <p:cond delay="0"/>
+                                  </p:stCondLst>
+                                  <p:childTnLst>
+                                    <p:set>
+                                      <p:cBhvr>
+                                        <p:cTn id="24" dur="1" fill="hold">
+                                          <p:stCondLst>
+                                            <p:cond delay="0"/>
+                                          </p:stCondLst>
+                                        </p:cTn>
+                                        <p:tgtEl>
+                                          <p:spTgt spid="13"/>
+                                        </p:tgtEl>
+                                        <p:attrNameLst>
+                                          <p:attrName>style.visibility</p:attrName>
+                                        </p:attrNameLst>
+                                      </p:cBhvr>
+                                      <p:to>
+                                        <p:strVal val="visible"/>
+                                      </p:to>
+                                    </p:set>
+                                  </p:childTnLst>
+                                </p:cTn>
+                              </p:par>
+                            </p:childTnLst>
+                          </p:cTn>
+                        </p:par>
+                      </p:childTnLst>
+                    </p:cTn>
+                  </p:par>
+                </p:childTnLst>
+              </p:cTn>
+              <p:prevCondLst>
+                <p:cond evt="onPrev" delay="0">
+                  <p:tgtEl>
+                    <p:sldTgt/>
+                  </p:tgtEl>
+                </p:cond>
+              </p:prevCondLst>
+              <p:nextCondLst>
+                <p:cond evt="onNext" delay="0">
+                  <p:tgtEl>
+                    <p:sldTgt/>
+                  </p:tgtEl>
+                </p:cond>
+              </p:nextCondLst>
+            </p:seq>
+          </p:childTnLst>
+        </p:cTn>
+      </p:par>
+    </p:tnLst>
+    <p:bldLst>
+      <p:bldP spid="4" grpId="0"/>
+      <p:bldP spid="5" grpId="0"/>
+      <p:bldP spid="6" grpId="0"/>
+      <p:bldP spid="9" grpId="0"/>
+      <p:bldP spid="13" grpId="0"/>
+    </p:bldLst>
+  </p:timing>
 </p:sld>
 </file>
 
@@ -7500,7 +7806,7 @@
           <a:p>
             <a:r>
               <a:rPr lang="en-US" dirty="0"/>
-              <a:t>Affect compulsive behavior?</a:t>
+              <a:t>Affect compulsivity?</a:t>
             </a:r>
           </a:p>
           <a:p>
@@ -7509,8 +7815,13 @@
           <a:p>
             <a:r>
               <a:rPr lang="en-US" dirty="0"/>
-              <a:t>Affect risky decision making?</a:t>
-            </a:r>
+              <a:t>Affect risky decision making </a:t>
+            </a:r>
+            <a:r>
+              <a:rPr lang="en-US"/>
+              <a:t>via benefits/costs?</a:t>
+            </a:r>
+            <a:endParaRPr lang="en-US" dirty="0"/>
           </a:p>
           <a:p>
             <a:endParaRPr lang="en-US" dirty="0"/>
@@ -9787,10 +10098,10 @@
       </p:sp>
       <p:sp>
         <p:nvSpPr>
-          <p:cNvPr id="5" name="Content Placeholder 2">
-            <a:extLst>
-              <a:ext uri="{FF2B5EF4-FFF2-40B4-BE49-F238E27FC236}">
-                <a16:creationId xmlns:a16="http://schemas.microsoft.com/office/drawing/2014/main" id="{44CFA508-1D36-4B92-92BC-4C3D077A0FEB}"/>
+          <p:cNvPr id="11" name="Content Placeholder 2">
+            <a:extLst>
+              <a:ext uri="{FF2B5EF4-FFF2-40B4-BE49-F238E27FC236}">
+                <a16:creationId xmlns:a16="http://schemas.microsoft.com/office/drawing/2014/main" id="{979FDBE3-61F3-454E-A725-D0E9ADA296E0}"/>
               </a:ext>
             </a:extLst>
           </p:cNvPr>
@@ -9801,7 +10112,311 @@
         </p:nvSpPr>
         <p:spPr>
           <a:xfrm>
-            <a:off x="1330842" y="2775467"/>
+            <a:off x="838200" y="2638276"/>
+            <a:ext cx="3889744" cy="502905"/>
+          </a:xfrm>
+          <a:prstGeom prst="rect">
+            <a:avLst/>
+          </a:prstGeom>
+        </p:spPr>
+        <p:txBody>
+          <a:bodyPr vert="horz" lIns="91440" tIns="45720" rIns="91440" bIns="45720" rtlCol="0">
+            <a:normAutofit/>
+          </a:bodyPr>
+          <a:lstStyle>
+            <a:lvl1pPr marL="228600" indent="-228600" algn="l" defTabSz="914400" rtl="0" eaLnBrk="1" latinLnBrk="0" hangingPunct="1">
+              <a:lnSpc>
+                <a:spcPct val="90000"/>
+              </a:lnSpc>
+              <a:spcBef>
+                <a:spcPts val="1000"/>
+              </a:spcBef>
+              <a:buFont typeface="Arial" panose="020B0604020202020204" pitchFamily="34" charset="0"/>
+              <a:buChar char="•"/>
+              <a:defRPr sz="2800" kern="1200">
+                <a:solidFill>
+                  <a:schemeClr val="tx1"/>
+                </a:solidFill>
+                <a:latin typeface="+mn-lt"/>
+                <a:ea typeface="+mn-ea"/>
+                <a:cs typeface="+mn-cs"/>
+              </a:defRPr>
+            </a:lvl1pPr>
+            <a:lvl2pPr marL="685800" indent="-228600" algn="l" defTabSz="914400" rtl="0" eaLnBrk="1" latinLnBrk="0" hangingPunct="1">
+              <a:lnSpc>
+                <a:spcPct val="90000"/>
+              </a:lnSpc>
+              <a:spcBef>
+                <a:spcPts val="500"/>
+              </a:spcBef>
+              <a:buFont typeface="Arial" panose="020B0604020202020204" pitchFamily="34" charset="0"/>
+              <a:buChar char="•"/>
+              <a:defRPr sz="2400" kern="1200">
+                <a:solidFill>
+                  <a:schemeClr val="tx1"/>
+                </a:solidFill>
+                <a:latin typeface="+mn-lt"/>
+                <a:ea typeface="+mn-ea"/>
+                <a:cs typeface="+mn-cs"/>
+              </a:defRPr>
+            </a:lvl2pPr>
+            <a:lvl3pPr marL="1143000" indent="-228600" algn="l" defTabSz="914400" rtl="0" eaLnBrk="1" latinLnBrk="0" hangingPunct="1">
+              <a:lnSpc>
+                <a:spcPct val="90000"/>
+              </a:lnSpc>
+              <a:spcBef>
+                <a:spcPts val="500"/>
+              </a:spcBef>
+              <a:buFont typeface="Arial" panose="020B0604020202020204" pitchFamily="34" charset="0"/>
+              <a:buChar char="•"/>
+              <a:defRPr sz="2000" kern="1200">
+                <a:solidFill>
+                  <a:schemeClr val="tx1"/>
+                </a:solidFill>
+                <a:latin typeface="+mn-lt"/>
+                <a:ea typeface="+mn-ea"/>
+                <a:cs typeface="+mn-cs"/>
+              </a:defRPr>
+            </a:lvl3pPr>
+            <a:lvl4pPr marL="1600200" indent="-228600" algn="l" defTabSz="914400" rtl="0" eaLnBrk="1" latinLnBrk="0" hangingPunct="1">
+              <a:lnSpc>
+                <a:spcPct val="90000"/>
+              </a:lnSpc>
+              <a:spcBef>
+                <a:spcPts val="500"/>
+              </a:spcBef>
+              <a:buFont typeface="Arial" panose="020B0604020202020204" pitchFamily="34" charset="0"/>
+              <a:buChar char="•"/>
+              <a:defRPr sz="1800" kern="1200">
+                <a:solidFill>
+                  <a:schemeClr val="tx1"/>
+                </a:solidFill>
+                <a:latin typeface="+mn-lt"/>
+                <a:ea typeface="+mn-ea"/>
+                <a:cs typeface="+mn-cs"/>
+              </a:defRPr>
+            </a:lvl4pPr>
+            <a:lvl5pPr marL="2057400" indent="-228600" algn="l" defTabSz="914400" rtl="0" eaLnBrk="1" latinLnBrk="0" hangingPunct="1">
+              <a:lnSpc>
+                <a:spcPct val="90000"/>
+              </a:lnSpc>
+              <a:spcBef>
+                <a:spcPts val="500"/>
+              </a:spcBef>
+              <a:buFont typeface="Arial" panose="020B0604020202020204" pitchFamily="34" charset="0"/>
+              <a:buChar char="•"/>
+              <a:defRPr sz="1800" kern="1200">
+                <a:solidFill>
+                  <a:schemeClr val="tx1"/>
+                </a:solidFill>
+                <a:latin typeface="+mn-lt"/>
+                <a:ea typeface="+mn-ea"/>
+                <a:cs typeface="+mn-cs"/>
+              </a:defRPr>
+            </a:lvl5pPr>
+            <a:lvl6pPr marL="2514600" indent="-228600" algn="l" defTabSz="914400" rtl="0" eaLnBrk="1" latinLnBrk="0" hangingPunct="1">
+              <a:lnSpc>
+                <a:spcPct val="90000"/>
+              </a:lnSpc>
+              <a:spcBef>
+                <a:spcPts val="500"/>
+              </a:spcBef>
+              <a:buFont typeface="Arial" panose="020B0604020202020204" pitchFamily="34" charset="0"/>
+              <a:buChar char="•"/>
+              <a:defRPr sz="1800" kern="1200">
+                <a:solidFill>
+                  <a:schemeClr val="tx1"/>
+                </a:solidFill>
+                <a:latin typeface="+mn-lt"/>
+                <a:ea typeface="+mn-ea"/>
+                <a:cs typeface="+mn-cs"/>
+              </a:defRPr>
+            </a:lvl6pPr>
+            <a:lvl7pPr marL="2971800" indent="-228600" algn="l" defTabSz="914400" rtl="0" eaLnBrk="1" latinLnBrk="0" hangingPunct="1">
+              <a:lnSpc>
+                <a:spcPct val="90000"/>
+              </a:lnSpc>
+              <a:spcBef>
+                <a:spcPts val="500"/>
+              </a:spcBef>
+              <a:buFont typeface="Arial" panose="020B0604020202020204" pitchFamily="34" charset="0"/>
+              <a:buChar char="•"/>
+              <a:defRPr sz="1800" kern="1200">
+                <a:solidFill>
+                  <a:schemeClr val="tx1"/>
+                </a:solidFill>
+                <a:latin typeface="+mn-lt"/>
+                <a:ea typeface="+mn-ea"/>
+                <a:cs typeface="+mn-cs"/>
+              </a:defRPr>
+            </a:lvl7pPr>
+            <a:lvl8pPr marL="3429000" indent="-228600" algn="l" defTabSz="914400" rtl="0" eaLnBrk="1" latinLnBrk="0" hangingPunct="1">
+              <a:lnSpc>
+                <a:spcPct val="90000"/>
+              </a:lnSpc>
+              <a:spcBef>
+                <a:spcPts val="500"/>
+              </a:spcBef>
+              <a:buFont typeface="Arial" panose="020B0604020202020204" pitchFamily="34" charset="0"/>
+              <a:buChar char="•"/>
+              <a:defRPr sz="1800" kern="1200">
+                <a:solidFill>
+                  <a:schemeClr val="tx1"/>
+                </a:solidFill>
+                <a:latin typeface="+mn-lt"/>
+                <a:ea typeface="+mn-ea"/>
+                <a:cs typeface="+mn-cs"/>
+              </a:defRPr>
+            </a:lvl8pPr>
+            <a:lvl9pPr marL="3886200" indent="-228600" algn="l" defTabSz="914400" rtl="0" eaLnBrk="1" latinLnBrk="0" hangingPunct="1">
+              <a:lnSpc>
+                <a:spcPct val="90000"/>
+              </a:lnSpc>
+              <a:spcBef>
+                <a:spcPts val="500"/>
+              </a:spcBef>
+              <a:buFont typeface="Arial" panose="020B0604020202020204" pitchFamily="34" charset="0"/>
+              <a:buChar char="•"/>
+              <a:defRPr sz="1800" kern="1200">
+                <a:solidFill>
+                  <a:schemeClr val="tx1"/>
+                </a:solidFill>
+                <a:latin typeface="+mn-lt"/>
+                <a:ea typeface="+mn-ea"/>
+                <a:cs typeface="+mn-cs"/>
+              </a:defRPr>
+            </a:lvl9pPr>
+          </a:lstStyle>
+          <a:p>
+            <a:pPr marL="0" indent="0">
+              <a:buFont typeface="Arial" panose="020B0604020202020204" pitchFamily="34" charset="0"/>
+              <a:buNone/>
+            </a:pPr>
+            <a:r>
+              <a:rPr lang="en-US" sz="2400" dirty="0"/>
+              <a:t>Future behavior (learning)</a:t>
+            </a:r>
+          </a:p>
+        </p:txBody>
+      </p:sp>
+      <p:sp>
+        <p:nvSpPr>
+          <p:cNvPr id="12" name="TextBox 11">
+            <a:extLst>
+              <a:ext uri="{FF2B5EF4-FFF2-40B4-BE49-F238E27FC236}">
+                <a16:creationId xmlns:a16="http://schemas.microsoft.com/office/drawing/2014/main" id="{85477E97-C77A-45E5-A092-93C6949AA13C}"/>
+              </a:ext>
+            </a:extLst>
+          </p:cNvPr>
+          <p:cNvSpPr txBox="1"/>
+          <p:nvPr/>
+        </p:nvSpPr>
+        <p:spPr>
+          <a:xfrm>
+            <a:off x="838200" y="3044572"/>
+            <a:ext cx="4019106" cy="923330"/>
+          </a:xfrm>
+          <a:prstGeom prst="rect">
+            <a:avLst/>
+          </a:prstGeom>
+          <a:noFill/>
+        </p:spPr>
+        <p:txBody>
+          <a:bodyPr wrap="square" rtlCol="0">
+            <a:spAutoFit/>
+          </a:bodyPr>
+          <a:lstStyle/>
+          <a:p>
+            <a:endParaRPr lang="en-US" dirty="0"/>
+          </a:p>
+          <a:p>
+            <a:endParaRPr lang="en-US" dirty="0"/>
+          </a:p>
+          <a:p>
+            <a:r>
+              <a:rPr lang="en-US" dirty="0"/>
+              <a:t>Reward Prediction Errors guide learning</a:t>
+            </a:r>
+          </a:p>
+        </p:txBody>
+      </p:sp>
+      <p:pic>
+        <p:nvPicPr>
+          <p:cNvPr id="13" name="Picture 12">
+            <a:extLst>
+              <a:ext uri="{FF2B5EF4-FFF2-40B4-BE49-F238E27FC236}">
+                <a16:creationId xmlns:a16="http://schemas.microsoft.com/office/drawing/2014/main" id="{E7865E1A-9D97-4ADE-9EA2-BF80C61786CF}"/>
+              </a:ext>
+            </a:extLst>
+          </p:cNvPr>
+          <p:cNvPicPr>
+            <a:picLocks noChangeAspect="1"/>
+          </p:cNvPicPr>
+          <p:nvPr/>
+        </p:nvPicPr>
+        <p:blipFill>
+          <a:blip r:embed="rId2"/>
+          <a:stretch>
+            <a:fillRect/>
+          </a:stretch>
+        </p:blipFill>
+        <p:spPr>
+          <a:xfrm>
+            <a:off x="3120213" y="4667571"/>
+            <a:ext cx="2252773" cy="1349679"/>
+          </a:xfrm>
+          <a:prstGeom prst="rect">
+            <a:avLst/>
+          </a:prstGeom>
+        </p:spPr>
+      </p:pic>
+      <p:pic>
+        <p:nvPicPr>
+          <p:cNvPr id="14" name="Picture 13">
+            <a:extLst>
+              <a:ext uri="{FF2B5EF4-FFF2-40B4-BE49-F238E27FC236}">
+                <a16:creationId xmlns:a16="http://schemas.microsoft.com/office/drawing/2014/main" id="{0D4BB34D-F418-4167-A05C-D675CDA25862}"/>
+              </a:ext>
+            </a:extLst>
+          </p:cNvPr>
+          <p:cNvPicPr>
+            <a:picLocks noChangeAspect="1"/>
+          </p:cNvPicPr>
+          <p:nvPr/>
+        </p:nvPicPr>
+        <p:blipFill>
+          <a:blip r:embed="rId3"/>
+          <a:stretch>
+            <a:fillRect/>
+          </a:stretch>
+        </p:blipFill>
+        <p:spPr>
+          <a:xfrm>
+            <a:off x="505918" y="4691830"/>
+            <a:ext cx="2465341" cy="1349679"/>
+          </a:xfrm>
+          <a:prstGeom prst="rect">
+            <a:avLst/>
+          </a:prstGeom>
+        </p:spPr>
+      </p:pic>
+      <p:sp>
+        <p:nvSpPr>
+          <p:cNvPr id="15" name="Content Placeholder 2">
+            <a:extLst>
+              <a:ext uri="{FF2B5EF4-FFF2-40B4-BE49-F238E27FC236}">
+                <a16:creationId xmlns:a16="http://schemas.microsoft.com/office/drawing/2014/main" id="{F4196508-0ED3-47B9-9A60-5FE8BBD0D868}"/>
+              </a:ext>
+            </a:extLst>
+          </p:cNvPr>
+          <p:cNvSpPr txBox="1">
+            <a:spLocks/>
+          </p:cNvSpPr>
+          <p:nvPr/>
+        </p:nvSpPr>
+        <p:spPr>
+          <a:xfrm>
+            <a:off x="7334694" y="2641146"/>
             <a:ext cx="3889744" cy="502905"/>
           </a:xfrm>
           <a:prstGeom prst="rect">
@@ -9990,263 +10605,19 @@
       </p:sp>
       <p:sp>
         <p:nvSpPr>
-          <p:cNvPr id="6" name="Content Placeholder 2">
-            <a:extLst>
-              <a:ext uri="{FF2B5EF4-FFF2-40B4-BE49-F238E27FC236}">
-                <a16:creationId xmlns:a16="http://schemas.microsoft.com/office/drawing/2014/main" id="{4EB0B981-26CF-4BF4-8642-FA8C8A1288FC}"/>
-              </a:ext>
-            </a:extLst>
-          </p:cNvPr>
-          <p:cNvSpPr txBox="1">
-            <a:spLocks/>
-          </p:cNvSpPr>
+          <p:cNvPr id="16" name="TextBox 15">
+            <a:extLst>
+              <a:ext uri="{FF2B5EF4-FFF2-40B4-BE49-F238E27FC236}">
+                <a16:creationId xmlns:a16="http://schemas.microsoft.com/office/drawing/2014/main" id="{CD81D1CA-03C7-4FB8-B38F-CA16980798D7}"/>
+              </a:ext>
+            </a:extLst>
+          </p:cNvPr>
+          <p:cNvSpPr txBox="1"/>
           <p:nvPr/>
         </p:nvSpPr>
         <p:spPr>
           <a:xfrm>
-            <a:off x="7129130" y="2711668"/>
-            <a:ext cx="3889744" cy="502905"/>
-          </a:xfrm>
-          <a:prstGeom prst="rect">
-            <a:avLst/>
-          </a:prstGeom>
-        </p:spPr>
-        <p:txBody>
-          <a:bodyPr vert="horz" lIns="91440" tIns="45720" rIns="91440" bIns="45720" rtlCol="0">
-            <a:normAutofit/>
-          </a:bodyPr>
-          <a:lstStyle>
-            <a:lvl1pPr marL="228600" indent="-228600" algn="l" defTabSz="914400" rtl="0" eaLnBrk="1" latinLnBrk="0" hangingPunct="1">
-              <a:lnSpc>
-                <a:spcPct val="90000"/>
-              </a:lnSpc>
-              <a:spcBef>
-                <a:spcPts val="1000"/>
-              </a:spcBef>
-              <a:buFont typeface="Arial" panose="020B0604020202020204" pitchFamily="34" charset="0"/>
-              <a:buChar char="•"/>
-              <a:defRPr sz="2800" kern="1200">
-                <a:solidFill>
-                  <a:schemeClr val="tx1"/>
-                </a:solidFill>
-                <a:latin typeface="+mn-lt"/>
-                <a:ea typeface="+mn-ea"/>
-                <a:cs typeface="+mn-cs"/>
-              </a:defRPr>
-            </a:lvl1pPr>
-            <a:lvl2pPr marL="685800" indent="-228600" algn="l" defTabSz="914400" rtl="0" eaLnBrk="1" latinLnBrk="0" hangingPunct="1">
-              <a:lnSpc>
-                <a:spcPct val="90000"/>
-              </a:lnSpc>
-              <a:spcBef>
-                <a:spcPts val="500"/>
-              </a:spcBef>
-              <a:buFont typeface="Arial" panose="020B0604020202020204" pitchFamily="34" charset="0"/>
-              <a:buChar char="•"/>
-              <a:defRPr sz="2400" kern="1200">
-                <a:solidFill>
-                  <a:schemeClr val="tx1"/>
-                </a:solidFill>
-                <a:latin typeface="+mn-lt"/>
-                <a:ea typeface="+mn-ea"/>
-                <a:cs typeface="+mn-cs"/>
-              </a:defRPr>
-            </a:lvl2pPr>
-            <a:lvl3pPr marL="1143000" indent="-228600" algn="l" defTabSz="914400" rtl="0" eaLnBrk="1" latinLnBrk="0" hangingPunct="1">
-              <a:lnSpc>
-                <a:spcPct val="90000"/>
-              </a:lnSpc>
-              <a:spcBef>
-                <a:spcPts val="500"/>
-              </a:spcBef>
-              <a:buFont typeface="Arial" panose="020B0604020202020204" pitchFamily="34" charset="0"/>
-              <a:buChar char="•"/>
-              <a:defRPr sz="2000" kern="1200">
-                <a:solidFill>
-                  <a:schemeClr val="tx1"/>
-                </a:solidFill>
-                <a:latin typeface="+mn-lt"/>
-                <a:ea typeface="+mn-ea"/>
-                <a:cs typeface="+mn-cs"/>
-              </a:defRPr>
-            </a:lvl3pPr>
-            <a:lvl4pPr marL="1600200" indent="-228600" algn="l" defTabSz="914400" rtl="0" eaLnBrk="1" latinLnBrk="0" hangingPunct="1">
-              <a:lnSpc>
-                <a:spcPct val="90000"/>
-              </a:lnSpc>
-              <a:spcBef>
-                <a:spcPts val="500"/>
-              </a:spcBef>
-              <a:buFont typeface="Arial" panose="020B0604020202020204" pitchFamily="34" charset="0"/>
-              <a:buChar char="•"/>
-              <a:defRPr sz="1800" kern="1200">
-                <a:solidFill>
-                  <a:schemeClr val="tx1"/>
-                </a:solidFill>
-                <a:latin typeface="+mn-lt"/>
-                <a:ea typeface="+mn-ea"/>
-                <a:cs typeface="+mn-cs"/>
-              </a:defRPr>
-            </a:lvl4pPr>
-            <a:lvl5pPr marL="2057400" indent="-228600" algn="l" defTabSz="914400" rtl="0" eaLnBrk="1" latinLnBrk="0" hangingPunct="1">
-              <a:lnSpc>
-                <a:spcPct val="90000"/>
-              </a:lnSpc>
-              <a:spcBef>
-                <a:spcPts val="500"/>
-              </a:spcBef>
-              <a:buFont typeface="Arial" panose="020B0604020202020204" pitchFamily="34" charset="0"/>
-              <a:buChar char="•"/>
-              <a:defRPr sz="1800" kern="1200">
-                <a:solidFill>
-                  <a:schemeClr val="tx1"/>
-                </a:solidFill>
-                <a:latin typeface="+mn-lt"/>
-                <a:ea typeface="+mn-ea"/>
-                <a:cs typeface="+mn-cs"/>
-              </a:defRPr>
-            </a:lvl5pPr>
-            <a:lvl6pPr marL="2514600" indent="-228600" algn="l" defTabSz="914400" rtl="0" eaLnBrk="1" latinLnBrk="0" hangingPunct="1">
-              <a:lnSpc>
-                <a:spcPct val="90000"/>
-              </a:lnSpc>
-              <a:spcBef>
-                <a:spcPts val="500"/>
-              </a:spcBef>
-              <a:buFont typeface="Arial" panose="020B0604020202020204" pitchFamily="34" charset="0"/>
-              <a:buChar char="•"/>
-              <a:defRPr sz="1800" kern="1200">
-                <a:solidFill>
-                  <a:schemeClr val="tx1"/>
-                </a:solidFill>
-                <a:latin typeface="+mn-lt"/>
-                <a:ea typeface="+mn-ea"/>
-                <a:cs typeface="+mn-cs"/>
-              </a:defRPr>
-            </a:lvl6pPr>
-            <a:lvl7pPr marL="2971800" indent="-228600" algn="l" defTabSz="914400" rtl="0" eaLnBrk="1" latinLnBrk="0" hangingPunct="1">
-              <a:lnSpc>
-                <a:spcPct val="90000"/>
-              </a:lnSpc>
-              <a:spcBef>
-                <a:spcPts val="500"/>
-              </a:spcBef>
-              <a:buFont typeface="Arial" panose="020B0604020202020204" pitchFamily="34" charset="0"/>
-              <a:buChar char="•"/>
-              <a:defRPr sz="1800" kern="1200">
-                <a:solidFill>
-                  <a:schemeClr val="tx1"/>
-                </a:solidFill>
-                <a:latin typeface="+mn-lt"/>
-                <a:ea typeface="+mn-ea"/>
-                <a:cs typeface="+mn-cs"/>
-              </a:defRPr>
-            </a:lvl7pPr>
-            <a:lvl8pPr marL="3429000" indent="-228600" algn="l" defTabSz="914400" rtl="0" eaLnBrk="1" latinLnBrk="0" hangingPunct="1">
-              <a:lnSpc>
-                <a:spcPct val="90000"/>
-              </a:lnSpc>
-              <a:spcBef>
-                <a:spcPts val="500"/>
-              </a:spcBef>
-              <a:buFont typeface="Arial" panose="020B0604020202020204" pitchFamily="34" charset="0"/>
-              <a:buChar char="•"/>
-              <a:defRPr sz="1800" kern="1200">
-                <a:solidFill>
-                  <a:schemeClr val="tx1"/>
-                </a:solidFill>
-                <a:latin typeface="+mn-lt"/>
-                <a:ea typeface="+mn-ea"/>
-                <a:cs typeface="+mn-cs"/>
-              </a:defRPr>
-            </a:lvl8pPr>
-            <a:lvl9pPr marL="3886200" indent="-228600" algn="l" defTabSz="914400" rtl="0" eaLnBrk="1" latinLnBrk="0" hangingPunct="1">
-              <a:lnSpc>
-                <a:spcPct val="90000"/>
-              </a:lnSpc>
-              <a:spcBef>
-                <a:spcPts val="500"/>
-              </a:spcBef>
-              <a:buFont typeface="Arial" panose="020B0604020202020204" pitchFamily="34" charset="0"/>
-              <a:buChar char="•"/>
-              <a:defRPr sz="1800" kern="1200">
-                <a:solidFill>
-                  <a:schemeClr val="tx1"/>
-                </a:solidFill>
-                <a:latin typeface="+mn-lt"/>
-                <a:ea typeface="+mn-ea"/>
-                <a:cs typeface="+mn-cs"/>
-              </a:defRPr>
-            </a:lvl9pPr>
-          </a:lstStyle>
-          <a:p>
-            <a:pPr marL="0" indent="0">
-              <a:buFont typeface="Arial" panose="020B0604020202020204" pitchFamily="34" charset="0"/>
-              <a:buNone/>
-            </a:pPr>
-            <a:r>
-              <a:rPr lang="en-US" sz="2400" dirty="0"/>
-              <a:t>Future behavior (learning)</a:t>
-            </a:r>
-          </a:p>
-        </p:txBody>
-      </p:sp>
-      <p:sp>
-        <p:nvSpPr>
-          <p:cNvPr id="7" name="TextBox 6">
-            <a:extLst>
-              <a:ext uri="{FF2B5EF4-FFF2-40B4-BE49-F238E27FC236}">
-                <a16:creationId xmlns:a16="http://schemas.microsoft.com/office/drawing/2014/main" id="{AFC04FD7-80B0-45E6-A30A-6460D2AD5D8B}"/>
-              </a:ext>
-            </a:extLst>
-          </p:cNvPr>
-          <p:cNvSpPr txBox="1"/>
-          <p:nvPr/>
-        </p:nvSpPr>
-        <p:spPr>
-          <a:xfrm>
-            <a:off x="7129130" y="3117964"/>
-            <a:ext cx="4019106" cy="923330"/>
-          </a:xfrm>
-          <a:prstGeom prst="rect">
-            <a:avLst/>
-          </a:prstGeom>
-          <a:noFill/>
-        </p:spPr>
-        <p:txBody>
-          <a:bodyPr wrap="square" rtlCol="0">
-            <a:spAutoFit/>
-          </a:bodyPr>
-          <a:lstStyle/>
-          <a:p>
-            <a:endParaRPr lang="en-US" dirty="0"/>
-          </a:p>
-          <a:p>
-            <a:endParaRPr lang="en-US" dirty="0"/>
-          </a:p>
-          <a:p>
-            <a:r>
-              <a:rPr lang="en-US" dirty="0"/>
-              <a:t>Reward Prediction Errors guide learning</a:t>
-            </a:r>
-          </a:p>
-        </p:txBody>
-      </p:sp>
-      <p:sp>
-        <p:nvSpPr>
-          <p:cNvPr id="8" name="TextBox 7">
-            <a:extLst>
-              <a:ext uri="{FF2B5EF4-FFF2-40B4-BE49-F238E27FC236}">
-                <a16:creationId xmlns:a16="http://schemas.microsoft.com/office/drawing/2014/main" id="{7C9DA553-0132-4CE4-8996-3775A9FE9F40}"/>
-              </a:ext>
-            </a:extLst>
-          </p:cNvPr>
-          <p:cNvSpPr txBox="1"/>
-          <p:nvPr/>
-        </p:nvSpPr>
-        <p:spPr>
-          <a:xfrm>
-            <a:off x="1330842" y="3579629"/>
+            <a:off x="7334694" y="3445308"/>
             <a:ext cx="4019106" cy="646331"/>
           </a:xfrm>
           <a:prstGeom prst="rect">
@@ -10262,71 +10633,11 @@
           <a:p>
             <a:r>
               <a:rPr lang="en-US" dirty="0"/>
-              <a:t>DA lesions leads to akinetic movements and the choice to not pursue rewards</a:t>
-            </a:r>
-          </a:p>
-        </p:txBody>
-      </p:sp>
-      <p:pic>
-        <p:nvPicPr>
-          <p:cNvPr id="9" name="Picture 8">
-            <a:extLst>
-              <a:ext uri="{FF2B5EF4-FFF2-40B4-BE49-F238E27FC236}">
-                <a16:creationId xmlns:a16="http://schemas.microsoft.com/office/drawing/2014/main" id="{A36DE47B-9C39-41D8-9148-CB9338FAD5E4}"/>
-              </a:ext>
-            </a:extLst>
-          </p:cNvPr>
-          <p:cNvPicPr>
-            <a:picLocks noChangeAspect="1"/>
-          </p:cNvPicPr>
-          <p:nvPr/>
-        </p:nvPicPr>
-        <p:blipFill>
-          <a:blip r:embed="rId2"/>
-          <a:stretch>
-            <a:fillRect/>
-          </a:stretch>
-        </p:blipFill>
-        <p:spPr>
-          <a:xfrm>
-            <a:off x="9411143" y="4740963"/>
-            <a:ext cx="2252773" cy="1349679"/>
-          </a:xfrm>
-          <a:prstGeom prst="rect">
-            <a:avLst/>
-          </a:prstGeom>
-        </p:spPr>
-      </p:pic>
-      <p:pic>
-        <p:nvPicPr>
-          <p:cNvPr id="10" name="Picture 9">
-            <a:extLst>
-              <a:ext uri="{FF2B5EF4-FFF2-40B4-BE49-F238E27FC236}">
-                <a16:creationId xmlns:a16="http://schemas.microsoft.com/office/drawing/2014/main" id="{1CA0BDD4-E6B8-431F-AF73-2D2A359F46CD}"/>
-              </a:ext>
-            </a:extLst>
-          </p:cNvPr>
-          <p:cNvPicPr>
-            <a:picLocks noChangeAspect="1"/>
-          </p:cNvPicPr>
-          <p:nvPr/>
-        </p:nvPicPr>
-        <p:blipFill>
-          <a:blip r:embed="rId3"/>
-          <a:stretch>
-            <a:fillRect/>
-          </a:stretch>
-        </p:blipFill>
-        <p:spPr>
-          <a:xfrm>
-            <a:off x="6796848" y="4765222"/>
-            <a:ext cx="2465341" cy="1349679"/>
-          </a:xfrm>
-          <a:prstGeom prst="rect">
-            <a:avLst/>
-          </a:prstGeom>
-        </p:spPr>
-      </p:pic>
+              <a:t>DA lesions leads to choice to not pursue rewards</a:t>
+            </a:r>
+          </a:p>
+        </p:txBody>
+      </p:sp>
     </p:spTree>
     <p:extLst>
       <p:ext uri="{BB962C8B-B14F-4D97-AF65-F5344CB8AC3E}">
@@ -10420,7 +10731,7 @@
                                           </p:stCondLst>
                                         </p:cTn>
                                         <p:tgtEl>
-                                          <p:spTgt spid="5"/>
+                                          <p:spTgt spid="11"/>
                                         </p:tgtEl>
                                         <p:attrNameLst>
                                           <p:attrName>style.visibility</p:attrName>
@@ -10447,7 +10758,61 @@
                                           </p:stCondLst>
                                         </p:cTn>
                                         <p:tgtEl>
-                                          <p:spTgt spid="8"/>
+                                          <p:spTgt spid="12"/>
+                                        </p:tgtEl>
+                                        <p:attrNameLst>
+                                          <p:attrName>style.visibility</p:attrName>
+                                        </p:attrNameLst>
+                                      </p:cBhvr>
+                                      <p:to>
+                                        <p:strVal val="visible"/>
+                                      </p:to>
+                                    </p:set>
+                                  </p:childTnLst>
+                                </p:cTn>
+                              </p:par>
+                              <p:par>
+                                <p:cTn id="13" presetID="1" presetClass="entr" presetSubtype="0" fill="hold" nodeType="withEffect">
+                                  <p:stCondLst>
+                                    <p:cond delay="0"/>
+                                  </p:stCondLst>
+                                  <p:childTnLst>
+                                    <p:set>
+                                      <p:cBhvr>
+                                        <p:cTn id="14" dur="1" fill="hold">
+                                          <p:stCondLst>
+                                            <p:cond delay="0"/>
+                                          </p:stCondLst>
+                                        </p:cTn>
+                                        <p:tgtEl>
+                                          <p:spTgt spid="14"/>
+                                        </p:tgtEl>
+                                        <p:attrNameLst>
+                                          <p:attrName>style.visibility</p:attrName>
+                                        </p:attrNameLst>
+                                      </p:cBhvr>
+                                      <p:to>
+                                        <p:strVal val="visible"/>
+                                      </p:to>
+                                    </p:set>
+                                  </p:childTnLst>
+                                </p:cTn>
+                              </p:par>
+                              <p:par>
+                                <p:cTn id="15" presetID="1" presetClass="entr" presetSubtype="0" fill="hold" nodeType="withEffect">
+                                  <p:stCondLst>
+                                    <p:cond delay="0"/>
+                                  </p:stCondLst>
+                                  <p:childTnLst>
+                                    <p:set>
+                                      <p:cBhvr>
+                                        <p:cTn id="16" dur="1" fill="hold">
+                                          <p:stCondLst>
+                                            <p:cond delay="0"/>
+                                          </p:stCondLst>
+                                        </p:cTn>
+                                        <p:tgtEl>
+                                          <p:spTgt spid="13"/>
                                         </p:tgtEl>
                                         <p:attrNameLst>
                                           <p:attrName>style.visibility</p:attrName>
@@ -10467,32 +10832,32 @@
                     </p:cTn>
                   </p:par>
                   <p:par>
-                    <p:cTn id="13" fill="hold">
+                    <p:cTn id="17" fill="hold">
                       <p:stCondLst>
                         <p:cond delay="indefinite"/>
                       </p:stCondLst>
                       <p:childTnLst>
                         <p:par>
-                          <p:cTn id="14" fill="hold">
+                          <p:cTn id="18" fill="hold">
                             <p:stCondLst>
                               <p:cond delay="0"/>
                             </p:stCondLst>
                             <p:childTnLst>
                               <p:par>
-                                <p:cTn id="15" presetID="1" presetClass="entr" presetSubtype="0" fill="hold" grpId="0" nodeType="clickEffect">
+                                <p:cTn id="19" presetID="1" presetClass="entr" presetSubtype="0" fill="hold" grpId="0" nodeType="clickEffect">
                                   <p:stCondLst>
                                     <p:cond delay="0"/>
                                   </p:stCondLst>
                                   <p:childTnLst>
                                     <p:set>
                                       <p:cBhvr>
-                                        <p:cTn id="16" dur="1" fill="hold">
+                                        <p:cTn id="20" dur="1" fill="hold">
                                           <p:stCondLst>
                                             <p:cond delay="0"/>
                                           </p:stCondLst>
                                         </p:cTn>
                                         <p:tgtEl>
-                                          <p:spTgt spid="6"/>
+                                          <p:spTgt spid="15"/>
                                         </p:tgtEl>
                                         <p:attrNameLst>
                                           <p:attrName>style.visibility</p:attrName>
@@ -10506,61 +10871,7 @@
                                 </p:cTn>
                               </p:par>
                               <p:par>
-                                <p:cTn id="17" presetID="1" presetClass="entr" presetSubtype="0" fill="hold" grpId="0" nodeType="withEffect">
-                                  <p:stCondLst>
-                                    <p:cond delay="0"/>
-                                  </p:stCondLst>
-                                  <p:childTnLst>
-                                    <p:set>
-                                      <p:cBhvr>
-                                        <p:cTn id="18" dur="1" fill="hold">
-                                          <p:stCondLst>
-                                            <p:cond delay="0"/>
-                                          </p:stCondLst>
-                                        </p:cTn>
-                                        <p:tgtEl>
-                                          <p:spTgt spid="7"/>
-                                        </p:tgtEl>
-                                        <p:attrNameLst>
-                                          <p:attrName>style.visibility</p:attrName>
-                                        </p:attrNameLst>
-                                      </p:cBhvr>
-                                      <p:to>
-                                        <p:strVal val="visible"/>
-                                      </p:to>
-                                    </p:set>
-                                  </p:childTnLst>
-                                </p:cTn>
-                              </p:par>
-                              <p:par>
-                                <p:cTn id="19" presetID="1" presetClass="entr" presetSubtype="0" fill="hold" nodeType="withEffect">
-                                  <p:stCondLst>
-                                    <p:cond delay="0"/>
-                                  </p:stCondLst>
-                                  <p:childTnLst>
-                                    <p:set>
-                                      <p:cBhvr>
-                                        <p:cTn id="20" dur="1" fill="hold">
-                                          <p:stCondLst>
-                                            <p:cond delay="0"/>
-                                          </p:stCondLst>
-                                        </p:cTn>
-                                        <p:tgtEl>
-                                          <p:spTgt spid="10"/>
-                                        </p:tgtEl>
-                                        <p:attrNameLst>
-                                          <p:attrName>style.visibility</p:attrName>
-                                        </p:attrNameLst>
-                                      </p:cBhvr>
-                                      <p:to>
-                                        <p:strVal val="visible"/>
-                                      </p:to>
-                                    </p:set>
-                                  </p:childTnLst>
-                                </p:cTn>
-                              </p:par>
-                              <p:par>
-                                <p:cTn id="21" presetID="1" presetClass="entr" presetSubtype="0" fill="hold" nodeType="withEffect">
+                                <p:cTn id="21" presetID="1" presetClass="entr" presetSubtype="0" fill="hold" grpId="0" nodeType="withEffect">
                                   <p:stCondLst>
                                     <p:cond delay="0"/>
                                   </p:stCondLst>
@@ -10573,7 +10884,7 @@
                                           </p:stCondLst>
                                         </p:cTn>
                                         <p:tgtEl>
-                                          <p:spTgt spid="9"/>
+                                          <p:spTgt spid="16"/>
                                         </p:tgtEl>
                                         <p:attrNameLst>
                                           <p:attrName>style.visibility</p:attrName>
@@ -10614,10 +10925,10 @@
       </p:par>
     </p:tnLst>
     <p:bldLst>
-      <p:bldP spid="5" grpId="0"/>
-      <p:bldP spid="6" grpId="0"/>
-      <p:bldP spid="7" grpId="0"/>
-      <p:bldP spid="8" grpId="0"/>
+      <p:bldP spid="11" grpId="0"/>
+      <p:bldP spid="12" grpId="0"/>
+      <p:bldP spid="15" grpId="0"/>
+      <p:bldP spid="16" grpId="0"/>
     </p:bldLst>
   </p:timing>
 </p:sld>

--- a/BortonLabMeeting12.7.pptx
+++ b/BortonLabMeeting12.7.pptx
@@ -5925,7 +5925,7 @@
         </p:nvSpPr>
         <p:spPr>
           <a:xfrm>
-            <a:off x="3341966" y="4253226"/>
+            <a:off x="192366" y="4162914"/>
             <a:ext cx="740908" cy="461665"/>
           </a:xfrm>
           <a:prstGeom prst="rect">
@@ -5960,7 +5960,7 @@
         </p:nvSpPr>
         <p:spPr>
           <a:xfrm>
-            <a:off x="6913881" y="4317531"/>
+            <a:off x="3764281" y="4227219"/>
             <a:ext cx="1380506" cy="461665"/>
           </a:xfrm>
           <a:prstGeom prst="rect">
@@ -5995,7 +5995,7 @@
         </p:nvSpPr>
         <p:spPr>
           <a:xfrm>
-            <a:off x="4409551" y="5838296"/>
+            <a:off x="1259951" y="5747984"/>
             <a:ext cx="2803844" cy="461665"/>
           </a:xfrm>
           <a:prstGeom prst="rect">
@@ -6034,7 +6034,7 @@
         </p:nvCxnSpPr>
         <p:spPr>
           <a:xfrm flipV="1">
-            <a:off x="5811473" y="4779196"/>
+            <a:off x="2661873" y="4688884"/>
             <a:ext cx="1792661" cy="1059100"/>
           </a:xfrm>
           <a:prstGeom prst="straightConnector1">
@@ -6076,7 +6076,7 @@
         </p:nvCxnSpPr>
         <p:spPr>
           <a:xfrm flipH="1">
-            <a:off x="4616448" y="4548363"/>
+            <a:off x="1466848" y="4458051"/>
             <a:ext cx="1952132" cy="0"/>
           </a:xfrm>
           <a:prstGeom prst="straightConnector1">
@@ -6116,7 +6116,7 @@
         </p:nvSpPr>
         <p:spPr>
           <a:xfrm>
-            <a:off x="4551203" y="4157615"/>
+            <a:off x="1401603" y="4067303"/>
             <a:ext cx="2082621" cy="369332"/>
           </a:xfrm>
           <a:prstGeom prst="rect">
@@ -6155,7 +6155,7 @@
         </p:nvCxnSpPr>
         <p:spPr>
           <a:xfrm flipH="1" flipV="1">
-            <a:off x="3712420" y="4714891"/>
+            <a:off x="562820" y="4624579"/>
             <a:ext cx="2099053" cy="1123405"/>
           </a:xfrm>
           <a:prstGeom prst="straightConnector1">
@@ -6199,7 +6199,7 @@
         </p:nvCxnSpPr>
         <p:spPr>
           <a:xfrm flipH="1">
-            <a:off x="3712420" y="3512773"/>
+            <a:off x="562820" y="3422461"/>
             <a:ext cx="1974821" cy="740453"/>
           </a:xfrm>
           <a:prstGeom prst="straightConnector1">
@@ -6242,7 +6242,7 @@
         </p:nvCxnSpPr>
         <p:spPr>
           <a:xfrm flipH="1" flipV="1">
-            <a:off x="5687241" y="3512773"/>
+            <a:off x="2537641" y="3422461"/>
             <a:ext cx="1921642" cy="831424"/>
           </a:xfrm>
           <a:prstGeom prst="straightConnector1">
@@ -6282,7 +6282,7 @@
         </p:nvSpPr>
         <p:spPr>
           <a:xfrm>
-            <a:off x="4409551" y="3051108"/>
+            <a:off x="1259951" y="2960796"/>
             <a:ext cx="2555380" cy="461665"/>
           </a:xfrm>
           <a:prstGeom prst="rect">
@@ -6300,6 +6300,130 @@
               <a:rPr lang="en-US" sz="2400" dirty="0"/>
               <a:t>Impulsive Behavior</a:t>
             </a:r>
+          </a:p>
+        </p:txBody>
+      </p:sp>
+      <p:pic>
+        <p:nvPicPr>
+          <p:cNvPr id="16" name="Picture 15">
+            <a:extLst>
+              <a:ext uri="{FF2B5EF4-FFF2-40B4-BE49-F238E27FC236}">
+                <a16:creationId xmlns:a16="http://schemas.microsoft.com/office/drawing/2014/main" id="{693BEA31-6880-4EE5-95B1-E08D44CCD3CE}"/>
+              </a:ext>
+            </a:extLst>
+          </p:cNvPr>
+          <p:cNvPicPr>
+            <a:picLocks noChangeAspect="1"/>
+          </p:cNvPicPr>
+          <p:nvPr/>
+        </p:nvPicPr>
+        <p:blipFill>
+          <a:blip r:embed="rId2"/>
+          <a:stretch>
+            <a:fillRect/>
+          </a:stretch>
+        </p:blipFill>
+        <p:spPr>
+          <a:xfrm>
+            <a:off x="5112627" y="3161026"/>
+            <a:ext cx="7044943" cy="3263538"/>
+          </a:xfrm>
+          <a:prstGeom prst="rect">
+            <a:avLst/>
+          </a:prstGeom>
+        </p:spPr>
+      </p:pic>
+      <p:sp>
+        <p:nvSpPr>
+          <p:cNvPr id="17" name="Rectangle 16">
+            <a:extLst>
+              <a:ext uri="{FF2B5EF4-FFF2-40B4-BE49-F238E27FC236}">
+                <a16:creationId xmlns:a16="http://schemas.microsoft.com/office/drawing/2014/main" id="{9601AB3D-3C47-4319-AD96-E0460487E78A}"/>
+              </a:ext>
+            </a:extLst>
+          </p:cNvPr>
+          <p:cNvSpPr/>
+          <p:nvPr/>
+        </p:nvSpPr>
+        <p:spPr>
+          <a:xfrm>
+            <a:off x="5231755" y="4162914"/>
+            <a:ext cx="6686854" cy="675304"/>
+          </a:xfrm>
+          <a:prstGeom prst="rect">
+            <a:avLst/>
+          </a:prstGeom>
+          <a:noFill/>
+        </p:spPr>
+        <p:style>
+          <a:lnRef idx="2">
+            <a:schemeClr val="accent1">
+              <a:shade val="50000"/>
+            </a:schemeClr>
+          </a:lnRef>
+          <a:fillRef idx="1">
+            <a:schemeClr val="accent1"/>
+          </a:fillRef>
+          <a:effectRef idx="0">
+            <a:schemeClr val="accent1"/>
+          </a:effectRef>
+          <a:fontRef idx="minor">
+            <a:schemeClr val="lt1"/>
+          </a:fontRef>
+        </p:style>
+        <p:txBody>
+          <a:bodyPr rtlCol="0" anchor="ctr"/>
+          <a:lstStyle/>
+          <a:p>
+            <a:pPr algn="ctr"/>
+            <a:endParaRPr lang="en-US"/>
+          </a:p>
+        </p:txBody>
+      </p:sp>
+      <p:sp>
+        <p:nvSpPr>
+          <p:cNvPr id="18" name="Rectangle 17">
+            <a:extLst>
+              <a:ext uri="{FF2B5EF4-FFF2-40B4-BE49-F238E27FC236}">
+                <a16:creationId xmlns:a16="http://schemas.microsoft.com/office/drawing/2014/main" id="{8B7F71CC-E038-4165-8652-06D45910CAB5}"/>
+              </a:ext>
+            </a:extLst>
+          </p:cNvPr>
+          <p:cNvSpPr/>
+          <p:nvPr/>
+        </p:nvSpPr>
+        <p:spPr>
+          <a:xfrm>
+            <a:off x="5237387" y="5371042"/>
+            <a:ext cx="6686854" cy="469064"/>
+          </a:xfrm>
+          <a:prstGeom prst="rect">
+            <a:avLst/>
+          </a:prstGeom>
+          <a:noFill/>
+        </p:spPr>
+        <p:style>
+          <a:lnRef idx="2">
+            <a:schemeClr val="accent1">
+              <a:shade val="50000"/>
+            </a:schemeClr>
+          </a:lnRef>
+          <a:fillRef idx="1">
+            <a:schemeClr val="accent1"/>
+          </a:fillRef>
+          <a:effectRef idx="0">
+            <a:schemeClr val="accent1"/>
+          </a:effectRef>
+          <a:fontRef idx="minor">
+            <a:schemeClr val="lt1"/>
+          </a:fontRef>
+        </p:style>
+        <p:txBody>
+          <a:bodyPr rtlCol="0" anchor="ctr"/>
+          <a:lstStyle/>
+          <a:p>
+            <a:pPr algn="ctr"/>
+            <a:endParaRPr lang="en-US"/>
           </a:p>
         </p:txBody>
       </p:sp>
@@ -6609,6 +6733,123 @@
                       </p:childTnLst>
                     </p:cTn>
                   </p:par>
+                  <p:par>
+                    <p:cTn id="25" fill="hold">
+                      <p:stCondLst>
+                        <p:cond delay="indefinite"/>
+                      </p:stCondLst>
+                      <p:childTnLst>
+                        <p:par>
+                          <p:cTn id="26" fill="hold">
+                            <p:stCondLst>
+                              <p:cond delay="0"/>
+                            </p:stCondLst>
+                            <p:childTnLst>
+                              <p:par>
+                                <p:cTn id="27" presetID="1" presetClass="entr" presetSubtype="0" fill="hold" nodeType="clickEffect">
+                                  <p:stCondLst>
+                                    <p:cond delay="0"/>
+                                  </p:stCondLst>
+                                  <p:childTnLst>
+                                    <p:set>
+                                      <p:cBhvr>
+                                        <p:cTn id="28" dur="1" fill="hold">
+                                          <p:stCondLst>
+                                            <p:cond delay="0"/>
+                                          </p:stCondLst>
+                                        </p:cTn>
+                                        <p:tgtEl>
+                                          <p:spTgt spid="16"/>
+                                        </p:tgtEl>
+                                        <p:attrNameLst>
+                                          <p:attrName>style.visibility</p:attrName>
+                                        </p:attrNameLst>
+                                      </p:cBhvr>
+                                      <p:to>
+                                        <p:strVal val="visible"/>
+                                      </p:to>
+                                    </p:set>
+                                  </p:childTnLst>
+                                </p:cTn>
+                              </p:par>
+                            </p:childTnLst>
+                          </p:cTn>
+                        </p:par>
+                      </p:childTnLst>
+                    </p:cTn>
+                  </p:par>
+                  <p:par>
+                    <p:cTn id="29" fill="hold">
+                      <p:stCondLst>
+                        <p:cond delay="indefinite"/>
+                      </p:stCondLst>
+                      <p:childTnLst>
+                        <p:par>
+                          <p:cTn id="30" fill="hold">
+                            <p:stCondLst>
+                              <p:cond delay="0"/>
+                            </p:stCondLst>
+                            <p:childTnLst>
+                              <p:par>
+                                <p:cTn id="31" presetID="1" presetClass="entr" presetSubtype="0" fill="hold" grpId="0" nodeType="clickEffect">
+                                  <p:stCondLst>
+                                    <p:cond delay="0"/>
+                                  </p:stCondLst>
+                                  <p:childTnLst>
+                                    <p:set>
+                                      <p:cBhvr>
+                                        <p:cTn id="32" dur="1" fill="hold">
+                                          <p:stCondLst>
+                                            <p:cond delay="0"/>
+                                          </p:stCondLst>
+                                        </p:cTn>
+                                        <p:tgtEl>
+                                          <p:spTgt spid="18"/>
+                                        </p:tgtEl>
+                                        <p:attrNameLst>
+                                          <p:attrName>style.visibility</p:attrName>
+                                        </p:attrNameLst>
+                                      </p:cBhvr>
+                                      <p:to>
+                                        <p:strVal val="visible"/>
+                                      </p:to>
+                                    </p:set>
+                                  </p:childTnLst>
+                                </p:cTn>
+                              </p:par>
+                              <p:par>
+                                <p:cTn id="33" presetID="1" presetClass="entr" presetSubtype="0" fill="hold" grpId="0" nodeType="withEffect">
+                                  <p:stCondLst>
+                                    <p:cond delay="0"/>
+                                  </p:stCondLst>
+                                  <p:childTnLst>
+                                    <p:set>
+                                      <p:cBhvr>
+                                        <p:cTn id="34" dur="1" fill="hold">
+                                          <p:stCondLst>
+                                            <p:cond delay="0"/>
+                                          </p:stCondLst>
+                                        </p:cTn>
+                                        <p:tgtEl>
+                                          <p:spTgt spid="17"/>
+                                        </p:tgtEl>
+                                        <p:attrNameLst>
+                                          <p:attrName>style.visibility</p:attrName>
+                                        </p:attrNameLst>
+                                      </p:cBhvr>
+                                      <p:to>
+                                        <p:strVal val="visible"/>
+                                      </p:to>
+                                    </p:set>
+                                  </p:childTnLst>
+                                </p:cTn>
+                              </p:par>
+                            </p:childTnLst>
+                          </p:cTn>
+                        </p:par>
+                      </p:childTnLst>
+                    </p:cTn>
+                  </p:par>
                 </p:childTnLst>
               </p:cTn>
               <p:prevCondLst>
@@ -6636,6 +6877,8 @@
       <p:bldP spid="6" grpId="0"/>
       <p:bldP spid="9" grpId="0"/>
       <p:bldP spid="13" grpId="0"/>
+      <p:bldP spid="17" grpId="0" animBg="1"/>
+      <p:bldP spid="18" grpId="0" animBg="1"/>
     </p:bldLst>
   </p:timing>
 </p:sld>
